--- a/CA-SS_mobile_interface_idea/CA-SS_mobile_interface_idea.pptx
+++ b/CA-SS_mobile_interface_idea/CA-SS_mobile_interface_idea.pptx
@@ -5,7 +5,7 @@
     <p:sldMasterId id="2147483648" r:id="rId1"/>
   </p:sldMasterIdLst>
   <p:notesMasterIdLst>
-    <p:notesMasterId r:id="rId15"/>
+    <p:notesMasterId r:id="rId19"/>
   </p:notesMasterIdLst>
   <p:sldIdLst>
     <p:sldId id="256" r:id="rId2"/>
@@ -16,11 +16,15 @@
     <p:sldId id="288" r:id="rId7"/>
     <p:sldId id="289" r:id="rId8"/>
     <p:sldId id="277" r:id="rId9"/>
-    <p:sldId id="281" r:id="rId10"/>
-    <p:sldId id="278" r:id="rId11"/>
-    <p:sldId id="280" r:id="rId12"/>
-    <p:sldId id="279" r:id="rId13"/>
-    <p:sldId id="276" r:id="rId14"/>
+    <p:sldId id="290" r:id="rId10"/>
+    <p:sldId id="291" r:id="rId11"/>
+    <p:sldId id="292" r:id="rId12"/>
+    <p:sldId id="293" r:id="rId13"/>
+    <p:sldId id="281" r:id="rId14"/>
+    <p:sldId id="278" r:id="rId15"/>
+    <p:sldId id="280" r:id="rId16"/>
+    <p:sldId id="279" r:id="rId17"/>
+    <p:sldId id="276" r:id="rId18"/>
   </p:sldIdLst>
   <p:sldSz cx="12192000" cy="6858000"/>
   <p:notesSz cx="6858000" cy="9144000"/>
@@ -138,6 +142,915 @@
 </p:presentation>
 </file>
 
+<file path=ppt/revisionInfo.xml><?xml version="1.0" encoding="utf-8"?>
+<p1510:revInfo xmlns:a="http://schemas.openxmlformats.org/drawingml/2006/main" xmlns:r="http://schemas.openxmlformats.org/officeDocument/2006/relationships" xmlns:p1510="http://schemas.microsoft.com/office/powerpoint/2015/10/main">
+  <p1510:revLst>
+    <p1510:client id="{B2DD12E9-B6A5-450A-8697-5A958F40813F}" v="448" dt="2020-04-12T08:30:36.306"/>
+  </p1510:revLst>
+</p1510:revInfo>
+</file>
+
+<file path=ppt/changesInfos/changesInfo1.xml><?xml version="1.0" encoding="utf-8"?>
+<pc:chgInfo xmlns:a="http://schemas.openxmlformats.org/drawingml/2006/main" xmlns:r="http://schemas.openxmlformats.org/officeDocument/2006/relationships" xmlns:ac="http://schemas.microsoft.com/office/drawing/2013/main/command" xmlns:pc="http://schemas.microsoft.com/office/powerpoint/2013/main/command">
+  <pc:docChgLst>
+    <pc:chgData name="Phan Thanh Tùng" userId="b858d0f9d9d9badc" providerId="LiveId" clId="{B2DD12E9-B6A5-450A-8697-5A958F40813F}"/>
+    <pc:docChg chg="undo redo custSel addSld modSld">
+      <pc:chgData name="Phan Thanh Tùng" userId="b858d0f9d9d9badc" providerId="LiveId" clId="{B2DD12E9-B6A5-450A-8697-5A958F40813F}" dt="2020-04-12T08:30:36.306" v="2045" actId="164"/>
+      <pc:docMkLst>
+        <pc:docMk/>
+      </pc:docMkLst>
+      <pc:sldChg chg="addSp delSp modSp mod">
+        <pc:chgData name="Phan Thanh Tùng" userId="b858d0f9d9d9badc" providerId="LiveId" clId="{B2DD12E9-B6A5-450A-8697-5A958F40813F}" dt="2020-04-12T07:45:19.769" v="495" actId="478"/>
+        <pc:sldMkLst>
+          <pc:docMk/>
+          <pc:sldMk cId="3110053730" sldId="281"/>
+        </pc:sldMkLst>
+        <pc:spChg chg="add mod">
+          <ac:chgData name="Phan Thanh Tùng" userId="b858d0f9d9d9badc" providerId="LiveId" clId="{B2DD12E9-B6A5-450A-8697-5A958F40813F}" dt="2020-04-12T07:44:56.440" v="494" actId="207"/>
+          <ac:spMkLst>
+            <pc:docMk/>
+            <pc:sldMk cId="3110053730" sldId="281"/>
+            <ac:spMk id="5" creationId="{7C7721BC-AD1B-4230-AEA9-01B720BBA3A7}"/>
+          </ac:spMkLst>
+        </pc:spChg>
+        <pc:grpChg chg="add del mod">
+          <ac:chgData name="Phan Thanh Tùng" userId="b858d0f9d9d9badc" providerId="LiveId" clId="{B2DD12E9-B6A5-450A-8697-5A958F40813F}" dt="2020-04-12T07:45:19.769" v="495" actId="478"/>
+          <ac:grpSpMkLst>
+            <pc:docMk/>
+            <pc:sldMk cId="3110053730" sldId="281"/>
+            <ac:grpSpMk id="2" creationId="{1E0B10C1-45EF-420E-B4E8-4AF9EBA75D2B}"/>
+          </ac:grpSpMkLst>
+        </pc:grpChg>
+        <pc:picChg chg="add mod">
+          <ac:chgData name="Phan Thanh Tùng" userId="b858d0f9d9d9badc" providerId="LiveId" clId="{B2DD12E9-B6A5-450A-8697-5A958F40813F}" dt="2020-04-12T07:43:08.583" v="308" actId="164"/>
+          <ac:picMkLst>
+            <pc:docMk/>
+            <pc:sldMk cId="3110053730" sldId="281"/>
+            <ac:picMk id="3" creationId="{10BE17FD-C8FA-44F4-AB16-2A17B8A43019}"/>
+          </ac:picMkLst>
+        </pc:picChg>
+        <pc:picChg chg="del mod">
+          <ac:chgData name="Phan Thanh Tùng" userId="b858d0f9d9d9badc" providerId="LiveId" clId="{B2DD12E9-B6A5-450A-8697-5A958F40813F}" dt="2020-04-12T07:30:17.130" v="200" actId="478"/>
+          <ac:picMkLst>
+            <pc:docMk/>
+            <pc:sldMk cId="3110053730" sldId="281"/>
+            <ac:picMk id="4" creationId="{96DF97E3-A42B-4B0C-859E-11A2AE6F01D5}"/>
+          </ac:picMkLst>
+        </pc:picChg>
+        <pc:picChg chg="add del mod">
+          <ac:chgData name="Phan Thanh Tùng" userId="b858d0f9d9d9badc" providerId="LiveId" clId="{B2DD12E9-B6A5-450A-8697-5A958F40813F}" dt="2020-04-12T07:44:07.463" v="482"/>
+          <ac:picMkLst>
+            <pc:docMk/>
+            <pc:sldMk cId="3110053730" sldId="281"/>
+            <ac:picMk id="6" creationId="{DD4CBB0E-82FE-4659-9651-25361A4A8FC0}"/>
+          </ac:picMkLst>
+        </pc:picChg>
+      </pc:sldChg>
+      <pc:sldChg chg="modSp mod">
+        <pc:chgData name="Phan Thanh Tùng" userId="b858d0f9d9d9badc" providerId="LiveId" clId="{B2DD12E9-B6A5-450A-8697-5A958F40813F}" dt="2020-04-11T14:47:29.384" v="76" actId="1038"/>
+        <pc:sldMkLst>
+          <pc:docMk/>
+          <pc:sldMk cId="3485770288" sldId="282"/>
+        </pc:sldMkLst>
+        <pc:spChg chg="mod">
+          <ac:chgData name="Phan Thanh Tùng" userId="b858d0f9d9d9badc" providerId="LiveId" clId="{B2DD12E9-B6A5-450A-8697-5A958F40813F}" dt="2020-04-11T14:47:19.185" v="59" actId="20577"/>
+          <ac:spMkLst>
+            <pc:docMk/>
+            <pc:sldMk cId="3485770288" sldId="282"/>
+            <ac:spMk id="15" creationId="{5708EB74-6C80-4141-A217-1D5DDDE0F68B}"/>
+          </ac:spMkLst>
+        </pc:spChg>
+        <pc:grpChg chg="mod">
+          <ac:chgData name="Phan Thanh Tùng" userId="b858d0f9d9d9badc" providerId="LiveId" clId="{B2DD12E9-B6A5-450A-8697-5A958F40813F}" dt="2020-04-11T14:47:29.384" v="76" actId="1038"/>
+          <ac:grpSpMkLst>
+            <pc:docMk/>
+            <pc:sldMk cId="3485770288" sldId="282"/>
+            <ac:grpSpMk id="2066" creationId="{3AE74318-C018-4BF9-A014-85E0FDC76C5E}"/>
+          </ac:grpSpMkLst>
+        </pc:grpChg>
+        <pc:picChg chg="mod">
+          <ac:chgData name="Phan Thanh Tùng" userId="b858d0f9d9d9badc" providerId="LiveId" clId="{B2DD12E9-B6A5-450A-8697-5A958F40813F}" dt="2020-04-11T14:47:29.384" v="76" actId="1038"/>
+          <ac:picMkLst>
+            <pc:docMk/>
+            <pc:sldMk cId="3485770288" sldId="282"/>
+            <ac:picMk id="2056" creationId="{CE792C43-466B-4270-BACF-99EDFDA3A818}"/>
+          </ac:picMkLst>
+        </pc:picChg>
+      </pc:sldChg>
+      <pc:sldChg chg="modSp mod">
+        <pc:chgData name="Phan Thanh Tùng" userId="b858d0f9d9d9badc" providerId="LiveId" clId="{B2DD12E9-B6A5-450A-8697-5A958F40813F}" dt="2020-04-11T14:48:26.348" v="110" actId="1037"/>
+        <pc:sldMkLst>
+          <pc:docMk/>
+          <pc:sldMk cId="1509481777" sldId="285"/>
+        </pc:sldMkLst>
+        <pc:spChg chg="mod">
+          <ac:chgData name="Phan Thanh Tùng" userId="b858d0f9d9d9badc" providerId="LiveId" clId="{B2DD12E9-B6A5-450A-8697-5A958F40813F}" dt="2020-04-11T14:48:20.128" v="99" actId="20577"/>
+          <ac:spMkLst>
+            <pc:docMk/>
+            <pc:sldMk cId="1509481777" sldId="285"/>
+            <ac:spMk id="15" creationId="{5708EB74-6C80-4141-A217-1D5DDDE0F68B}"/>
+          </ac:spMkLst>
+        </pc:spChg>
+        <pc:grpChg chg="mod">
+          <ac:chgData name="Phan Thanh Tùng" userId="b858d0f9d9d9badc" providerId="LiveId" clId="{B2DD12E9-B6A5-450A-8697-5A958F40813F}" dt="2020-04-11T14:48:26.348" v="110" actId="1037"/>
+          <ac:grpSpMkLst>
+            <pc:docMk/>
+            <pc:sldMk cId="1509481777" sldId="285"/>
+            <ac:grpSpMk id="2" creationId="{E0E7EE37-1B40-48C8-B5E4-09AA5503ABE6}"/>
+          </ac:grpSpMkLst>
+        </pc:grpChg>
+        <pc:picChg chg="mod">
+          <ac:chgData name="Phan Thanh Tùng" userId="b858d0f9d9d9badc" providerId="LiveId" clId="{B2DD12E9-B6A5-450A-8697-5A958F40813F}" dt="2020-04-11T14:48:26.348" v="110" actId="1037"/>
+          <ac:picMkLst>
+            <pc:docMk/>
+            <pc:sldMk cId="1509481777" sldId="285"/>
+            <ac:picMk id="2056" creationId="{CE792C43-466B-4270-BACF-99EDFDA3A818}"/>
+          </ac:picMkLst>
+        </pc:picChg>
+      </pc:sldChg>
+      <pc:sldChg chg="modSp mod">
+        <pc:chgData name="Phan Thanh Tùng" userId="b858d0f9d9d9badc" providerId="LiveId" clId="{B2DD12E9-B6A5-450A-8697-5A958F40813F}" dt="2020-04-11T14:48:53.640" v="157" actId="1038"/>
+        <pc:sldMkLst>
+          <pc:docMk/>
+          <pc:sldMk cId="1039144538" sldId="286"/>
+        </pc:sldMkLst>
+        <pc:spChg chg="mod">
+          <ac:chgData name="Phan Thanh Tùng" userId="b858d0f9d9d9badc" providerId="LiveId" clId="{B2DD12E9-B6A5-450A-8697-5A958F40813F}" dt="2020-04-11T14:48:41.080" v="140" actId="20577"/>
+          <ac:spMkLst>
+            <pc:docMk/>
+            <pc:sldMk cId="1039144538" sldId="286"/>
+            <ac:spMk id="15" creationId="{5708EB74-6C80-4141-A217-1D5DDDE0F68B}"/>
+          </ac:spMkLst>
+        </pc:spChg>
+        <pc:grpChg chg="mod">
+          <ac:chgData name="Phan Thanh Tùng" userId="b858d0f9d9d9badc" providerId="LiveId" clId="{B2DD12E9-B6A5-450A-8697-5A958F40813F}" dt="2020-04-11T14:48:53.640" v="157" actId="1038"/>
+          <ac:grpSpMkLst>
+            <pc:docMk/>
+            <pc:sldMk cId="1039144538" sldId="286"/>
+            <ac:grpSpMk id="7" creationId="{C9EF6A76-4B3E-44BF-B01D-893517DAC4DD}"/>
+          </ac:grpSpMkLst>
+        </pc:grpChg>
+        <pc:picChg chg="mod">
+          <ac:chgData name="Phan Thanh Tùng" userId="b858d0f9d9d9badc" providerId="LiveId" clId="{B2DD12E9-B6A5-450A-8697-5A958F40813F}" dt="2020-04-11T14:48:53.640" v="157" actId="1038"/>
+          <ac:picMkLst>
+            <pc:docMk/>
+            <pc:sldMk cId="1039144538" sldId="286"/>
+            <ac:picMk id="2056" creationId="{CE792C43-466B-4270-BACF-99EDFDA3A818}"/>
+          </ac:picMkLst>
+        </pc:picChg>
+      </pc:sldChg>
+      <pc:sldChg chg="modSp mod">
+        <pc:chgData name="Phan Thanh Tùng" userId="b858d0f9d9d9badc" providerId="LiveId" clId="{B2DD12E9-B6A5-450A-8697-5A958F40813F}" dt="2020-04-11T14:49:17.746" v="197" actId="1037"/>
+        <pc:sldMkLst>
+          <pc:docMk/>
+          <pc:sldMk cId="3184844376" sldId="287"/>
+        </pc:sldMkLst>
+        <pc:spChg chg="mod">
+          <ac:chgData name="Phan Thanh Tùng" userId="b858d0f9d9d9badc" providerId="LiveId" clId="{B2DD12E9-B6A5-450A-8697-5A958F40813F}" dt="2020-04-11T14:49:07.986" v="177" actId="20577"/>
+          <ac:spMkLst>
+            <pc:docMk/>
+            <pc:sldMk cId="3184844376" sldId="287"/>
+            <ac:spMk id="15" creationId="{5708EB74-6C80-4141-A217-1D5DDDE0F68B}"/>
+          </ac:spMkLst>
+        </pc:spChg>
+        <pc:grpChg chg="mod">
+          <ac:chgData name="Phan Thanh Tùng" userId="b858d0f9d9d9badc" providerId="LiveId" clId="{B2DD12E9-B6A5-450A-8697-5A958F40813F}" dt="2020-04-11T14:49:17.746" v="197" actId="1037"/>
+          <ac:grpSpMkLst>
+            <pc:docMk/>
+            <pc:sldMk cId="3184844376" sldId="287"/>
+            <ac:grpSpMk id="7" creationId="{8EB03108-063D-47A8-9129-C977C107B1A6}"/>
+          </ac:grpSpMkLst>
+        </pc:grpChg>
+        <pc:picChg chg="mod">
+          <ac:chgData name="Phan Thanh Tùng" userId="b858d0f9d9d9badc" providerId="LiveId" clId="{B2DD12E9-B6A5-450A-8697-5A958F40813F}" dt="2020-04-11T14:49:17.746" v="197" actId="1037"/>
+          <ac:picMkLst>
+            <pc:docMk/>
+            <pc:sldMk cId="3184844376" sldId="287"/>
+            <ac:picMk id="2056" creationId="{CE792C43-466B-4270-BACF-99EDFDA3A818}"/>
+          </ac:picMkLst>
+        </pc:picChg>
+      </pc:sldChg>
+      <pc:sldChg chg="addSp delSp modSp add mod">
+        <pc:chgData name="Phan Thanh Tùng" userId="b858d0f9d9d9badc" providerId="LiveId" clId="{B2DD12E9-B6A5-450A-8697-5A958F40813F}" dt="2020-04-12T08:30:36.306" v="2045" actId="164"/>
+        <pc:sldMkLst>
+          <pc:docMk/>
+          <pc:sldMk cId="1516989883" sldId="290"/>
+        </pc:sldMkLst>
+        <pc:spChg chg="add mod topLvl">
+          <ac:chgData name="Phan Thanh Tùng" userId="b858d0f9d9d9badc" providerId="LiveId" clId="{B2DD12E9-B6A5-450A-8697-5A958F40813F}" dt="2020-04-12T08:30:36.306" v="2045" actId="164"/>
+          <ac:spMkLst>
+            <pc:docMk/>
+            <pc:sldMk cId="1516989883" sldId="290"/>
+            <ac:spMk id="10" creationId="{09C931F0-1F3C-4400-97C8-ABB2F3B21358}"/>
+          </ac:spMkLst>
+        </pc:spChg>
+        <pc:spChg chg="mod topLvl">
+          <ac:chgData name="Phan Thanh Tùng" userId="b858d0f9d9d9badc" providerId="LiveId" clId="{B2DD12E9-B6A5-450A-8697-5A958F40813F}" dt="2020-04-12T08:30:36.306" v="2045" actId="164"/>
+          <ac:spMkLst>
+            <pc:docMk/>
+            <pc:sldMk cId="1516989883" sldId="290"/>
+            <ac:spMk id="15" creationId="{5708EB74-6C80-4141-A217-1D5DDDE0F68B}"/>
+          </ac:spMkLst>
+        </pc:spChg>
+        <pc:spChg chg="add mod topLvl">
+          <ac:chgData name="Phan Thanh Tùng" userId="b858d0f9d9d9badc" providerId="LiveId" clId="{B2DD12E9-B6A5-450A-8697-5A958F40813F}" dt="2020-04-12T08:30:36.306" v="2045" actId="164"/>
+          <ac:spMkLst>
+            <pc:docMk/>
+            <pc:sldMk cId="1516989883" sldId="290"/>
+            <ac:spMk id="18" creationId="{0CA77F58-B306-47FF-BE38-FC28E785AD76}"/>
+          </ac:spMkLst>
+        </pc:spChg>
+        <pc:spChg chg="add mod topLvl">
+          <ac:chgData name="Phan Thanh Tùng" userId="b858d0f9d9d9badc" providerId="LiveId" clId="{B2DD12E9-B6A5-450A-8697-5A958F40813F}" dt="2020-04-12T08:30:36.306" v="2045" actId="164"/>
+          <ac:spMkLst>
+            <pc:docMk/>
+            <pc:sldMk cId="1516989883" sldId="290"/>
+            <ac:spMk id="20" creationId="{D28464DB-EE5A-43C2-9545-345DF418F837}"/>
+          </ac:spMkLst>
+        </pc:spChg>
+        <pc:spChg chg="add mod topLvl">
+          <ac:chgData name="Phan Thanh Tùng" userId="b858d0f9d9d9badc" providerId="LiveId" clId="{B2DD12E9-B6A5-450A-8697-5A958F40813F}" dt="2020-04-12T08:30:36.306" v="2045" actId="164"/>
+          <ac:spMkLst>
+            <pc:docMk/>
+            <pc:sldMk cId="1516989883" sldId="290"/>
+            <ac:spMk id="21" creationId="{8BD692D7-5DED-4083-B8C3-BBA0EE70750C}"/>
+          </ac:spMkLst>
+        </pc:spChg>
+        <pc:spChg chg="mod topLvl">
+          <ac:chgData name="Phan Thanh Tùng" userId="b858d0f9d9d9badc" providerId="LiveId" clId="{B2DD12E9-B6A5-450A-8697-5A958F40813F}" dt="2020-04-12T08:30:36.306" v="2045" actId="164"/>
+          <ac:spMkLst>
+            <pc:docMk/>
+            <pc:sldMk cId="1516989883" sldId="290"/>
+            <ac:spMk id="23" creationId="{5E7296C0-CDD4-42AF-88DF-CD3B9B4F7E23}"/>
+          </ac:spMkLst>
+        </pc:spChg>
+        <pc:spChg chg="mod topLvl">
+          <ac:chgData name="Phan Thanh Tùng" userId="b858d0f9d9d9badc" providerId="LiveId" clId="{B2DD12E9-B6A5-450A-8697-5A958F40813F}" dt="2020-04-12T08:30:36.306" v="2045" actId="164"/>
+          <ac:spMkLst>
+            <pc:docMk/>
+            <pc:sldMk cId="1516989883" sldId="290"/>
+            <ac:spMk id="26" creationId="{39A6061F-C2B1-49F7-B960-E326229C9DBA}"/>
+          </ac:spMkLst>
+        </pc:spChg>
+        <pc:spChg chg="mod topLvl">
+          <ac:chgData name="Phan Thanh Tùng" userId="b858d0f9d9d9badc" providerId="LiveId" clId="{B2DD12E9-B6A5-450A-8697-5A958F40813F}" dt="2020-04-12T08:30:36.306" v="2045" actId="164"/>
+          <ac:spMkLst>
+            <pc:docMk/>
+            <pc:sldMk cId="1516989883" sldId="290"/>
+            <ac:spMk id="27" creationId="{5E8E5B42-975F-4B70-B76B-256E16434566}"/>
+          </ac:spMkLst>
+        </pc:spChg>
+        <pc:spChg chg="mod topLvl">
+          <ac:chgData name="Phan Thanh Tùng" userId="b858d0f9d9d9badc" providerId="LiveId" clId="{B2DD12E9-B6A5-450A-8697-5A958F40813F}" dt="2020-04-12T08:30:36.306" v="2045" actId="164"/>
+          <ac:spMkLst>
+            <pc:docMk/>
+            <pc:sldMk cId="1516989883" sldId="290"/>
+            <ac:spMk id="28" creationId="{EAFB982E-13BC-46B6-B4CC-5B486EF97A8D}"/>
+          </ac:spMkLst>
+        </pc:spChg>
+        <pc:spChg chg="mod topLvl">
+          <ac:chgData name="Phan Thanh Tùng" userId="b858d0f9d9d9badc" providerId="LiveId" clId="{B2DD12E9-B6A5-450A-8697-5A958F40813F}" dt="2020-04-12T08:30:36.306" v="2045" actId="164"/>
+          <ac:spMkLst>
+            <pc:docMk/>
+            <pc:sldMk cId="1516989883" sldId="290"/>
+            <ac:spMk id="30" creationId="{CF1A8CCF-2271-4B74-91CC-240ACCC2D46C}"/>
+          </ac:spMkLst>
+        </pc:spChg>
+        <pc:spChg chg="mod topLvl">
+          <ac:chgData name="Phan Thanh Tùng" userId="b858d0f9d9d9badc" providerId="LiveId" clId="{B2DD12E9-B6A5-450A-8697-5A958F40813F}" dt="2020-04-12T08:30:36.306" v="2045" actId="164"/>
+          <ac:spMkLst>
+            <pc:docMk/>
+            <pc:sldMk cId="1516989883" sldId="290"/>
+            <ac:spMk id="31" creationId="{1D07285E-F759-4161-B833-16C098ABE802}"/>
+          </ac:spMkLst>
+        </pc:spChg>
+        <pc:spChg chg="add del mod">
+          <ac:chgData name="Phan Thanh Tùng" userId="b858d0f9d9d9badc" providerId="LiveId" clId="{B2DD12E9-B6A5-450A-8697-5A958F40813F}" dt="2020-04-12T07:43:03.463" v="307" actId="478"/>
+          <ac:spMkLst>
+            <pc:docMk/>
+            <pc:sldMk cId="1516989883" sldId="290"/>
+            <ac:spMk id="40" creationId="{B05EA5B8-3EB5-4B92-9963-0015100B738D}"/>
+          </ac:spMkLst>
+        </pc:spChg>
+        <pc:spChg chg="del mod topLvl">
+          <ac:chgData name="Phan Thanh Tùng" userId="b858d0f9d9d9badc" providerId="LiveId" clId="{B2DD12E9-B6A5-450A-8697-5A958F40813F}" dt="2020-04-12T07:51:16.552" v="638" actId="478"/>
+          <ac:spMkLst>
+            <pc:docMk/>
+            <pc:sldMk cId="1516989883" sldId="290"/>
+            <ac:spMk id="43" creationId="{913DD7AD-7470-4028-A977-F70AAADE492F}"/>
+          </ac:spMkLst>
+        </pc:spChg>
+        <pc:spChg chg="mod topLvl">
+          <ac:chgData name="Phan Thanh Tùng" userId="b858d0f9d9d9badc" providerId="LiveId" clId="{B2DD12E9-B6A5-450A-8697-5A958F40813F}" dt="2020-04-12T08:30:36.306" v="2045" actId="164"/>
+          <ac:spMkLst>
+            <pc:docMk/>
+            <pc:sldMk cId="1516989883" sldId="290"/>
+            <ac:spMk id="44" creationId="{0079D9E8-29E0-41ED-BC04-AEFBD95ECB07}"/>
+          </ac:spMkLst>
+        </pc:spChg>
+        <pc:spChg chg="mod topLvl">
+          <ac:chgData name="Phan Thanh Tùng" userId="b858d0f9d9d9badc" providerId="LiveId" clId="{B2DD12E9-B6A5-450A-8697-5A958F40813F}" dt="2020-04-12T08:30:36.306" v="2045" actId="164"/>
+          <ac:spMkLst>
+            <pc:docMk/>
+            <pc:sldMk cId="1516989883" sldId="290"/>
+            <ac:spMk id="46" creationId="{ECF99418-DDB3-49F5-8970-60A9B49BA324}"/>
+          </ac:spMkLst>
+        </pc:spChg>
+        <pc:spChg chg="del mod topLvl">
+          <ac:chgData name="Phan Thanh Tùng" userId="b858d0f9d9d9badc" providerId="LiveId" clId="{B2DD12E9-B6A5-450A-8697-5A958F40813F}" dt="2020-04-12T07:51:19.216" v="639" actId="478"/>
+          <ac:spMkLst>
+            <pc:docMk/>
+            <pc:sldMk cId="1516989883" sldId="290"/>
+            <ac:spMk id="47" creationId="{1656CFFA-B472-4999-A27F-26CE23C06515}"/>
+          </ac:spMkLst>
+        </pc:spChg>
+        <pc:spChg chg="add del mod">
+          <ac:chgData name="Phan Thanh Tùng" userId="b858d0f9d9d9badc" providerId="LiveId" clId="{B2DD12E9-B6A5-450A-8697-5A958F40813F}" dt="2020-04-12T08:00:00.043" v="968" actId="478"/>
+          <ac:spMkLst>
+            <pc:docMk/>
+            <pc:sldMk cId="1516989883" sldId="290"/>
+            <ac:spMk id="48" creationId="{3103B06F-1F22-4445-8C7A-226704510B0E}"/>
+          </ac:spMkLst>
+        </pc:spChg>
+        <pc:spChg chg="del mod topLvl">
+          <ac:chgData name="Phan Thanh Tùng" userId="b858d0f9d9d9badc" providerId="LiveId" clId="{B2DD12E9-B6A5-450A-8697-5A958F40813F}" dt="2020-04-12T07:51:14.285" v="637" actId="478"/>
+          <ac:spMkLst>
+            <pc:docMk/>
+            <pc:sldMk cId="1516989883" sldId="290"/>
+            <ac:spMk id="49" creationId="{CA6B7B0A-EA21-497F-9F90-CBA2CADBA065}"/>
+          </ac:spMkLst>
+        </pc:spChg>
+        <pc:spChg chg="mod topLvl">
+          <ac:chgData name="Phan Thanh Tùng" userId="b858d0f9d9d9badc" providerId="LiveId" clId="{B2DD12E9-B6A5-450A-8697-5A958F40813F}" dt="2020-04-12T08:30:36.306" v="2045" actId="164"/>
+          <ac:spMkLst>
+            <pc:docMk/>
+            <pc:sldMk cId="1516989883" sldId="290"/>
+            <ac:spMk id="50" creationId="{25FE35B3-A44F-4EEB-A0C0-F5D0FDD8DAE4}"/>
+          </ac:spMkLst>
+        </pc:spChg>
+        <pc:spChg chg="mod topLvl">
+          <ac:chgData name="Phan Thanh Tùng" userId="b858d0f9d9d9badc" providerId="LiveId" clId="{B2DD12E9-B6A5-450A-8697-5A958F40813F}" dt="2020-04-12T08:30:36.306" v="2045" actId="164"/>
+          <ac:spMkLst>
+            <pc:docMk/>
+            <pc:sldMk cId="1516989883" sldId="290"/>
+            <ac:spMk id="51" creationId="{4A64D32E-9FCE-409A-94AF-DAAC5CD4A70E}"/>
+          </ac:spMkLst>
+        </pc:spChg>
+        <pc:spChg chg="mod topLvl">
+          <ac:chgData name="Phan Thanh Tùng" userId="b858d0f9d9d9badc" providerId="LiveId" clId="{B2DD12E9-B6A5-450A-8697-5A958F40813F}" dt="2020-04-12T08:30:36.306" v="2045" actId="164"/>
+          <ac:spMkLst>
+            <pc:docMk/>
+            <pc:sldMk cId="1516989883" sldId="290"/>
+            <ac:spMk id="52" creationId="{1D7D98E3-B86C-46DC-9B17-B4FEC8283782}"/>
+          </ac:spMkLst>
+        </pc:spChg>
+        <pc:spChg chg="mod topLvl">
+          <ac:chgData name="Phan Thanh Tùng" userId="b858d0f9d9d9badc" providerId="LiveId" clId="{B2DD12E9-B6A5-450A-8697-5A958F40813F}" dt="2020-04-12T08:30:36.306" v="2045" actId="164"/>
+          <ac:spMkLst>
+            <pc:docMk/>
+            <pc:sldMk cId="1516989883" sldId="290"/>
+            <ac:spMk id="53" creationId="{579ED3DF-44AD-462E-97E3-3307E55D2700}"/>
+          </ac:spMkLst>
+        </pc:spChg>
+        <pc:spChg chg="add mod topLvl">
+          <ac:chgData name="Phan Thanh Tùng" userId="b858d0f9d9d9badc" providerId="LiveId" clId="{B2DD12E9-B6A5-450A-8697-5A958F40813F}" dt="2020-04-12T08:30:36.306" v="2045" actId="164"/>
+          <ac:spMkLst>
+            <pc:docMk/>
+            <pc:sldMk cId="1516989883" sldId="290"/>
+            <ac:spMk id="54" creationId="{BB689280-4277-43B2-B0D9-8595948E9747}"/>
+          </ac:spMkLst>
+        </pc:spChg>
+        <pc:spChg chg="add mod topLvl">
+          <ac:chgData name="Phan Thanh Tùng" userId="b858d0f9d9d9badc" providerId="LiveId" clId="{B2DD12E9-B6A5-450A-8697-5A958F40813F}" dt="2020-04-12T08:30:36.306" v="2045" actId="164"/>
+          <ac:spMkLst>
+            <pc:docMk/>
+            <pc:sldMk cId="1516989883" sldId="290"/>
+            <ac:spMk id="55" creationId="{BA8130DC-5C67-4F6D-845D-14F3F95C5B8D}"/>
+          </ac:spMkLst>
+        </pc:spChg>
+        <pc:spChg chg="add mod topLvl">
+          <ac:chgData name="Phan Thanh Tùng" userId="b858d0f9d9d9badc" providerId="LiveId" clId="{B2DD12E9-B6A5-450A-8697-5A958F40813F}" dt="2020-04-12T08:30:36.306" v="2045" actId="164"/>
+          <ac:spMkLst>
+            <pc:docMk/>
+            <pc:sldMk cId="1516989883" sldId="290"/>
+            <ac:spMk id="56" creationId="{4AC85D75-B52E-4C7A-9921-4E992C3D33FB}"/>
+          </ac:spMkLst>
+        </pc:spChg>
+        <pc:spChg chg="mod topLvl">
+          <ac:chgData name="Phan Thanh Tùng" userId="b858d0f9d9d9badc" providerId="LiveId" clId="{B2DD12E9-B6A5-450A-8697-5A958F40813F}" dt="2020-04-12T08:30:36.306" v="2045" actId="164"/>
+          <ac:spMkLst>
+            <pc:docMk/>
+            <pc:sldMk cId="1516989883" sldId="290"/>
+            <ac:spMk id="2048" creationId="{5ECBA549-99D1-4E4E-A356-4A3296B2ADB8}"/>
+          </ac:spMkLst>
+        </pc:spChg>
+        <pc:spChg chg="mod topLvl">
+          <ac:chgData name="Phan Thanh Tùng" userId="b858d0f9d9d9badc" providerId="LiveId" clId="{B2DD12E9-B6A5-450A-8697-5A958F40813F}" dt="2020-04-12T08:30:36.306" v="2045" actId="164"/>
+          <ac:spMkLst>
+            <pc:docMk/>
+            <pc:sldMk cId="1516989883" sldId="290"/>
+            <ac:spMk id="2049" creationId="{591A6EF7-6CB0-4B91-8E11-154F4705B37D}"/>
+          </ac:spMkLst>
+        </pc:spChg>
+        <pc:spChg chg="del">
+          <ac:chgData name="Phan Thanh Tùng" userId="b858d0f9d9d9badc" providerId="LiveId" clId="{B2DD12E9-B6A5-450A-8697-5A958F40813F}" dt="2020-04-12T07:30:20.995" v="201" actId="478"/>
+          <ac:spMkLst>
+            <pc:docMk/>
+            <pc:sldMk cId="1516989883" sldId="290"/>
+            <ac:spMk id="2064" creationId="{7E185292-2EBB-42FF-B010-85FE00C24C0B}"/>
+          </ac:spMkLst>
+        </pc:spChg>
+        <pc:grpChg chg="mod topLvl">
+          <ac:chgData name="Phan Thanh Tùng" userId="b858d0f9d9d9badc" providerId="LiveId" clId="{B2DD12E9-B6A5-450A-8697-5A958F40813F}" dt="2020-04-12T08:30:36.306" v="2045" actId="164"/>
+          <ac:grpSpMkLst>
+            <pc:docMk/>
+            <pc:sldMk cId="1516989883" sldId="290"/>
+            <ac:grpSpMk id="6" creationId="{9E50485D-5A03-44B9-95B7-765E32372E9D}"/>
+          </ac:grpSpMkLst>
+        </pc:grpChg>
+        <pc:grpChg chg="add del mod topLvl">
+          <ac:chgData name="Phan Thanh Tùng" userId="b858d0f9d9d9badc" providerId="LiveId" clId="{B2DD12E9-B6A5-450A-8697-5A958F40813F}" dt="2020-04-12T08:29:04.002" v="2042" actId="165"/>
+          <ac:grpSpMkLst>
+            <pc:docMk/>
+            <pc:sldMk cId="1516989883" sldId="290"/>
+            <ac:grpSpMk id="9" creationId="{DD7DD1F8-3846-418B-A686-E93A59F6A45C}"/>
+          </ac:grpSpMkLst>
+        </pc:grpChg>
+        <pc:grpChg chg="del mod topLvl">
+          <ac:chgData name="Phan Thanh Tùng" userId="b858d0f9d9d9badc" providerId="LiveId" clId="{B2DD12E9-B6A5-450A-8697-5A958F40813F}" dt="2020-04-12T07:37:33.036" v="272" actId="478"/>
+          <ac:grpSpMkLst>
+            <pc:docMk/>
+            <pc:sldMk cId="1516989883" sldId="290"/>
+            <ac:grpSpMk id="12" creationId="{AC039B2D-3046-4410-99C0-981743A969AF}"/>
+          </ac:grpSpMkLst>
+        </pc:grpChg>
+        <pc:grpChg chg="add del mod topLvl">
+          <ac:chgData name="Phan Thanh Tùng" userId="b858d0f9d9d9badc" providerId="LiveId" clId="{B2DD12E9-B6A5-450A-8697-5A958F40813F}" dt="2020-04-12T08:28:32.547" v="2041" actId="165"/>
+          <ac:grpSpMkLst>
+            <pc:docMk/>
+            <pc:sldMk cId="1516989883" sldId="290"/>
+            <ac:grpSpMk id="24" creationId="{B1629F4E-3BFB-4E6A-8471-C831708BF110}"/>
+          </ac:grpSpMkLst>
+        </pc:grpChg>
+        <pc:grpChg chg="add del mod">
+          <ac:chgData name="Phan Thanh Tùng" userId="b858d0f9d9d9badc" providerId="LiveId" clId="{B2DD12E9-B6A5-450A-8697-5A958F40813F}" dt="2020-04-12T08:28:05.975" v="2040" actId="165"/>
+          <ac:grpSpMkLst>
+            <pc:docMk/>
+            <pc:sldMk cId="1516989883" sldId="290"/>
+            <ac:grpSpMk id="25" creationId="{A547A66B-6C2D-4D35-AC00-E5B19A9F1C37}"/>
+          </ac:grpSpMkLst>
+        </pc:grpChg>
+        <pc:grpChg chg="add del mod">
+          <ac:chgData name="Phan Thanh Tùng" userId="b858d0f9d9d9badc" providerId="LiveId" clId="{B2DD12E9-B6A5-450A-8697-5A958F40813F}" dt="2020-04-12T08:30:22.393" v="2044" actId="165"/>
+          <ac:grpSpMkLst>
+            <pc:docMk/>
+            <pc:sldMk cId="1516989883" sldId="290"/>
+            <ac:grpSpMk id="2051" creationId="{43E79375-E945-430E-BBD1-1CC6FFB6AF4F}"/>
+          </ac:grpSpMkLst>
+        </pc:grpChg>
+        <pc:grpChg chg="add mod">
+          <ac:chgData name="Phan Thanh Tùng" userId="b858d0f9d9d9badc" providerId="LiveId" clId="{B2DD12E9-B6A5-450A-8697-5A958F40813F}" dt="2020-04-12T08:30:36.306" v="2045" actId="164"/>
+          <ac:grpSpMkLst>
+            <pc:docMk/>
+            <pc:sldMk cId="1516989883" sldId="290"/>
+            <ac:grpSpMk id="2052" creationId="{34FC39A2-CF35-47D0-B2BF-B7389A51A8AF}"/>
+          </ac:grpSpMkLst>
+        </pc:grpChg>
+        <pc:grpChg chg="del">
+          <ac:chgData name="Phan Thanh Tùng" userId="b858d0f9d9d9badc" providerId="LiveId" clId="{B2DD12E9-B6A5-450A-8697-5A958F40813F}" dt="2020-04-12T07:30:28.316" v="202" actId="165"/>
+          <ac:grpSpMkLst>
+            <pc:docMk/>
+            <pc:sldMk cId="1516989883" sldId="290"/>
+            <ac:grpSpMk id="2066" creationId="{3AE74318-C018-4BF9-A014-85E0FDC76C5E}"/>
+          </ac:grpSpMkLst>
+        </pc:grpChg>
+        <pc:picChg chg="add mod topLvl modCrop">
+          <ac:chgData name="Phan Thanh Tùng" userId="b858d0f9d9d9badc" providerId="LiveId" clId="{B2DD12E9-B6A5-450A-8697-5A958F40813F}" dt="2020-04-12T08:30:36.306" v="2045" actId="164"/>
+          <ac:picMkLst>
+            <pc:docMk/>
+            <pc:sldMk cId="1516989883" sldId="290"/>
+            <ac:picMk id="3" creationId="{0053AF1A-4EDA-4BEB-B370-BD7196364029}"/>
+          </ac:picMkLst>
+        </pc:picChg>
+        <pc:picChg chg="mod topLvl">
+          <ac:chgData name="Phan Thanh Tùng" userId="b858d0f9d9d9badc" providerId="LiveId" clId="{B2DD12E9-B6A5-450A-8697-5A958F40813F}" dt="2020-04-12T08:30:36.306" v="2045" actId="164"/>
+          <ac:picMkLst>
+            <pc:docMk/>
+            <pc:sldMk cId="1516989883" sldId="290"/>
+            <ac:picMk id="4" creationId="{05DDC231-7BF3-48E0-B1C5-F632DB98FF5A}"/>
+          </ac:picMkLst>
+        </pc:picChg>
+        <pc:picChg chg="add mod ord topLvl">
+          <ac:chgData name="Phan Thanh Tùng" userId="b858d0f9d9d9badc" providerId="LiveId" clId="{B2DD12E9-B6A5-450A-8697-5A958F40813F}" dt="2020-04-12T08:30:36.306" v="2045" actId="164"/>
+          <ac:picMkLst>
+            <pc:docMk/>
+            <pc:sldMk cId="1516989883" sldId="290"/>
+            <ac:picMk id="14" creationId="{00F701F7-879E-492D-9B07-B4F80EF15CE4}"/>
+          </ac:picMkLst>
+        </pc:picChg>
+        <pc:picChg chg="add mod ord topLvl">
+          <ac:chgData name="Phan Thanh Tùng" userId="b858d0f9d9d9badc" providerId="LiveId" clId="{B2DD12E9-B6A5-450A-8697-5A958F40813F}" dt="2020-04-12T08:30:36.306" v="2045" actId="164"/>
+          <ac:picMkLst>
+            <pc:docMk/>
+            <pc:sldMk cId="1516989883" sldId="290"/>
+            <ac:picMk id="17" creationId="{CB665B1D-F876-48A8-96B7-DAE3BC205AE8}"/>
+          </ac:picMkLst>
+        </pc:picChg>
+        <pc:picChg chg="mod topLvl">
+          <ac:chgData name="Phan Thanh Tùng" userId="b858d0f9d9d9badc" providerId="LiveId" clId="{B2DD12E9-B6A5-450A-8697-5A958F40813F}" dt="2020-04-12T08:30:36.306" v="2045" actId="164"/>
+          <ac:picMkLst>
+            <pc:docMk/>
+            <pc:sldMk cId="1516989883" sldId="290"/>
+            <ac:picMk id="19" creationId="{D536F1E0-8923-4B32-8AA6-B0CBDB684E85}"/>
+          </ac:picMkLst>
+        </pc:picChg>
+        <pc:picChg chg="mod topLvl modCrop">
+          <ac:chgData name="Phan Thanh Tùng" userId="b858d0f9d9d9badc" providerId="LiveId" clId="{B2DD12E9-B6A5-450A-8697-5A958F40813F}" dt="2020-04-12T08:30:36.306" v="2045" actId="164"/>
+          <ac:picMkLst>
+            <pc:docMk/>
+            <pc:sldMk cId="1516989883" sldId="290"/>
+            <ac:picMk id="22" creationId="{F3E69F79-B5DC-4185-99EC-DA705B7EAA2F}"/>
+          </ac:picMkLst>
+        </pc:picChg>
+        <pc:picChg chg="mod topLvl">
+          <ac:chgData name="Phan Thanh Tùng" userId="b858d0f9d9d9badc" providerId="LiveId" clId="{B2DD12E9-B6A5-450A-8697-5A958F40813F}" dt="2020-04-12T08:30:36.306" v="2045" actId="164"/>
+          <ac:picMkLst>
+            <pc:docMk/>
+            <pc:sldMk cId="1516989883" sldId="290"/>
+            <ac:picMk id="29" creationId="{55E1C3C1-6A26-4ABC-BD58-45C452B8062B}"/>
+          </ac:picMkLst>
+        </pc:picChg>
+        <pc:picChg chg="mod topLvl">
+          <ac:chgData name="Phan Thanh Tùng" userId="b858d0f9d9d9badc" providerId="LiveId" clId="{B2DD12E9-B6A5-450A-8697-5A958F40813F}" dt="2020-04-12T08:30:36.306" v="2045" actId="164"/>
+          <ac:picMkLst>
+            <pc:docMk/>
+            <pc:sldMk cId="1516989883" sldId="290"/>
+            <ac:picMk id="33" creationId="{3776CF40-B7E1-4720-8E11-32B3D72EB231}"/>
+          </ac:picMkLst>
+        </pc:picChg>
+        <pc:picChg chg="del mod topLvl">
+          <ac:chgData name="Phan Thanh Tùng" userId="b858d0f9d9d9badc" providerId="LiveId" clId="{B2DD12E9-B6A5-450A-8697-5A958F40813F}" dt="2020-04-12T07:54:40.603" v="844" actId="478"/>
+          <ac:picMkLst>
+            <pc:docMk/>
+            <pc:sldMk cId="1516989883" sldId="290"/>
+            <ac:picMk id="39" creationId="{DBB142B8-0216-4201-A239-F009BAC49DB0}"/>
+          </ac:picMkLst>
+        </pc:picChg>
+        <pc:picChg chg="mod topLvl">
+          <ac:chgData name="Phan Thanh Tùng" userId="b858d0f9d9d9badc" providerId="LiveId" clId="{B2DD12E9-B6A5-450A-8697-5A958F40813F}" dt="2020-04-12T08:30:36.306" v="2045" actId="164"/>
+          <ac:picMkLst>
+            <pc:docMk/>
+            <pc:sldMk cId="1516989883" sldId="290"/>
+            <ac:picMk id="2056" creationId="{CE792C43-466B-4270-BACF-99EDFDA3A818}"/>
+          </ac:picMkLst>
+        </pc:picChg>
+        <pc:picChg chg="mod topLvl">
+          <ac:chgData name="Phan Thanh Tùng" userId="b858d0f9d9d9badc" providerId="LiveId" clId="{B2DD12E9-B6A5-450A-8697-5A958F40813F}" dt="2020-04-12T08:30:36.306" v="2045" actId="164"/>
+          <ac:picMkLst>
+            <pc:docMk/>
+            <pc:sldMk cId="1516989883" sldId="290"/>
+            <ac:picMk id="2062" creationId="{CF18903F-7A31-4DBC-B471-8FED8D114D23}"/>
+          </ac:picMkLst>
+        </pc:picChg>
+        <pc:cxnChg chg="mod topLvl">
+          <ac:chgData name="Phan Thanh Tùng" userId="b858d0f9d9d9badc" providerId="LiveId" clId="{B2DD12E9-B6A5-450A-8697-5A958F40813F}" dt="2020-04-12T08:30:36.306" v="2045" actId="164"/>
+          <ac:cxnSpMkLst>
+            <pc:docMk/>
+            <pc:sldMk cId="1516989883" sldId="290"/>
+            <ac:cxnSpMk id="2053" creationId="{BF353BC5-AB6C-4CF7-A940-0F261A2EC0DA}"/>
+          </ac:cxnSpMkLst>
+        </pc:cxnChg>
+      </pc:sldChg>
+      <pc:sldChg chg="modSp add mod">
+        <pc:chgData name="Phan Thanh Tùng" userId="b858d0f9d9d9badc" providerId="LiveId" clId="{B2DD12E9-B6A5-450A-8697-5A958F40813F}" dt="2020-04-12T08:09:40.697" v="1687" actId="1038"/>
+        <pc:sldMkLst>
+          <pc:docMk/>
+          <pc:sldMk cId="2405599983" sldId="291"/>
+        </pc:sldMkLst>
+        <pc:spChg chg="mod">
+          <ac:chgData name="Phan Thanh Tùng" userId="b858d0f9d9d9badc" providerId="LiveId" clId="{B2DD12E9-B6A5-450A-8697-5A958F40813F}" dt="2020-04-12T08:08:39.970" v="1553" actId="1038"/>
+          <ac:spMkLst>
+            <pc:docMk/>
+            <pc:sldMk cId="2405599983" sldId="291"/>
+            <ac:spMk id="15" creationId="{5708EB74-6C80-4141-A217-1D5DDDE0F68B}"/>
+          </ac:spMkLst>
+        </pc:spChg>
+        <pc:spChg chg="mod">
+          <ac:chgData name="Phan Thanh Tùng" userId="b858d0f9d9d9badc" providerId="LiveId" clId="{B2DD12E9-B6A5-450A-8697-5A958F40813F}" dt="2020-04-12T08:08:56.682" v="1587" actId="20577"/>
+          <ac:spMkLst>
+            <pc:docMk/>
+            <pc:sldMk cId="2405599983" sldId="291"/>
+            <ac:spMk id="20" creationId="{D28464DB-EE5A-43C2-9545-345DF418F837}"/>
+          </ac:spMkLst>
+        </pc:spChg>
+        <pc:spChg chg="mod">
+          <ac:chgData name="Phan Thanh Tùng" userId="b858d0f9d9d9badc" providerId="LiveId" clId="{B2DD12E9-B6A5-450A-8697-5A958F40813F}" dt="2020-04-12T08:09:16.225" v="1622" actId="20577"/>
+          <ac:spMkLst>
+            <pc:docMk/>
+            <pc:sldMk cId="2405599983" sldId="291"/>
+            <ac:spMk id="23" creationId="{5E7296C0-CDD4-42AF-88DF-CD3B9B4F7E23}"/>
+          </ac:spMkLst>
+        </pc:spChg>
+        <pc:spChg chg="mod">
+          <ac:chgData name="Phan Thanh Tùng" userId="b858d0f9d9d9badc" providerId="LiveId" clId="{B2DD12E9-B6A5-450A-8697-5A958F40813F}" dt="2020-04-12T08:08:12.704" v="1512" actId="20577"/>
+          <ac:spMkLst>
+            <pc:docMk/>
+            <pc:sldMk cId="2405599983" sldId="291"/>
+            <ac:spMk id="27" creationId="{5E8E5B42-975F-4B70-B76B-256E16434566}"/>
+          </ac:spMkLst>
+        </pc:spChg>
+        <pc:spChg chg="mod">
+          <ac:chgData name="Phan Thanh Tùng" userId="b858d0f9d9d9badc" providerId="LiveId" clId="{B2DD12E9-B6A5-450A-8697-5A958F40813F}" dt="2020-04-12T08:09:40.697" v="1687" actId="1038"/>
+          <ac:spMkLst>
+            <pc:docMk/>
+            <pc:sldMk cId="2405599983" sldId="291"/>
+            <ac:spMk id="50" creationId="{25FE35B3-A44F-4EEB-A0C0-F5D0FDD8DAE4}"/>
+          </ac:spMkLst>
+        </pc:spChg>
+        <pc:spChg chg="mod">
+          <ac:chgData name="Phan Thanh Tùng" userId="b858d0f9d9d9badc" providerId="LiveId" clId="{B2DD12E9-B6A5-450A-8697-5A958F40813F}" dt="2020-04-12T08:09:33.850" v="1665" actId="1038"/>
+          <ac:spMkLst>
+            <pc:docMk/>
+            <pc:sldMk cId="2405599983" sldId="291"/>
+            <ac:spMk id="53" creationId="{579ED3DF-44AD-462E-97E3-3307E55D2700}"/>
+          </ac:spMkLst>
+        </pc:spChg>
+        <pc:spChg chg="mod">
+          <ac:chgData name="Phan Thanh Tùng" userId="b858d0f9d9d9badc" providerId="LiveId" clId="{B2DD12E9-B6A5-450A-8697-5A958F40813F}" dt="2020-04-12T08:09:00.691" v="1597" actId="20577"/>
+          <ac:spMkLst>
+            <pc:docMk/>
+            <pc:sldMk cId="2405599983" sldId="291"/>
+            <ac:spMk id="55" creationId="{BA8130DC-5C67-4F6D-845D-14F3F95C5B8D}"/>
+          </ac:spMkLst>
+        </pc:spChg>
+        <pc:spChg chg="mod">
+          <ac:chgData name="Phan Thanh Tùng" userId="b858d0f9d9d9badc" providerId="LiveId" clId="{B2DD12E9-B6A5-450A-8697-5A958F40813F}" dt="2020-04-12T08:09:10.641" v="1611" actId="20577"/>
+          <ac:spMkLst>
+            <pc:docMk/>
+            <pc:sldMk cId="2405599983" sldId="291"/>
+            <ac:spMk id="56" creationId="{4AC85D75-B52E-4C7A-9921-4E992C3D33FB}"/>
+          </ac:spMkLst>
+        </pc:spChg>
+        <pc:spChg chg="mod">
+          <ac:chgData name="Phan Thanh Tùng" userId="b858d0f9d9d9badc" providerId="LiveId" clId="{B2DD12E9-B6A5-450A-8697-5A958F40813F}" dt="2020-04-12T08:09:36.548" v="1671" actId="1038"/>
+          <ac:spMkLst>
+            <pc:docMk/>
+            <pc:sldMk cId="2405599983" sldId="291"/>
+            <ac:spMk id="2049" creationId="{591A6EF7-6CB0-4B91-8E11-154F4705B37D}"/>
+          </ac:spMkLst>
+        </pc:spChg>
+        <pc:grpChg chg="mod">
+          <ac:chgData name="Phan Thanh Tùng" userId="b858d0f9d9d9badc" providerId="LiveId" clId="{B2DD12E9-B6A5-450A-8697-5A958F40813F}" dt="2020-04-12T08:08:37.068" v="1548" actId="1037"/>
+          <ac:grpSpMkLst>
+            <pc:docMk/>
+            <pc:sldMk cId="2405599983" sldId="291"/>
+            <ac:grpSpMk id="25" creationId="{A547A66B-6C2D-4D35-AC00-E5B19A9F1C37}"/>
+          </ac:grpSpMkLst>
+        </pc:grpChg>
+        <pc:picChg chg="mod">
+          <ac:chgData name="Phan Thanh Tùng" userId="b858d0f9d9d9badc" providerId="LiveId" clId="{B2DD12E9-B6A5-450A-8697-5A958F40813F}" dt="2020-04-12T08:08:37.068" v="1548" actId="1037"/>
+          <ac:picMkLst>
+            <pc:docMk/>
+            <pc:sldMk cId="2405599983" sldId="291"/>
+            <ac:picMk id="2056" creationId="{CE792C43-466B-4270-BACF-99EDFDA3A818}"/>
+          </ac:picMkLst>
+        </pc:picChg>
+      </pc:sldChg>
+      <pc:sldChg chg="addSp delSp modSp add mod">
+        <pc:chgData name="Phan Thanh Tùng" userId="b858d0f9d9d9badc" providerId="LiveId" clId="{B2DD12E9-B6A5-450A-8697-5A958F40813F}" dt="2020-04-12T08:13:54.483" v="1876" actId="164"/>
+        <pc:sldMkLst>
+          <pc:docMk/>
+          <pc:sldMk cId="1580192836" sldId="292"/>
+        </pc:sldMkLst>
+        <pc:spChg chg="del">
+          <ac:chgData name="Phan Thanh Tùng" userId="b858d0f9d9d9badc" providerId="LiveId" clId="{B2DD12E9-B6A5-450A-8697-5A958F40813F}" dt="2020-04-12T08:10:59.748" v="1718" actId="478"/>
+          <ac:spMkLst>
+            <pc:docMk/>
+            <pc:sldMk cId="1580192836" sldId="292"/>
+            <ac:spMk id="15" creationId="{5708EB74-6C80-4141-A217-1D5DDDE0F68B}"/>
+          </ac:spMkLst>
+        </pc:spChg>
+        <pc:spChg chg="add mod">
+          <ac:chgData name="Phan Thanh Tùng" userId="b858d0f9d9d9badc" providerId="LiveId" clId="{B2DD12E9-B6A5-450A-8697-5A958F40813F}" dt="2020-04-12T08:13:54.483" v="1876" actId="164"/>
+          <ac:spMkLst>
+            <pc:docMk/>
+            <pc:sldMk cId="1580192836" sldId="292"/>
+            <ac:spMk id="42" creationId="{6A27AF9A-3AEC-492E-A047-4E5EFA90EB2C}"/>
+          </ac:spMkLst>
+        </pc:spChg>
+        <pc:spChg chg="add del">
+          <ac:chgData name="Phan Thanh Tùng" userId="b858d0f9d9d9badc" providerId="LiveId" clId="{B2DD12E9-B6A5-450A-8697-5A958F40813F}" dt="2020-04-12T08:11:59.166" v="1745"/>
+          <ac:spMkLst>
+            <pc:docMk/>
+            <pc:sldMk cId="1580192836" sldId="292"/>
+            <ac:spMk id="43" creationId="{D7ED6DC4-E038-4B5C-918B-D46879D9BDF9}"/>
+          </ac:spMkLst>
+        </pc:spChg>
+        <pc:spChg chg="add mod">
+          <ac:chgData name="Phan Thanh Tùng" userId="b858d0f9d9d9badc" providerId="LiveId" clId="{B2DD12E9-B6A5-450A-8697-5A958F40813F}" dt="2020-04-12T08:13:54.483" v="1876" actId="164"/>
+          <ac:spMkLst>
+            <pc:docMk/>
+            <pc:sldMk cId="1580192836" sldId="292"/>
+            <ac:spMk id="45" creationId="{E7AC4576-6976-4CC0-8259-7996F0BF6F96}"/>
+          </ac:spMkLst>
+        </pc:spChg>
+        <pc:spChg chg="del">
+          <ac:chgData name="Phan Thanh Tùng" userId="b858d0f9d9d9badc" providerId="LiveId" clId="{B2DD12E9-B6A5-450A-8697-5A958F40813F}" dt="2020-04-12T08:12:08.417" v="1747" actId="478"/>
+          <ac:spMkLst>
+            <pc:docMk/>
+            <pc:sldMk cId="1580192836" sldId="292"/>
+            <ac:spMk id="46" creationId="{ECF99418-DDB3-49F5-8970-60A9B49BA324}"/>
+          </ac:spMkLst>
+        </pc:spChg>
+        <pc:spChg chg="add mod">
+          <ac:chgData name="Phan Thanh Tùng" userId="b858d0f9d9d9badc" providerId="LiveId" clId="{B2DD12E9-B6A5-450A-8697-5A958F40813F}" dt="2020-04-12T08:13:54.483" v="1876" actId="164"/>
+          <ac:spMkLst>
+            <pc:docMk/>
+            <pc:sldMk cId="1580192836" sldId="292"/>
+            <ac:spMk id="47" creationId="{0549FEFC-51DA-47D9-BD36-6A631F16C207}"/>
+          </ac:spMkLst>
+        </pc:spChg>
+        <pc:spChg chg="del mod">
+          <ac:chgData name="Phan Thanh Tùng" userId="b858d0f9d9d9badc" providerId="LiveId" clId="{B2DD12E9-B6A5-450A-8697-5A958F40813F}" dt="2020-04-12T08:12:49.698" v="1803" actId="478"/>
+          <ac:spMkLst>
+            <pc:docMk/>
+            <pc:sldMk cId="1580192836" sldId="292"/>
+            <ac:spMk id="50" creationId="{25FE35B3-A44F-4EEB-A0C0-F5D0FDD8DAE4}"/>
+          </ac:spMkLst>
+        </pc:spChg>
+        <pc:spChg chg="mod">
+          <ac:chgData name="Phan Thanh Tùng" userId="b858d0f9d9d9badc" providerId="LiveId" clId="{B2DD12E9-B6A5-450A-8697-5A958F40813F}" dt="2020-04-12T08:13:14.609" v="1840" actId="207"/>
+          <ac:spMkLst>
+            <pc:docMk/>
+            <pc:sldMk cId="1580192836" sldId="292"/>
+            <ac:spMk id="52" creationId="{1D7D98E3-B86C-46DC-9B17-B4FEC8283782}"/>
+          </ac:spMkLst>
+        </pc:spChg>
+        <pc:spChg chg="mod">
+          <ac:chgData name="Phan Thanh Tùng" userId="b858d0f9d9d9badc" providerId="LiveId" clId="{B2DD12E9-B6A5-450A-8697-5A958F40813F}" dt="2020-04-12T08:13:36.283" v="1869" actId="1037"/>
+          <ac:spMkLst>
+            <pc:docMk/>
+            <pc:sldMk cId="1580192836" sldId="292"/>
+            <ac:spMk id="53" creationId="{579ED3DF-44AD-462E-97E3-3307E55D2700}"/>
+          </ac:spMkLst>
+        </pc:spChg>
+        <pc:spChg chg="mod">
+          <ac:chgData name="Phan Thanh Tùng" userId="b858d0f9d9d9badc" providerId="LiveId" clId="{B2DD12E9-B6A5-450A-8697-5A958F40813F}" dt="2020-04-12T08:13:06.921" v="1839" actId="207"/>
+          <ac:spMkLst>
+            <pc:docMk/>
+            <pc:sldMk cId="1580192836" sldId="292"/>
+            <ac:spMk id="2048" creationId="{5ECBA549-99D1-4E4E-A356-4A3296B2ADB8}"/>
+          </ac:spMkLst>
+        </pc:spChg>
+        <pc:spChg chg="mod">
+          <ac:chgData name="Phan Thanh Tùng" userId="b858d0f9d9d9badc" providerId="LiveId" clId="{B2DD12E9-B6A5-450A-8697-5A958F40813F}" dt="2020-04-12T08:13:40.342" v="1875" actId="1038"/>
+          <ac:spMkLst>
+            <pc:docMk/>
+            <pc:sldMk cId="1580192836" sldId="292"/>
+            <ac:spMk id="2049" creationId="{591A6EF7-6CB0-4B91-8E11-154F4705B37D}"/>
+          </ac:spMkLst>
+        </pc:spChg>
+        <pc:grpChg chg="add mod">
+          <ac:chgData name="Phan Thanh Tùng" userId="b858d0f9d9d9badc" providerId="LiveId" clId="{B2DD12E9-B6A5-450A-8697-5A958F40813F}" dt="2020-04-12T08:13:54.483" v="1876" actId="164"/>
+          <ac:grpSpMkLst>
+            <pc:docMk/>
+            <pc:sldMk cId="1580192836" sldId="292"/>
+            <ac:grpSpMk id="2" creationId="{3EAEBF34-020E-4A5A-AD07-00828617E8F0}"/>
+          </ac:grpSpMkLst>
+        </pc:grpChg>
+        <pc:grpChg chg="mod">
+          <ac:chgData name="Phan Thanh Tùng" userId="b858d0f9d9d9badc" providerId="LiveId" clId="{B2DD12E9-B6A5-450A-8697-5A958F40813F}" dt="2020-04-12T08:13:54.483" v="1876" actId="164"/>
+          <ac:grpSpMkLst>
+            <pc:docMk/>
+            <pc:sldMk cId="1580192836" sldId="292"/>
+            <ac:grpSpMk id="25" creationId="{A547A66B-6C2D-4D35-AC00-E5B19A9F1C37}"/>
+          </ac:grpSpMkLst>
+        </pc:grpChg>
+        <pc:picChg chg="add mod">
+          <ac:chgData name="Phan Thanh Tùng" userId="b858d0f9d9d9badc" providerId="LiveId" clId="{B2DD12E9-B6A5-450A-8697-5A958F40813F}" dt="2020-04-12T08:13:54.483" v="1876" actId="164"/>
+          <ac:picMkLst>
+            <pc:docMk/>
+            <pc:sldMk cId="1580192836" sldId="292"/>
+            <ac:picMk id="41" creationId="{C6DA2A80-2C99-474A-AE16-171C51B0A4A1}"/>
+          </ac:picMkLst>
+        </pc:picChg>
+        <pc:picChg chg="del">
+          <ac:chgData name="Phan Thanh Tùng" userId="b858d0f9d9d9badc" providerId="LiveId" clId="{B2DD12E9-B6A5-450A-8697-5A958F40813F}" dt="2020-04-12T08:11:01.674" v="1719" actId="478"/>
+          <ac:picMkLst>
+            <pc:docMk/>
+            <pc:sldMk cId="1580192836" sldId="292"/>
+            <ac:picMk id="2056" creationId="{CE792C43-466B-4270-BACF-99EDFDA3A818}"/>
+          </ac:picMkLst>
+        </pc:picChg>
+        <pc:cxnChg chg="mod">
+          <ac:chgData name="Phan Thanh Tùng" userId="b858d0f9d9d9badc" providerId="LiveId" clId="{B2DD12E9-B6A5-450A-8697-5A958F40813F}" dt="2020-04-12T08:12:08.417" v="1747" actId="478"/>
+          <ac:cxnSpMkLst>
+            <pc:docMk/>
+            <pc:sldMk cId="1580192836" sldId="292"/>
+            <ac:cxnSpMk id="2053" creationId="{BF353BC5-AB6C-4CF7-A940-0F261A2EC0DA}"/>
+          </ac:cxnSpMkLst>
+        </pc:cxnChg>
+      </pc:sldChg>
+      <pc:sldChg chg="modSp add mod">
+        <pc:chgData name="Phan Thanh Tùng" userId="b858d0f9d9d9badc" providerId="LiveId" clId="{B2DD12E9-B6A5-450A-8697-5A958F40813F}" dt="2020-04-12T08:15:34.029" v="2039" actId="20577"/>
+        <pc:sldMkLst>
+          <pc:docMk/>
+          <pc:sldMk cId="1927763203" sldId="293"/>
+        </pc:sldMkLst>
+        <pc:spChg chg="mod">
+          <ac:chgData name="Phan Thanh Tùng" userId="b858d0f9d9d9badc" providerId="LiveId" clId="{B2DD12E9-B6A5-450A-8697-5A958F40813F}" dt="2020-04-12T08:14:41.162" v="1941" actId="20577"/>
+          <ac:spMkLst>
+            <pc:docMk/>
+            <pc:sldMk cId="1927763203" sldId="293"/>
+            <ac:spMk id="20" creationId="{D28464DB-EE5A-43C2-9545-345DF418F837}"/>
+          </ac:spMkLst>
+        </pc:spChg>
+        <pc:spChg chg="mod">
+          <ac:chgData name="Phan Thanh Tùng" userId="b858d0f9d9d9badc" providerId="LiveId" clId="{B2DD12E9-B6A5-450A-8697-5A958F40813F}" dt="2020-04-12T08:14:52.468" v="1966" actId="20577"/>
+          <ac:spMkLst>
+            <pc:docMk/>
+            <pc:sldMk cId="1927763203" sldId="293"/>
+            <ac:spMk id="23" creationId="{5E7296C0-CDD4-42AF-88DF-CD3B9B4F7E23}"/>
+          </ac:spMkLst>
+        </pc:spChg>
+        <pc:spChg chg="mod">
+          <ac:chgData name="Phan Thanh Tùng" userId="b858d0f9d9d9badc" providerId="LiveId" clId="{B2DD12E9-B6A5-450A-8697-5A958F40813F}" dt="2020-04-12T08:14:18.751" v="1885" actId="20577"/>
+          <ac:spMkLst>
+            <pc:docMk/>
+            <pc:sldMk cId="1927763203" sldId="293"/>
+            <ac:spMk id="27" creationId="{5E8E5B42-975F-4B70-B76B-256E16434566}"/>
+          </ac:spMkLst>
+        </pc:spChg>
+        <pc:spChg chg="mod">
+          <ac:chgData name="Phan Thanh Tùng" userId="b858d0f9d9d9badc" providerId="LiveId" clId="{B2DD12E9-B6A5-450A-8697-5A958F40813F}" dt="2020-04-12T08:14:34.607" v="1921" actId="1038"/>
+          <ac:spMkLst>
+            <pc:docMk/>
+            <pc:sldMk cId="1927763203" sldId="293"/>
+            <ac:spMk id="42" creationId="{6A27AF9A-3AEC-492E-A047-4E5EFA90EB2C}"/>
+          </ac:spMkLst>
+        </pc:spChg>
+        <pc:spChg chg="mod">
+          <ac:chgData name="Phan Thanh Tùng" userId="b858d0f9d9d9badc" providerId="LiveId" clId="{B2DD12E9-B6A5-450A-8697-5A958F40813F}" dt="2020-04-12T08:15:13.534" v="2018" actId="1037"/>
+          <ac:spMkLst>
+            <pc:docMk/>
+            <pc:sldMk cId="1927763203" sldId="293"/>
+            <ac:spMk id="47" creationId="{0549FEFC-51DA-47D9-BD36-6A631F16C207}"/>
+          </ac:spMkLst>
+        </pc:spChg>
+        <pc:spChg chg="mod">
+          <ac:chgData name="Phan Thanh Tùng" userId="b858d0f9d9d9badc" providerId="LiveId" clId="{B2DD12E9-B6A5-450A-8697-5A958F40813F}" dt="2020-04-12T08:15:19.007" v="2025" actId="1038"/>
+          <ac:spMkLst>
+            <pc:docMk/>
+            <pc:sldMk cId="1927763203" sldId="293"/>
+            <ac:spMk id="53" creationId="{579ED3DF-44AD-462E-97E3-3307E55D2700}"/>
+          </ac:spMkLst>
+        </pc:spChg>
+        <pc:spChg chg="mod">
+          <ac:chgData name="Phan Thanh Tùng" userId="b858d0f9d9d9badc" providerId="LiveId" clId="{B2DD12E9-B6A5-450A-8697-5A958F40813F}" dt="2020-04-12T08:14:46.982" v="1955" actId="20577"/>
+          <ac:spMkLst>
+            <pc:docMk/>
+            <pc:sldMk cId="1927763203" sldId="293"/>
+            <ac:spMk id="55" creationId="{BA8130DC-5C67-4F6D-845D-14F3F95C5B8D}"/>
+          </ac:spMkLst>
+        </pc:spChg>
+        <pc:spChg chg="mod">
+          <ac:chgData name="Phan Thanh Tùng" userId="b858d0f9d9d9badc" providerId="LiveId" clId="{B2DD12E9-B6A5-450A-8697-5A958F40813F}" dt="2020-04-12T08:15:34.029" v="2039" actId="20577"/>
+          <ac:spMkLst>
+            <pc:docMk/>
+            <pc:sldMk cId="1927763203" sldId="293"/>
+            <ac:spMk id="56" creationId="{4AC85D75-B52E-4C7A-9921-4E992C3D33FB}"/>
+          </ac:spMkLst>
+        </pc:spChg>
+        <pc:spChg chg="mod">
+          <ac:chgData name="Phan Thanh Tùng" userId="b858d0f9d9d9badc" providerId="LiveId" clId="{B2DD12E9-B6A5-450A-8697-5A958F40813F}" dt="2020-04-12T08:15:15.398" v="2019" actId="1038"/>
+          <ac:spMkLst>
+            <pc:docMk/>
+            <pc:sldMk cId="1927763203" sldId="293"/>
+            <ac:spMk id="2049" creationId="{591A6EF7-6CB0-4B91-8E11-154F4705B37D}"/>
+          </ac:spMkLst>
+        </pc:spChg>
+        <pc:grpChg chg="mod">
+          <ac:chgData name="Phan Thanh Tùng" userId="b858d0f9d9d9badc" providerId="LiveId" clId="{B2DD12E9-B6A5-450A-8697-5A958F40813F}" dt="2020-04-12T08:14:30.703" v="1920" actId="1038"/>
+          <ac:grpSpMkLst>
+            <pc:docMk/>
+            <pc:sldMk cId="1927763203" sldId="293"/>
+            <ac:grpSpMk id="2" creationId="{3EAEBF34-020E-4A5A-AD07-00828617E8F0}"/>
+          </ac:grpSpMkLst>
+        </pc:grpChg>
+        <pc:picChg chg="mod">
+          <ac:chgData name="Phan Thanh Tùng" userId="b858d0f9d9d9badc" providerId="LiveId" clId="{B2DD12E9-B6A5-450A-8697-5A958F40813F}" dt="2020-04-12T08:14:30.703" v="1920" actId="1038"/>
+          <ac:picMkLst>
+            <pc:docMk/>
+            <pc:sldMk cId="1927763203" sldId="293"/>
+            <ac:picMk id="41" creationId="{C6DA2A80-2C99-474A-AE16-171C51B0A4A1}"/>
+          </ac:picMkLst>
+        </pc:picChg>
+      </pc:sldChg>
+    </pc:docChg>
+  </pc:docChgLst>
+</pc:chgInfo>
+</file>
+
 <file path=ppt/notesMasters/notesMaster1.xml><?xml version="1.0" encoding="utf-8"?>
 <p:notesMaster xmlns:a="http://schemas.openxmlformats.org/drawingml/2006/main" xmlns:r="http://schemas.openxmlformats.org/officeDocument/2006/relationships" xmlns:p="http://schemas.openxmlformats.org/presentationml/2006/main">
   <p:cSld>
@@ -220,7 +1133,7 @@
           <a:p>
             <a:fld id="{5BA3ECDC-1546-4863-AC1D-5EB4BA95D70E}" type="datetimeFigureOut">
               <a:rPr lang="en-US" smtClean="0"/>
-              <a:t>4/9/2020</a:t>
+              <a:t>4/12/2020</a:t>
             </a:fld>
             <a:endParaRPr lang="en-US"/>
           </a:p>
@@ -553,7 +1466,7 @@
           <a:p>
             <a:fld id="{F70DFA8B-217B-4E1B-ABE0-C1D3953ED8B2}" type="slidenum">
               <a:rPr lang="en-US" smtClean="0"/>
-              <a:t>13</a:t>
+              <a:t>17</a:t>
             </a:fld>
             <a:endParaRPr lang="en-US"/>
           </a:p>
@@ -721,7 +1634,7 @@
           <a:p>
             <a:fld id="{A386E5F6-FAA3-442C-A34D-9230C63153AD}" type="datetimeFigureOut">
               <a:rPr lang="en-US" smtClean="0"/>
-              <a:t>4/9/2020</a:t>
+              <a:t>4/12/2020</a:t>
             </a:fld>
             <a:endParaRPr lang="en-US"/>
           </a:p>
@@ -921,7 +1834,7 @@
           <a:p>
             <a:fld id="{A386E5F6-FAA3-442C-A34D-9230C63153AD}" type="datetimeFigureOut">
               <a:rPr lang="en-US" smtClean="0"/>
-              <a:t>4/9/2020</a:t>
+              <a:t>4/12/2020</a:t>
             </a:fld>
             <a:endParaRPr lang="en-US"/>
           </a:p>
@@ -1131,7 +2044,7 @@
           <a:p>
             <a:fld id="{A386E5F6-FAA3-442C-A34D-9230C63153AD}" type="datetimeFigureOut">
               <a:rPr lang="en-US" smtClean="0"/>
-              <a:t>4/9/2020</a:t>
+              <a:t>4/12/2020</a:t>
             </a:fld>
             <a:endParaRPr lang="en-US"/>
           </a:p>
@@ -1331,7 +2244,7 @@
           <a:p>
             <a:fld id="{A386E5F6-FAA3-442C-A34D-9230C63153AD}" type="datetimeFigureOut">
               <a:rPr lang="en-US" smtClean="0"/>
-              <a:t>4/9/2020</a:t>
+              <a:t>4/12/2020</a:t>
             </a:fld>
             <a:endParaRPr lang="en-US"/>
           </a:p>
@@ -1607,7 +2520,7 @@
           <a:p>
             <a:fld id="{A386E5F6-FAA3-442C-A34D-9230C63153AD}" type="datetimeFigureOut">
               <a:rPr lang="en-US" smtClean="0"/>
-              <a:t>4/9/2020</a:t>
+              <a:t>4/12/2020</a:t>
             </a:fld>
             <a:endParaRPr lang="en-US"/>
           </a:p>
@@ -1875,7 +2788,7 @@
           <a:p>
             <a:fld id="{A386E5F6-FAA3-442C-A34D-9230C63153AD}" type="datetimeFigureOut">
               <a:rPr lang="en-US" smtClean="0"/>
-              <a:t>4/9/2020</a:t>
+              <a:t>4/12/2020</a:t>
             </a:fld>
             <a:endParaRPr lang="en-US"/>
           </a:p>
@@ -2290,7 +3203,7 @@
           <a:p>
             <a:fld id="{A386E5F6-FAA3-442C-A34D-9230C63153AD}" type="datetimeFigureOut">
               <a:rPr lang="en-US" smtClean="0"/>
-              <a:t>4/9/2020</a:t>
+              <a:t>4/12/2020</a:t>
             </a:fld>
             <a:endParaRPr lang="en-US"/>
           </a:p>
@@ -2432,7 +3345,7 @@
           <a:p>
             <a:fld id="{A386E5F6-FAA3-442C-A34D-9230C63153AD}" type="datetimeFigureOut">
               <a:rPr lang="en-US" smtClean="0"/>
-              <a:t>4/9/2020</a:t>
+              <a:t>4/12/2020</a:t>
             </a:fld>
             <a:endParaRPr lang="en-US"/>
           </a:p>
@@ -2545,7 +3458,7 @@
           <a:p>
             <a:fld id="{A386E5F6-FAA3-442C-A34D-9230C63153AD}" type="datetimeFigureOut">
               <a:rPr lang="en-US" smtClean="0"/>
-              <a:t>4/9/2020</a:t>
+              <a:t>4/12/2020</a:t>
             </a:fld>
             <a:endParaRPr lang="en-US"/>
           </a:p>
@@ -2858,7 +3771,7 @@
           <a:p>
             <a:fld id="{A386E5F6-FAA3-442C-A34D-9230C63153AD}" type="datetimeFigureOut">
               <a:rPr lang="en-US" smtClean="0"/>
-              <a:t>4/9/2020</a:t>
+              <a:t>4/12/2020</a:t>
             </a:fld>
             <a:endParaRPr lang="en-US"/>
           </a:p>
@@ -3147,7 +4060,7 @@
           <a:p>
             <a:fld id="{A386E5F6-FAA3-442C-A34D-9230C63153AD}" type="datetimeFigureOut">
               <a:rPr lang="en-US" smtClean="0"/>
-              <a:t>4/9/2020</a:t>
+              <a:t>4/12/2020</a:t>
             </a:fld>
             <a:endParaRPr lang="en-US"/>
           </a:p>
@@ -3396,7 +4309,7 @@
           <a:p>
             <a:fld id="{A386E5F6-FAA3-442C-A34D-9230C63153AD}" type="datetimeFigureOut">
               <a:rPr lang="en-US" smtClean="0"/>
-              <a:t>4/9/2020</a:t>
+              <a:t>4/12/2020</a:t>
             </a:fld>
             <a:endParaRPr lang="en-US"/>
           </a:p>
@@ -4188,6 +5101,5953 @@
           <a:chExt cx="0" cy="0"/>
         </a:xfrm>
       </p:grpSpPr>
+      <p:grpSp>
+        <p:nvGrpSpPr>
+          <p:cNvPr id="25" name="Nhóm 24">
+            <a:extLst>
+              <a:ext uri="{FF2B5EF4-FFF2-40B4-BE49-F238E27FC236}">
+                <a16:creationId xmlns:a16="http://schemas.microsoft.com/office/drawing/2014/main" id="{A547A66B-6C2D-4D35-AC00-E5B19A9F1C37}"/>
+              </a:ext>
+            </a:extLst>
+          </p:cNvPr>
+          <p:cNvGrpSpPr/>
+          <p:nvPr/>
+        </p:nvGrpSpPr>
+        <p:grpSpPr>
+          <a:xfrm>
+            <a:off x="3874865" y="0"/>
+            <a:ext cx="3982867" cy="6872024"/>
+            <a:chOff x="3874865" y="0"/>
+            <a:chExt cx="3982867" cy="6872024"/>
+          </a:xfrm>
+        </p:grpSpPr>
+        <p:sp>
+          <p:nvSpPr>
+            <p:cNvPr id="30" name="Hình chữ nhật 29">
+              <a:extLst>
+                <a:ext uri="{FF2B5EF4-FFF2-40B4-BE49-F238E27FC236}">
+                  <a16:creationId xmlns:a16="http://schemas.microsoft.com/office/drawing/2014/main" id="{CF1A8CCF-2271-4B74-91CC-240ACCC2D46C}"/>
+                </a:ext>
+              </a:extLst>
+            </p:cNvPr>
+            <p:cNvSpPr/>
+            <p:nvPr/>
+          </p:nvSpPr>
+          <p:spPr>
+            <a:xfrm>
+              <a:off x="3934408" y="3840363"/>
+              <a:ext cx="3857624" cy="3017637"/>
+            </a:xfrm>
+            <a:prstGeom prst="rect">
+              <a:avLst/>
+            </a:prstGeom>
+            <a:solidFill>
+              <a:schemeClr val="bg1"/>
+            </a:solidFill>
+            <a:ln>
+              <a:noFill/>
+            </a:ln>
+          </p:spPr>
+          <p:style>
+            <a:lnRef idx="2">
+              <a:schemeClr val="accent1">
+                <a:shade val="50000"/>
+              </a:schemeClr>
+            </a:lnRef>
+            <a:fillRef idx="1">
+              <a:schemeClr val="accent1"/>
+            </a:fillRef>
+            <a:effectRef idx="0">
+              <a:schemeClr val="accent1"/>
+            </a:effectRef>
+            <a:fontRef idx="minor">
+              <a:schemeClr val="lt1"/>
+            </a:fontRef>
+          </p:style>
+          <p:txBody>
+            <a:bodyPr rtlCol="0" anchor="ctr"/>
+            <a:lstStyle/>
+            <a:p>
+              <a:pPr algn="ctr"/>
+              <a:endParaRPr lang="en-US"/>
+            </a:p>
+          </p:txBody>
+        </p:sp>
+        <p:sp>
+          <p:nvSpPr>
+            <p:cNvPr id="26" name="Hình chữ nhật 25">
+              <a:extLst>
+                <a:ext uri="{FF2B5EF4-FFF2-40B4-BE49-F238E27FC236}">
+                  <a16:creationId xmlns:a16="http://schemas.microsoft.com/office/drawing/2014/main" id="{39A6061F-C2B1-49F7-B960-E326229C9DBA}"/>
+                </a:ext>
+              </a:extLst>
+            </p:cNvPr>
+            <p:cNvSpPr/>
+            <p:nvPr/>
+          </p:nvSpPr>
+          <p:spPr>
+            <a:xfrm>
+              <a:off x="3934408" y="207818"/>
+              <a:ext cx="3857625" cy="487192"/>
+            </a:xfrm>
+            <a:prstGeom prst="rect">
+              <a:avLst/>
+            </a:prstGeom>
+            <a:solidFill>
+              <a:schemeClr val="bg1"/>
+            </a:solidFill>
+            <a:ln>
+              <a:noFill/>
+            </a:ln>
+          </p:spPr>
+          <p:style>
+            <a:lnRef idx="2">
+              <a:schemeClr val="accent1">
+                <a:shade val="50000"/>
+              </a:schemeClr>
+            </a:lnRef>
+            <a:fillRef idx="1">
+              <a:schemeClr val="accent1"/>
+            </a:fillRef>
+            <a:effectRef idx="0">
+              <a:schemeClr val="accent1"/>
+            </a:effectRef>
+            <a:fontRef idx="minor">
+              <a:schemeClr val="lt1"/>
+            </a:fontRef>
+          </p:style>
+          <p:txBody>
+            <a:bodyPr rtlCol="0" anchor="ctr"/>
+            <a:lstStyle/>
+            <a:p>
+              <a:pPr algn="ctr"/>
+              <a:endParaRPr lang="en-US"/>
+            </a:p>
+          </p:txBody>
+        </p:sp>
+        <p:pic>
+          <p:nvPicPr>
+            <p:cNvPr id="19" name="Hình ảnh 18">
+              <a:extLst>
+                <a:ext uri="{FF2B5EF4-FFF2-40B4-BE49-F238E27FC236}">
+                  <a16:creationId xmlns:a16="http://schemas.microsoft.com/office/drawing/2014/main" id="{D536F1E0-8923-4B32-8AA6-B0CBDB684E85}"/>
+                </a:ext>
+              </a:extLst>
+            </p:cNvPr>
+            <p:cNvPicPr>
+              <a:picLocks noChangeAspect="1"/>
+            </p:cNvPicPr>
+            <p:nvPr/>
+          </p:nvPicPr>
+          <p:blipFill>
+            <a:blip r:embed="rId2">
+              <a:extLst>
+                <a:ext uri="{28A0092B-C50C-407E-A947-70E740481C1C}">
+                  <a14:useLocalDpi xmlns:a14="http://schemas.microsoft.com/office/drawing/2010/main" val="0"/>
+                </a:ext>
+              </a:extLst>
+            </a:blip>
+            <a:srcRect/>
+            <a:stretch/>
+          </p:blipFill>
+          <p:spPr>
+            <a:xfrm>
+              <a:off x="3939377" y="678126"/>
+              <a:ext cx="3847685" cy="2563502"/>
+            </a:xfrm>
+            <a:prstGeom prst="rect">
+              <a:avLst/>
+            </a:prstGeom>
+            <a:effectLst>
+              <a:glow>
+                <a:schemeClr val="accent1"/>
+              </a:glow>
+            </a:effectLst>
+          </p:spPr>
+        </p:pic>
+        <p:pic>
+          <p:nvPicPr>
+            <p:cNvPr id="4" name="Picture 2" descr="back logo icon – Free Icons Download">
+              <a:extLst>
+                <a:ext uri="{FF2B5EF4-FFF2-40B4-BE49-F238E27FC236}">
+                  <a16:creationId xmlns:a16="http://schemas.microsoft.com/office/drawing/2014/main" id="{05DDC231-7BF3-48E0-B1C5-F632DB98FF5A}"/>
+                </a:ext>
+              </a:extLst>
+            </p:cNvPr>
+            <p:cNvPicPr>
+              <a:picLocks noChangeAspect="1" noChangeArrowheads="1"/>
+            </p:cNvPicPr>
+            <p:nvPr/>
+          </p:nvPicPr>
+          <p:blipFill>
+            <a:blip r:embed="rId3">
+              <a:duotone>
+                <a:schemeClr val="accent1">
+                  <a:shade val="45000"/>
+                  <a:satMod val="135000"/>
+                </a:schemeClr>
+                <a:prstClr val="white"/>
+              </a:duotone>
+              <a:extLst>
+                <a:ext uri="{28A0092B-C50C-407E-A947-70E740481C1C}">
+                  <a14:useLocalDpi xmlns:a14="http://schemas.microsoft.com/office/drawing/2010/main" val="0"/>
+                </a:ext>
+              </a:extLst>
+            </a:blip>
+            <a:srcRect/>
+            <a:stretch>
+              <a:fillRect/>
+            </a:stretch>
+          </p:blipFill>
+          <p:spPr bwMode="auto">
+            <a:xfrm>
+              <a:off x="3943933" y="206907"/>
+              <a:ext cx="411903" cy="411903"/>
+            </a:xfrm>
+            <a:prstGeom prst="rect">
+              <a:avLst/>
+            </a:prstGeom>
+            <a:noFill/>
+            <a:extLst>
+              <a:ext uri="{909E8E84-426E-40DD-AFC4-6F175D3DCCD1}">
+                <a14:hiddenFill xmlns:a14="http://schemas.microsoft.com/office/drawing/2010/main">
+                  <a:solidFill>
+                    <a:srgbClr val="FFFFFF"/>
+                  </a:solidFill>
+                </a14:hiddenFill>
+              </a:ext>
+            </a:extLst>
+          </p:spPr>
+        </p:pic>
+        <p:pic>
+          <p:nvPicPr>
+            <p:cNvPr id="2056" name="Picture 8" descr="Green dot clipart 3 » Clipart Station">
+              <a:extLst>
+                <a:ext uri="{FF2B5EF4-FFF2-40B4-BE49-F238E27FC236}">
+                  <a16:creationId xmlns:a16="http://schemas.microsoft.com/office/drawing/2014/main" id="{CE792C43-466B-4270-BACF-99EDFDA3A818}"/>
+                </a:ext>
+              </a:extLst>
+            </p:cNvPr>
+            <p:cNvPicPr>
+              <a:picLocks noChangeAspect="1" noChangeArrowheads="1"/>
+            </p:cNvPicPr>
+            <p:nvPr/>
+          </p:nvPicPr>
+          <p:blipFill>
+            <a:blip r:embed="rId4">
+              <a:extLst>
+                <a:ext uri="{28A0092B-C50C-407E-A947-70E740481C1C}">
+                  <a14:useLocalDpi xmlns:a14="http://schemas.microsoft.com/office/drawing/2010/main" val="0"/>
+                </a:ext>
+              </a:extLst>
+            </a:blip>
+            <a:srcRect/>
+            <a:stretch>
+              <a:fillRect/>
+            </a:stretch>
+          </p:blipFill>
+          <p:spPr bwMode="auto">
+            <a:xfrm>
+              <a:off x="4954847" y="909168"/>
+              <a:ext cx="254909" cy="254909"/>
+            </a:xfrm>
+            <a:prstGeom prst="rect">
+              <a:avLst/>
+            </a:prstGeom>
+            <a:noFill/>
+            <a:extLst>
+              <a:ext uri="{909E8E84-426E-40DD-AFC4-6F175D3DCCD1}">
+                <a14:hiddenFill xmlns:a14="http://schemas.microsoft.com/office/drawing/2010/main">
+                  <a:solidFill>
+                    <a:srgbClr val="FFFFFF"/>
+                  </a:solidFill>
+                </a14:hiddenFill>
+              </a:ext>
+            </a:extLst>
+          </p:spPr>
+        </p:pic>
+        <p:sp>
+          <p:nvSpPr>
+            <p:cNvPr id="15" name="Hình chữ nhật 14">
+              <a:extLst>
+                <a:ext uri="{FF2B5EF4-FFF2-40B4-BE49-F238E27FC236}">
+                  <a16:creationId xmlns:a16="http://schemas.microsoft.com/office/drawing/2014/main" id="{5708EB74-6C80-4141-A217-1D5DDDE0F68B}"/>
+                </a:ext>
+              </a:extLst>
+            </p:cNvPr>
+            <p:cNvSpPr/>
+            <p:nvPr/>
+          </p:nvSpPr>
+          <p:spPr>
+            <a:xfrm>
+              <a:off x="5236755" y="789109"/>
+              <a:ext cx="1446230" cy="461665"/>
+            </a:xfrm>
+            <a:prstGeom prst="rect">
+              <a:avLst/>
+            </a:prstGeom>
+            <a:noFill/>
+          </p:spPr>
+          <p:txBody>
+            <a:bodyPr wrap="none" lIns="91440" tIns="45720" rIns="91440" bIns="45720">
+              <a:spAutoFit/>
+            </a:bodyPr>
+            <a:lstStyle/>
+            <a:p>
+              <a:pPr algn="ctr"/>
+              <a:r>
+                <a:rPr lang="en-US" sz="2400" b="0" cap="none" spc="0">
+                  <a:ln w="0"/>
+                  <a:solidFill>
+                    <a:srgbClr val="92D050"/>
+                  </a:solidFill>
+                  <a:effectLst>
+                    <a:outerShdw blurRad="38100" dist="19050" dir="2700000" algn="tl" rotWithShape="0">
+                      <a:schemeClr val="dk1">
+                        <a:alpha val="40000"/>
+                      </a:schemeClr>
+                    </a:outerShdw>
+                  </a:effectLst>
+                </a:rPr>
+                <a:t>Light is on</a:t>
+              </a:r>
+              <a:endParaRPr lang="vi-VN" sz="2400" b="0" cap="none" spc="0">
+                <a:ln w="0"/>
+                <a:solidFill>
+                  <a:srgbClr val="92D050"/>
+                </a:solidFill>
+                <a:effectLst>
+                  <a:outerShdw blurRad="38100" dist="19050" dir="2700000" algn="tl" rotWithShape="0">
+                    <a:schemeClr val="dk1">
+                      <a:alpha val="40000"/>
+                    </a:schemeClr>
+                  </a:outerShdw>
+                </a:effectLst>
+              </a:endParaRPr>
+            </a:p>
+          </p:txBody>
+        </p:sp>
+        <p:pic>
+          <p:nvPicPr>
+            <p:cNvPr id="22" name="Hình ảnh 21" descr="Ảnh có chứa sáng, máy tính&#10;&#10;Mô tả được tạo tự động">
+              <a:extLst>
+                <a:ext uri="{FF2B5EF4-FFF2-40B4-BE49-F238E27FC236}">
+                  <a16:creationId xmlns:a16="http://schemas.microsoft.com/office/drawing/2014/main" id="{F3E69F79-B5DC-4185-99EC-DA705B7EAA2F}"/>
+                </a:ext>
+              </a:extLst>
+            </p:cNvPr>
+            <p:cNvPicPr>
+              <a:picLocks noChangeAspect="1"/>
+            </p:cNvPicPr>
+            <p:nvPr/>
+          </p:nvPicPr>
+          <p:blipFill rotWithShape="1">
+            <a:blip r:embed="rId5">
+              <a:extLst>
+                <a:ext uri="{28A0092B-C50C-407E-A947-70E740481C1C}">
+                  <a14:useLocalDpi xmlns:a14="http://schemas.microsoft.com/office/drawing/2010/main" val="0"/>
+                </a:ext>
+              </a:extLst>
+            </a:blip>
+            <a:srcRect l="43657" t="-1" r="44756" b="5189"/>
+            <a:stretch/>
+          </p:blipFill>
+          <p:spPr>
+            <a:xfrm>
+              <a:off x="7562786" y="4429393"/>
+              <a:ext cx="294946" cy="2442631"/>
+            </a:xfrm>
+            <a:prstGeom prst="rect">
+              <a:avLst/>
+            </a:prstGeom>
+          </p:spPr>
+        </p:pic>
+        <p:pic>
+          <p:nvPicPr>
+            <p:cNvPr id="33" name="Hình ảnh 32">
+              <a:extLst>
+                <a:ext uri="{FF2B5EF4-FFF2-40B4-BE49-F238E27FC236}">
+                  <a16:creationId xmlns:a16="http://schemas.microsoft.com/office/drawing/2014/main" id="{3776CF40-B7E1-4720-8E11-32B3D72EB231}"/>
+                </a:ext>
+              </a:extLst>
+            </p:cNvPr>
+            <p:cNvPicPr>
+              <a:picLocks noChangeAspect="1"/>
+            </p:cNvPicPr>
+            <p:nvPr/>
+          </p:nvPicPr>
+          <p:blipFill rotWithShape="1">
+            <a:blip r:embed="rId6">
+              <a:extLst>
+                <a:ext uri="{28A0092B-C50C-407E-A947-70E740481C1C}">
+                  <a14:useLocalDpi xmlns:a14="http://schemas.microsoft.com/office/drawing/2010/main" val="0"/>
+                </a:ext>
+              </a:extLst>
+            </a:blip>
+            <a:srcRect b="96970"/>
+            <a:stretch/>
+          </p:blipFill>
+          <p:spPr>
+            <a:xfrm>
+              <a:off x="3934408" y="0"/>
+              <a:ext cx="3857625" cy="207818"/>
+            </a:xfrm>
+            <a:prstGeom prst="rect">
+              <a:avLst/>
+            </a:prstGeom>
+          </p:spPr>
+        </p:pic>
+        <p:pic>
+          <p:nvPicPr>
+            <p:cNvPr id="2062" name="Picture 14" descr="Settings Launcher cho Android - Tải về APK">
+              <a:extLst>
+                <a:ext uri="{FF2B5EF4-FFF2-40B4-BE49-F238E27FC236}">
+                  <a16:creationId xmlns:a16="http://schemas.microsoft.com/office/drawing/2014/main" id="{CF18903F-7A31-4DBC-B471-8FED8D114D23}"/>
+                </a:ext>
+              </a:extLst>
+            </p:cNvPr>
+            <p:cNvPicPr>
+              <a:picLocks noChangeAspect="1" noChangeArrowheads="1"/>
+            </p:cNvPicPr>
+            <p:nvPr/>
+          </p:nvPicPr>
+          <p:blipFill>
+            <a:blip r:embed="rId7">
+              <a:extLst>
+                <a:ext uri="{BEBA8EAE-BF5A-486C-A8C5-ECC9F3942E4B}">
+                  <a14:imgProps xmlns:a14="http://schemas.microsoft.com/office/drawing/2010/main">
+                    <a14:imgLayer r:embed="rId8">
+                      <a14:imgEffect>
+                        <a14:saturation sat="66000"/>
+                      </a14:imgEffect>
+                    </a14:imgLayer>
+                  </a14:imgProps>
+                </a:ext>
+                <a:ext uri="{28A0092B-C50C-407E-A947-70E740481C1C}">
+                  <a14:useLocalDpi xmlns:a14="http://schemas.microsoft.com/office/drawing/2010/main" val="0"/>
+                </a:ext>
+              </a:extLst>
+            </a:blip>
+            <a:srcRect/>
+            <a:stretch>
+              <a:fillRect/>
+            </a:stretch>
+          </p:blipFill>
+          <p:spPr bwMode="auto">
+            <a:xfrm>
+              <a:off x="7358265" y="206580"/>
+              <a:ext cx="411903" cy="411903"/>
+            </a:xfrm>
+            <a:prstGeom prst="rect">
+              <a:avLst/>
+            </a:prstGeom>
+            <a:noFill/>
+            <a:extLst>
+              <a:ext uri="{909E8E84-426E-40DD-AFC4-6F175D3DCCD1}">
+                <a14:hiddenFill xmlns:a14="http://schemas.microsoft.com/office/drawing/2010/main">
+                  <a:solidFill>
+                    <a:srgbClr val="FFFFFF"/>
+                  </a:solidFill>
+                </a14:hiddenFill>
+              </a:ext>
+            </a:extLst>
+          </p:spPr>
+        </p:pic>
+        <p:sp>
+          <p:nvSpPr>
+            <p:cNvPr id="27" name="Hình chữ nhật 26">
+              <a:extLst>
+                <a:ext uri="{FF2B5EF4-FFF2-40B4-BE49-F238E27FC236}">
+                  <a16:creationId xmlns:a16="http://schemas.microsoft.com/office/drawing/2014/main" id="{5E8E5B42-975F-4B70-B76B-256E16434566}"/>
+                </a:ext>
+              </a:extLst>
+            </p:cNvPr>
+            <p:cNvSpPr/>
+            <p:nvPr/>
+          </p:nvSpPr>
+          <p:spPr>
+            <a:xfrm>
+              <a:off x="5244210" y="197867"/>
+              <a:ext cx="1257075" cy="400110"/>
+            </a:xfrm>
+            <a:prstGeom prst="rect">
+              <a:avLst/>
+            </a:prstGeom>
+            <a:noFill/>
+          </p:spPr>
+          <p:txBody>
+            <a:bodyPr wrap="none" lIns="91440" tIns="45720" rIns="91440" bIns="45720">
+              <a:spAutoFit/>
+            </a:bodyPr>
+            <a:lstStyle/>
+            <a:p>
+              <a:pPr algn="ctr"/>
+              <a:r>
+                <a:rPr lang="en-US" sz="2000" b="1" cap="none" spc="0">
+                  <a:ln w="0"/>
+                  <a:solidFill>
+                    <a:schemeClr val="tx1"/>
+                  </a:solidFill>
+                  <a:effectLst>
+                    <a:outerShdw blurRad="38100" dist="19050" dir="2700000" algn="tl" rotWithShape="0">
+                      <a:schemeClr val="dk1">
+                        <a:alpha val="40000"/>
+                      </a:schemeClr>
+                    </a:outerShdw>
+                  </a:effectLst>
+                </a:rPr>
+                <a:t>Bathroom</a:t>
+              </a:r>
+              <a:endParaRPr lang="vi-VN" sz="2000" b="1" cap="none" spc="0">
+                <a:ln w="0"/>
+                <a:solidFill>
+                  <a:schemeClr val="tx1"/>
+                </a:solidFill>
+                <a:effectLst>
+                  <a:outerShdw blurRad="38100" dist="19050" dir="2700000" algn="tl" rotWithShape="0">
+                    <a:schemeClr val="dk1">
+                      <a:alpha val="40000"/>
+                    </a:schemeClr>
+                  </a:outerShdw>
+                </a:effectLst>
+              </a:endParaRPr>
+            </a:p>
+          </p:txBody>
+        </p:sp>
+        <p:grpSp>
+          <p:nvGrpSpPr>
+            <p:cNvPr id="9" name="Nhóm 8">
+              <a:extLst>
+                <a:ext uri="{FF2B5EF4-FFF2-40B4-BE49-F238E27FC236}">
+                  <a16:creationId xmlns:a16="http://schemas.microsoft.com/office/drawing/2014/main" id="{DD7DD1F8-3846-418B-A686-E93A59F6A45C}"/>
+                </a:ext>
+              </a:extLst>
+            </p:cNvPr>
+            <p:cNvGrpSpPr/>
+            <p:nvPr/>
+          </p:nvGrpSpPr>
+          <p:grpSpPr>
+            <a:xfrm>
+              <a:off x="3874865" y="3935365"/>
+              <a:ext cx="3917167" cy="644449"/>
+              <a:chOff x="3874865" y="3241628"/>
+              <a:chExt cx="3917167" cy="644449"/>
+            </a:xfrm>
+          </p:grpSpPr>
+          <p:sp>
+            <p:nvSpPr>
+              <p:cNvPr id="28" name="Hình chữ nhật 27">
+                <a:extLst>
+                  <a:ext uri="{FF2B5EF4-FFF2-40B4-BE49-F238E27FC236}">
+                    <a16:creationId xmlns:a16="http://schemas.microsoft.com/office/drawing/2014/main" id="{EAFB982E-13BC-46B6-B4CC-5B486EF97A8D}"/>
+                  </a:ext>
+                </a:extLst>
+              </p:cNvPr>
+              <p:cNvSpPr/>
+              <p:nvPr/>
+            </p:nvSpPr>
+            <p:spPr>
+              <a:xfrm>
+                <a:off x="3934408" y="3241628"/>
+                <a:ext cx="3857624" cy="644449"/>
+              </a:xfrm>
+              <a:prstGeom prst="rect">
+                <a:avLst/>
+              </a:prstGeom>
+              <a:solidFill>
+                <a:schemeClr val="bg1">
+                  <a:lumMod val="95000"/>
+                </a:schemeClr>
+              </a:solidFill>
+              <a:ln>
+                <a:noFill/>
+              </a:ln>
+            </p:spPr>
+            <p:style>
+              <a:lnRef idx="2">
+                <a:schemeClr val="accent1">
+                  <a:shade val="50000"/>
+                </a:schemeClr>
+              </a:lnRef>
+              <a:fillRef idx="1">
+                <a:schemeClr val="accent1"/>
+              </a:fillRef>
+              <a:effectRef idx="0">
+                <a:schemeClr val="accent1"/>
+              </a:effectRef>
+              <a:fontRef idx="minor">
+                <a:schemeClr val="lt1"/>
+              </a:fontRef>
+            </p:style>
+            <p:txBody>
+              <a:bodyPr rtlCol="0" anchor="ctr"/>
+              <a:lstStyle/>
+              <a:p>
+                <a:pPr algn="ctr"/>
+                <a:endParaRPr lang="en-US"/>
+              </a:p>
+            </p:txBody>
+          </p:sp>
+          <p:pic>
+            <p:nvPicPr>
+              <p:cNvPr id="29" name="Picture 8">
+                <a:extLst>
+                  <a:ext uri="{FF2B5EF4-FFF2-40B4-BE49-F238E27FC236}">
+                    <a16:creationId xmlns:a16="http://schemas.microsoft.com/office/drawing/2014/main" id="{55E1C3C1-6A26-4ABC-BD58-45C452B8062B}"/>
+                  </a:ext>
+                </a:extLst>
+              </p:cNvPr>
+              <p:cNvPicPr>
+                <a:picLocks noChangeAspect="1" noChangeArrowheads="1"/>
+              </p:cNvPicPr>
+              <p:nvPr/>
+            </p:nvPicPr>
+            <p:blipFill rotWithShape="1">
+              <a:blip r:embed="rId9">
+                <a:extLst>
+                  <a:ext uri="{28A0092B-C50C-407E-A947-70E740481C1C}">
+                    <a14:useLocalDpi xmlns:a14="http://schemas.microsoft.com/office/drawing/2010/main" val="0"/>
+                  </a:ext>
+                </a:extLst>
+              </a:blip>
+              <a:srcRect b="42555"/>
+              <a:stretch/>
+            </p:blipFill>
+            <p:spPr bwMode="auto">
+              <a:xfrm>
+                <a:off x="3874865" y="3283998"/>
+                <a:ext cx="861185" cy="497154"/>
+              </a:xfrm>
+              <a:prstGeom prst="rect">
+                <a:avLst/>
+              </a:prstGeom>
+              <a:noFill/>
+              <a:extLst>
+                <a:ext uri="{909E8E84-426E-40DD-AFC4-6F175D3DCCD1}">
+                  <a14:hiddenFill xmlns:a14="http://schemas.microsoft.com/office/drawing/2010/main">
+                    <a:solidFill>
+                      <a:srgbClr val="FFFFFF"/>
+                    </a:solidFill>
+                  </a14:hiddenFill>
+                </a:ext>
+              </a:extLst>
+            </p:spPr>
+          </p:pic>
+          <p:sp>
+            <p:nvSpPr>
+              <p:cNvPr id="23" name="Hình chữ nhật 22">
+                <a:extLst>
+                  <a:ext uri="{FF2B5EF4-FFF2-40B4-BE49-F238E27FC236}">
+                    <a16:creationId xmlns:a16="http://schemas.microsoft.com/office/drawing/2014/main" id="{5E7296C0-CDD4-42AF-88DF-CD3B9B4F7E23}"/>
+                  </a:ext>
+                </a:extLst>
+              </p:cNvPr>
+              <p:cNvSpPr/>
+              <p:nvPr/>
+            </p:nvSpPr>
+            <p:spPr>
+              <a:xfrm>
+                <a:off x="5372431" y="3340325"/>
+                <a:ext cx="931665" cy="400110"/>
+              </a:xfrm>
+              <a:prstGeom prst="rect">
+                <a:avLst/>
+              </a:prstGeom>
+              <a:noFill/>
+            </p:spPr>
+            <p:txBody>
+              <a:bodyPr wrap="none" lIns="91440" tIns="45720" rIns="91440" bIns="45720">
+                <a:spAutoFit/>
+              </a:bodyPr>
+              <a:lstStyle/>
+              <a:p>
+                <a:pPr algn="ctr"/>
+                <a:r>
+                  <a:rPr lang="en-US" sz="2000" b="0" cap="none" spc="0">
+                    <a:ln w="0"/>
+                    <a:solidFill>
+                      <a:schemeClr val="tx1"/>
+                    </a:solidFill>
+                    <a:effectLst>
+                      <a:outerShdw blurRad="38100" dist="19050" dir="2700000" algn="tl" rotWithShape="0">
+                        <a:schemeClr val="dk1">
+                          <a:alpha val="40000"/>
+                        </a:schemeClr>
+                      </a:outerShdw>
+                    </a:effectLst>
+                  </a:rPr>
+                  <a:t>History</a:t>
+                </a:r>
+                <a:endParaRPr lang="vi-VN" sz="2000" b="0" cap="none" spc="0">
+                  <a:ln w="0"/>
+                  <a:solidFill>
+                    <a:schemeClr val="tx1"/>
+                  </a:solidFill>
+                  <a:effectLst>
+                    <a:outerShdw blurRad="38100" dist="19050" dir="2700000" algn="tl" rotWithShape="0">
+                      <a:schemeClr val="dk1">
+                        <a:alpha val="40000"/>
+                      </a:schemeClr>
+                    </a:outerShdw>
+                  </a:effectLst>
+                </a:endParaRPr>
+              </a:p>
+            </p:txBody>
+          </p:sp>
+          <p:grpSp>
+            <p:nvGrpSpPr>
+              <p:cNvPr id="6" name="Nhóm 5">
+                <a:extLst>
+                  <a:ext uri="{FF2B5EF4-FFF2-40B4-BE49-F238E27FC236}">
+                    <a16:creationId xmlns:a16="http://schemas.microsoft.com/office/drawing/2014/main" id="{9E50485D-5A03-44B9-95B7-765E32372E9D}"/>
+                  </a:ext>
+                </a:extLst>
+              </p:cNvPr>
+              <p:cNvGrpSpPr/>
+              <p:nvPr/>
+            </p:nvGrpSpPr>
+            <p:grpSpPr>
+              <a:xfrm>
+                <a:off x="7158086" y="3285555"/>
+                <a:ext cx="484035" cy="484035"/>
+                <a:chOff x="4717473" y="1330037"/>
+                <a:chExt cx="796636" cy="796636"/>
+              </a:xfrm>
+            </p:grpSpPr>
+            <p:pic>
+              <p:nvPicPr>
+                <p:cNvPr id="2050" name="Picture 2" descr="Dot Three Transparent &amp; PNG Clipart Free Download - YWD">
+                  <a:extLst>
+                    <a:ext uri="{FF2B5EF4-FFF2-40B4-BE49-F238E27FC236}">
+                      <a16:creationId xmlns:a16="http://schemas.microsoft.com/office/drawing/2014/main" id="{8DE5E8EE-DB00-4BB2-8A12-B5CC7B1B1CDE}"/>
+                    </a:ext>
+                  </a:extLst>
+                </p:cNvPr>
+                <p:cNvPicPr>
+                  <a:picLocks noChangeAspect="1" noChangeArrowheads="1"/>
+                </p:cNvPicPr>
+                <p:nvPr/>
+              </p:nvPicPr>
+              <p:blipFill>
+                <a:blip r:embed="rId10">
+                  <a:duotone>
+                    <a:schemeClr val="accent5">
+                      <a:shade val="45000"/>
+                      <a:satMod val="135000"/>
+                    </a:schemeClr>
+                    <a:prstClr val="white"/>
+                  </a:duotone>
+                  <a:extLst>
+                    <a:ext uri="{28A0092B-C50C-407E-A947-70E740481C1C}">
+                      <a14:useLocalDpi xmlns:a14="http://schemas.microsoft.com/office/drawing/2010/main" val="0"/>
+                    </a:ext>
+                  </a:extLst>
+                </a:blip>
+                <a:srcRect/>
+                <a:stretch>
+                  <a:fillRect/>
+                </a:stretch>
+              </p:blipFill>
+              <p:spPr bwMode="auto">
+                <a:xfrm>
+                  <a:off x="4717473" y="1330037"/>
+                  <a:ext cx="796636" cy="796636"/>
+                </a:xfrm>
+                <a:prstGeom prst="rect">
+                  <a:avLst/>
+                </a:prstGeom>
+                <a:noFill/>
+                <a:extLst>
+                  <a:ext uri="{909E8E84-426E-40DD-AFC4-6F175D3DCCD1}">
+                    <a14:hiddenFill xmlns:a14="http://schemas.microsoft.com/office/drawing/2010/main">
+                      <a:solidFill>
+                        <a:srgbClr val="FFFFFF"/>
+                      </a:solidFill>
+                    </a14:hiddenFill>
+                  </a:ext>
+                </a:extLst>
+              </p:spPr>
+            </p:pic>
+            <p:sp>
+              <p:nvSpPr>
+                <p:cNvPr id="5" name="Hình Bầu dục 4">
+                  <a:extLst>
+                    <a:ext uri="{FF2B5EF4-FFF2-40B4-BE49-F238E27FC236}">
+                      <a16:creationId xmlns:a16="http://schemas.microsoft.com/office/drawing/2014/main" id="{4766FB7C-754A-4BC4-AFBA-39DE76CD8EA0}"/>
+                    </a:ext>
+                  </a:extLst>
+                </p:cNvPr>
+                <p:cNvSpPr/>
+                <p:nvPr/>
+              </p:nvSpPr>
+              <p:spPr>
+                <a:xfrm>
+                  <a:off x="4828310" y="1440874"/>
+                  <a:ext cx="574964" cy="574964"/>
+                </a:xfrm>
+                <a:prstGeom prst="ellipse">
+                  <a:avLst/>
+                </a:prstGeom>
+                <a:noFill/>
+                <a:ln w="38100">
+                  <a:solidFill>
+                    <a:srgbClr val="4A6DAD"/>
+                  </a:solidFill>
+                </a:ln>
+              </p:spPr>
+              <p:style>
+                <a:lnRef idx="2">
+                  <a:schemeClr val="accent1">
+                    <a:shade val="50000"/>
+                  </a:schemeClr>
+                </a:lnRef>
+                <a:fillRef idx="1">
+                  <a:schemeClr val="accent1"/>
+                </a:fillRef>
+                <a:effectRef idx="0">
+                  <a:schemeClr val="accent1"/>
+                </a:effectRef>
+                <a:fontRef idx="minor">
+                  <a:schemeClr val="lt1"/>
+                </a:fontRef>
+              </p:style>
+              <p:txBody>
+                <a:bodyPr rtlCol="0" anchor="ctr"/>
+                <a:lstStyle/>
+                <a:p>
+                  <a:pPr algn="ctr"/>
+                  <a:endParaRPr lang="en-US"/>
+                </a:p>
+              </p:txBody>
+            </p:sp>
+          </p:grpSp>
+        </p:grpSp>
+        <p:sp>
+          <p:nvSpPr>
+            <p:cNvPr id="31" name="Hình chữ nhật 30">
+              <a:extLst>
+                <a:ext uri="{FF2B5EF4-FFF2-40B4-BE49-F238E27FC236}">
+                  <a16:creationId xmlns:a16="http://schemas.microsoft.com/office/drawing/2014/main" id="{1D07285E-F759-4161-B833-16C098ABE802}"/>
+                </a:ext>
+              </a:extLst>
+            </p:cNvPr>
+            <p:cNvSpPr/>
+            <p:nvPr/>
+          </p:nvSpPr>
+          <p:spPr>
+            <a:xfrm>
+              <a:off x="4318159" y="5696766"/>
+              <a:ext cx="1479892" cy="307777"/>
+            </a:xfrm>
+            <a:prstGeom prst="rect">
+              <a:avLst/>
+            </a:prstGeom>
+            <a:noFill/>
+          </p:spPr>
+          <p:txBody>
+            <a:bodyPr wrap="none" lIns="91440" tIns="45720" rIns="91440" bIns="45720">
+              <a:spAutoFit/>
+            </a:bodyPr>
+            <a:lstStyle/>
+            <a:p>
+              <a:pPr algn="ctr"/>
+              <a:r>
+                <a:rPr lang="en-US" sz="1400" b="1">
+                  <a:ln w="0"/>
+                  <a:solidFill>
+                    <a:schemeClr val="bg1">
+                      <a:lumMod val="65000"/>
+                    </a:schemeClr>
+                  </a:solidFill>
+                </a:rPr>
+                <a:t>2</a:t>
+              </a:r>
+              <a:r>
+                <a:rPr lang="en-US" sz="1400" b="1" cap="none" spc="0">
+                  <a:ln w="0"/>
+                  <a:solidFill>
+                    <a:schemeClr val="bg1">
+                      <a:lumMod val="65000"/>
+                    </a:schemeClr>
+                  </a:solidFill>
+                  <a:effectLst/>
+                </a:rPr>
+                <a:t>2:15 </a:t>
+              </a:r>
+              <a:r>
+                <a:rPr lang="en-US" sz="1400" b="1">
+                  <a:ln w="0"/>
+                  <a:solidFill>
+                    <a:schemeClr val="bg1">
+                      <a:lumMod val="65000"/>
+                    </a:schemeClr>
+                  </a:solidFill>
+                </a:rPr>
+                <a:t>12</a:t>
+              </a:r>
+              <a:r>
+                <a:rPr lang="en-US" sz="1400" b="1" cap="none" spc="0">
+                  <a:ln w="0"/>
+                  <a:solidFill>
+                    <a:schemeClr val="bg1">
+                      <a:lumMod val="65000"/>
+                    </a:schemeClr>
+                  </a:solidFill>
+                  <a:effectLst/>
+                </a:rPr>
+                <a:t>-04-2020</a:t>
+              </a:r>
+              <a:endParaRPr lang="vi-VN" sz="1400" b="1" cap="none" spc="0">
+                <a:ln w="0"/>
+                <a:solidFill>
+                  <a:schemeClr val="bg1">
+                    <a:lumMod val="65000"/>
+                  </a:schemeClr>
+                </a:solidFill>
+                <a:effectLst/>
+              </a:endParaRPr>
+            </a:p>
+          </p:txBody>
+        </p:sp>
+        <p:sp>
+          <p:nvSpPr>
+            <p:cNvPr id="44" name="Hình chữ nhật 43">
+              <a:extLst>
+                <a:ext uri="{FF2B5EF4-FFF2-40B4-BE49-F238E27FC236}">
+                  <a16:creationId xmlns:a16="http://schemas.microsoft.com/office/drawing/2014/main" id="{0079D9E8-29E0-41ED-BC04-AEFBD95ECB07}"/>
+                </a:ext>
+              </a:extLst>
+            </p:cNvPr>
+            <p:cNvSpPr/>
+            <p:nvPr/>
+          </p:nvSpPr>
+          <p:spPr>
+            <a:xfrm>
+              <a:off x="4305456" y="5000666"/>
+              <a:ext cx="1479892" cy="307777"/>
+            </a:xfrm>
+            <a:prstGeom prst="rect">
+              <a:avLst/>
+            </a:prstGeom>
+            <a:noFill/>
+          </p:spPr>
+          <p:txBody>
+            <a:bodyPr wrap="none" lIns="91440" tIns="45720" rIns="91440" bIns="45720">
+              <a:spAutoFit/>
+            </a:bodyPr>
+            <a:lstStyle/>
+            <a:p>
+              <a:pPr algn="ctr"/>
+              <a:r>
+                <a:rPr lang="en-US" sz="1400" b="1">
+                  <a:ln w="0"/>
+                  <a:solidFill>
+                    <a:schemeClr val="bg1">
+                      <a:lumMod val="65000"/>
+                    </a:schemeClr>
+                  </a:solidFill>
+                </a:rPr>
+                <a:t>22</a:t>
+              </a:r>
+              <a:r>
+                <a:rPr lang="en-US" sz="1400" b="1" cap="none" spc="0">
+                  <a:ln w="0"/>
+                  <a:solidFill>
+                    <a:schemeClr val="bg1">
+                      <a:lumMod val="65000"/>
+                    </a:schemeClr>
+                  </a:solidFill>
+                  <a:effectLst/>
+                </a:rPr>
+                <a:t>:53 12-04-2020</a:t>
+              </a:r>
+              <a:endParaRPr lang="vi-VN" sz="1400" b="1" cap="none" spc="0">
+                <a:ln w="0"/>
+                <a:solidFill>
+                  <a:schemeClr val="bg1">
+                    <a:lumMod val="65000"/>
+                  </a:schemeClr>
+                </a:solidFill>
+                <a:effectLst/>
+              </a:endParaRPr>
+            </a:p>
+          </p:txBody>
+        </p:sp>
+        <p:sp>
+          <p:nvSpPr>
+            <p:cNvPr id="46" name="Hình Bầu dục 45">
+              <a:extLst>
+                <a:ext uri="{FF2B5EF4-FFF2-40B4-BE49-F238E27FC236}">
+                  <a16:creationId xmlns:a16="http://schemas.microsoft.com/office/drawing/2014/main" id="{ECF99418-DDB3-49F5-8970-60A9B49BA324}"/>
+                </a:ext>
+              </a:extLst>
+            </p:cNvPr>
+            <p:cNvSpPr/>
+            <p:nvPr/>
+          </p:nvSpPr>
+          <p:spPr>
+            <a:xfrm>
+              <a:off x="4080700" y="4809531"/>
+              <a:ext cx="134985" cy="134985"/>
+            </a:xfrm>
+            <a:prstGeom prst="ellipse">
+              <a:avLst/>
+            </a:prstGeom>
+            <a:solidFill>
+              <a:srgbClr val="92D050"/>
+            </a:solidFill>
+            <a:ln w="28575">
+              <a:solidFill>
+                <a:schemeClr val="accent6">
+                  <a:lumMod val="40000"/>
+                  <a:lumOff val="60000"/>
+                </a:schemeClr>
+              </a:solidFill>
+            </a:ln>
+          </p:spPr>
+          <p:style>
+            <a:lnRef idx="2">
+              <a:schemeClr val="accent1">
+                <a:shade val="50000"/>
+              </a:schemeClr>
+            </a:lnRef>
+            <a:fillRef idx="1">
+              <a:schemeClr val="accent1"/>
+            </a:fillRef>
+            <a:effectRef idx="0">
+              <a:schemeClr val="accent1"/>
+            </a:effectRef>
+            <a:fontRef idx="minor">
+              <a:schemeClr val="lt1"/>
+            </a:fontRef>
+          </p:style>
+          <p:txBody>
+            <a:bodyPr rtlCol="0" anchor="ctr"/>
+            <a:lstStyle/>
+            <a:p>
+              <a:pPr algn="ctr"/>
+              <a:endParaRPr lang="en-US"/>
+            </a:p>
+          </p:txBody>
+        </p:sp>
+        <p:sp>
+          <p:nvSpPr>
+            <p:cNvPr id="2049" name="Hình chữ nhật 2048">
+              <a:extLst>
+                <a:ext uri="{FF2B5EF4-FFF2-40B4-BE49-F238E27FC236}">
+                  <a16:creationId xmlns:a16="http://schemas.microsoft.com/office/drawing/2014/main" id="{591A6EF7-6CB0-4B91-8E11-154F4705B37D}"/>
+                </a:ext>
+              </a:extLst>
+            </p:cNvPr>
+            <p:cNvSpPr/>
+            <p:nvPr/>
+          </p:nvSpPr>
+          <p:spPr>
+            <a:xfrm>
+              <a:off x="4272921" y="5380172"/>
+              <a:ext cx="1037400" cy="400110"/>
+            </a:xfrm>
+            <a:prstGeom prst="rect">
+              <a:avLst/>
+            </a:prstGeom>
+            <a:noFill/>
+          </p:spPr>
+          <p:txBody>
+            <a:bodyPr wrap="none" lIns="91440" tIns="45720" rIns="91440" bIns="45720">
+              <a:spAutoFit/>
+            </a:bodyPr>
+            <a:lstStyle/>
+            <a:p>
+              <a:pPr algn="ctr"/>
+              <a:r>
+                <a:rPr lang="en-US" sz="2000">
+                  <a:ln w="0"/>
+                  <a:solidFill>
+                    <a:srgbClr val="4A6DAD"/>
+                  </a:solidFill>
+                </a:rPr>
+                <a:t>Light off</a:t>
+              </a:r>
+              <a:endParaRPr lang="vi-VN" sz="2000" cap="none" spc="0">
+                <a:ln w="0"/>
+                <a:solidFill>
+                  <a:srgbClr val="4A6DAD"/>
+                </a:solidFill>
+              </a:endParaRPr>
+            </a:p>
+          </p:txBody>
+        </p:sp>
+        <p:sp>
+          <p:nvSpPr>
+            <p:cNvPr id="50" name="Hình chữ nhật 49">
+              <a:extLst>
+                <a:ext uri="{FF2B5EF4-FFF2-40B4-BE49-F238E27FC236}">
+                  <a16:creationId xmlns:a16="http://schemas.microsoft.com/office/drawing/2014/main" id="{25FE35B3-A44F-4EEB-A0C0-F5D0FDD8DAE4}"/>
+                </a:ext>
+              </a:extLst>
+            </p:cNvPr>
+            <p:cNvSpPr/>
+            <p:nvPr/>
+          </p:nvSpPr>
+          <p:spPr>
+            <a:xfrm>
+              <a:off x="4272592" y="4652601"/>
+              <a:ext cx="1257908" cy="400110"/>
+            </a:xfrm>
+            <a:prstGeom prst="rect">
+              <a:avLst/>
+            </a:prstGeom>
+            <a:noFill/>
+          </p:spPr>
+          <p:txBody>
+            <a:bodyPr wrap="none" lIns="91440" tIns="45720" rIns="91440" bIns="45720">
+              <a:spAutoFit/>
+            </a:bodyPr>
+            <a:lstStyle/>
+            <a:p>
+              <a:pPr algn="ctr"/>
+              <a:r>
+                <a:rPr lang="en-US" sz="2000" b="1">
+                  <a:ln w="0"/>
+                  <a:solidFill>
+                    <a:srgbClr val="92D050"/>
+                  </a:solidFill>
+                </a:rPr>
+                <a:t>Light is on</a:t>
+              </a:r>
+              <a:endParaRPr lang="vi-VN" sz="2000" b="1" cap="none" spc="0">
+                <a:ln w="0"/>
+                <a:solidFill>
+                  <a:srgbClr val="92D050"/>
+                </a:solidFill>
+              </a:endParaRPr>
+            </a:p>
+          </p:txBody>
+        </p:sp>
+        <p:sp>
+          <p:nvSpPr>
+            <p:cNvPr id="51" name="Hình chữ nhật 50">
+              <a:extLst>
+                <a:ext uri="{FF2B5EF4-FFF2-40B4-BE49-F238E27FC236}">
+                  <a16:creationId xmlns:a16="http://schemas.microsoft.com/office/drawing/2014/main" id="{4A64D32E-9FCE-409A-94AF-DAAC5CD4A70E}"/>
+                </a:ext>
+              </a:extLst>
+            </p:cNvPr>
+            <p:cNvSpPr/>
+            <p:nvPr/>
+          </p:nvSpPr>
+          <p:spPr>
+            <a:xfrm>
+              <a:off x="4318155" y="6355601"/>
+              <a:ext cx="1479892" cy="307777"/>
+            </a:xfrm>
+            <a:prstGeom prst="rect">
+              <a:avLst/>
+            </a:prstGeom>
+            <a:noFill/>
+          </p:spPr>
+          <p:txBody>
+            <a:bodyPr wrap="none" lIns="91440" tIns="45720" rIns="91440" bIns="45720">
+              <a:spAutoFit/>
+            </a:bodyPr>
+            <a:lstStyle/>
+            <a:p>
+              <a:pPr algn="ctr"/>
+              <a:r>
+                <a:rPr lang="en-US" sz="1400" b="1" cap="none" spc="0">
+                  <a:ln w="0"/>
+                  <a:solidFill>
+                    <a:schemeClr val="bg1">
+                      <a:lumMod val="65000"/>
+                    </a:schemeClr>
+                  </a:solidFill>
+                  <a:effectLst/>
+                </a:rPr>
+                <a:t>21:40 12-04-2020</a:t>
+              </a:r>
+              <a:endParaRPr lang="vi-VN" sz="1400" b="1" cap="none" spc="0">
+                <a:ln w="0"/>
+                <a:solidFill>
+                  <a:schemeClr val="bg1">
+                    <a:lumMod val="65000"/>
+                  </a:schemeClr>
+                </a:solidFill>
+                <a:effectLst/>
+              </a:endParaRPr>
+            </a:p>
+          </p:txBody>
+        </p:sp>
+        <p:sp>
+          <p:nvSpPr>
+            <p:cNvPr id="52" name="Hình Bầu dục 51">
+              <a:extLst>
+                <a:ext uri="{FF2B5EF4-FFF2-40B4-BE49-F238E27FC236}">
+                  <a16:creationId xmlns:a16="http://schemas.microsoft.com/office/drawing/2014/main" id="{1D7D98E3-B86C-46DC-9B17-B4FEC8283782}"/>
+                </a:ext>
+              </a:extLst>
+            </p:cNvPr>
+            <p:cNvSpPr/>
+            <p:nvPr/>
+          </p:nvSpPr>
+          <p:spPr>
+            <a:xfrm>
+              <a:off x="4108403" y="6200845"/>
+              <a:ext cx="79580" cy="79580"/>
+            </a:xfrm>
+            <a:prstGeom prst="ellipse">
+              <a:avLst/>
+            </a:prstGeom>
+            <a:solidFill>
+              <a:srgbClr val="92D050"/>
+            </a:solidFill>
+            <a:ln>
+              <a:solidFill>
+                <a:schemeClr val="tx1"/>
+              </a:solidFill>
+            </a:ln>
+          </p:spPr>
+          <p:style>
+            <a:lnRef idx="2">
+              <a:schemeClr val="accent1">
+                <a:shade val="50000"/>
+              </a:schemeClr>
+            </a:lnRef>
+            <a:fillRef idx="1">
+              <a:schemeClr val="accent1"/>
+            </a:fillRef>
+            <a:effectRef idx="0">
+              <a:schemeClr val="accent1"/>
+            </a:effectRef>
+            <a:fontRef idx="minor">
+              <a:schemeClr val="lt1"/>
+            </a:fontRef>
+          </p:style>
+          <p:txBody>
+            <a:bodyPr rtlCol="0" anchor="ctr"/>
+            <a:lstStyle/>
+            <a:p>
+              <a:pPr algn="ctr"/>
+              <a:endParaRPr lang="en-US"/>
+            </a:p>
+          </p:txBody>
+        </p:sp>
+        <p:sp>
+          <p:nvSpPr>
+            <p:cNvPr id="53" name="Hình chữ nhật 52">
+              <a:extLst>
+                <a:ext uri="{FF2B5EF4-FFF2-40B4-BE49-F238E27FC236}">
+                  <a16:creationId xmlns:a16="http://schemas.microsoft.com/office/drawing/2014/main" id="{579ED3DF-44AD-462E-97E3-3307E55D2700}"/>
+                </a:ext>
+              </a:extLst>
+            </p:cNvPr>
+            <p:cNvSpPr/>
+            <p:nvPr/>
+          </p:nvSpPr>
+          <p:spPr>
+            <a:xfrm>
+              <a:off x="4273048" y="6039007"/>
+              <a:ext cx="1017458" cy="400110"/>
+            </a:xfrm>
+            <a:prstGeom prst="rect">
+              <a:avLst/>
+            </a:prstGeom>
+            <a:noFill/>
+          </p:spPr>
+          <p:txBody>
+            <a:bodyPr wrap="none" lIns="91440" tIns="45720" rIns="91440" bIns="45720">
+              <a:spAutoFit/>
+            </a:bodyPr>
+            <a:lstStyle/>
+            <a:p>
+              <a:pPr algn="ctr"/>
+              <a:r>
+                <a:rPr lang="en-US" sz="2000">
+                  <a:ln w="0"/>
+                  <a:solidFill>
+                    <a:srgbClr val="92D050"/>
+                  </a:solidFill>
+                </a:rPr>
+                <a:t>Light on</a:t>
+              </a:r>
+              <a:endParaRPr lang="vi-VN" sz="2000" cap="none" spc="0">
+                <a:ln w="0"/>
+                <a:solidFill>
+                  <a:srgbClr val="92D050"/>
+                </a:solidFill>
+              </a:endParaRPr>
+            </a:p>
+          </p:txBody>
+        </p:sp>
+        <p:cxnSp>
+          <p:nvCxnSpPr>
+            <p:cNvPr id="2053" name="Đường nối Thẳng 2052">
+              <a:extLst>
+                <a:ext uri="{FF2B5EF4-FFF2-40B4-BE49-F238E27FC236}">
+                  <a16:creationId xmlns:a16="http://schemas.microsoft.com/office/drawing/2014/main" id="{BF353BC5-AB6C-4CF7-A940-0F261A2EC0DA}"/>
+                </a:ext>
+              </a:extLst>
+            </p:cNvPr>
+            <p:cNvCxnSpPr>
+              <a:cxnSpLocks/>
+              <a:stCxn id="52" idx="0"/>
+              <a:endCxn id="46" idx="4"/>
+            </p:cNvCxnSpPr>
+            <p:nvPr/>
+          </p:nvCxnSpPr>
+          <p:spPr>
+            <a:xfrm flipV="1">
+              <a:off x="4148193" y="4944516"/>
+              <a:ext cx="0" cy="1256329"/>
+            </a:xfrm>
+            <a:prstGeom prst="line">
+              <a:avLst/>
+            </a:prstGeom>
+            <a:ln w="19050">
+              <a:solidFill>
+                <a:schemeClr val="bg1">
+                  <a:lumMod val="65000"/>
+                </a:schemeClr>
+              </a:solidFill>
+            </a:ln>
+          </p:spPr>
+          <p:style>
+            <a:lnRef idx="1">
+              <a:schemeClr val="accent1"/>
+            </a:lnRef>
+            <a:fillRef idx="0">
+              <a:schemeClr val="accent1"/>
+            </a:fillRef>
+            <a:effectRef idx="0">
+              <a:schemeClr val="accent1"/>
+            </a:effectRef>
+            <a:fontRef idx="minor">
+              <a:schemeClr val="tx1"/>
+            </a:fontRef>
+          </p:style>
+        </p:cxnSp>
+        <p:sp>
+          <p:nvSpPr>
+            <p:cNvPr id="2048" name="Hình Bầu dục 2047">
+              <a:extLst>
+                <a:ext uri="{FF2B5EF4-FFF2-40B4-BE49-F238E27FC236}">
+                  <a16:creationId xmlns:a16="http://schemas.microsoft.com/office/drawing/2014/main" id="{5ECBA549-99D1-4E4E-A356-4A3296B2ADB8}"/>
+                </a:ext>
+              </a:extLst>
+            </p:cNvPr>
+            <p:cNvSpPr/>
+            <p:nvPr/>
+          </p:nvSpPr>
+          <p:spPr>
+            <a:xfrm>
+              <a:off x="4108403" y="5542010"/>
+              <a:ext cx="79580" cy="79580"/>
+            </a:xfrm>
+            <a:prstGeom prst="ellipse">
+              <a:avLst/>
+            </a:prstGeom>
+            <a:ln>
+              <a:solidFill>
+                <a:schemeClr val="tx1"/>
+              </a:solidFill>
+            </a:ln>
+          </p:spPr>
+          <p:style>
+            <a:lnRef idx="2">
+              <a:schemeClr val="accent1">
+                <a:shade val="50000"/>
+              </a:schemeClr>
+            </a:lnRef>
+            <a:fillRef idx="1">
+              <a:schemeClr val="accent1"/>
+            </a:fillRef>
+            <a:effectRef idx="0">
+              <a:schemeClr val="accent1"/>
+            </a:effectRef>
+            <a:fontRef idx="minor">
+              <a:schemeClr val="lt1"/>
+            </a:fontRef>
+          </p:style>
+          <p:txBody>
+            <a:bodyPr rtlCol="0" anchor="ctr"/>
+            <a:lstStyle/>
+            <a:p>
+              <a:pPr algn="ctr"/>
+              <a:endParaRPr lang="en-US"/>
+            </a:p>
+          </p:txBody>
+        </p:sp>
+        <p:pic>
+          <p:nvPicPr>
+            <p:cNvPr id="3" name="Hình ảnh 2" descr="Ảnh có chứa trắng, đang ngồi, thiết bị, bàn&#10;&#10;Mô tả được tạo tự động">
+              <a:extLst>
+                <a:ext uri="{FF2B5EF4-FFF2-40B4-BE49-F238E27FC236}">
+                  <a16:creationId xmlns:a16="http://schemas.microsoft.com/office/drawing/2014/main" id="{0053AF1A-4EDA-4BEB-B370-BD7196364029}"/>
+                </a:ext>
+              </a:extLst>
+            </p:cNvPr>
+            <p:cNvPicPr>
+              <a:picLocks noChangeAspect="1"/>
+            </p:cNvPicPr>
+            <p:nvPr/>
+          </p:nvPicPr>
+          <p:blipFill rotWithShape="1">
+            <a:blip r:embed="rId11">
+              <a:extLst>
+                <a:ext uri="{28A0092B-C50C-407E-A947-70E740481C1C}">
+                  <a14:useLocalDpi xmlns:a14="http://schemas.microsoft.com/office/drawing/2010/main" val="0"/>
+                </a:ext>
+              </a:extLst>
+            </a:blip>
+            <a:srcRect t="23684" b="26090"/>
+            <a:stretch/>
+          </p:blipFill>
+          <p:spPr>
+            <a:xfrm>
+              <a:off x="4755641" y="1424135"/>
+              <a:ext cx="2234211" cy="1122146"/>
+            </a:xfrm>
+            <a:prstGeom prst="rect">
+              <a:avLst/>
+            </a:prstGeom>
+          </p:spPr>
+        </p:pic>
+        <p:sp>
+          <p:nvSpPr>
+            <p:cNvPr id="10" name="Hình chữ nhật 9">
+              <a:extLst>
+                <a:ext uri="{FF2B5EF4-FFF2-40B4-BE49-F238E27FC236}">
+                  <a16:creationId xmlns:a16="http://schemas.microsoft.com/office/drawing/2014/main" id="{09C931F0-1F3C-4400-97C8-ABB2F3B21358}"/>
+                </a:ext>
+              </a:extLst>
+            </p:cNvPr>
+            <p:cNvSpPr/>
+            <p:nvPr/>
+          </p:nvSpPr>
+          <p:spPr>
+            <a:xfrm>
+              <a:off x="3939376" y="3241628"/>
+              <a:ext cx="3847685" cy="690826"/>
+            </a:xfrm>
+            <a:prstGeom prst="rect">
+              <a:avLst/>
+            </a:prstGeom>
+            <a:solidFill>
+              <a:srgbClr val="E4EEF8"/>
+            </a:solidFill>
+            <a:ln>
+              <a:noFill/>
+            </a:ln>
+          </p:spPr>
+          <p:style>
+            <a:lnRef idx="2">
+              <a:schemeClr val="accent1">
+                <a:shade val="50000"/>
+              </a:schemeClr>
+            </a:lnRef>
+            <a:fillRef idx="1">
+              <a:schemeClr val="accent1"/>
+            </a:fillRef>
+            <a:effectRef idx="0">
+              <a:schemeClr val="accent1"/>
+            </a:effectRef>
+            <a:fontRef idx="minor">
+              <a:schemeClr val="lt1"/>
+            </a:fontRef>
+          </p:style>
+          <p:txBody>
+            <a:bodyPr rtlCol="0" anchor="ctr"/>
+            <a:lstStyle/>
+            <a:p>
+              <a:pPr algn="ctr"/>
+              <a:endParaRPr lang="en-US"/>
+            </a:p>
+          </p:txBody>
+        </p:sp>
+        <p:grpSp>
+          <p:nvGrpSpPr>
+            <p:cNvPr id="24" name="Nhóm 23">
+              <a:extLst>
+                <a:ext uri="{FF2B5EF4-FFF2-40B4-BE49-F238E27FC236}">
+                  <a16:creationId xmlns:a16="http://schemas.microsoft.com/office/drawing/2014/main" id="{B1629F4E-3BFB-4E6A-8471-C831708BF110}"/>
+                </a:ext>
+              </a:extLst>
+            </p:cNvPr>
+            <p:cNvGrpSpPr/>
+            <p:nvPr/>
+          </p:nvGrpSpPr>
+          <p:grpSpPr>
+            <a:xfrm>
+              <a:off x="4012656" y="3285368"/>
+              <a:ext cx="3697603" cy="607924"/>
+              <a:chOff x="4012656" y="3275842"/>
+              <a:chExt cx="3697603" cy="607924"/>
+            </a:xfrm>
+          </p:grpSpPr>
+          <p:sp>
+            <p:nvSpPr>
+              <p:cNvPr id="18" name="Hình chữ nhật: Góc Tròn 17">
+                <a:extLst>
+                  <a:ext uri="{FF2B5EF4-FFF2-40B4-BE49-F238E27FC236}">
+                    <a16:creationId xmlns:a16="http://schemas.microsoft.com/office/drawing/2014/main" id="{0CA77F58-B306-47FF-BE38-FC28E785AD76}"/>
+                  </a:ext>
+                </a:extLst>
+              </p:cNvPr>
+              <p:cNvSpPr/>
+              <p:nvPr/>
+            </p:nvSpPr>
+            <p:spPr>
+              <a:xfrm>
+                <a:off x="4012656" y="3278139"/>
+                <a:ext cx="1811207" cy="605627"/>
+              </a:xfrm>
+              <a:prstGeom prst="roundRect">
+                <a:avLst>
+                  <a:gd name="adj" fmla="val 22958"/>
+                </a:avLst>
+              </a:prstGeom>
+              <a:solidFill>
+                <a:schemeClr val="accent5">
+                  <a:lumMod val="40000"/>
+                  <a:lumOff val="60000"/>
+                </a:schemeClr>
+              </a:solidFill>
+              <a:ln>
+                <a:noFill/>
+              </a:ln>
+            </p:spPr>
+            <p:style>
+              <a:lnRef idx="2">
+                <a:schemeClr val="accent1">
+                  <a:shade val="50000"/>
+                </a:schemeClr>
+              </a:lnRef>
+              <a:fillRef idx="1">
+                <a:schemeClr val="accent1"/>
+              </a:fillRef>
+              <a:effectRef idx="0">
+                <a:schemeClr val="accent1"/>
+              </a:effectRef>
+              <a:fontRef idx="minor">
+                <a:schemeClr val="lt1"/>
+              </a:fontRef>
+            </p:style>
+            <p:txBody>
+              <a:bodyPr rtlCol="0" anchor="ctr"/>
+              <a:lstStyle/>
+              <a:p>
+                <a:pPr algn="ctr"/>
+                <a:endParaRPr lang="en-US"/>
+              </a:p>
+            </p:txBody>
+          </p:sp>
+          <p:sp>
+            <p:nvSpPr>
+              <p:cNvPr id="54" name="Hình chữ nhật: Góc Tròn 53">
+                <a:extLst>
+                  <a:ext uri="{FF2B5EF4-FFF2-40B4-BE49-F238E27FC236}">
+                    <a16:creationId xmlns:a16="http://schemas.microsoft.com/office/drawing/2014/main" id="{BB689280-4277-43B2-B0D9-8595948E9747}"/>
+                  </a:ext>
+                </a:extLst>
+              </p:cNvPr>
+              <p:cNvSpPr/>
+              <p:nvPr/>
+            </p:nvSpPr>
+            <p:spPr>
+              <a:xfrm>
+                <a:off x="5899052" y="3275842"/>
+                <a:ext cx="1811207" cy="605627"/>
+              </a:xfrm>
+              <a:prstGeom prst="roundRect">
+                <a:avLst>
+                  <a:gd name="adj" fmla="val 22958"/>
+                </a:avLst>
+              </a:prstGeom>
+              <a:solidFill>
+                <a:schemeClr val="accent5">
+                  <a:lumMod val="40000"/>
+                  <a:lumOff val="60000"/>
+                </a:schemeClr>
+              </a:solidFill>
+              <a:ln>
+                <a:noFill/>
+              </a:ln>
+            </p:spPr>
+            <p:style>
+              <a:lnRef idx="2">
+                <a:schemeClr val="accent1">
+                  <a:shade val="50000"/>
+                </a:schemeClr>
+              </a:lnRef>
+              <a:fillRef idx="1">
+                <a:schemeClr val="accent1"/>
+              </a:fillRef>
+              <a:effectRef idx="0">
+                <a:schemeClr val="accent1"/>
+              </a:effectRef>
+              <a:fontRef idx="minor">
+                <a:schemeClr val="lt1"/>
+              </a:fontRef>
+            </p:style>
+            <p:txBody>
+              <a:bodyPr rtlCol="0" anchor="ctr"/>
+              <a:lstStyle/>
+              <a:p>
+                <a:pPr algn="ctr"/>
+                <a:endParaRPr lang="en-US"/>
+              </a:p>
+            </p:txBody>
+          </p:sp>
+          <p:pic>
+            <p:nvPicPr>
+              <p:cNvPr id="17" name="Hình ảnh 16" descr="Ảnh có chứa vẽ&#10;&#10;Mô tả được tạo tự động">
+                <a:extLst>
+                  <a:ext uri="{FF2B5EF4-FFF2-40B4-BE49-F238E27FC236}">
+                    <a16:creationId xmlns:a16="http://schemas.microsoft.com/office/drawing/2014/main" id="{CB665B1D-F876-48A8-96B7-DAE3BC205AE8}"/>
+                  </a:ext>
+                </a:extLst>
+              </p:cNvPr>
+              <p:cNvPicPr>
+                <a:picLocks noChangeAspect="1"/>
+              </p:cNvPicPr>
+              <p:nvPr/>
+            </p:nvPicPr>
+            <p:blipFill>
+              <a:blip r:embed="rId12">
+                <a:extLst>
+                  <a:ext uri="{28A0092B-C50C-407E-A947-70E740481C1C}">
+                    <a14:useLocalDpi xmlns:a14="http://schemas.microsoft.com/office/drawing/2010/main" val="0"/>
+                  </a:ext>
+                </a:extLst>
+              </a:blip>
+              <a:stretch>
+                <a:fillRect/>
+              </a:stretch>
+            </p:blipFill>
+            <p:spPr>
+              <a:xfrm>
+                <a:off x="4032007" y="3377252"/>
+                <a:ext cx="407401" cy="407401"/>
+              </a:xfrm>
+              <a:prstGeom prst="rect">
+                <a:avLst/>
+              </a:prstGeom>
+            </p:spPr>
+          </p:pic>
+          <p:pic>
+            <p:nvPicPr>
+              <p:cNvPr id="14" name="Hình ảnh 13" descr="Ảnh có chứa đồng hồ&#10;&#10;Mô tả được tạo tự động">
+                <a:extLst>
+                  <a:ext uri="{FF2B5EF4-FFF2-40B4-BE49-F238E27FC236}">
+                    <a16:creationId xmlns:a16="http://schemas.microsoft.com/office/drawing/2014/main" id="{00F701F7-879E-492D-9B07-B4F80EF15CE4}"/>
+                  </a:ext>
+                </a:extLst>
+              </p:cNvPr>
+              <p:cNvPicPr>
+                <a:picLocks noChangeAspect="1"/>
+              </p:cNvPicPr>
+              <p:nvPr/>
+            </p:nvPicPr>
+            <p:blipFill>
+              <a:blip r:embed="rId13">
+                <a:extLst>
+                  <a:ext uri="{28A0092B-C50C-407E-A947-70E740481C1C}">
+                    <a14:useLocalDpi xmlns:a14="http://schemas.microsoft.com/office/drawing/2010/main" val="0"/>
+                  </a:ext>
+                </a:extLst>
+              </a:blip>
+              <a:stretch>
+                <a:fillRect/>
+              </a:stretch>
+            </p:blipFill>
+            <p:spPr>
+              <a:xfrm>
+                <a:off x="5904594" y="3366697"/>
+                <a:ext cx="382812" cy="382812"/>
+              </a:xfrm>
+              <a:prstGeom prst="rect">
+                <a:avLst/>
+              </a:prstGeom>
+            </p:spPr>
+          </p:pic>
+          <p:sp>
+            <p:nvSpPr>
+              <p:cNvPr id="20" name="Hình chữ nhật 19">
+                <a:extLst>
+                  <a:ext uri="{FF2B5EF4-FFF2-40B4-BE49-F238E27FC236}">
+                    <a16:creationId xmlns:a16="http://schemas.microsoft.com/office/drawing/2014/main" id="{D28464DB-EE5A-43C2-9545-345DF418F837}"/>
+                  </a:ext>
+                </a:extLst>
+              </p:cNvPr>
+              <p:cNvSpPr/>
+              <p:nvPr/>
+            </p:nvSpPr>
+            <p:spPr>
+              <a:xfrm>
+                <a:off x="4361500" y="3285282"/>
+                <a:ext cx="1451103" cy="292388"/>
+              </a:xfrm>
+              <a:prstGeom prst="rect">
+                <a:avLst/>
+              </a:prstGeom>
+              <a:noFill/>
+            </p:spPr>
+            <p:txBody>
+              <a:bodyPr wrap="none" lIns="91440" tIns="45720" rIns="91440" bIns="45720">
+                <a:spAutoFit/>
+              </a:bodyPr>
+              <a:lstStyle/>
+              <a:p>
+                <a:pPr algn="ctr"/>
+                <a:r>
+                  <a:rPr lang="en-US" sz="1300" b="0" cap="none" spc="0">
+                    <a:ln w="0"/>
+                    <a:solidFill>
+                      <a:schemeClr val="tx1"/>
+                    </a:solidFill>
+                    <a:effectLst>
+                      <a:outerShdw blurRad="38100" dist="19050" dir="2700000" algn="tl" rotWithShape="0">
+                        <a:schemeClr val="dk1">
+                          <a:alpha val="40000"/>
+                        </a:schemeClr>
+                      </a:outerShdw>
+                    </a:effectLst>
+                  </a:rPr>
+                  <a:t>Daily </a:t>
+                </a:r>
+                <a:r>
+                  <a:rPr lang="en-US" sz="1300">
+                    <a:ln w="0"/>
+                    <a:effectLst>
+                      <a:outerShdw blurRad="38100" dist="19050" dir="2700000" algn="tl" rotWithShape="0">
+                        <a:schemeClr val="dk1">
+                          <a:alpha val="40000"/>
+                        </a:schemeClr>
+                      </a:outerShdw>
+                    </a:effectLst>
+                  </a:rPr>
+                  <a:t>working time</a:t>
+                </a:r>
+                <a:endParaRPr lang="vi-VN" sz="1300" b="0" cap="none" spc="0">
+                  <a:ln w="0"/>
+                  <a:solidFill>
+                    <a:schemeClr val="tx1"/>
+                  </a:solidFill>
+                  <a:effectLst>
+                    <a:outerShdw blurRad="38100" dist="19050" dir="2700000" algn="tl" rotWithShape="0">
+                      <a:schemeClr val="dk1">
+                        <a:alpha val="40000"/>
+                      </a:schemeClr>
+                    </a:outerShdw>
+                  </a:effectLst>
+                </a:endParaRPr>
+              </a:p>
+            </p:txBody>
+          </p:sp>
+          <p:sp>
+            <p:nvSpPr>
+              <p:cNvPr id="21" name="Hình chữ nhật 20">
+                <a:extLst>
+                  <a:ext uri="{FF2B5EF4-FFF2-40B4-BE49-F238E27FC236}">
+                    <a16:creationId xmlns:a16="http://schemas.microsoft.com/office/drawing/2014/main" id="{8BD692D7-5DED-4083-B8C3-BBA0EE70750C}"/>
+                  </a:ext>
+                </a:extLst>
+              </p:cNvPr>
+              <p:cNvSpPr/>
+              <p:nvPr/>
+            </p:nvSpPr>
+            <p:spPr>
+              <a:xfrm>
+                <a:off x="4415750" y="3501526"/>
+                <a:ext cx="1322798" cy="338554"/>
+              </a:xfrm>
+              <a:prstGeom prst="rect">
+                <a:avLst/>
+              </a:prstGeom>
+              <a:noFill/>
+            </p:spPr>
+            <p:txBody>
+              <a:bodyPr wrap="none" lIns="91440" tIns="45720" rIns="91440" bIns="45720">
+                <a:spAutoFit/>
+              </a:bodyPr>
+              <a:lstStyle/>
+              <a:p>
+                <a:pPr algn="ctr"/>
+                <a:r>
+                  <a:rPr lang="en-US" sz="1600" b="0" cap="none" spc="0">
+                    <a:ln w="0"/>
+                    <a:solidFill>
+                      <a:schemeClr val="bg1"/>
+                    </a:solidFill>
+                    <a:effectLst>
+                      <a:outerShdw blurRad="38100" dist="19050" dir="2700000" algn="tl" rotWithShape="0">
+                        <a:schemeClr val="dk1">
+                          <a:alpha val="40000"/>
+                        </a:schemeClr>
+                      </a:outerShdw>
+                    </a:effectLst>
+                  </a:rPr>
+                  <a:t>18:00 – 06:00</a:t>
+                </a:r>
+                <a:endParaRPr lang="vi-VN" sz="1600" b="0" cap="none" spc="0">
+                  <a:ln w="0"/>
+                  <a:solidFill>
+                    <a:schemeClr val="bg1"/>
+                  </a:solidFill>
+                  <a:effectLst>
+                    <a:outerShdw blurRad="38100" dist="19050" dir="2700000" algn="tl" rotWithShape="0">
+                      <a:schemeClr val="dk1">
+                        <a:alpha val="40000"/>
+                      </a:schemeClr>
+                    </a:outerShdw>
+                  </a:effectLst>
+                </a:endParaRPr>
+              </a:p>
+            </p:txBody>
+          </p:sp>
+          <p:sp>
+            <p:nvSpPr>
+              <p:cNvPr id="55" name="Hình chữ nhật 54">
+                <a:extLst>
+                  <a:ext uri="{FF2B5EF4-FFF2-40B4-BE49-F238E27FC236}">
+                    <a16:creationId xmlns:a16="http://schemas.microsoft.com/office/drawing/2014/main" id="{BA8130DC-5C67-4F6D-845D-14F3F95C5B8D}"/>
+                  </a:ext>
+                </a:extLst>
+              </p:cNvPr>
+              <p:cNvSpPr/>
+              <p:nvPr/>
+            </p:nvSpPr>
+            <p:spPr>
+              <a:xfrm>
+                <a:off x="6487390" y="3285282"/>
+                <a:ext cx="910955" cy="292388"/>
+              </a:xfrm>
+              <a:prstGeom prst="rect">
+                <a:avLst/>
+              </a:prstGeom>
+              <a:noFill/>
+            </p:spPr>
+            <p:txBody>
+              <a:bodyPr wrap="none" lIns="91440" tIns="45720" rIns="91440" bIns="45720">
+                <a:spAutoFit/>
+              </a:bodyPr>
+              <a:lstStyle/>
+              <a:p>
+                <a:pPr algn="ctr"/>
+                <a:r>
+                  <a:rPr lang="en-US" sz="1300">
+                    <a:ln w="0"/>
+                    <a:effectLst>
+                      <a:outerShdw blurRad="38100" dist="19050" dir="2700000" algn="tl" rotWithShape="0">
+                        <a:schemeClr val="dk1">
+                          <a:alpha val="40000"/>
+                        </a:schemeClr>
+                      </a:outerShdw>
+                    </a:effectLst>
+                  </a:rPr>
+                  <a:t>Delay time</a:t>
+                </a:r>
+                <a:endParaRPr lang="vi-VN" sz="1300" b="0" cap="none" spc="0">
+                  <a:ln w="0"/>
+                  <a:solidFill>
+                    <a:schemeClr val="tx1"/>
+                  </a:solidFill>
+                  <a:effectLst>
+                    <a:outerShdw blurRad="38100" dist="19050" dir="2700000" algn="tl" rotWithShape="0">
+                      <a:schemeClr val="dk1">
+                        <a:alpha val="40000"/>
+                      </a:schemeClr>
+                    </a:outerShdw>
+                  </a:effectLst>
+                </a:endParaRPr>
+              </a:p>
+            </p:txBody>
+          </p:sp>
+          <p:sp>
+            <p:nvSpPr>
+              <p:cNvPr id="56" name="Hình chữ nhật 55">
+                <a:extLst>
+                  <a:ext uri="{FF2B5EF4-FFF2-40B4-BE49-F238E27FC236}">
+                    <a16:creationId xmlns:a16="http://schemas.microsoft.com/office/drawing/2014/main" id="{4AC85D75-B52E-4C7A-9921-4E992C3D33FB}"/>
+                  </a:ext>
+                </a:extLst>
+              </p:cNvPr>
+              <p:cNvSpPr/>
+              <p:nvPr/>
+            </p:nvSpPr>
+            <p:spPr>
+              <a:xfrm>
+                <a:off x="6344877" y="3502327"/>
+                <a:ext cx="1223412" cy="338554"/>
+              </a:xfrm>
+              <a:prstGeom prst="rect">
+                <a:avLst/>
+              </a:prstGeom>
+              <a:noFill/>
+            </p:spPr>
+            <p:txBody>
+              <a:bodyPr wrap="none" lIns="91440" tIns="45720" rIns="91440" bIns="45720">
+                <a:spAutoFit/>
+              </a:bodyPr>
+              <a:lstStyle/>
+              <a:p>
+                <a:pPr algn="ctr"/>
+                <a:r>
+                  <a:rPr lang="en-US" sz="1600">
+                    <a:ln w="0"/>
+                    <a:solidFill>
+                      <a:schemeClr val="bg1"/>
+                    </a:solidFill>
+                    <a:effectLst>
+                      <a:outerShdw blurRad="38100" dist="19050" dir="2700000" algn="tl" rotWithShape="0">
+                        <a:schemeClr val="dk1">
+                          <a:alpha val="40000"/>
+                        </a:schemeClr>
+                      </a:outerShdw>
+                    </a:effectLst>
+                  </a:rPr>
+                  <a:t>2 min 30 sec</a:t>
+                </a:r>
+                <a:endParaRPr lang="vi-VN" sz="1600" b="0" cap="none" spc="0">
+                  <a:ln w="0"/>
+                  <a:solidFill>
+                    <a:schemeClr val="bg1"/>
+                  </a:solidFill>
+                  <a:effectLst>
+                    <a:outerShdw blurRad="38100" dist="19050" dir="2700000" algn="tl" rotWithShape="0">
+                      <a:schemeClr val="dk1">
+                        <a:alpha val="40000"/>
+                      </a:schemeClr>
+                    </a:outerShdw>
+                  </a:effectLst>
+                </a:endParaRPr>
+              </a:p>
+            </p:txBody>
+          </p:sp>
+        </p:grpSp>
+      </p:grpSp>
+    </p:spTree>
+    <p:extLst>
+      <p:ext uri="{BB962C8B-B14F-4D97-AF65-F5344CB8AC3E}">
+        <p14:creationId xmlns:p14="http://schemas.microsoft.com/office/powerpoint/2010/main" val="2405599983"/>
+      </p:ext>
+    </p:extLst>
+  </p:cSld>
+  <p:clrMapOvr>
+    <a:masterClrMapping/>
+  </p:clrMapOvr>
+</p:sld>
+</file>
+
+<file path=ppt/slides/slide11.xml><?xml version="1.0" encoding="utf-8"?>
+<p:sld xmlns:a="http://schemas.openxmlformats.org/drawingml/2006/main" xmlns:r="http://schemas.openxmlformats.org/officeDocument/2006/relationships" xmlns:p="http://schemas.openxmlformats.org/presentationml/2006/main">
+  <p:cSld>
+    <p:spTree>
+      <p:nvGrpSpPr>
+        <p:cNvPr id="1" name=""/>
+        <p:cNvGrpSpPr/>
+        <p:nvPr/>
+      </p:nvGrpSpPr>
+      <p:grpSpPr>
+        <a:xfrm>
+          <a:off x="0" y="0"/>
+          <a:ext cx="0" cy="0"/>
+          <a:chOff x="0" y="0"/>
+          <a:chExt cx="0" cy="0"/>
+        </a:xfrm>
+      </p:grpSpPr>
+      <p:grpSp>
+        <p:nvGrpSpPr>
+          <p:cNvPr id="2" name="Nhóm 1">
+            <a:extLst>
+              <a:ext uri="{FF2B5EF4-FFF2-40B4-BE49-F238E27FC236}">
+                <a16:creationId xmlns:a16="http://schemas.microsoft.com/office/drawing/2014/main" id="{3EAEBF34-020E-4A5A-AD07-00828617E8F0}"/>
+              </a:ext>
+            </a:extLst>
+          </p:cNvPr>
+          <p:cNvGrpSpPr/>
+          <p:nvPr/>
+        </p:nvGrpSpPr>
+        <p:grpSpPr>
+          <a:xfrm>
+            <a:off x="3874865" y="0"/>
+            <a:ext cx="3982867" cy="6872024"/>
+            <a:chOff x="3874865" y="0"/>
+            <a:chExt cx="3982867" cy="6872024"/>
+          </a:xfrm>
+        </p:grpSpPr>
+        <p:grpSp>
+          <p:nvGrpSpPr>
+            <p:cNvPr id="25" name="Nhóm 24">
+              <a:extLst>
+                <a:ext uri="{FF2B5EF4-FFF2-40B4-BE49-F238E27FC236}">
+                  <a16:creationId xmlns:a16="http://schemas.microsoft.com/office/drawing/2014/main" id="{A547A66B-6C2D-4D35-AC00-E5B19A9F1C37}"/>
+                </a:ext>
+              </a:extLst>
+            </p:cNvPr>
+            <p:cNvGrpSpPr/>
+            <p:nvPr/>
+          </p:nvGrpSpPr>
+          <p:grpSpPr>
+            <a:xfrm>
+              <a:off x="3874865" y="0"/>
+              <a:ext cx="3982867" cy="6872024"/>
+              <a:chOff x="3874865" y="0"/>
+              <a:chExt cx="3982867" cy="6872024"/>
+            </a:xfrm>
+          </p:grpSpPr>
+          <p:sp>
+            <p:nvSpPr>
+              <p:cNvPr id="30" name="Hình chữ nhật 29">
+                <a:extLst>
+                  <a:ext uri="{FF2B5EF4-FFF2-40B4-BE49-F238E27FC236}">
+                    <a16:creationId xmlns:a16="http://schemas.microsoft.com/office/drawing/2014/main" id="{CF1A8CCF-2271-4B74-91CC-240ACCC2D46C}"/>
+                  </a:ext>
+                </a:extLst>
+              </p:cNvPr>
+              <p:cNvSpPr/>
+              <p:nvPr/>
+            </p:nvSpPr>
+            <p:spPr>
+              <a:xfrm>
+                <a:off x="3934408" y="3840363"/>
+                <a:ext cx="3857624" cy="3017637"/>
+              </a:xfrm>
+              <a:prstGeom prst="rect">
+                <a:avLst/>
+              </a:prstGeom>
+              <a:solidFill>
+                <a:schemeClr val="bg1"/>
+              </a:solidFill>
+              <a:ln>
+                <a:noFill/>
+              </a:ln>
+            </p:spPr>
+            <p:style>
+              <a:lnRef idx="2">
+                <a:schemeClr val="accent1">
+                  <a:shade val="50000"/>
+                </a:schemeClr>
+              </a:lnRef>
+              <a:fillRef idx="1">
+                <a:schemeClr val="accent1"/>
+              </a:fillRef>
+              <a:effectRef idx="0">
+                <a:schemeClr val="accent1"/>
+              </a:effectRef>
+              <a:fontRef idx="minor">
+                <a:schemeClr val="lt1"/>
+              </a:fontRef>
+            </p:style>
+            <p:txBody>
+              <a:bodyPr rtlCol="0" anchor="ctr"/>
+              <a:lstStyle/>
+              <a:p>
+                <a:pPr algn="ctr"/>
+                <a:endParaRPr lang="en-US"/>
+              </a:p>
+            </p:txBody>
+          </p:sp>
+          <p:sp>
+            <p:nvSpPr>
+              <p:cNvPr id="26" name="Hình chữ nhật 25">
+                <a:extLst>
+                  <a:ext uri="{FF2B5EF4-FFF2-40B4-BE49-F238E27FC236}">
+                    <a16:creationId xmlns:a16="http://schemas.microsoft.com/office/drawing/2014/main" id="{39A6061F-C2B1-49F7-B960-E326229C9DBA}"/>
+                  </a:ext>
+                </a:extLst>
+              </p:cNvPr>
+              <p:cNvSpPr/>
+              <p:nvPr/>
+            </p:nvSpPr>
+            <p:spPr>
+              <a:xfrm>
+                <a:off x="3934408" y="207818"/>
+                <a:ext cx="3857625" cy="487192"/>
+              </a:xfrm>
+              <a:prstGeom prst="rect">
+                <a:avLst/>
+              </a:prstGeom>
+              <a:solidFill>
+                <a:schemeClr val="bg1"/>
+              </a:solidFill>
+              <a:ln>
+                <a:noFill/>
+              </a:ln>
+            </p:spPr>
+            <p:style>
+              <a:lnRef idx="2">
+                <a:schemeClr val="accent1">
+                  <a:shade val="50000"/>
+                </a:schemeClr>
+              </a:lnRef>
+              <a:fillRef idx="1">
+                <a:schemeClr val="accent1"/>
+              </a:fillRef>
+              <a:effectRef idx="0">
+                <a:schemeClr val="accent1"/>
+              </a:effectRef>
+              <a:fontRef idx="minor">
+                <a:schemeClr val="lt1"/>
+              </a:fontRef>
+            </p:style>
+            <p:txBody>
+              <a:bodyPr rtlCol="0" anchor="ctr"/>
+              <a:lstStyle/>
+              <a:p>
+                <a:pPr algn="ctr"/>
+                <a:endParaRPr lang="en-US"/>
+              </a:p>
+            </p:txBody>
+          </p:sp>
+          <p:pic>
+            <p:nvPicPr>
+              <p:cNvPr id="19" name="Hình ảnh 18">
+                <a:extLst>
+                  <a:ext uri="{FF2B5EF4-FFF2-40B4-BE49-F238E27FC236}">
+                    <a16:creationId xmlns:a16="http://schemas.microsoft.com/office/drawing/2014/main" id="{D536F1E0-8923-4B32-8AA6-B0CBDB684E85}"/>
+                  </a:ext>
+                </a:extLst>
+              </p:cNvPr>
+              <p:cNvPicPr>
+                <a:picLocks noChangeAspect="1"/>
+              </p:cNvPicPr>
+              <p:nvPr/>
+            </p:nvPicPr>
+            <p:blipFill>
+              <a:blip r:embed="rId2">
+                <a:extLst>
+                  <a:ext uri="{28A0092B-C50C-407E-A947-70E740481C1C}">
+                    <a14:useLocalDpi xmlns:a14="http://schemas.microsoft.com/office/drawing/2010/main" val="0"/>
+                  </a:ext>
+                </a:extLst>
+              </a:blip>
+              <a:srcRect/>
+              <a:stretch/>
+            </p:blipFill>
+            <p:spPr>
+              <a:xfrm>
+                <a:off x="3939377" y="678126"/>
+                <a:ext cx="3847685" cy="2563502"/>
+              </a:xfrm>
+              <a:prstGeom prst="rect">
+                <a:avLst/>
+              </a:prstGeom>
+              <a:effectLst>
+                <a:glow>
+                  <a:schemeClr val="accent1"/>
+                </a:glow>
+              </a:effectLst>
+            </p:spPr>
+          </p:pic>
+          <p:pic>
+            <p:nvPicPr>
+              <p:cNvPr id="4" name="Picture 2" descr="back logo icon – Free Icons Download">
+                <a:extLst>
+                  <a:ext uri="{FF2B5EF4-FFF2-40B4-BE49-F238E27FC236}">
+                    <a16:creationId xmlns:a16="http://schemas.microsoft.com/office/drawing/2014/main" id="{05DDC231-7BF3-48E0-B1C5-F632DB98FF5A}"/>
+                  </a:ext>
+                </a:extLst>
+              </p:cNvPr>
+              <p:cNvPicPr>
+                <a:picLocks noChangeAspect="1" noChangeArrowheads="1"/>
+              </p:cNvPicPr>
+              <p:nvPr/>
+            </p:nvPicPr>
+            <p:blipFill>
+              <a:blip r:embed="rId3">
+                <a:duotone>
+                  <a:schemeClr val="accent1">
+                    <a:shade val="45000"/>
+                    <a:satMod val="135000"/>
+                  </a:schemeClr>
+                  <a:prstClr val="white"/>
+                </a:duotone>
+                <a:extLst>
+                  <a:ext uri="{28A0092B-C50C-407E-A947-70E740481C1C}">
+                    <a14:useLocalDpi xmlns:a14="http://schemas.microsoft.com/office/drawing/2010/main" val="0"/>
+                  </a:ext>
+                </a:extLst>
+              </a:blip>
+              <a:srcRect/>
+              <a:stretch>
+                <a:fillRect/>
+              </a:stretch>
+            </p:blipFill>
+            <p:spPr bwMode="auto">
+              <a:xfrm>
+                <a:off x="3943933" y="206907"/>
+                <a:ext cx="411903" cy="411903"/>
+              </a:xfrm>
+              <a:prstGeom prst="rect">
+                <a:avLst/>
+              </a:prstGeom>
+              <a:noFill/>
+              <a:extLst>
+                <a:ext uri="{909E8E84-426E-40DD-AFC4-6F175D3DCCD1}">
+                  <a14:hiddenFill xmlns:a14="http://schemas.microsoft.com/office/drawing/2010/main">
+                    <a:solidFill>
+                      <a:srgbClr val="FFFFFF"/>
+                    </a:solidFill>
+                  </a14:hiddenFill>
+                </a:ext>
+              </a:extLst>
+            </p:spPr>
+          </p:pic>
+          <p:pic>
+            <p:nvPicPr>
+              <p:cNvPr id="22" name="Hình ảnh 21" descr="Ảnh có chứa sáng, máy tính&#10;&#10;Mô tả được tạo tự động">
+                <a:extLst>
+                  <a:ext uri="{FF2B5EF4-FFF2-40B4-BE49-F238E27FC236}">
+                    <a16:creationId xmlns:a16="http://schemas.microsoft.com/office/drawing/2014/main" id="{F3E69F79-B5DC-4185-99EC-DA705B7EAA2F}"/>
+                  </a:ext>
+                </a:extLst>
+              </p:cNvPr>
+              <p:cNvPicPr>
+                <a:picLocks noChangeAspect="1"/>
+              </p:cNvPicPr>
+              <p:nvPr/>
+            </p:nvPicPr>
+            <p:blipFill rotWithShape="1">
+              <a:blip r:embed="rId4">
+                <a:extLst>
+                  <a:ext uri="{28A0092B-C50C-407E-A947-70E740481C1C}">
+                    <a14:useLocalDpi xmlns:a14="http://schemas.microsoft.com/office/drawing/2010/main" val="0"/>
+                  </a:ext>
+                </a:extLst>
+              </a:blip>
+              <a:srcRect l="43657" t="-1" r="44756" b="5189"/>
+              <a:stretch/>
+            </p:blipFill>
+            <p:spPr>
+              <a:xfrm>
+                <a:off x="7562786" y="4429393"/>
+                <a:ext cx="294946" cy="2442631"/>
+              </a:xfrm>
+              <a:prstGeom prst="rect">
+                <a:avLst/>
+              </a:prstGeom>
+            </p:spPr>
+          </p:pic>
+          <p:pic>
+            <p:nvPicPr>
+              <p:cNvPr id="33" name="Hình ảnh 32">
+                <a:extLst>
+                  <a:ext uri="{FF2B5EF4-FFF2-40B4-BE49-F238E27FC236}">
+                    <a16:creationId xmlns:a16="http://schemas.microsoft.com/office/drawing/2014/main" id="{3776CF40-B7E1-4720-8E11-32B3D72EB231}"/>
+                  </a:ext>
+                </a:extLst>
+              </p:cNvPr>
+              <p:cNvPicPr>
+                <a:picLocks noChangeAspect="1"/>
+              </p:cNvPicPr>
+              <p:nvPr/>
+            </p:nvPicPr>
+            <p:blipFill rotWithShape="1">
+              <a:blip r:embed="rId5">
+                <a:extLst>
+                  <a:ext uri="{28A0092B-C50C-407E-A947-70E740481C1C}">
+                    <a14:useLocalDpi xmlns:a14="http://schemas.microsoft.com/office/drawing/2010/main" val="0"/>
+                  </a:ext>
+                </a:extLst>
+              </a:blip>
+              <a:srcRect b="96970"/>
+              <a:stretch/>
+            </p:blipFill>
+            <p:spPr>
+              <a:xfrm>
+                <a:off x="3934408" y="0"/>
+                <a:ext cx="3857625" cy="207818"/>
+              </a:xfrm>
+              <a:prstGeom prst="rect">
+                <a:avLst/>
+              </a:prstGeom>
+            </p:spPr>
+          </p:pic>
+          <p:pic>
+            <p:nvPicPr>
+              <p:cNvPr id="2062" name="Picture 14" descr="Settings Launcher cho Android - Tải về APK">
+                <a:extLst>
+                  <a:ext uri="{FF2B5EF4-FFF2-40B4-BE49-F238E27FC236}">
+                    <a16:creationId xmlns:a16="http://schemas.microsoft.com/office/drawing/2014/main" id="{CF18903F-7A31-4DBC-B471-8FED8D114D23}"/>
+                  </a:ext>
+                </a:extLst>
+              </p:cNvPr>
+              <p:cNvPicPr>
+                <a:picLocks noChangeAspect="1" noChangeArrowheads="1"/>
+              </p:cNvPicPr>
+              <p:nvPr/>
+            </p:nvPicPr>
+            <p:blipFill>
+              <a:blip r:embed="rId6">
+                <a:extLst>
+                  <a:ext uri="{BEBA8EAE-BF5A-486C-A8C5-ECC9F3942E4B}">
+                    <a14:imgProps xmlns:a14="http://schemas.microsoft.com/office/drawing/2010/main">
+                      <a14:imgLayer r:embed="rId7">
+                        <a14:imgEffect>
+                          <a14:saturation sat="66000"/>
+                        </a14:imgEffect>
+                      </a14:imgLayer>
+                    </a14:imgProps>
+                  </a:ext>
+                  <a:ext uri="{28A0092B-C50C-407E-A947-70E740481C1C}">
+                    <a14:useLocalDpi xmlns:a14="http://schemas.microsoft.com/office/drawing/2010/main" val="0"/>
+                  </a:ext>
+                </a:extLst>
+              </a:blip>
+              <a:srcRect/>
+              <a:stretch>
+                <a:fillRect/>
+              </a:stretch>
+            </p:blipFill>
+            <p:spPr bwMode="auto">
+              <a:xfrm>
+                <a:off x="7358265" y="206580"/>
+                <a:ext cx="411903" cy="411903"/>
+              </a:xfrm>
+              <a:prstGeom prst="rect">
+                <a:avLst/>
+              </a:prstGeom>
+              <a:noFill/>
+              <a:extLst>
+                <a:ext uri="{909E8E84-426E-40DD-AFC4-6F175D3DCCD1}">
+                  <a14:hiddenFill xmlns:a14="http://schemas.microsoft.com/office/drawing/2010/main">
+                    <a:solidFill>
+                      <a:srgbClr val="FFFFFF"/>
+                    </a:solidFill>
+                  </a14:hiddenFill>
+                </a:ext>
+              </a:extLst>
+            </p:spPr>
+          </p:pic>
+          <p:sp>
+            <p:nvSpPr>
+              <p:cNvPr id="27" name="Hình chữ nhật 26">
+                <a:extLst>
+                  <a:ext uri="{FF2B5EF4-FFF2-40B4-BE49-F238E27FC236}">
+                    <a16:creationId xmlns:a16="http://schemas.microsoft.com/office/drawing/2014/main" id="{5E8E5B42-975F-4B70-B76B-256E16434566}"/>
+                  </a:ext>
+                </a:extLst>
+              </p:cNvPr>
+              <p:cNvSpPr/>
+              <p:nvPr/>
+            </p:nvSpPr>
+            <p:spPr>
+              <a:xfrm>
+                <a:off x="5204936" y="197867"/>
+                <a:ext cx="1335622" cy="400110"/>
+              </a:xfrm>
+              <a:prstGeom prst="rect">
+                <a:avLst/>
+              </a:prstGeom>
+              <a:noFill/>
+            </p:spPr>
+            <p:txBody>
+              <a:bodyPr wrap="none" lIns="91440" tIns="45720" rIns="91440" bIns="45720">
+                <a:spAutoFit/>
+              </a:bodyPr>
+              <a:lstStyle/>
+              <a:p>
+                <a:pPr algn="ctr"/>
+                <a:r>
+                  <a:rPr lang="en-US" sz="2000" b="1" cap="none" spc="0">
+                    <a:ln w="0"/>
+                    <a:solidFill>
+                      <a:schemeClr val="tx1"/>
+                    </a:solidFill>
+                    <a:effectLst>
+                      <a:outerShdw blurRad="38100" dist="19050" dir="2700000" algn="tl" rotWithShape="0">
+                        <a:schemeClr val="dk1">
+                          <a:alpha val="40000"/>
+                        </a:schemeClr>
+                      </a:outerShdw>
+                    </a:effectLst>
+                  </a:rPr>
+                  <a:t>Phòng tắm</a:t>
+                </a:r>
+                <a:endParaRPr lang="vi-VN" sz="2000" b="1" cap="none" spc="0">
+                  <a:ln w="0"/>
+                  <a:solidFill>
+                    <a:schemeClr val="tx1"/>
+                  </a:solidFill>
+                  <a:effectLst>
+                    <a:outerShdw blurRad="38100" dist="19050" dir="2700000" algn="tl" rotWithShape="0">
+                      <a:schemeClr val="dk1">
+                        <a:alpha val="40000"/>
+                      </a:schemeClr>
+                    </a:outerShdw>
+                  </a:effectLst>
+                </a:endParaRPr>
+              </a:p>
+            </p:txBody>
+          </p:sp>
+          <p:grpSp>
+            <p:nvGrpSpPr>
+              <p:cNvPr id="9" name="Nhóm 8">
+                <a:extLst>
+                  <a:ext uri="{FF2B5EF4-FFF2-40B4-BE49-F238E27FC236}">
+                    <a16:creationId xmlns:a16="http://schemas.microsoft.com/office/drawing/2014/main" id="{DD7DD1F8-3846-418B-A686-E93A59F6A45C}"/>
+                  </a:ext>
+                </a:extLst>
+              </p:cNvPr>
+              <p:cNvGrpSpPr/>
+              <p:nvPr/>
+            </p:nvGrpSpPr>
+            <p:grpSpPr>
+              <a:xfrm>
+                <a:off x="3874865" y="3935365"/>
+                <a:ext cx="3917167" cy="644449"/>
+                <a:chOff x="3874865" y="3241628"/>
+                <a:chExt cx="3917167" cy="644449"/>
+              </a:xfrm>
+            </p:grpSpPr>
+            <p:sp>
+              <p:nvSpPr>
+                <p:cNvPr id="28" name="Hình chữ nhật 27">
+                  <a:extLst>
+                    <a:ext uri="{FF2B5EF4-FFF2-40B4-BE49-F238E27FC236}">
+                      <a16:creationId xmlns:a16="http://schemas.microsoft.com/office/drawing/2014/main" id="{EAFB982E-13BC-46B6-B4CC-5B486EF97A8D}"/>
+                    </a:ext>
+                  </a:extLst>
+                </p:cNvPr>
+                <p:cNvSpPr/>
+                <p:nvPr/>
+              </p:nvSpPr>
+              <p:spPr>
+                <a:xfrm>
+                  <a:off x="3934408" y="3241628"/>
+                  <a:ext cx="3857624" cy="644449"/>
+                </a:xfrm>
+                <a:prstGeom prst="rect">
+                  <a:avLst/>
+                </a:prstGeom>
+                <a:solidFill>
+                  <a:schemeClr val="bg1">
+                    <a:lumMod val="95000"/>
+                  </a:schemeClr>
+                </a:solidFill>
+                <a:ln>
+                  <a:noFill/>
+                </a:ln>
+              </p:spPr>
+              <p:style>
+                <a:lnRef idx="2">
+                  <a:schemeClr val="accent1">
+                    <a:shade val="50000"/>
+                  </a:schemeClr>
+                </a:lnRef>
+                <a:fillRef idx="1">
+                  <a:schemeClr val="accent1"/>
+                </a:fillRef>
+                <a:effectRef idx="0">
+                  <a:schemeClr val="accent1"/>
+                </a:effectRef>
+                <a:fontRef idx="minor">
+                  <a:schemeClr val="lt1"/>
+                </a:fontRef>
+              </p:style>
+              <p:txBody>
+                <a:bodyPr rtlCol="0" anchor="ctr"/>
+                <a:lstStyle/>
+                <a:p>
+                  <a:pPr algn="ctr"/>
+                  <a:endParaRPr lang="en-US"/>
+                </a:p>
+              </p:txBody>
+            </p:sp>
+            <p:pic>
+              <p:nvPicPr>
+                <p:cNvPr id="29" name="Picture 8">
+                  <a:extLst>
+                    <a:ext uri="{FF2B5EF4-FFF2-40B4-BE49-F238E27FC236}">
+                      <a16:creationId xmlns:a16="http://schemas.microsoft.com/office/drawing/2014/main" id="{55E1C3C1-6A26-4ABC-BD58-45C452B8062B}"/>
+                    </a:ext>
+                  </a:extLst>
+                </p:cNvPr>
+                <p:cNvPicPr>
+                  <a:picLocks noChangeAspect="1" noChangeArrowheads="1"/>
+                </p:cNvPicPr>
+                <p:nvPr/>
+              </p:nvPicPr>
+              <p:blipFill rotWithShape="1">
+                <a:blip r:embed="rId8">
+                  <a:extLst>
+                    <a:ext uri="{28A0092B-C50C-407E-A947-70E740481C1C}">
+                      <a14:useLocalDpi xmlns:a14="http://schemas.microsoft.com/office/drawing/2010/main" val="0"/>
+                    </a:ext>
+                  </a:extLst>
+                </a:blip>
+                <a:srcRect b="42555"/>
+                <a:stretch/>
+              </p:blipFill>
+              <p:spPr bwMode="auto">
+                <a:xfrm>
+                  <a:off x="3874865" y="3283998"/>
+                  <a:ext cx="861185" cy="497154"/>
+                </a:xfrm>
+                <a:prstGeom prst="rect">
+                  <a:avLst/>
+                </a:prstGeom>
+                <a:noFill/>
+                <a:extLst>
+                  <a:ext uri="{909E8E84-426E-40DD-AFC4-6F175D3DCCD1}">
+                    <a14:hiddenFill xmlns:a14="http://schemas.microsoft.com/office/drawing/2010/main">
+                      <a:solidFill>
+                        <a:srgbClr val="FFFFFF"/>
+                      </a:solidFill>
+                    </a14:hiddenFill>
+                  </a:ext>
+                </a:extLst>
+              </p:spPr>
+            </p:pic>
+            <p:sp>
+              <p:nvSpPr>
+                <p:cNvPr id="23" name="Hình chữ nhật 22">
+                  <a:extLst>
+                    <a:ext uri="{FF2B5EF4-FFF2-40B4-BE49-F238E27FC236}">
+                      <a16:creationId xmlns:a16="http://schemas.microsoft.com/office/drawing/2014/main" id="{5E7296C0-CDD4-42AF-88DF-CD3B9B4F7E23}"/>
+                    </a:ext>
+                  </a:extLst>
+                </p:cNvPr>
+                <p:cNvSpPr/>
+                <p:nvPr/>
+              </p:nvSpPr>
+              <p:spPr>
+                <a:xfrm>
+                  <a:off x="4982098" y="3340325"/>
+                  <a:ext cx="1712328" cy="400110"/>
+                </a:xfrm>
+                <a:prstGeom prst="rect">
+                  <a:avLst/>
+                </a:prstGeom>
+                <a:noFill/>
+              </p:spPr>
+              <p:txBody>
+                <a:bodyPr wrap="none" lIns="91440" tIns="45720" rIns="91440" bIns="45720">
+                  <a:spAutoFit/>
+                </a:bodyPr>
+                <a:lstStyle/>
+                <a:p>
+                  <a:pPr algn="ctr"/>
+                  <a:r>
+                    <a:rPr lang="en-US" sz="2000" b="0" cap="none" spc="0">
+                      <a:ln w="0"/>
+                      <a:solidFill>
+                        <a:schemeClr val="tx1"/>
+                      </a:solidFill>
+                      <a:effectLst>
+                        <a:outerShdw blurRad="38100" dist="19050" dir="2700000" algn="tl" rotWithShape="0">
+                          <a:schemeClr val="dk1">
+                            <a:alpha val="40000"/>
+                          </a:schemeClr>
+                        </a:outerShdw>
+                      </a:effectLst>
+                    </a:rPr>
+                    <a:t>Lịch s</a:t>
+                  </a:r>
+                  <a:r>
+                    <a:rPr lang="en-US" sz="2000">
+                      <a:ln w="0"/>
+                      <a:effectLst>
+                        <a:outerShdw blurRad="38100" dist="19050" dir="2700000" algn="tl" rotWithShape="0">
+                          <a:schemeClr val="dk1">
+                            <a:alpha val="40000"/>
+                          </a:schemeClr>
+                        </a:outerShdw>
+                      </a:effectLst>
+                    </a:rPr>
+                    <a:t>ử thiết bị</a:t>
+                  </a:r>
+                  <a:endParaRPr lang="vi-VN" sz="2000" b="0" cap="none" spc="0">
+                    <a:ln w="0"/>
+                    <a:solidFill>
+                      <a:schemeClr val="tx1"/>
+                    </a:solidFill>
+                    <a:effectLst>
+                      <a:outerShdw blurRad="38100" dist="19050" dir="2700000" algn="tl" rotWithShape="0">
+                        <a:schemeClr val="dk1">
+                          <a:alpha val="40000"/>
+                        </a:schemeClr>
+                      </a:outerShdw>
+                    </a:effectLst>
+                  </a:endParaRPr>
+                </a:p>
+              </p:txBody>
+            </p:sp>
+            <p:grpSp>
+              <p:nvGrpSpPr>
+                <p:cNvPr id="6" name="Nhóm 5">
+                  <a:extLst>
+                    <a:ext uri="{FF2B5EF4-FFF2-40B4-BE49-F238E27FC236}">
+                      <a16:creationId xmlns:a16="http://schemas.microsoft.com/office/drawing/2014/main" id="{9E50485D-5A03-44B9-95B7-765E32372E9D}"/>
+                    </a:ext>
+                  </a:extLst>
+                </p:cNvPr>
+                <p:cNvGrpSpPr/>
+                <p:nvPr/>
+              </p:nvGrpSpPr>
+              <p:grpSpPr>
+                <a:xfrm>
+                  <a:off x="7158086" y="3285555"/>
+                  <a:ext cx="484035" cy="484035"/>
+                  <a:chOff x="4717473" y="1330037"/>
+                  <a:chExt cx="796636" cy="796636"/>
+                </a:xfrm>
+              </p:grpSpPr>
+              <p:pic>
+                <p:nvPicPr>
+                  <p:cNvPr id="2050" name="Picture 2" descr="Dot Three Transparent &amp; PNG Clipart Free Download - YWD">
+                    <a:extLst>
+                      <a:ext uri="{FF2B5EF4-FFF2-40B4-BE49-F238E27FC236}">
+                        <a16:creationId xmlns:a16="http://schemas.microsoft.com/office/drawing/2014/main" id="{8DE5E8EE-DB00-4BB2-8A12-B5CC7B1B1CDE}"/>
+                      </a:ext>
+                    </a:extLst>
+                  </p:cNvPr>
+                  <p:cNvPicPr>
+                    <a:picLocks noChangeAspect="1" noChangeArrowheads="1"/>
+                  </p:cNvPicPr>
+                  <p:nvPr/>
+                </p:nvPicPr>
+                <p:blipFill>
+                  <a:blip r:embed="rId9">
+                    <a:duotone>
+                      <a:schemeClr val="accent5">
+                        <a:shade val="45000"/>
+                        <a:satMod val="135000"/>
+                      </a:schemeClr>
+                      <a:prstClr val="white"/>
+                    </a:duotone>
+                    <a:extLst>
+                      <a:ext uri="{28A0092B-C50C-407E-A947-70E740481C1C}">
+                        <a14:useLocalDpi xmlns:a14="http://schemas.microsoft.com/office/drawing/2010/main" val="0"/>
+                      </a:ext>
+                    </a:extLst>
+                  </a:blip>
+                  <a:srcRect/>
+                  <a:stretch>
+                    <a:fillRect/>
+                  </a:stretch>
+                </p:blipFill>
+                <p:spPr bwMode="auto">
+                  <a:xfrm>
+                    <a:off x="4717473" y="1330037"/>
+                    <a:ext cx="796636" cy="796636"/>
+                  </a:xfrm>
+                  <a:prstGeom prst="rect">
+                    <a:avLst/>
+                  </a:prstGeom>
+                  <a:noFill/>
+                  <a:extLst>
+                    <a:ext uri="{909E8E84-426E-40DD-AFC4-6F175D3DCCD1}">
+                      <a14:hiddenFill xmlns:a14="http://schemas.microsoft.com/office/drawing/2010/main">
+                        <a:solidFill>
+                          <a:srgbClr val="FFFFFF"/>
+                        </a:solidFill>
+                      </a14:hiddenFill>
+                    </a:ext>
+                  </a:extLst>
+                </p:spPr>
+              </p:pic>
+              <p:sp>
+                <p:nvSpPr>
+                  <p:cNvPr id="5" name="Hình Bầu dục 4">
+                    <a:extLst>
+                      <a:ext uri="{FF2B5EF4-FFF2-40B4-BE49-F238E27FC236}">
+                        <a16:creationId xmlns:a16="http://schemas.microsoft.com/office/drawing/2014/main" id="{4766FB7C-754A-4BC4-AFBA-39DE76CD8EA0}"/>
+                      </a:ext>
+                    </a:extLst>
+                  </p:cNvPr>
+                  <p:cNvSpPr/>
+                  <p:nvPr/>
+                </p:nvSpPr>
+                <p:spPr>
+                  <a:xfrm>
+                    <a:off x="4828310" y="1440874"/>
+                    <a:ext cx="574964" cy="574964"/>
+                  </a:xfrm>
+                  <a:prstGeom prst="ellipse">
+                    <a:avLst/>
+                  </a:prstGeom>
+                  <a:noFill/>
+                  <a:ln w="38100">
+                    <a:solidFill>
+                      <a:srgbClr val="4A6DAD"/>
+                    </a:solidFill>
+                  </a:ln>
+                </p:spPr>
+                <p:style>
+                  <a:lnRef idx="2">
+                    <a:schemeClr val="accent1">
+                      <a:shade val="50000"/>
+                    </a:schemeClr>
+                  </a:lnRef>
+                  <a:fillRef idx="1">
+                    <a:schemeClr val="accent1"/>
+                  </a:fillRef>
+                  <a:effectRef idx="0">
+                    <a:schemeClr val="accent1"/>
+                  </a:effectRef>
+                  <a:fontRef idx="minor">
+                    <a:schemeClr val="lt1"/>
+                  </a:fontRef>
+                </p:style>
+                <p:txBody>
+                  <a:bodyPr rtlCol="0" anchor="ctr"/>
+                  <a:lstStyle/>
+                  <a:p>
+                    <a:pPr algn="ctr"/>
+                    <a:endParaRPr lang="en-US"/>
+                  </a:p>
+                </p:txBody>
+              </p:sp>
+            </p:grpSp>
+          </p:grpSp>
+          <p:sp>
+            <p:nvSpPr>
+              <p:cNvPr id="31" name="Hình chữ nhật 30">
+                <a:extLst>
+                  <a:ext uri="{FF2B5EF4-FFF2-40B4-BE49-F238E27FC236}">
+                    <a16:creationId xmlns:a16="http://schemas.microsoft.com/office/drawing/2014/main" id="{1D07285E-F759-4161-B833-16C098ABE802}"/>
+                  </a:ext>
+                </a:extLst>
+              </p:cNvPr>
+              <p:cNvSpPr/>
+              <p:nvPr/>
+            </p:nvSpPr>
+            <p:spPr>
+              <a:xfrm>
+                <a:off x="4318159" y="5696766"/>
+                <a:ext cx="1479892" cy="307777"/>
+              </a:xfrm>
+              <a:prstGeom prst="rect">
+                <a:avLst/>
+              </a:prstGeom>
+              <a:noFill/>
+            </p:spPr>
+            <p:txBody>
+              <a:bodyPr wrap="none" lIns="91440" tIns="45720" rIns="91440" bIns="45720">
+                <a:spAutoFit/>
+              </a:bodyPr>
+              <a:lstStyle/>
+              <a:p>
+                <a:pPr algn="ctr"/>
+                <a:r>
+                  <a:rPr lang="en-US" sz="1400" b="1">
+                    <a:ln w="0"/>
+                    <a:solidFill>
+                      <a:schemeClr val="bg1">
+                        <a:lumMod val="65000"/>
+                      </a:schemeClr>
+                    </a:solidFill>
+                  </a:rPr>
+                  <a:t>2</a:t>
+                </a:r>
+                <a:r>
+                  <a:rPr lang="en-US" sz="1400" b="1" cap="none" spc="0">
+                    <a:ln w="0"/>
+                    <a:solidFill>
+                      <a:schemeClr val="bg1">
+                        <a:lumMod val="65000"/>
+                      </a:schemeClr>
+                    </a:solidFill>
+                    <a:effectLst/>
+                  </a:rPr>
+                  <a:t>2:15 </a:t>
+                </a:r>
+                <a:r>
+                  <a:rPr lang="en-US" sz="1400" b="1">
+                    <a:ln w="0"/>
+                    <a:solidFill>
+                      <a:schemeClr val="bg1">
+                        <a:lumMod val="65000"/>
+                      </a:schemeClr>
+                    </a:solidFill>
+                  </a:rPr>
+                  <a:t>12</a:t>
+                </a:r>
+                <a:r>
+                  <a:rPr lang="en-US" sz="1400" b="1" cap="none" spc="0">
+                    <a:ln w="0"/>
+                    <a:solidFill>
+                      <a:schemeClr val="bg1">
+                        <a:lumMod val="65000"/>
+                      </a:schemeClr>
+                    </a:solidFill>
+                    <a:effectLst/>
+                  </a:rPr>
+                  <a:t>-04-2020</a:t>
+                </a:r>
+                <a:endParaRPr lang="vi-VN" sz="1400" b="1" cap="none" spc="0">
+                  <a:ln w="0"/>
+                  <a:solidFill>
+                    <a:schemeClr val="bg1">
+                      <a:lumMod val="65000"/>
+                    </a:schemeClr>
+                  </a:solidFill>
+                  <a:effectLst/>
+                </a:endParaRPr>
+              </a:p>
+            </p:txBody>
+          </p:sp>
+          <p:sp>
+            <p:nvSpPr>
+              <p:cNvPr id="44" name="Hình chữ nhật 43">
+                <a:extLst>
+                  <a:ext uri="{FF2B5EF4-FFF2-40B4-BE49-F238E27FC236}">
+                    <a16:creationId xmlns:a16="http://schemas.microsoft.com/office/drawing/2014/main" id="{0079D9E8-29E0-41ED-BC04-AEFBD95ECB07}"/>
+                  </a:ext>
+                </a:extLst>
+              </p:cNvPr>
+              <p:cNvSpPr/>
+              <p:nvPr/>
+            </p:nvSpPr>
+            <p:spPr>
+              <a:xfrm>
+                <a:off x="4305456" y="5000666"/>
+                <a:ext cx="1479892" cy="307777"/>
+              </a:xfrm>
+              <a:prstGeom prst="rect">
+                <a:avLst/>
+              </a:prstGeom>
+              <a:noFill/>
+            </p:spPr>
+            <p:txBody>
+              <a:bodyPr wrap="none" lIns="91440" tIns="45720" rIns="91440" bIns="45720">
+                <a:spAutoFit/>
+              </a:bodyPr>
+              <a:lstStyle/>
+              <a:p>
+                <a:pPr algn="ctr"/>
+                <a:r>
+                  <a:rPr lang="en-US" sz="1400" b="1">
+                    <a:ln w="0"/>
+                    <a:solidFill>
+                      <a:schemeClr val="bg1">
+                        <a:lumMod val="65000"/>
+                      </a:schemeClr>
+                    </a:solidFill>
+                  </a:rPr>
+                  <a:t>22</a:t>
+                </a:r>
+                <a:r>
+                  <a:rPr lang="en-US" sz="1400" b="1" cap="none" spc="0">
+                    <a:ln w="0"/>
+                    <a:solidFill>
+                      <a:schemeClr val="bg1">
+                        <a:lumMod val="65000"/>
+                      </a:schemeClr>
+                    </a:solidFill>
+                    <a:effectLst/>
+                  </a:rPr>
+                  <a:t>:53 12-04-2020</a:t>
+                </a:r>
+                <a:endParaRPr lang="vi-VN" sz="1400" b="1" cap="none" spc="0">
+                  <a:ln w="0"/>
+                  <a:solidFill>
+                    <a:schemeClr val="bg1">
+                      <a:lumMod val="65000"/>
+                    </a:schemeClr>
+                  </a:solidFill>
+                  <a:effectLst/>
+                </a:endParaRPr>
+              </a:p>
+            </p:txBody>
+          </p:sp>
+          <p:sp>
+            <p:nvSpPr>
+              <p:cNvPr id="2049" name="Hình chữ nhật 2048">
+                <a:extLst>
+                  <a:ext uri="{FF2B5EF4-FFF2-40B4-BE49-F238E27FC236}">
+                    <a16:creationId xmlns:a16="http://schemas.microsoft.com/office/drawing/2014/main" id="{591A6EF7-6CB0-4B91-8E11-154F4705B37D}"/>
+                  </a:ext>
+                </a:extLst>
+              </p:cNvPr>
+              <p:cNvSpPr/>
+              <p:nvPr/>
+            </p:nvSpPr>
+            <p:spPr>
+              <a:xfrm>
+                <a:off x="4273812" y="5380172"/>
+                <a:ext cx="1010213" cy="400110"/>
+              </a:xfrm>
+              <a:prstGeom prst="rect">
+                <a:avLst/>
+              </a:prstGeom>
+              <a:noFill/>
+            </p:spPr>
+            <p:txBody>
+              <a:bodyPr wrap="none" lIns="91440" tIns="45720" rIns="91440" bIns="45720">
+                <a:spAutoFit/>
+              </a:bodyPr>
+              <a:lstStyle/>
+              <a:p>
+                <a:pPr algn="ctr"/>
+                <a:r>
+                  <a:rPr lang="en-US" sz="2000">
+                    <a:ln w="0"/>
+                    <a:solidFill>
+                      <a:srgbClr val="92D050"/>
+                    </a:solidFill>
+                  </a:rPr>
+                  <a:t>Đèn bật</a:t>
+                </a:r>
+                <a:endParaRPr lang="vi-VN" sz="2000" cap="none" spc="0">
+                  <a:ln w="0"/>
+                  <a:solidFill>
+                    <a:srgbClr val="92D050"/>
+                  </a:solidFill>
+                </a:endParaRPr>
+              </a:p>
+            </p:txBody>
+          </p:sp>
+          <p:sp>
+            <p:nvSpPr>
+              <p:cNvPr id="51" name="Hình chữ nhật 50">
+                <a:extLst>
+                  <a:ext uri="{FF2B5EF4-FFF2-40B4-BE49-F238E27FC236}">
+                    <a16:creationId xmlns:a16="http://schemas.microsoft.com/office/drawing/2014/main" id="{4A64D32E-9FCE-409A-94AF-DAAC5CD4A70E}"/>
+                  </a:ext>
+                </a:extLst>
+              </p:cNvPr>
+              <p:cNvSpPr/>
+              <p:nvPr/>
+            </p:nvSpPr>
+            <p:spPr>
+              <a:xfrm>
+                <a:off x="4318155" y="6355601"/>
+                <a:ext cx="1479892" cy="307777"/>
+              </a:xfrm>
+              <a:prstGeom prst="rect">
+                <a:avLst/>
+              </a:prstGeom>
+              <a:noFill/>
+            </p:spPr>
+            <p:txBody>
+              <a:bodyPr wrap="none" lIns="91440" tIns="45720" rIns="91440" bIns="45720">
+                <a:spAutoFit/>
+              </a:bodyPr>
+              <a:lstStyle/>
+              <a:p>
+                <a:pPr algn="ctr"/>
+                <a:r>
+                  <a:rPr lang="en-US" sz="1400" b="1" cap="none" spc="0">
+                    <a:ln w="0"/>
+                    <a:solidFill>
+                      <a:schemeClr val="bg1">
+                        <a:lumMod val="65000"/>
+                      </a:schemeClr>
+                    </a:solidFill>
+                    <a:effectLst/>
+                  </a:rPr>
+                  <a:t>21:40 12-04-2020</a:t>
+                </a:r>
+                <a:endParaRPr lang="vi-VN" sz="1400" b="1" cap="none" spc="0">
+                  <a:ln w="0"/>
+                  <a:solidFill>
+                    <a:schemeClr val="bg1">
+                      <a:lumMod val="65000"/>
+                    </a:schemeClr>
+                  </a:solidFill>
+                  <a:effectLst/>
+                </a:endParaRPr>
+              </a:p>
+            </p:txBody>
+          </p:sp>
+          <p:sp>
+            <p:nvSpPr>
+              <p:cNvPr id="52" name="Hình Bầu dục 51">
+                <a:extLst>
+                  <a:ext uri="{FF2B5EF4-FFF2-40B4-BE49-F238E27FC236}">
+                    <a16:creationId xmlns:a16="http://schemas.microsoft.com/office/drawing/2014/main" id="{1D7D98E3-B86C-46DC-9B17-B4FEC8283782}"/>
+                  </a:ext>
+                </a:extLst>
+              </p:cNvPr>
+              <p:cNvSpPr/>
+              <p:nvPr/>
+            </p:nvSpPr>
+            <p:spPr>
+              <a:xfrm>
+                <a:off x="4108403" y="6200845"/>
+                <a:ext cx="79580" cy="79580"/>
+              </a:xfrm>
+              <a:prstGeom prst="ellipse">
+                <a:avLst/>
+              </a:prstGeom>
+              <a:solidFill>
+                <a:srgbClr val="4A6DAD"/>
+              </a:solidFill>
+              <a:ln>
+                <a:solidFill>
+                  <a:schemeClr val="tx1"/>
+                </a:solidFill>
+              </a:ln>
+            </p:spPr>
+            <p:style>
+              <a:lnRef idx="2">
+                <a:schemeClr val="accent1">
+                  <a:shade val="50000"/>
+                </a:schemeClr>
+              </a:lnRef>
+              <a:fillRef idx="1">
+                <a:schemeClr val="accent1"/>
+              </a:fillRef>
+              <a:effectRef idx="0">
+                <a:schemeClr val="accent1"/>
+              </a:effectRef>
+              <a:fontRef idx="minor">
+                <a:schemeClr val="lt1"/>
+              </a:fontRef>
+            </p:style>
+            <p:txBody>
+              <a:bodyPr rtlCol="0" anchor="ctr"/>
+              <a:lstStyle/>
+              <a:p>
+                <a:pPr algn="ctr"/>
+                <a:endParaRPr lang="en-US"/>
+              </a:p>
+            </p:txBody>
+          </p:sp>
+          <p:sp>
+            <p:nvSpPr>
+              <p:cNvPr id="53" name="Hình chữ nhật 52">
+                <a:extLst>
+                  <a:ext uri="{FF2B5EF4-FFF2-40B4-BE49-F238E27FC236}">
+                    <a16:creationId xmlns:a16="http://schemas.microsoft.com/office/drawing/2014/main" id="{579ED3DF-44AD-462E-97E3-3307E55D2700}"/>
+                  </a:ext>
+                </a:extLst>
+              </p:cNvPr>
+              <p:cNvSpPr/>
+              <p:nvPr/>
+            </p:nvSpPr>
+            <p:spPr>
+              <a:xfrm>
+                <a:off x="4272172" y="6039007"/>
+                <a:ext cx="955711" cy="400110"/>
+              </a:xfrm>
+              <a:prstGeom prst="rect">
+                <a:avLst/>
+              </a:prstGeom>
+              <a:noFill/>
+            </p:spPr>
+            <p:txBody>
+              <a:bodyPr wrap="none" lIns="91440" tIns="45720" rIns="91440" bIns="45720">
+                <a:spAutoFit/>
+              </a:bodyPr>
+              <a:lstStyle/>
+              <a:p>
+                <a:pPr algn="ctr"/>
+                <a:r>
+                  <a:rPr lang="en-US" sz="2000">
+                    <a:ln w="0"/>
+                    <a:solidFill>
+                      <a:srgbClr val="4A6DAD"/>
+                    </a:solidFill>
+                  </a:rPr>
+                  <a:t>Đèn tắt</a:t>
+                </a:r>
+                <a:endParaRPr lang="vi-VN" sz="2000" cap="none" spc="0">
+                  <a:ln w="0"/>
+                  <a:solidFill>
+                    <a:srgbClr val="4A6DAD"/>
+                  </a:solidFill>
+                </a:endParaRPr>
+              </a:p>
+            </p:txBody>
+          </p:sp>
+          <p:cxnSp>
+            <p:nvCxnSpPr>
+              <p:cNvPr id="2053" name="Đường nối Thẳng 2052">
+                <a:extLst>
+                  <a:ext uri="{FF2B5EF4-FFF2-40B4-BE49-F238E27FC236}">
+                    <a16:creationId xmlns:a16="http://schemas.microsoft.com/office/drawing/2014/main" id="{BF353BC5-AB6C-4CF7-A940-0F261A2EC0DA}"/>
+                  </a:ext>
+                </a:extLst>
+              </p:cNvPr>
+              <p:cNvCxnSpPr>
+                <a:cxnSpLocks/>
+                <a:stCxn id="52" idx="0"/>
+              </p:cNvCxnSpPr>
+              <p:nvPr/>
+            </p:nvCxnSpPr>
+            <p:spPr>
+              <a:xfrm flipV="1">
+                <a:off x="4148193" y="4944516"/>
+                <a:ext cx="0" cy="1256329"/>
+              </a:xfrm>
+              <a:prstGeom prst="line">
+                <a:avLst/>
+              </a:prstGeom>
+              <a:ln w="19050">
+                <a:solidFill>
+                  <a:schemeClr val="bg1">
+                    <a:lumMod val="65000"/>
+                  </a:schemeClr>
+                </a:solidFill>
+              </a:ln>
+            </p:spPr>
+            <p:style>
+              <a:lnRef idx="1">
+                <a:schemeClr val="accent1"/>
+              </a:lnRef>
+              <a:fillRef idx="0">
+                <a:schemeClr val="accent1"/>
+              </a:fillRef>
+              <a:effectRef idx="0">
+                <a:schemeClr val="accent1"/>
+              </a:effectRef>
+              <a:fontRef idx="minor">
+                <a:schemeClr val="tx1"/>
+              </a:fontRef>
+            </p:style>
+          </p:cxnSp>
+          <p:sp>
+            <p:nvSpPr>
+              <p:cNvPr id="2048" name="Hình Bầu dục 2047">
+                <a:extLst>
+                  <a:ext uri="{FF2B5EF4-FFF2-40B4-BE49-F238E27FC236}">
+                    <a16:creationId xmlns:a16="http://schemas.microsoft.com/office/drawing/2014/main" id="{5ECBA549-99D1-4E4E-A356-4A3296B2ADB8}"/>
+                  </a:ext>
+                </a:extLst>
+              </p:cNvPr>
+              <p:cNvSpPr/>
+              <p:nvPr/>
+            </p:nvSpPr>
+            <p:spPr>
+              <a:xfrm>
+                <a:off x="4108403" y="5542010"/>
+                <a:ext cx="79580" cy="79580"/>
+              </a:xfrm>
+              <a:prstGeom prst="ellipse">
+                <a:avLst/>
+              </a:prstGeom>
+              <a:solidFill>
+                <a:srgbClr val="92D050"/>
+              </a:solidFill>
+              <a:ln>
+                <a:solidFill>
+                  <a:schemeClr val="tx1"/>
+                </a:solidFill>
+              </a:ln>
+            </p:spPr>
+            <p:style>
+              <a:lnRef idx="2">
+                <a:schemeClr val="accent1">
+                  <a:shade val="50000"/>
+                </a:schemeClr>
+              </a:lnRef>
+              <a:fillRef idx="1">
+                <a:schemeClr val="accent1"/>
+              </a:fillRef>
+              <a:effectRef idx="0">
+                <a:schemeClr val="accent1"/>
+              </a:effectRef>
+              <a:fontRef idx="minor">
+                <a:schemeClr val="lt1"/>
+              </a:fontRef>
+            </p:style>
+            <p:txBody>
+              <a:bodyPr rtlCol="0" anchor="ctr"/>
+              <a:lstStyle/>
+              <a:p>
+                <a:pPr algn="ctr"/>
+                <a:endParaRPr lang="en-US"/>
+              </a:p>
+            </p:txBody>
+          </p:sp>
+          <p:pic>
+            <p:nvPicPr>
+              <p:cNvPr id="3" name="Hình ảnh 2" descr="Ảnh có chứa trắng, đang ngồi, thiết bị, bàn&#10;&#10;Mô tả được tạo tự động">
+                <a:extLst>
+                  <a:ext uri="{FF2B5EF4-FFF2-40B4-BE49-F238E27FC236}">
+                    <a16:creationId xmlns:a16="http://schemas.microsoft.com/office/drawing/2014/main" id="{0053AF1A-4EDA-4BEB-B370-BD7196364029}"/>
+                  </a:ext>
+                </a:extLst>
+              </p:cNvPr>
+              <p:cNvPicPr>
+                <a:picLocks noChangeAspect="1"/>
+              </p:cNvPicPr>
+              <p:nvPr/>
+            </p:nvPicPr>
+            <p:blipFill rotWithShape="1">
+              <a:blip r:embed="rId10">
+                <a:extLst>
+                  <a:ext uri="{28A0092B-C50C-407E-A947-70E740481C1C}">
+                    <a14:useLocalDpi xmlns:a14="http://schemas.microsoft.com/office/drawing/2010/main" val="0"/>
+                  </a:ext>
+                </a:extLst>
+              </a:blip>
+              <a:srcRect t="23684" b="26090"/>
+              <a:stretch/>
+            </p:blipFill>
+            <p:spPr>
+              <a:xfrm>
+                <a:off x="4755641" y="1424135"/>
+                <a:ext cx="2234211" cy="1122146"/>
+              </a:xfrm>
+              <a:prstGeom prst="rect">
+                <a:avLst/>
+              </a:prstGeom>
+            </p:spPr>
+          </p:pic>
+          <p:sp>
+            <p:nvSpPr>
+              <p:cNvPr id="10" name="Hình chữ nhật 9">
+                <a:extLst>
+                  <a:ext uri="{FF2B5EF4-FFF2-40B4-BE49-F238E27FC236}">
+                    <a16:creationId xmlns:a16="http://schemas.microsoft.com/office/drawing/2014/main" id="{09C931F0-1F3C-4400-97C8-ABB2F3B21358}"/>
+                  </a:ext>
+                </a:extLst>
+              </p:cNvPr>
+              <p:cNvSpPr/>
+              <p:nvPr/>
+            </p:nvSpPr>
+            <p:spPr>
+              <a:xfrm>
+                <a:off x="3939376" y="3241628"/>
+                <a:ext cx="3847685" cy="690826"/>
+              </a:xfrm>
+              <a:prstGeom prst="rect">
+                <a:avLst/>
+              </a:prstGeom>
+              <a:solidFill>
+                <a:srgbClr val="E4EEF8"/>
+              </a:solidFill>
+              <a:ln>
+                <a:noFill/>
+              </a:ln>
+            </p:spPr>
+            <p:style>
+              <a:lnRef idx="2">
+                <a:schemeClr val="accent1">
+                  <a:shade val="50000"/>
+                </a:schemeClr>
+              </a:lnRef>
+              <a:fillRef idx="1">
+                <a:schemeClr val="accent1"/>
+              </a:fillRef>
+              <a:effectRef idx="0">
+                <a:schemeClr val="accent1"/>
+              </a:effectRef>
+              <a:fontRef idx="minor">
+                <a:schemeClr val="lt1"/>
+              </a:fontRef>
+            </p:style>
+            <p:txBody>
+              <a:bodyPr rtlCol="0" anchor="ctr"/>
+              <a:lstStyle/>
+              <a:p>
+                <a:pPr algn="ctr"/>
+                <a:endParaRPr lang="en-US"/>
+              </a:p>
+            </p:txBody>
+          </p:sp>
+          <p:grpSp>
+            <p:nvGrpSpPr>
+              <p:cNvPr id="24" name="Nhóm 23">
+                <a:extLst>
+                  <a:ext uri="{FF2B5EF4-FFF2-40B4-BE49-F238E27FC236}">
+                    <a16:creationId xmlns:a16="http://schemas.microsoft.com/office/drawing/2014/main" id="{B1629F4E-3BFB-4E6A-8471-C831708BF110}"/>
+                  </a:ext>
+                </a:extLst>
+              </p:cNvPr>
+              <p:cNvGrpSpPr/>
+              <p:nvPr/>
+            </p:nvGrpSpPr>
+            <p:grpSpPr>
+              <a:xfrm>
+                <a:off x="4012656" y="3285368"/>
+                <a:ext cx="3697603" cy="607924"/>
+                <a:chOff x="4012656" y="3275842"/>
+                <a:chExt cx="3697603" cy="607924"/>
+              </a:xfrm>
+            </p:grpSpPr>
+            <p:sp>
+              <p:nvSpPr>
+                <p:cNvPr id="18" name="Hình chữ nhật: Góc Tròn 17">
+                  <a:extLst>
+                    <a:ext uri="{FF2B5EF4-FFF2-40B4-BE49-F238E27FC236}">
+                      <a16:creationId xmlns:a16="http://schemas.microsoft.com/office/drawing/2014/main" id="{0CA77F58-B306-47FF-BE38-FC28E785AD76}"/>
+                    </a:ext>
+                  </a:extLst>
+                </p:cNvPr>
+                <p:cNvSpPr/>
+                <p:nvPr/>
+              </p:nvSpPr>
+              <p:spPr>
+                <a:xfrm>
+                  <a:off x="4012656" y="3278139"/>
+                  <a:ext cx="1811207" cy="605627"/>
+                </a:xfrm>
+                <a:prstGeom prst="roundRect">
+                  <a:avLst>
+                    <a:gd name="adj" fmla="val 22958"/>
+                  </a:avLst>
+                </a:prstGeom>
+                <a:solidFill>
+                  <a:schemeClr val="accent5">
+                    <a:lumMod val="40000"/>
+                    <a:lumOff val="60000"/>
+                  </a:schemeClr>
+                </a:solidFill>
+                <a:ln>
+                  <a:noFill/>
+                </a:ln>
+              </p:spPr>
+              <p:style>
+                <a:lnRef idx="2">
+                  <a:schemeClr val="accent1">
+                    <a:shade val="50000"/>
+                  </a:schemeClr>
+                </a:lnRef>
+                <a:fillRef idx="1">
+                  <a:schemeClr val="accent1"/>
+                </a:fillRef>
+                <a:effectRef idx="0">
+                  <a:schemeClr val="accent1"/>
+                </a:effectRef>
+                <a:fontRef idx="minor">
+                  <a:schemeClr val="lt1"/>
+                </a:fontRef>
+              </p:style>
+              <p:txBody>
+                <a:bodyPr rtlCol="0" anchor="ctr"/>
+                <a:lstStyle/>
+                <a:p>
+                  <a:pPr algn="ctr"/>
+                  <a:endParaRPr lang="en-US"/>
+                </a:p>
+              </p:txBody>
+            </p:sp>
+            <p:sp>
+              <p:nvSpPr>
+                <p:cNvPr id="54" name="Hình chữ nhật: Góc Tròn 53">
+                  <a:extLst>
+                    <a:ext uri="{FF2B5EF4-FFF2-40B4-BE49-F238E27FC236}">
+                      <a16:creationId xmlns:a16="http://schemas.microsoft.com/office/drawing/2014/main" id="{BB689280-4277-43B2-B0D9-8595948E9747}"/>
+                    </a:ext>
+                  </a:extLst>
+                </p:cNvPr>
+                <p:cNvSpPr/>
+                <p:nvPr/>
+              </p:nvSpPr>
+              <p:spPr>
+                <a:xfrm>
+                  <a:off x="5899052" y="3275842"/>
+                  <a:ext cx="1811207" cy="605627"/>
+                </a:xfrm>
+                <a:prstGeom prst="roundRect">
+                  <a:avLst>
+                    <a:gd name="adj" fmla="val 22958"/>
+                  </a:avLst>
+                </a:prstGeom>
+                <a:solidFill>
+                  <a:schemeClr val="accent5">
+                    <a:lumMod val="40000"/>
+                    <a:lumOff val="60000"/>
+                  </a:schemeClr>
+                </a:solidFill>
+                <a:ln>
+                  <a:noFill/>
+                </a:ln>
+              </p:spPr>
+              <p:style>
+                <a:lnRef idx="2">
+                  <a:schemeClr val="accent1">
+                    <a:shade val="50000"/>
+                  </a:schemeClr>
+                </a:lnRef>
+                <a:fillRef idx="1">
+                  <a:schemeClr val="accent1"/>
+                </a:fillRef>
+                <a:effectRef idx="0">
+                  <a:schemeClr val="accent1"/>
+                </a:effectRef>
+                <a:fontRef idx="minor">
+                  <a:schemeClr val="lt1"/>
+                </a:fontRef>
+              </p:style>
+              <p:txBody>
+                <a:bodyPr rtlCol="0" anchor="ctr"/>
+                <a:lstStyle/>
+                <a:p>
+                  <a:pPr algn="ctr"/>
+                  <a:endParaRPr lang="en-US"/>
+                </a:p>
+              </p:txBody>
+            </p:sp>
+            <p:pic>
+              <p:nvPicPr>
+                <p:cNvPr id="17" name="Hình ảnh 16" descr="Ảnh có chứa vẽ&#10;&#10;Mô tả được tạo tự động">
+                  <a:extLst>
+                    <a:ext uri="{FF2B5EF4-FFF2-40B4-BE49-F238E27FC236}">
+                      <a16:creationId xmlns:a16="http://schemas.microsoft.com/office/drawing/2014/main" id="{CB665B1D-F876-48A8-96B7-DAE3BC205AE8}"/>
+                    </a:ext>
+                  </a:extLst>
+                </p:cNvPr>
+                <p:cNvPicPr>
+                  <a:picLocks noChangeAspect="1"/>
+                </p:cNvPicPr>
+                <p:nvPr/>
+              </p:nvPicPr>
+              <p:blipFill>
+                <a:blip r:embed="rId11">
+                  <a:extLst>
+                    <a:ext uri="{28A0092B-C50C-407E-A947-70E740481C1C}">
+                      <a14:useLocalDpi xmlns:a14="http://schemas.microsoft.com/office/drawing/2010/main" val="0"/>
+                    </a:ext>
+                  </a:extLst>
+                </a:blip>
+                <a:stretch>
+                  <a:fillRect/>
+                </a:stretch>
+              </p:blipFill>
+              <p:spPr>
+                <a:xfrm>
+                  <a:off x="4032007" y="3377252"/>
+                  <a:ext cx="407401" cy="407401"/>
+                </a:xfrm>
+                <a:prstGeom prst="rect">
+                  <a:avLst/>
+                </a:prstGeom>
+              </p:spPr>
+            </p:pic>
+            <p:pic>
+              <p:nvPicPr>
+                <p:cNvPr id="14" name="Hình ảnh 13" descr="Ảnh có chứa đồng hồ&#10;&#10;Mô tả được tạo tự động">
+                  <a:extLst>
+                    <a:ext uri="{FF2B5EF4-FFF2-40B4-BE49-F238E27FC236}">
+                      <a16:creationId xmlns:a16="http://schemas.microsoft.com/office/drawing/2014/main" id="{00F701F7-879E-492D-9B07-B4F80EF15CE4}"/>
+                    </a:ext>
+                  </a:extLst>
+                </p:cNvPr>
+                <p:cNvPicPr>
+                  <a:picLocks noChangeAspect="1"/>
+                </p:cNvPicPr>
+                <p:nvPr/>
+              </p:nvPicPr>
+              <p:blipFill>
+                <a:blip r:embed="rId12">
+                  <a:extLst>
+                    <a:ext uri="{28A0092B-C50C-407E-A947-70E740481C1C}">
+                      <a14:useLocalDpi xmlns:a14="http://schemas.microsoft.com/office/drawing/2010/main" val="0"/>
+                    </a:ext>
+                  </a:extLst>
+                </a:blip>
+                <a:stretch>
+                  <a:fillRect/>
+                </a:stretch>
+              </p:blipFill>
+              <p:spPr>
+                <a:xfrm>
+                  <a:off x="5904594" y="3366697"/>
+                  <a:ext cx="382812" cy="382812"/>
+                </a:xfrm>
+                <a:prstGeom prst="rect">
+                  <a:avLst/>
+                </a:prstGeom>
+              </p:spPr>
+            </p:pic>
+            <p:sp>
+              <p:nvSpPr>
+                <p:cNvPr id="20" name="Hình chữ nhật 19">
+                  <a:extLst>
+                    <a:ext uri="{FF2B5EF4-FFF2-40B4-BE49-F238E27FC236}">
+                      <a16:creationId xmlns:a16="http://schemas.microsoft.com/office/drawing/2014/main" id="{D28464DB-EE5A-43C2-9545-345DF418F837}"/>
+                    </a:ext>
+                  </a:extLst>
+                </p:cNvPr>
+                <p:cNvSpPr/>
+                <p:nvPr/>
+              </p:nvSpPr>
+              <p:spPr>
+                <a:xfrm>
+                  <a:off x="4312636" y="3285282"/>
+                  <a:ext cx="1548822" cy="292388"/>
+                </a:xfrm>
+                <a:prstGeom prst="rect">
+                  <a:avLst/>
+                </a:prstGeom>
+                <a:noFill/>
+              </p:spPr>
+              <p:txBody>
+                <a:bodyPr wrap="none" lIns="91440" tIns="45720" rIns="91440" bIns="45720">
+                  <a:spAutoFit/>
+                </a:bodyPr>
+                <a:lstStyle/>
+                <a:p>
+                  <a:pPr algn="ctr"/>
+                  <a:r>
+                    <a:rPr lang="en-US" sz="1300" b="0" cap="none" spc="0">
+                      <a:ln w="0"/>
+                      <a:solidFill>
+                        <a:schemeClr val="tx1"/>
+                      </a:solidFill>
+                      <a:effectLst>
+                        <a:outerShdw blurRad="38100" dist="19050" dir="2700000" algn="tl" rotWithShape="0">
+                          <a:schemeClr val="dk1">
+                            <a:alpha val="40000"/>
+                          </a:schemeClr>
+                        </a:outerShdw>
+                      </a:effectLst>
+                    </a:rPr>
+                    <a:t>Th</a:t>
+                  </a:r>
+                  <a:r>
+                    <a:rPr lang="en-US" sz="1300">
+                      <a:ln w="0"/>
+                      <a:effectLst>
+                        <a:outerShdw blurRad="38100" dist="19050" dir="2700000" algn="tl" rotWithShape="0">
+                          <a:schemeClr val="dk1">
+                            <a:alpha val="40000"/>
+                          </a:schemeClr>
+                        </a:outerShdw>
+                      </a:effectLst>
+                    </a:rPr>
+                    <a:t>ời gian hoạt động</a:t>
+                  </a:r>
+                  <a:endParaRPr lang="vi-VN" sz="1300" b="0" cap="none" spc="0">
+                    <a:ln w="0"/>
+                    <a:solidFill>
+                      <a:schemeClr val="tx1"/>
+                    </a:solidFill>
+                    <a:effectLst>
+                      <a:outerShdw blurRad="38100" dist="19050" dir="2700000" algn="tl" rotWithShape="0">
+                        <a:schemeClr val="dk1">
+                          <a:alpha val="40000"/>
+                        </a:schemeClr>
+                      </a:outerShdw>
+                    </a:effectLst>
+                  </a:endParaRPr>
+                </a:p>
+              </p:txBody>
+            </p:sp>
+            <p:sp>
+              <p:nvSpPr>
+                <p:cNvPr id="21" name="Hình chữ nhật 20">
+                  <a:extLst>
+                    <a:ext uri="{FF2B5EF4-FFF2-40B4-BE49-F238E27FC236}">
+                      <a16:creationId xmlns:a16="http://schemas.microsoft.com/office/drawing/2014/main" id="{8BD692D7-5DED-4083-B8C3-BBA0EE70750C}"/>
+                    </a:ext>
+                  </a:extLst>
+                </p:cNvPr>
+                <p:cNvSpPr/>
+                <p:nvPr/>
+              </p:nvSpPr>
+              <p:spPr>
+                <a:xfrm>
+                  <a:off x="4415750" y="3501526"/>
+                  <a:ext cx="1322798" cy="338554"/>
+                </a:xfrm>
+                <a:prstGeom prst="rect">
+                  <a:avLst/>
+                </a:prstGeom>
+                <a:noFill/>
+              </p:spPr>
+              <p:txBody>
+                <a:bodyPr wrap="none" lIns="91440" tIns="45720" rIns="91440" bIns="45720">
+                  <a:spAutoFit/>
+                </a:bodyPr>
+                <a:lstStyle/>
+                <a:p>
+                  <a:pPr algn="ctr"/>
+                  <a:r>
+                    <a:rPr lang="en-US" sz="1600" b="0" cap="none" spc="0">
+                      <a:ln w="0"/>
+                      <a:solidFill>
+                        <a:schemeClr val="bg1"/>
+                      </a:solidFill>
+                      <a:effectLst>
+                        <a:outerShdw blurRad="38100" dist="19050" dir="2700000" algn="tl" rotWithShape="0">
+                          <a:schemeClr val="dk1">
+                            <a:alpha val="40000"/>
+                          </a:schemeClr>
+                        </a:outerShdw>
+                      </a:effectLst>
+                    </a:rPr>
+                    <a:t>18:00 – 06:00</a:t>
+                  </a:r>
+                  <a:endParaRPr lang="vi-VN" sz="1600" b="0" cap="none" spc="0">
+                    <a:ln w="0"/>
+                    <a:solidFill>
+                      <a:schemeClr val="bg1"/>
+                    </a:solidFill>
+                    <a:effectLst>
+                      <a:outerShdw blurRad="38100" dist="19050" dir="2700000" algn="tl" rotWithShape="0">
+                        <a:schemeClr val="dk1">
+                          <a:alpha val="40000"/>
+                        </a:schemeClr>
+                      </a:outerShdw>
+                    </a:effectLst>
+                  </a:endParaRPr>
+                </a:p>
+              </p:txBody>
+            </p:sp>
+            <p:sp>
+              <p:nvSpPr>
+                <p:cNvPr id="55" name="Hình chữ nhật 54">
+                  <a:extLst>
+                    <a:ext uri="{FF2B5EF4-FFF2-40B4-BE49-F238E27FC236}">
+                      <a16:creationId xmlns:a16="http://schemas.microsoft.com/office/drawing/2014/main" id="{BA8130DC-5C67-4F6D-845D-14F3F95C5B8D}"/>
+                    </a:ext>
+                  </a:extLst>
+                </p:cNvPr>
+                <p:cNvSpPr/>
+                <p:nvPr/>
+              </p:nvSpPr>
+              <p:spPr>
+                <a:xfrm>
+                  <a:off x="6375179" y="3285282"/>
+                  <a:ext cx="1135375" cy="292388"/>
+                </a:xfrm>
+                <a:prstGeom prst="rect">
+                  <a:avLst/>
+                </a:prstGeom>
+                <a:noFill/>
+              </p:spPr>
+              <p:txBody>
+                <a:bodyPr wrap="none" lIns="91440" tIns="45720" rIns="91440" bIns="45720">
+                  <a:spAutoFit/>
+                </a:bodyPr>
+                <a:lstStyle/>
+                <a:p>
+                  <a:pPr algn="ctr"/>
+                  <a:r>
+                    <a:rPr lang="en-US" sz="1300">
+                      <a:ln w="0"/>
+                      <a:effectLst>
+                        <a:outerShdw blurRad="38100" dist="19050" dir="2700000" algn="tl" rotWithShape="0">
+                          <a:schemeClr val="dk1">
+                            <a:alpha val="40000"/>
+                          </a:schemeClr>
+                        </a:outerShdw>
+                      </a:effectLst>
+                    </a:rPr>
+                    <a:t>Độ trễ thiết bị</a:t>
+                  </a:r>
+                  <a:endParaRPr lang="vi-VN" sz="1300" b="0" cap="none" spc="0">
+                    <a:ln w="0"/>
+                    <a:solidFill>
+                      <a:schemeClr val="tx1"/>
+                    </a:solidFill>
+                    <a:effectLst>
+                      <a:outerShdw blurRad="38100" dist="19050" dir="2700000" algn="tl" rotWithShape="0">
+                        <a:schemeClr val="dk1">
+                          <a:alpha val="40000"/>
+                        </a:schemeClr>
+                      </a:outerShdw>
+                    </a:effectLst>
+                  </a:endParaRPr>
+                </a:p>
+              </p:txBody>
+            </p:sp>
+            <p:sp>
+              <p:nvSpPr>
+                <p:cNvPr id="56" name="Hình chữ nhật 55">
+                  <a:extLst>
+                    <a:ext uri="{FF2B5EF4-FFF2-40B4-BE49-F238E27FC236}">
+                      <a16:creationId xmlns:a16="http://schemas.microsoft.com/office/drawing/2014/main" id="{4AC85D75-B52E-4C7A-9921-4E992C3D33FB}"/>
+                    </a:ext>
+                  </a:extLst>
+                </p:cNvPr>
+                <p:cNvSpPr/>
+                <p:nvPr/>
+              </p:nvSpPr>
+              <p:spPr>
+                <a:xfrm>
+                  <a:off x="6275950" y="3502327"/>
+                  <a:ext cx="1361271" cy="338554"/>
+                </a:xfrm>
+                <a:prstGeom prst="rect">
+                  <a:avLst/>
+                </a:prstGeom>
+                <a:noFill/>
+              </p:spPr>
+              <p:txBody>
+                <a:bodyPr wrap="none" lIns="91440" tIns="45720" rIns="91440" bIns="45720">
+                  <a:spAutoFit/>
+                </a:bodyPr>
+                <a:lstStyle/>
+                <a:p>
+                  <a:pPr algn="ctr"/>
+                  <a:r>
+                    <a:rPr lang="en-US" sz="1600">
+                      <a:ln w="0"/>
+                      <a:solidFill>
+                        <a:schemeClr val="bg1"/>
+                      </a:solidFill>
+                      <a:effectLst>
+                        <a:outerShdw blurRad="38100" dist="19050" dir="2700000" algn="tl" rotWithShape="0">
+                          <a:schemeClr val="dk1">
+                            <a:alpha val="40000"/>
+                          </a:schemeClr>
+                        </a:outerShdw>
+                      </a:effectLst>
+                    </a:rPr>
+                    <a:t>2 phút 30 giây</a:t>
+                  </a:r>
+                  <a:endParaRPr lang="vi-VN" sz="1600" b="0" cap="none" spc="0">
+                    <a:ln w="0"/>
+                    <a:solidFill>
+                      <a:schemeClr val="bg1"/>
+                    </a:solidFill>
+                    <a:effectLst>
+                      <a:outerShdw blurRad="38100" dist="19050" dir="2700000" algn="tl" rotWithShape="0">
+                        <a:schemeClr val="dk1">
+                          <a:alpha val="40000"/>
+                        </a:schemeClr>
+                      </a:outerShdw>
+                    </a:effectLst>
+                  </a:endParaRPr>
+                </a:p>
+              </p:txBody>
+            </p:sp>
+          </p:grpSp>
+        </p:grpSp>
+        <p:pic>
+          <p:nvPicPr>
+            <p:cNvPr id="41" name="Picture 8">
+              <a:extLst>
+                <a:ext uri="{FF2B5EF4-FFF2-40B4-BE49-F238E27FC236}">
+                  <a16:creationId xmlns:a16="http://schemas.microsoft.com/office/drawing/2014/main" id="{C6DA2A80-2C99-474A-AE16-171C51B0A4A1}"/>
+                </a:ext>
+              </a:extLst>
+            </p:cNvPr>
+            <p:cNvPicPr>
+              <a:picLocks noChangeAspect="1" noChangeArrowheads="1"/>
+            </p:cNvPicPr>
+            <p:nvPr/>
+          </p:nvPicPr>
+          <p:blipFill>
+            <a:blip r:embed="rId13">
+              <a:extLst>
+                <a:ext uri="{28A0092B-C50C-407E-A947-70E740481C1C}">
+                  <a14:useLocalDpi xmlns:a14="http://schemas.microsoft.com/office/drawing/2010/main" val="0"/>
+                </a:ext>
+              </a:extLst>
+            </a:blip>
+            <a:srcRect/>
+            <a:stretch/>
+          </p:blipFill>
+          <p:spPr bwMode="auto">
+            <a:xfrm>
+              <a:off x="4859992" y="937200"/>
+              <a:ext cx="254909" cy="254909"/>
+            </a:xfrm>
+            <a:prstGeom prst="rect">
+              <a:avLst/>
+            </a:prstGeom>
+            <a:noFill/>
+            <a:extLst>
+              <a:ext uri="{909E8E84-426E-40DD-AFC4-6F175D3DCCD1}">
+                <a14:hiddenFill xmlns:a14="http://schemas.microsoft.com/office/drawing/2010/main">
+                  <a:solidFill>
+                    <a:srgbClr val="FFFFFF"/>
+                  </a:solidFill>
+                </a14:hiddenFill>
+              </a:ext>
+            </a:extLst>
+          </p:spPr>
+        </p:pic>
+        <p:sp>
+          <p:nvSpPr>
+            <p:cNvPr id="42" name="Hình chữ nhật 41">
+              <a:extLst>
+                <a:ext uri="{FF2B5EF4-FFF2-40B4-BE49-F238E27FC236}">
+                  <a16:creationId xmlns:a16="http://schemas.microsoft.com/office/drawing/2014/main" id="{6A27AF9A-3AEC-492E-A047-4E5EFA90EB2C}"/>
+                </a:ext>
+              </a:extLst>
+            </p:cNvPr>
+            <p:cNvSpPr/>
+            <p:nvPr/>
+          </p:nvSpPr>
+          <p:spPr>
+            <a:xfrm>
+              <a:off x="5127526" y="816713"/>
+              <a:ext cx="1806906" cy="461665"/>
+            </a:xfrm>
+            <a:prstGeom prst="rect">
+              <a:avLst/>
+            </a:prstGeom>
+            <a:noFill/>
+          </p:spPr>
+          <p:txBody>
+            <a:bodyPr wrap="none" lIns="91440" tIns="45720" rIns="91440" bIns="45720">
+              <a:spAutoFit/>
+            </a:bodyPr>
+            <a:lstStyle/>
+            <a:p>
+              <a:pPr algn="ctr"/>
+              <a:r>
+                <a:rPr lang="en-US" sz="2400">
+                  <a:ln w="0"/>
+                  <a:solidFill>
+                    <a:srgbClr val="FF5B5B"/>
+                  </a:solidFill>
+                  <a:effectLst>
+                    <a:outerShdw blurRad="38100" dist="19050" dir="2700000" algn="tl" rotWithShape="0">
+                      <a:schemeClr val="dk1">
+                        <a:alpha val="40000"/>
+                      </a:schemeClr>
+                    </a:outerShdw>
+                  </a:effectLst>
+                </a:rPr>
+                <a:t>Đèn đang tắt</a:t>
+              </a:r>
+              <a:endParaRPr lang="vi-VN" sz="2400" b="0" cap="none" spc="0">
+                <a:ln w="0"/>
+                <a:solidFill>
+                  <a:srgbClr val="FF5B5B"/>
+                </a:solidFill>
+                <a:effectLst>
+                  <a:outerShdw blurRad="38100" dist="19050" dir="2700000" algn="tl" rotWithShape="0">
+                    <a:schemeClr val="dk1">
+                      <a:alpha val="40000"/>
+                    </a:schemeClr>
+                  </a:outerShdw>
+                </a:effectLst>
+              </a:endParaRPr>
+            </a:p>
+          </p:txBody>
+        </p:sp>
+        <p:sp>
+          <p:nvSpPr>
+            <p:cNvPr id="45" name="Hình Bầu dục 44">
+              <a:extLst>
+                <a:ext uri="{FF2B5EF4-FFF2-40B4-BE49-F238E27FC236}">
+                  <a16:creationId xmlns:a16="http://schemas.microsoft.com/office/drawing/2014/main" id="{E7AC4576-6976-4CC0-8259-7996F0BF6F96}"/>
+                </a:ext>
+              </a:extLst>
+            </p:cNvPr>
+            <p:cNvSpPr/>
+            <p:nvPr/>
+          </p:nvSpPr>
+          <p:spPr>
+            <a:xfrm>
+              <a:off x="4080700" y="4809531"/>
+              <a:ext cx="134985" cy="134985"/>
+            </a:xfrm>
+            <a:prstGeom prst="ellipse">
+              <a:avLst/>
+            </a:prstGeom>
+            <a:solidFill>
+              <a:srgbClr val="4A6DAD"/>
+            </a:solidFill>
+            <a:ln w="28575">
+              <a:solidFill>
+                <a:schemeClr val="accent5">
+                  <a:lumMod val="40000"/>
+                  <a:lumOff val="60000"/>
+                </a:schemeClr>
+              </a:solidFill>
+            </a:ln>
+          </p:spPr>
+          <p:style>
+            <a:lnRef idx="2">
+              <a:schemeClr val="accent1">
+                <a:shade val="50000"/>
+              </a:schemeClr>
+            </a:lnRef>
+            <a:fillRef idx="1">
+              <a:schemeClr val="accent1"/>
+            </a:fillRef>
+            <a:effectRef idx="0">
+              <a:schemeClr val="accent1"/>
+            </a:effectRef>
+            <a:fontRef idx="minor">
+              <a:schemeClr val="lt1"/>
+            </a:fontRef>
+          </p:style>
+          <p:txBody>
+            <a:bodyPr rtlCol="0" anchor="ctr"/>
+            <a:lstStyle/>
+            <a:p>
+              <a:pPr algn="ctr"/>
+              <a:endParaRPr lang="en-US"/>
+            </a:p>
+          </p:txBody>
+        </p:sp>
+        <p:sp>
+          <p:nvSpPr>
+            <p:cNvPr id="47" name="Hình chữ nhật 46">
+              <a:extLst>
+                <a:ext uri="{FF2B5EF4-FFF2-40B4-BE49-F238E27FC236}">
+                  <a16:creationId xmlns:a16="http://schemas.microsoft.com/office/drawing/2014/main" id="{0549FEFC-51DA-47D9-BD36-6A631F16C207}"/>
+                </a:ext>
+              </a:extLst>
+            </p:cNvPr>
+            <p:cNvSpPr/>
+            <p:nvPr/>
+          </p:nvSpPr>
+          <p:spPr>
+            <a:xfrm>
+              <a:off x="4271397" y="4652629"/>
+              <a:ext cx="1563249" cy="400110"/>
+            </a:xfrm>
+            <a:prstGeom prst="rect">
+              <a:avLst/>
+            </a:prstGeom>
+            <a:noFill/>
+          </p:spPr>
+          <p:txBody>
+            <a:bodyPr wrap="none" lIns="91440" tIns="45720" rIns="91440" bIns="45720">
+              <a:spAutoFit/>
+            </a:bodyPr>
+            <a:lstStyle/>
+            <a:p>
+              <a:pPr algn="ctr"/>
+              <a:r>
+                <a:rPr lang="en-US" sz="2000" b="1">
+                  <a:ln w="0"/>
+                  <a:solidFill>
+                    <a:srgbClr val="4A6DAD"/>
+                  </a:solidFill>
+                </a:rPr>
+                <a:t>Đèn đang tắt</a:t>
+              </a:r>
+              <a:endParaRPr lang="vi-VN" sz="2000" b="1" cap="none" spc="0">
+                <a:ln w="0"/>
+                <a:solidFill>
+                  <a:srgbClr val="4A6DAD"/>
+                </a:solidFill>
+              </a:endParaRPr>
+            </a:p>
+          </p:txBody>
+        </p:sp>
+      </p:grpSp>
+    </p:spTree>
+    <p:extLst>
+      <p:ext uri="{BB962C8B-B14F-4D97-AF65-F5344CB8AC3E}">
+        <p14:creationId xmlns:p14="http://schemas.microsoft.com/office/powerpoint/2010/main" val="1580192836"/>
+      </p:ext>
+    </p:extLst>
+  </p:cSld>
+  <p:clrMapOvr>
+    <a:masterClrMapping/>
+  </p:clrMapOvr>
+</p:sld>
+</file>
+
+<file path=ppt/slides/slide12.xml><?xml version="1.0" encoding="utf-8"?>
+<p:sld xmlns:a="http://schemas.openxmlformats.org/drawingml/2006/main" xmlns:r="http://schemas.openxmlformats.org/officeDocument/2006/relationships" xmlns:p="http://schemas.openxmlformats.org/presentationml/2006/main">
+  <p:cSld>
+    <p:spTree>
+      <p:nvGrpSpPr>
+        <p:cNvPr id="1" name=""/>
+        <p:cNvGrpSpPr/>
+        <p:nvPr/>
+      </p:nvGrpSpPr>
+      <p:grpSpPr>
+        <a:xfrm>
+          <a:off x="0" y="0"/>
+          <a:ext cx="0" cy="0"/>
+          <a:chOff x="0" y="0"/>
+          <a:chExt cx="0" cy="0"/>
+        </a:xfrm>
+      </p:grpSpPr>
+      <p:grpSp>
+        <p:nvGrpSpPr>
+          <p:cNvPr id="2" name="Nhóm 1">
+            <a:extLst>
+              <a:ext uri="{FF2B5EF4-FFF2-40B4-BE49-F238E27FC236}">
+                <a16:creationId xmlns:a16="http://schemas.microsoft.com/office/drawing/2014/main" id="{3EAEBF34-020E-4A5A-AD07-00828617E8F0}"/>
+              </a:ext>
+            </a:extLst>
+          </p:cNvPr>
+          <p:cNvGrpSpPr/>
+          <p:nvPr/>
+        </p:nvGrpSpPr>
+        <p:grpSpPr>
+          <a:xfrm>
+            <a:off x="3874865" y="0"/>
+            <a:ext cx="3982867" cy="6872024"/>
+            <a:chOff x="3874865" y="0"/>
+            <a:chExt cx="3982867" cy="6872024"/>
+          </a:xfrm>
+        </p:grpSpPr>
+        <p:grpSp>
+          <p:nvGrpSpPr>
+            <p:cNvPr id="25" name="Nhóm 24">
+              <a:extLst>
+                <a:ext uri="{FF2B5EF4-FFF2-40B4-BE49-F238E27FC236}">
+                  <a16:creationId xmlns:a16="http://schemas.microsoft.com/office/drawing/2014/main" id="{A547A66B-6C2D-4D35-AC00-E5B19A9F1C37}"/>
+                </a:ext>
+              </a:extLst>
+            </p:cNvPr>
+            <p:cNvGrpSpPr/>
+            <p:nvPr/>
+          </p:nvGrpSpPr>
+          <p:grpSpPr>
+            <a:xfrm>
+              <a:off x="3874865" y="0"/>
+              <a:ext cx="3982867" cy="6872024"/>
+              <a:chOff x="3874865" y="0"/>
+              <a:chExt cx="3982867" cy="6872024"/>
+            </a:xfrm>
+          </p:grpSpPr>
+          <p:sp>
+            <p:nvSpPr>
+              <p:cNvPr id="30" name="Hình chữ nhật 29">
+                <a:extLst>
+                  <a:ext uri="{FF2B5EF4-FFF2-40B4-BE49-F238E27FC236}">
+                    <a16:creationId xmlns:a16="http://schemas.microsoft.com/office/drawing/2014/main" id="{CF1A8CCF-2271-4B74-91CC-240ACCC2D46C}"/>
+                  </a:ext>
+                </a:extLst>
+              </p:cNvPr>
+              <p:cNvSpPr/>
+              <p:nvPr/>
+            </p:nvSpPr>
+            <p:spPr>
+              <a:xfrm>
+                <a:off x="3934408" y="3840363"/>
+                <a:ext cx="3857624" cy="3017637"/>
+              </a:xfrm>
+              <a:prstGeom prst="rect">
+                <a:avLst/>
+              </a:prstGeom>
+              <a:solidFill>
+                <a:schemeClr val="bg1"/>
+              </a:solidFill>
+              <a:ln>
+                <a:noFill/>
+              </a:ln>
+            </p:spPr>
+            <p:style>
+              <a:lnRef idx="2">
+                <a:schemeClr val="accent1">
+                  <a:shade val="50000"/>
+                </a:schemeClr>
+              </a:lnRef>
+              <a:fillRef idx="1">
+                <a:schemeClr val="accent1"/>
+              </a:fillRef>
+              <a:effectRef idx="0">
+                <a:schemeClr val="accent1"/>
+              </a:effectRef>
+              <a:fontRef idx="minor">
+                <a:schemeClr val="lt1"/>
+              </a:fontRef>
+            </p:style>
+            <p:txBody>
+              <a:bodyPr rtlCol="0" anchor="ctr"/>
+              <a:lstStyle/>
+              <a:p>
+                <a:pPr algn="ctr"/>
+                <a:endParaRPr lang="en-US"/>
+              </a:p>
+            </p:txBody>
+          </p:sp>
+          <p:sp>
+            <p:nvSpPr>
+              <p:cNvPr id="26" name="Hình chữ nhật 25">
+                <a:extLst>
+                  <a:ext uri="{FF2B5EF4-FFF2-40B4-BE49-F238E27FC236}">
+                    <a16:creationId xmlns:a16="http://schemas.microsoft.com/office/drawing/2014/main" id="{39A6061F-C2B1-49F7-B960-E326229C9DBA}"/>
+                  </a:ext>
+                </a:extLst>
+              </p:cNvPr>
+              <p:cNvSpPr/>
+              <p:nvPr/>
+            </p:nvSpPr>
+            <p:spPr>
+              <a:xfrm>
+                <a:off x="3934408" y="207818"/>
+                <a:ext cx="3857625" cy="487192"/>
+              </a:xfrm>
+              <a:prstGeom prst="rect">
+                <a:avLst/>
+              </a:prstGeom>
+              <a:solidFill>
+                <a:schemeClr val="bg1"/>
+              </a:solidFill>
+              <a:ln>
+                <a:noFill/>
+              </a:ln>
+            </p:spPr>
+            <p:style>
+              <a:lnRef idx="2">
+                <a:schemeClr val="accent1">
+                  <a:shade val="50000"/>
+                </a:schemeClr>
+              </a:lnRef>
+              <a:fillRef idx="1">
+                <a:schemeClr val="accent1"/>
+              </a:fillRef>
+              <a:effectRef idx="0">
+                <a:schemeClr val="accent1"/>
+              </a:effectRef>
+              <a:fontRef idx="minor">
+                <a:schemeClr val="lt1"/>
+              </a:fontRef>
+            </p:style>
+            <p:txBody>
+              <a:bodyPr rtlCol="0" anchor="ctr"/>
+              <a:lstStyle/>
+              <a:p>
+                <a:pPr algn="ctr"/>
+                <a:endParaRPr lang="en-US"/>
+              </a:p>
+            </p:txBody>
+          </p:sp>
+          <p:pic>
+            <p:nvPicPr>
+              <p:cNvPr id="19" name="Hình ảnh 18">
+                <a:extLst>
+                  <a:ext uri="{FF2B5EF4-FFF2-40B4-BE49-F238E27FC236}">
+                    <a16:creationId xmlns:a16="http://schemas.microsoft.com/office/drawing/2014/main" id="{D536F1E0-8923-4B32-8AA6-B0CBDB684E85}"/>
+                  </a:ext>
+                </a:extLst>
+              </p:cNvPr>
+              <p:cNvPicPr>
+                <a:picLocks noChangeAspect="1"/>
+              </p:cNvPicPr>
+              <p:nvPr/>
+            </p:nvPicPr>
+            <p:blipFill>
+              <a:blip r:embed="rId2">
+                <a:extLst>
+                  <a:ext uri="{28A0092B-C50C-407E-A947-70E740481C1C}">
+                    <a14:useLocalDpi xmlns:a14="http://schemas.microsoft.com/office/drawing/2010/main" val="0"/>
+                  </a:ext>
+                </a:extLst>
+              </a:blip>
+              <a:srcRect/>
+              <a:stretch/>
+            </p:blipFill>
+            <p:spPr>
+              <a:xfrm>
+                <a:off x="3939377" y="678126"/>
+                <a:ext cx="3847685" cy="2563502"/>
+              </a:xfrm>
+              <a:prstGeom prst="rect">
+                <a:avLst/>
+              </a:prstGeom>
+              <a:effectLst>
+                <a:glow>
+                  <a:schemeClr val="accent1"/>
+                </a:glow>
+              </a:effectLst>
+            </p:spPr>
+          </p:pic>
+          <p:pic>
+            <p:nvPicPr>
+              <p:cNvPr id="4" name="Picture 2" descr="back logo icon – Free Icons Download">
+                <a:extLst>
+                  <a:ext uri="{FF2B5EF4-FFF2-40B4-BE49-F238E27FC236}">
+                    <a16:creationId xmlns:a16="http://schemas.microsoft.com/office/drawing/2014/main" id="{05DDC231-7BF3-48E0-B1C5-F632DB98FF5A}"/>
+                  </a:ext>
+                </a:extLst>
+              </p:cNvPr>
+              <p:cNvPicPr>
+                <a:picLocks noChangeAspect="1" noChangeArrowheads="1"/>
+              </p:cNvPicPr>
+              <p:nvPr/>
+            </p:nvPicPr>
+            <p:blipFill>
+              <a:blip r:embed="rId3">
+                <a:duotone>
+                  <a:schemeClr val="accent1">
+                    <a:shade val="45000"/>
+                    <a:satMod val="135000"/>
+                  </a:schemeClr>
+                  <a:prstClr val="white"/>
+                </a:duotone>
+                <a:extLst>
+                  <a:ext uri="{28A0092B-C50C-407E-A947-70E740481C1C}">
+                    <a14:useLocalDpi xmlns:a14="http://schemas.microsoft.com/office/drawing/2010/main" val="0"/>
+                  </a:ext>
+                </a:extLst>
+              </a:blip>
+              <a:srcRect/>
+              <a:stretch>
+                <a:fillRect/>
+              </a:stretch>
+            </p:blipFill>
+            <p:spPr bwMode="auto">
+              <a:xfrm>
+                <a:off x="3943933" y="206907"/>
+                <a:ext cx="411903" cy="411903"/>
+              </a:xfrm>
+              <a:prstGeom prst="rect">
+                <a:avLst/>
+              </a:prstGeom>
+              <a:noFill/>
+              <a:extLst>
+                <a:ext uri="{909E8E84-426E-40DD-AFC4-6F175D3DCCD1}">
+                  <a14:hiddenFill xmlns:a14="http://schemas.microsoft.com/office/drawing/2010/main">
+                    <a:solidFill>
+                      <a:srgbClr val="FFFFFF"/>
+                    </a:solidFill>
+                  </a14:hiddenFill>
+                </a:ext>
+              </a:extLst>
+            </p:spPr>
+          </p:pic>
+          <p:pic>
+            <p:nvPicPr>
+              <p:cNvPr id="22" name="Hình ảnh 21" descr="Ảnh có chứa sáng, máy tính&#10;&#10;Mô tả được tạo tự động">
+                <a:extLst>
+                  <a:ext uri="{FF2B5EF4-FFF2-40B4-BE49-F238E27FC236}">
+                    <a16:creationId xmlns:a16="http://schemas.microsoft.com/office/drawing/2014/main" id="{F3E69F79-B5DC-4185-99EC-DA705B7EAA2F}"/>
+                  </a:ext>
+                </a:extLst>
+              </p:cNvPr>
+              <p:cNvPicPr>
+                <a:picLocks noChangeAspect="1"/>
+              </p:cNvPicPr>
+              <p:nvPr/>
+            </p:nvPicPr>
+            <p:blipFill rotWithShape="1">
+              <a:blip r:embed="rId4">
+                <a:extLst>
+                  <a:ext uri="{28A0092B-C50C-407E-A947-70E740481C1C}">
+                    <a14:useLocalDpi xmlns:a14="http://schemas.microsoft.com/office/drawing/2010/main" val="0"/>
+                  </a:ext>
+                </a:extLst>
+              </a:blip>
+              <a:srcRect l="43657" t="-1" r="44756" b="5189"/>
+              <a:stretch/>
+            </p:blipFill>
+            <p:spPr>
+              <a:xfrm>
+                <a:off x="7562786" y="4429393"/>
+                <a:ext cx="294946" cy="2442631"/>
+              </a:xfrm>
+              <a:prstGeom prst="rect">
+                <a:avLst/>
+              </a:prstGeom>
+            </p:spPr>
+          </p:pic>
+          <p:pic>
+            <p:nvPicPr>
+              <p:cNvPr id="33" name="Hình ảnh 32">
+                <a:extLst>
+                  <a:ext uri="{FF2B5EF4-FFF2-40B4-BE49-F238E27FC236}">
+                    <a16:creationId xmlns:a16="http://schemas.microsoft.com/office/drawing/2014/main" id="{3776CF40-B7E1-4720-8E11-32B3D72EB231}"/>
+                  </a:ext>
+                </a:extLst>
+              </p:cNvPr>
+              <p:cNvPicPr>
+                <a:picLocks noChangeAspect="1"/>
+              </p:cNvPicPr>
+              <p:nvPr/>
+            </p:nvPicPr>
+            <p:blipFill rotWithShape="1">
+              <a:blip r:embed="rId5">
+                <a:extLst>
+                  <a:ext uri="{28A0092B-C50C-407E-A947-70E740481C1C}">
+                    <a14:useLocalDpi xmlns:a14="http://schemas.microsoft.com/office/drawing/2010/main" val="0"/>
+                  </a:ext>
+                </a:extLst>
+              </a:blip>
+              <a:srcRect b="96970"/>
+              <a:stretch/>
+            </p:blipFill>
+            <p:spPr>
+              <a:xfrm>
+                <a:off x="3934408" y="0"/>
+                <a:ext cx="3857625" cy="207818"/>
+              </a:xfrm>
+              <a:prstGeom prst="rect">
+                <a:avLst/>
+              </a:prstGeom>
+            </p:spPr>
+          </p:pic>
+          <p:pic>
+            <p:nvPicPr>
+              <p:cNvPr id="2062" name="Picture 14" descr="Settings Launcher cho Android - Tải về APK">
+                <a:extLst>
+                  <a:ext uri="{FF2B5EF4-FFF2-40B4-BE49-F238E27FC236}">
+                    <a16:creationId xmlns:a16="http://schemas.microsoft.com/office/drawing/2014/main" id="{CF18903F-7A31-4DBC-B471-8FED8D114D23}"/>
+                  </a:ext>
+                </a:extLst>
+              </p:cNvPr>
+              <p:cNvPicPr>
+                <a:picLocks noChangeAspect="1" noChangeArrowheads="1"/>
+              </p:cNvPicPr>
+              <p:nvPr/>
+            </p:nvPicPr>
+            <p:blipFill>
+              <a:blip r:embed="rId6">
+                <a:extLst>
+                  <a:ext uri="{BEBA8EAE-BF5A-486C-A8C5-ECC9F3942E4B}">
+                    <a14:imgProps xmlns:a14="http://schemas.microsoft.com/office/drawing/2010/main">
+                      <a14:imgLayer r:embed="rId7">
+                        <a14:imgEffect>
+                          <a14:saturation sat="66000"/>
+                        </a14:imgEffect>
+                      </a14:imgLayer>
+                    </a14:imgProps>
+                  </a:ext>
+                  <a:ext uri="{28A0092B-C50C-407E-A947-70E740481C1C}">
+                    <a14:useLocalDpi xmlns:a14="http://schemas.microsoft.com/office/drawing/2010/main" val="0"/>
+                  </a:ext>
+                </a:extLst>
+              </a:blip>
+              <a:srcRect/>
+              <a:stretch>
+                <a:fillRect/>
+              </a:stretch>
+            </p:blipFill>
+            <p:spPr bwMode="auto">
+              <a:xfrm>
+                <a:off x="7358265" y="206580"/>
+                <a:ext cx="411903" cy="411903"/>
+              </a:xfrm>
+              <a:prstGeom prst="rect">
+                <a:avLst/>
+              </a:prstGeom>
+              <a:noFill/>
+              <a:extLst>
+                <a:ext uri="{909E8E84-426E-40DD-AFC4-6F175D3DCCD1}">
+                  <a14:hiddenFill xmlns:a14="http://schemas.microsoft.com/office/drawing/2010/main">
+                    <a:solidFill>
+                      <a:srgbClr val="FFFFFF"/>
+                    </a:solidFill>
+                  </a14:hiddenFill>
+                </a:ext>
+              </a:extLst>
+            </p:spPr>
+          </p:pic>
+          <p:sp>
+            <p:nvSpPr>
+              <p:cNvPr id="27" name="Hình chữ nhật 26">
+                <a:extLst>
+                  <a:ext uri="{FF2B5EF4-FFF2-40B4-BE49-F238E27FC236}">
+                    <a16:creationId xmlns:a16="http://schemas.microsoft.com/office/drawing/2014/main" id="{5E8E5B42-975F-4B70-B76B-256E16434566}"/>
+                  </a:ext>
+                </a:extLst>
+              </p:cNvPr>
+              <p:cNvSpPr/>
+              <p:nvPr/>
+            </p:nvSpPr>
+            <p:spPr>
+              <a:xfrm>
+                <a:off x="5246968" y="197867"/>
+                <a:ext cx="1251561" cy="400110"/>
+              </a:xfrm>
+              <a:prstGeom prst="rect">
+                <a:avLst/>
+              </a:prstGeom>
+              <a:noFill/>
+            </p:spPr>
+            <p:txBody>
+              <a:bodyPr wrap="none" lIns="91440" tIns="45720" rIns="91440" bIns="45720">
+                <a:spAutoFit/>
+              </a:bodyPr>
+              <a:lstStyle/>
+              <a:p>
+                <a:pPr algn="ctr"/>
+                <a:r>
+                  <a:rPr lang="en-US" sz="2000" b="1" cap="none" spc="0">
+                    <a:ln w="0"/>
+                    <a:solidFill>
+                      <a:schemeClr val="tx1"/>
+                    </a:solidFill>
+                    <a:effectLst>
+                      <a:outerShdw blurRad="38100" dist="19050" dir="2700000" algn="tl" rotWithShape="0">
+                        <a:schemeClr val="dk1">
+                          <a:alpha val="40000"/>
+                        </a:schemeClr>
+                      </a:outerShdw>
+                    </a:effectLst>
+                  </a:rPr>
+                  <a:t>Bathroom</a:t>
+                </a:r>
+                <a:endParaRPr lang="vi-VN" sz="2000" b="1" cap="none" spc="0">
+                  <a:ln w="0"/>
+                  <a:solidFill>
+                    <a:schemeClr val="tx1"/>
+                  </a:solidFill>
+                  <a:effectLst>
+                    <a:outerShdw blurRad="38100" dist="19050" dir="2700000" algn="tl" rotWithShape="0">
+                      <a:schemeClr val="dk1">
+                        <a:alpha val="40000"/>
+                      </a:schemeClr>
+                    </a:outerShdw>
+                  </a:effectLst>
+                </a:endParaRPr>
+              </a:p>
+            </p:txBody>
+          </p:sp>
+          <p:grpSp>
+            <p:nvGrpSpPr>
+              <p:cNvPr id="9" name="Nhóm 8">
+                <a:extLst>
+                  <a:ext uri="{FF2B5EF4-FFF2-40B4-BE49-F238E27FC236}">
+                    <a16:creationId xmlns:a16="http://schemas.microsoft.com/office/drawing/2014/main" id="{DD7DD1F8-3846-418B-A686-E93A59F6A45C}"/>
+                  </a:ext>
+                </a:extLst>
+              </p:cNvPr>
+              <p:cNvGrpSpPr/>
+              <p:nvPr/>
+            </p:nvGrpSpPr>
+            <p:grpSpPr>
+              <a:xfrm>
+                <a:off x="3874865" y="3935365"/>
+                <a:ext cx="3917167" cy="644449"/>
+                <a:chOff x="3874865" y="3241628"/>
+                <a:chExt cx="3917167" cy="644449"/>
+              </a:xfrm>
+            </p:grpSpPr>
+            <p:sp>
+              <p:nvSpPr>
+                <p:cNvPr id="28" name="Hình chữ nhật 27">
+                  <a:extLst>
+                    <a:ext uri="{FF2B5EF4-FFF2-40B4-BE49-F238E27FC236}">
+                      <a16:creationId xmlns:a16="http://schemas.microsoft.com/office/drawing/2014/main" id="{EAFB982E-13BC-46B6-B4CC-5B486EF97A8D}"/>
+                    </a:ext>
+                  </a:extLst>
+                </p:cNvPr>
+                <p:cNvSpPr/>
+                <p:nvPr/>
+              </p:nvSpPr>
+              <p:spPr>
+                <a:xfrm>
+                  <a:off x="3934408" y="3241628"/>
+                  <a:ext cx="3857624" cy="644449"/>
+                </a:xfrm>
+                <a:prstGeom prst="rect">
+                  <a:avLst/>
+                </a:prstGeom>
+                <a:solidFill>
+                  <a:schemeClr val="bg1">
+                    <a:lumMod val="95000"/>
+                  </a:schemeClr>
+                </a:solidFill>
+                <a:ln>
+                  <a:noFill/>
+                </a:ln>
+              </p:spPr>
+              <p:style>
+                <a:lnRef idx="2">
+                  <a:schemeClr val="accent1">
+                    <a:shade val="50000"/>
+                  </a:schemeClr>
+                </a:lnRef>
+                <a:fillRef idx="1">
+                  <a:schemeClr val="accent1"/>
+                </a:fillRef>
+                <a:effectRef idx="0">
+                  <a:schemeClr val="accent1"/>
+                </a:effectRef>
+                <a:fontRef idx="minor">
+                  <a:schemeClr val="lt1"/>
+                </a:fontRef>
+              </p:style>
+              <p:txBody>
+                <a:bodyPr rtlCol="0" anchor="ctr"/>
+                <a:lstStyle/>
+                <a:p>
+                  <a:pPr algn="ctr"/>
+                  <a:endParaRPr lang="en-US"/>
+                </a:p>
+              </p:txBody>
+            </p:sp>
+            <p:pic>
+              <p:nvPicPr>
+                <p:cNvPr id="29" name="Picture 8">
+                  <a:extLst>
+                    <a:ext uri="{FF2B5EF4-FFF2-40B4-BE49-F238E27FC236}">
+                      <a16:creationId xmlns:a16="http://schemas.microsoft.com/office/drawing/2014/main" id="{55E1C3C1-6A26-4ABC-BD58-45C452B8062B}"/>
+                    </a:ext>
+                  </a:extLst>
+                </p:cNvPr>
+                <p:cNvPicPr>
+                  <a:picLocks noChangeAspect="1" noChangeArrowheads="1"/>
+                </p:cNvPicPr>
+                <p:nvPr/>
+              </p:nvPicPr>
+              <p:blipFill rotWithShape="1">
+                <a:blip r:embed="rId8">
+                  <a:extLst>
+                    <a:ext uri="{28A0092B-C50C-407E-A947-70E740481C1C}">
+                      <a14:useLocalDpi xmlns:a14="http://schemas.microsoft.com/office/drawing/2010/main" val="0"/>
+                    </a:ext>
+                  </a:extLst>
+                </a:blip>
+                <a:srcRect b="42555"/>
+                <a:stretch/>
+              </p:blipFill>
+              <p:spPr bwMode="auto">
+                <a:xfrm>
+                  <a:off x="3874865" y="3283998"/>
+                  <a:ext cx="861185" cy="497154"/>
+                </a:xfrm>
+                <a:prstGeom prst="rect">
+                  <a:avLst/>
+                </a:prstGeom>
+                <a:noFill/>
+                <a:extLst>
+                  <a:ext uri="{909E8E84-426E-40DD-AFC4-6F175D3DCCD1}">
+                    <a14:hiddenFill xmlns:a14="http://schemas.microsoft.com/office/drawing/2010/main">
+                      <a:solidFill>
+                        <a:srgbClr val="FFFFFF"/>
+                      </a:solidFill>
+                    </a14:hiddenFill>
+                  </a:ext>
+                </a:extLst>
+              </p:spPr>
+            </p:pic>
+            <p:sp>
+              <p:nvSpPr>
+                <p:cNvPr id="23" name="Hình chữ nhật 22">
+                  <a:extLst>
+                    <a:ext uri="{FF2B5EF4-FFF2-40B4-BE49-F238E27FC236}">
+                      <a16:creationId xmlns:a16="http://schemas.microsoft.com/office/drawing/2014/main" id="{5E7296C0-CDD4-42AF-88DF-CD3B9B4F7E23}"/>
+                    </a:ext>
+                  </a:extLst>
+                </p:cNvPr>
+                <p:cNvSpPr/>
+                <p:nvPr/>
+              </p:nvSpPr>
+              <p:spPr>
+                <a:xfrm>
+                  <a:off x="5372431" y="3340325"/>
+                  <a:ext cx="931665" cy="400110"/>
+                </a:xfrm>
+                <a:prstGeom prst="rect">
+                  <a:avLst/>
+                </a:prstGeom>
+                <a:noFill/>
+              </p:spPr>
+              <p:txBody>
+                <a:bodyPr wrap="none" lIns="91440" tIns="45720" rIns="91440" bIns="45720">
+                  <a:spAutoFit/>
+                </a:bodyPr>
+                <a:lstStyle/>
+                <a:p>
+                  <a:pPr algn="ctr"/>
+                  <a:r>
+                    <a:rPr lang="en-US" sz="2000" b="0" cap="none" spc="0">
+                      <a:ln w="0"/>
+                      <a:solidFill>
+                        <a:schemeClr val="tx1"/>
+                      </a:solidFill>
+                      <a:effectLst>
+                        <a:outerShdw blurRad="38100" dist="19050" dir="2700000" algn="tl" rotWithShape="0">
+                          <a:schemeClr val="dk1">
+                            <a:alpha val="40000"/>
+                          </a:schemeClr>
+                        </a:outerShdw>
+                      </a:effectLst>
+                    </a:rPr>
+                    <a:t>History</a:t>
+                  </a:r>
+                  <a:endParaRPr lang="vi-VN" sz="2000" b="0" cap="none" spc="0">
+                    <a:ln w="0"/>
+                    <a:solidFill>
+                      <a:schemeClr val="tx1"/>
+                    </a:solidFill>
+                    <a:effectLst>
+                      <a:outerShdw blurRad="38100" dist="19050" dir="2700000" algn="tl" rotWithShape="0">
+                        <a:schemeClr val="dk1">
+                          <a:alpha val="40000"/>
+                        </a:schemeClr>
+                      </a:outerShdw>
+                    </a:effectLst>
+                  </a:endParaRPr>
+                </a:p>
+              </p:txBody>
+            </p:sp>
+            <p:grpSp>
+              <p:nvGrpSpPr>
+                <p:cNvPr id="6" name="Nhóm 5">
+                  <a:extLst>
+                    <a:ext uri="{FF2B5EF4-FFF2-40B4-BE49-F238E27FC236}">
+                      <a16:creationId xmlns:a16="http://schemas.microsoft.com/office/drawing/2014/main" id="{9E50485D-5A03-44B9-95B7-765E32372E9D}"/>
+                    </a:ext>
+                  </a:extLst>
+                </p:cNvPr>
+                <p:cNvGrpSpPr/>
+                <p:nvPr/>
+              </p:nvGrpSpPr>
+              <p:grpSpPr>
+                <a:xfrm>
+                  <a:off x="7158086" y="3285555"/>
+                  <a:ext cx="484035" cy="484035"/>
+                  <a:chOff x="4717473" y="1330037"/>
+                  <a:chExt cx="796636" cy="796636"/>
+                </a:xfrm>
+              </p:grpSpPr>
+              <p:pic>
+                <p:nvPicPr>
+                  <p:cNvPr id="2050" name="Picture 2" descr="Dot Three Transparent &amp; PNG Clipart Free Download - YWD">
+                    <a:extLst>
+                      <a:ext uri="{FF2B5EF4-FFF2-40B4-BE49-F238E27FC236}">
+                        <a16:creationId xmlns:a16="http://schemas.microsoft.com/office/drawing/2014/main" id="{8DE5E8EE-DB00-4BB2-8A12-B5CC7B1B1CDE}"/>
+                      </a:ext>
+                    </a:extLst>
+                  </p:cNvPr>
+                  <p:cNvPicPr>
+                    <a:picLocks noChangeAspect="1" noChangeArrowheads="1"/>
+                  </p:cNvPicPr>
+                  <p:nvPr/>
+                </p:nvPicPr>
+                <p:blipFill>
+                  <a:blip r:embed="rId9">
+                    <a:duotone>
+                      <a:schemeClr val="accent5">
+                        <a:shade val="45000"/>
+                        <a:satMod val="135000"/>
+                      </a:schemeClr>
+                      <a:prstClr val="white"/>
+                    </a:duotone>
+                    <a:extLst>
+                      <a:ext uri="{28A0092B-C50C-407E-A947-70E740481C1C}">
+                        <a14:useLocalDpi xmlns:a14="http://schemas.microsoft.com/office/drawing/2010/main" val="0"/>
+                      </a:ext>
+                    </a:extLst>
+                  </a:blip>
+                  <a:srcRect/>
+                  <a:stretch>
+                    <a:fillRect/>
+                  </a:stretch>
+                </p:blipFill>
+                <p:spPr bwMode="auto">
+                  <a:xfrm>
+                    <a:off x="4717473" y="1330037"/>
+                    <a:ext cx="796636" cy="796636"/>
+                  </a:xfrm>
+                  <a:prstGeom prst="rect">
+                    <a:avLst/>
+                  </a:prstGeom>
+                  <a:noFill/>
+                  <a:extLst>
+                    <a:ext uri="{909E8E84-426E-40DD-AFC4-6F175D3DCCD1}">
+                      <a14:hiddenFill xmlns:a14="http://schemas.microsoft.com/office/drawing/2010/main">
+                        <a:solidFill>
+                          <a:srgbClr val="FFFFFF"/>
+                        </a:solidFill>
+                      </a14:hiddenFill>
+                    </a:ext>
+                  </a:extLst>
+                </p:spPr>
+              </p:pic>
+              <p:sp>
+                <p:nvSpPr>
+                  <p:cNvPr id="5" name="Hình Bầu dục 4">
+                    <a:extLst>
+                      <a:ext uri="{FF2B5EF4-FFF2-40B4-BE49-F238E27FC236}">
+                        <a16:creationId xmlns:a16="http://schemas.microsoft.com/office/drawing/2014/main" id="{4766FB7C-754A-4BC4-AFBA-39DE76CD8EA0}"/>
+                      </a:ext>
+                    </a:extLst>
+                  </p:cNvPr>
+                  <p:cNvSpPr/>
+                  <p:nvPr/>
+                </p:nvSpPr>
+                <p:spPr>
+                  <a:xfrm>
+                    <a:off x="4828310" y="1440874"/>
+                    <a:ext cx="574964" cy="574964"/>
+                  </a:xfrm>
+                  <a:prstGeom prst="ellipse">
+                    <a:avLst/>
+                  </a:prstGeom>
+                  <a:noFill/>
+                  <a:ln w="38100">
+                    <a:solidFill>
+                      <a:srgbClr val="4A6DAD"/>
+                    </a:solidFill>
+                  </a:ln>
+                </p:spPr>
+                <p:style>
+                  <a:lnRef idx="2">
+                    <a:schemeClr val="accent1">
+                      <a:shade val="50000"/>
+                    </a:schemeClr>
+                  </a:lnRef>
+                  <a:fillRef idx="1">
+                    <a:schemeClr val="accent1"/>
+                  </a:fillRef>
+                  <a:effectRef idx="0">
+                    <a:schemeClr val="accent1"/>
+                  </a:effectRef>
+                  <a:fontRef idx="minor">
+                    <a:schemeClr val="lt1"/>
+                  </a:fontRef>
+                </p:style>
+                <p:txBody>
+                  <a:bodyPr rtlCol="0" anchor="ctr"/>
+                  <a:lstStyle/>
+                  <a:p>
+                    <a:pPr algn="ctr"/>
+                    <a:endParaRPr lang="en-US"/>
+                  </a:p>
+                </p:txBody>
+              </p:sp>
+            </p:grpSp>
+          </p:grpSp>
+          <p:sp>
+            <p:nvSpPr>
+              <p:cNvPr id="31" name="Hình chữ nhật 30">
+                <a:extLst>
+                  <a:ext uri="{FF2B5EF4-FFF2-40B4-BE49-F238E27FC236}">
+                    <a16:creationId xmlns:a16="http://schemas.microsoft.com/office/drawing/2014/main" id="{1D07285E-F759-4161-B833-16C098ABE802}"/>
+                  </a:ext>
+                </a:extLst>
+              </p:cNvPr>
+              <p:cNvSpPr/>
+              <p:nvPr/>
+            </p:nvSpPr>
+            <p:spPr>
+              <a:xfrm>
+                <a:off x="4318159" y="5696766"/>
+                <a:ext cx="1479892" cy="307777"/>
+              </a:xfrm>
+              <a:prstGeom prst="rect">
+                <a:avLst/>
+              </a:prstGeom>
+              <a:noFill/>
+            </p:spPr>
+            <p:txBody>
+              <a:bodyPr wrap="none" lIns="91440" tIns="45720" rIns="91440" bIns="45720">
+                <a:spAutoFit/>
+              </a:bodyPr>
+              <a:lstStyle/>
+              <a:p>
+                <a:pPr algn="ctr"/>
+                <a:r>
+                  <a:rPr lang="en-US" sz="1400" b="1">
+                    <a:ln w="0"/>
+                    <a:solidFill>
+                      <a:schemeClr val="bg1">
+                        <a:lumMod val="65000"/>
+                      </a:schemeClr>
+                    </a:solidFill>
+                  </a:rPr>
+                  <a:t>2</a:t>
+                </a:r>
+                <a:r>
+                  <a:rPr lang="en-US" sz="1400" b="1" cap="none" spc="0">
+                    <a:ln w="0"/>
+                    <a:solidFill>
+                      <a:schemeClr val="bg1">
+                        <a:lumMod val="65000"/>
+                      </a:schemeClr>
+                    </a:solidFill>
+                    <a:effectLst/>
+                  </a:rPr>
+                  <a:t>2:15 </a:t>
+                </a:r>
+                <a:r>
+                  <a:rPr lang="en-US" sz="1400" b="1">
+                    <a:ln w="0"/>
+                    <a:solidFill>
+                      <a:schemeClr val="bg1">
+                        <a:lumMod val="65000"/>
+                      </a:schemeClr>
+                    </a:solidFill>
+                  </a:rPr>
+                  <a:t>12</a:t>
+                </a:r>
+                <a:r>
+                  <a:rPr lang="en-US" sz="1400" b="1" cap="none" spc="0">
+                    <a:ln w="0"/>
+                    <a:solidFill>
+                      <a:schemeClr val="bg1">
+                        <a:lumMod val="65000"/>
+                      </a:schemeClr>
+                    </a:solidFill>
+                    <a:effectLst/>
+                  </a:rPr>
+                  <a:t>-04-2020</a:t>
+                </a:r>
+                <a:endParaRPr lang="vi-VN" sz="1400" b="1" cap="none" spc="0">
+                  <a:ln w="0"/>
+                  <a:solidFill>
+                    <a:schemeClr val="bg1">
+                      <a:lumMod val="65000"/>
+                    </a:schemeClr>
+                  </a:solidFill>
+                  <a:effectLst/>
+                </a:endParaRPr>
+              </a:p>
+            </p:txBody>
+          </p:sp>
+          <p:sp>
+            <p:nvSpPr>
+              <p:cNvPr id="44" name="Hình chữ nhật 43">
+                <a:extLst>
+                  <a:ext uri="{FF2B5EF4-FFF2-40B4-BE49-F238E27FC236}">
+                    <a16:creationId xmlns:a16="http://schemas.microsoft.com/office/drawing/2014/main" id="{0079D9E8-29E0-41ED-BC04-AEFBD95ECB07}"/>
+                  </a:ext>
+                </a:extLst>
+              </p:cNvPr>
+              <p:cNvSpPr/>
+              <p:nvPr/>
+            </p:nvSpPr>
+            <p:spPr>
+              <a:xfrm>
+                <a:off x="4305456" y="5000666"/>
+                <a:ext cx="1479892" cy="307777"/>
+              </a:xfrm>
+              <a:prstGeom prst="rect">
+                <a:avLst/>
+              </a:prstGeom>
+              <a:noFill/>
+            </p:spPr>
+            <p:txBody>
+              <a:bodyPr wrap="none" lIns="91440" tIns="45720" rIns="91440" bIns="45720">
+                <a:spAutoFit/>
+              </a:bodyPr>
+              <a:lstStyle/>
+              <a:p>
+                <a:pPr algn="ctr"/>
+                <a:r>
+                  <a:rPr lang="en-US" sz="1400" b="1">
+                    <a:ln w="0"/>
+                    <a:solidFill>
+                      <a:schemeClr val="bg1">
+                        <a:lumMod val="65000"/>
+                      </a:schemeClr>
+                    </a:solidFill>
+                  </a:rPr>
+                  <a:t>22</a:t>
+                </a:r>
+                <a:r>
+                  <a:rPr lang="en-US" sz="1400" b="1" cap="none" spc="0">
+                    <a:ln w="0"/>
+                    <a:solidFill>
+                      <a:schemeClr val="bg1">
+                        <a:lumMod val="65000"/>
+                      </a:schemeClr>
+                    </a:solidFill>
+                    <a:effectLst/>
+                  </a:rPr>
+                  <a:t>:53 12-04-2020</a:t>
+                </a:r>
+                <a:endParaRPr lang="vi-VN" sz="1400" b="1" cap="none" spc="0">
+                  <a:ln w="0"/>
+                  <a:solidFill>
+                    <a:schemeClr val="bg1">
+                      <a:lumMod val="65000"/>
+                    </a:schemeClr>
+                  </a:solidFill>
+                  <a:effectLst/>
+                </a:endParaRPr>
+              </a:p>
+            </p:txBody>
+          </p:sp>
+          <p:sp>
+            <p:nvSpPr>
+              <p:cNvPr id="2049" name="Hình chữ nhật 2048">
+                <a:extLst>
+                  <a:ext uri="{FF2B5EF4-FFF2-40B4-BE49-F238E27FC236}">
+                    <a16:creationId xmlns:a16="http://schemas.microsoft.com/office/drawing/2014/main" id="{591A6EF7-6CB0-4B91-8E11-154F4705B37D}"/>
+                  </a:ext>
+                </a:extLst>
+              </p:cNvPr>
+              <p:cNvSpPr/>
+              <p:nvPr/>
+            </p:nvSpPr>
+            <p:spPr>
+              <a:xfrm>
+                <a:off x="4277810" y="5380172"/>
+                <a:ext cx="1017458" cy="400110"/>
+              </a:xfrm>
+              <a:prstGeom prst="rect">
+                <a:avLst/>
+              </a:prstGeom>
+              <a:noFill/>
+            </p:spPr>
+            <p:txBody>
+              <a:bodyPr wrap="none" lIns="91440" tIns="45720" rIns="91440" bIns="45720">
+                <a:spAutoFit/>
+              </a:bodyPr>
+              <a:lstStyle/>
+              <a:p>
+                <a:pPr algn="ctr"/>
+                <a:r>
+                  <a:rPr lang="en-US" sz="2000">
+                    <a:ln w="0"/>
+                    <a:solidFill>
+                      <a:srgbClr val="92D050"/>
+                    </a:solidFill>
+                  </a:rPr>
+                  <a:t>Light on</a:t>
+                </a:r>
+                <a:endParaRPr lang="vi-VN" sz="2000" cap="none" spc="0">
+                  <a:ln w="0"/>
+                  <a:solidFill>
+                    <a:srgbClr val="92D050"/>
+                  </a:solidFill>
+                </a:endParaRPr>
+              </a:p>
+            </p:txBody>
+          </p:sp>
+          <p:sp>
+            <p:nvSpPr>
+              <p:cNvPr id="51" name="Hình chữ nhật 50">
+                <a:extLst>
+                  <a:ext uri="{FF2B5EF4-FFF2-40B4-BE49-F238E27FC236}">
+                    <a16:creationId xmlns:a16="http://schemas.microsoft.com/office/drawing/2014/main" id="{4A64D32E-9FCE-409A-94AF-DAAC5CD4A70E}"/>
+                  </a:ext>
+                </a:extLst>
+              </p:cNvPr>
+              <p:cNvSpPr/>
+              <p:nvPr/>
+            </p:nvSpPr>
+            <p:spPr>
+              <a:xfrm>
+                <a:off x="4318155" y="6355601"/>
+                <a:ext cx="1479892" cy="307777"/>
+              </a:xfrm>
+              <a:prstGeom prst="rect">
+                <a:avLst/>
+              </a:prstGeom>
+              <a:noFill/>
+            </p:spPr>
+            <p:txBody>
+              <a:bodyPr wrap="none" lIns="91440" tIns="45720" rIns="91440" bIns="45720">
+                <a:spAutoFit/>
+              </a:bodyPr>
+              <a:lstStyle/>
+              <a:p>
+                <a:pPr algn="ctr"/>
+                <a:r>
+                  <a:rPr lang="en-US" sz="1400" b="1" cap="none" spc="0">
+                    <a:ln w="0"/>
+                    <a:solidFill>
+                      <a:schemeClr val="bg1">
+                        <a:lumMod val="65000"/>
+                      </a:schemeClr>
+                    </a:solidFill>
+                    <a:effectLst/>
+                  </a:rPr>
+                  <a:t>21:40 12-04-2020</a:t>
+                </a:r>
+                <a:endParaRPr lang="vi-VN" sz="1400" b="1" cap="none" spc="0">
+                  <a:ln w="0"/>
+                  <a:solidFill>
+                    <a:schemeClr val="bg1">
+                      <a:lumMod val="65000"/>
+                    </a:schemeClr>
+                  </a:solidFill>
+                  <a:effectLst/>
+                </a:endParaRPr>
+              </a:p>
+            </p:txBody>
+          </p:sp>
+          <p:sp>
+            <p:nvSpPr>
+              <p:cNvPr id="52" name="Hình Bầu dục 51">
+                <a:extLst>
+                  <a:ext uri="{FF2B5EF4-FFF2-40B4-BE49-F238E27FC236}">
+                    <a16:creationId xmlns:a16="http://schemas.microsoft.com/office/drawing/2014/main" id="{1D7D98E3-B86C-46DC-9B17-B4FEC8283782}"/>
+                  </a:ext>
+                </a:extLst>
+              </p:cNvPr>
+              <p:cNvSpPr/>
+              <p:nvPr/>
+            </p:nvSpPr>
+            <p:spPr>
+              <a:xfrm>
+                <a:off x="4108403" y="6200845"/>
+                <a:ext cx="79580" cy="79580"/>
+              </a:xfrm>
+              <a:prstGeom prst="ellipse">
+                <a:avLst/>
+              </a:prstGeom>
+              <a:solidFill>
+                <a:srgbClr val="4A6DAD"/>
+              </a:solidFill>
+              <a:ln>
+                <a:solidFill>
+                  <a:schemeClr val="tx1"/>
+                </a:solidFill>
+              </a:ln>
+            </p:spPr>
+            <p:style>
+              <a:lnRef idx="2">
+                <a:schemeClr val="accent1">
+                  <a:shade val="50000"/>
+                </a:schemeClr>
+              </a:lnRef>
+              <a:fillRef idx="1">
+                <a:schemeClr val="accent1"/>
+              </a:fillRef>
+              <a:effectRef idx="0">
+                <a:schemeClr val="accent1"/>
+              </a:effectRef>
+              <a:fontRef idx="minor">
+                <a:schemeClr val="lt1"/>
+              </a:fontRef>
+            </p:style>
+            <p:txBody>
+              <a:bodyPr rtlCol="0" anchor="ctr"/>
+              <a:lstStyle/>
+              <a:p>
+                <a:pPr algn="ctr"/>
+                <a:endParaRPr lang="en-US"/>
+              </a:p>
+            </p:txBody>
+          </p:sp>
+          <p:sp>
+            <p:nvSpPr>
+              <p:cNvPr id="53" name="Hình chữ nhật 52">
+                <a:extLst>
+                  <a:ext uri="{FF2B5EF4-FFF2-40B4-BE49-F238E27FC236}">
+                    <a16:creationId xmlns:a16="http://schemas.microsoft.com/office/drawing/2014/main" id="{579ED3DF-44AD-462E-97E3-3307E55D2700}"/>
+                  </a:ext>
+                </a:extLst>
+              </p:cNvPr>
+              <p:cNvSpPr/>
+              <p:nvPr/>
+            </p:nvSpPr>
+            <p:spPr>
+              <a:xfrm>
+                <a:off x="4277049" y="6039007"/>
+                <a:ext cx="1037400" cy="400110"/>
+              </a:xfrm>
+              <a:prstGeom prst="rect">
+                <a:avLst/>
+              </a:prstGeom>
+              <a:noFill/>
+            </p:spPr>
+            <p:txBody>
+              <a:bodyPr wrap="none" lIns="91440" tIns="45720" rIns="91440" bIns="45720">
+                <a:spAutoFit/>
+              </a:bodyPr>
+              <a:lstStyle/>
+              <a:p>
+                <a:pPr algn="ctr"/>
+                <a:r>
+                  <a:rPr lang="en-US" sz="2000">
+                    <a:ln w="0"/>
+                    <a:solidFill>
+                      <a:srgbClr val="4A6DAD"/>
+                    </a:solidFill>
+                  </a:rPr>
+                  <a:t>Light off</a:t>
+                </a:r>
+                <a:endParaRPr lang="vi-VN" sz="2000" cap="none" spc="0">
+                  <a:ln w="0"/>
+                  <a:solidFill>
+                    <a:srgbClr val="4A6DAD"/>
+                  </a:solidFill>
+                </a:endParaRPr>
+              </a:p>
+            </p:txBody>
+          </p:sp>
+          <p:cxnSp>
+            <p:nvCxnSpPr>
+              <p:cNvPr id="2053" name="Đường nối Thẳng 2052">
+                <a:extLst>
+                  <a:ext uri="{FF2B5EF4-FFF2-40B4-BE49-F238E27FC236}">
+                    <a16:creationId xmlns:a16="http://schemas.microsoft.com/office/drawing/2014/main" id="{BF353BC5-AB6C-4CF7-A940-0F261A2EC0DA}"/>
+                  </a:ext>
+                </a:extLst>
+              </p:cNvPr>
+              <p:cNvCxnSpPr>
+                <a:cxnSpLocks/>
+                <a:stCxn id="52" idx="0"/>
+              </p:cNvCxnSpPr>
+              <p:nvPr/>
+            </p:nvCxnSpPr>
+            <p:spPr>
+              <a:xfrm flipV="1">
+                <a:off x="4148193" y="4944516"/>
+                <a:ext cx="0" cy="1256329"/>
+              </a:xfrm>
+              <a:prstGeom prst="line">
+                <a:avLst/>
+              </a:prstGeom>
+              <a:ln w="19050">
+                <a:solidFill>
+                  <a:schemeClr val="bg1">
+                    <a:lumMod val="65000"/>
+                  </a:schemeClr>
+                </a:solidFill>
+              </a:ln>
+            </p:spPr>
+            <p:style>
+              <a:lnRef idx="1">
+                <a:schemeClr val="accent1"/>
+              </a:lnRef>
+              <a:fillRef idx="0">
+                <a:schemeClr val="accent1"/>
+              </a:fillRef>
+              <a:effectRef idx="0">
+                <a:schemeClr val="accent1"/>
+              </a:effectRef>
+              <a:fontRef idx="minor">
+                <a:schemeClr val="tx1"/>
+              </a:fontRef>
+            </p:style>
+          </p:cxnSp>
+          <p:sp>
+            <p:nvSpPr>
+              <p:cNvPr id="2048" name="Hình Bầu dục 2047">
+                <a:extLst>
+                  <a:ext uri="{FF2B5EF4-FFF2-40B4-BE49-F238E27FC236}">
+                    <a16:creationId xmlns:a16="http://schemas.microsoft.com/office/drawing/2014/main" id="{5ECBA549-99D1-4E4E-A356-4A3296B2ADB8}"/>
+                  </a:ext>
+                </a:extLst>
+              </p:cNvPr>
+              <p:cNvSpPr/>
+              <p:nvPr/>
+            </p:nvSpPr>
+            <p:spPr>
+              <a:xfrm>
+                <a:off x="4108403" y="5542010"/>
+                <a:ext cx="79580" cy="79580"/>
+              </a:xfrm>
+              <a:prstGeom prst="ellipse">
+                <a:avLst/>
+              </a:prstGeom>
+              <a:solidFill>
+                <a:srgbClr val="92D050"/>
+              </a:solidFill>
+              <a:ln>
+                <a:solidFill>
+                  <a:schemeClr val="tx1"/>
+                </a:solidFill>
+              </a:ln>
+            </p:spPr>
+            <p:style>
+              <a:lnRef idx="2">
+                <a:schemeClr val="accent1">
+                  <a:shade val="50000"/>
+                </a:schemeClr>
+              </a:lnRef>
+              <a:fillRef idx="1">
+                <a:schemeClr val="accent1"/>
+              </a:fillRef>
+              <a:effectRef idx="0">
+                <a:schemeClr val="accent1"/>
+              </a:effectRef>
+              <a:fontRef idx="minor">
+                <a:schemeClr val="lt1"/>
+              </a:fontRef>
+            </p:style>
+            <p:txBody>
+              <a:bodyPr rtlCol="0" anchor="ctr"/>
+              <a:lstStyle/>
+              <a:p>
+                <a:pPr algn="ctr"/>
+                <a:endParaRPr lang="en-US"/>
+              </a:p>
+            </p:txBody>
+          </p:sp>
+          <p:pic>
+            <p:nvPicPr>
+              <p:cNvPr id="3" name="Hình ảnh 2" descr="Ảnh có chứa trắng, đang ngồi, thiết bị, bàn&#10;&#10;Mô tả được tạo tự động">
+                <a:extLst>
+                  <a:ext uri="{FF2B5EF4-FFF2-40B4-BE49-F238E27FC236}">
+                    <a16:creationId xmlns:a16="http://schemas.microsoft.com/office/drawing/2014/main" id="{0053AF1A-4EDA-4BEB-B370-BD7196364029}"/>
+                  </a:ext>
+                </a:extLst>
+              </p:cNvPr>
+              <p:cNvPicPr>
+                <a:picLocks noChangeAspect="1"/>
+              </p:cNvPicPr>
+              <p:nvPr/>
+            </p:nvPicPr>
+            <p:blipFill rotWithShape="1">
+              <a:blip r:embed="rId10">
+                <a:extLst>
+                  <a:ext uri="{28A0092B-C50C-407E-A947-70E740481C1C}">
+                    <a14:useLocalDpi xmlns:a14="http://schemas.microsoft.com/office/drawing/2010/main" val="0"/>
+                  </a:ext>
+                </a:extLst>
+              </a:blip>
+              <a:srcRect t="23684" b="26090"/>
+              <a:stretch/>
+            </p:blipFill>
+            <p:spPr>
+              <a:xfrm>
+                <a:off x="4755641" y="1424135"/>
+                <a:ext cx="2234211" cy="1122146"/>
+              </a:xfrm>
+              <a:prstGeom prst="rect">
+                <a:avLst/>
+              </a:prstGeom>
+            </p:spPr>
+          </p:pic>
+          <p:sp>
+            <p:nvSpPr>
+              <p:cNvPr id="10" name="Hình chữ nhật 9">
+                <a:extLst>
+                  <a:ext uri="{FF2B5EF4-FFF2-40B4-BE49-F238E27FC236}">
+                    <a16:creationId xmlns:a16="http://schemas.microsoft.com/office/drawing/2014/main" id="{09C931F0-1F3C-4400-97C8-ABB2F3B21358}"/>
+                  </a:ext>
+                </a:extLst>
+              </p:cNvPr>
+              <p:cNvSpPr/>
+              <p:nvPr/>
+            </p:nvSpPr>
+            <p:spPr>
+              <a:xfrm>
+                <a:off x="3939376" y="3241628"/>
+                <a:ext cx="3847685" cy="690826"/>
+              </a:xfrm>
+              <a:prstGeom prst="rect">
+                <a:avLst/>
+              </a:prstGeom>
+              <a:solidFill>
+                <a:srgbClr val="E4EEF8"/>
+              </a:solidFill>
+              <a:ln>
+                <a:noFill/>
+              </a:ln>
+            </p:spPr>
+            <p:style>
+              <a:lnRef idx="2">
+                <a:schemeClr val="accent1">
+                  <a:shade val="50000"/>
+                </a:schemeClr>
+              </a:lnRef>
+              <a:fillRef idx="1">
+                <a:schemeClr val="accent1"/>
+              </a:fillRef>
+              <a:effectRef idx="0">
+                <a:schemeClr val="accent1"/>
+              </a:effectRef>
+              <a:fontRef idx="minor">
+                <a:schemeClr val="lt1"/>
+              </a:fontRef>
+            </p:style>
+            <p:txBody>
+              <a:bodyPr rtlCol="0" anchor="ctr"/>
+              <a:lstStyle/>
+              <a:p>
+                <a:pPr algn="ctr"/>
+                <a:endParaRPr lang="en-US"/>
+              </a:p>
+            </p:txBody>
+          </p:sp>
+          <p:grpSp>
+            <p:nvGrpSpPr>
+              <p:cNvPr id="24" name="Nhóm 23">
+                <a:extLst>
+                  <a:ext uri="{FF2B5EF4-FFF2-40B4-BE49-F238E27FC236}">
+                    <a16:creationId xmlns:a16="http://schemas.microsoft.com/office/drawing/2014/main" id="{B1629F4E-3BFB-4E6A-8471-C831708BF110}"/>
+                  </a:ext>
+                </a:extLst>
+              </p:cNvPr>
+              <p:cNvGrpSpPr/>
+              <p:nvPr/>
+            </p:nvGrpSpPr>
+            <p:grpSpPr>
+              <a:xfrm>
+                <a:off x="4012656" y="3285368"/>
+                <a:ext cx="3697603" cy="607924"/>
+                <a:chOff x="4012656" y="3275842"/>
+                <a:chExt cx="3697603" cy="607924"/>
+              </a:xfrm>
+            </p:grpSpPr>
+            <p:sp>
+              <p:nvSpPr>
+                <p:cNvPr id="18" name="Hình chữ nhật: Góc Tròn 17">
+                  <a:extLst>
+                    <a:ext uri="{FF2B5EF4-FFF2-40B4-BE49-F238E27FC236}">
+                      <a16:creationId xmlns:a16="http://schemas.microsoft.com/office/drawing/2014/main" id="{0CA77F58-B306-47FF-BE38-FC28E785AD76}"/>
+                    </a:ext>
+                  </a:extLst>
+                </p:cNvPr>
+                <p:cNvSpPr/>
+                <p:nvPr/>
+              </p:nvSpPr>
+              <p:spPr>
+                <a:xfrm>
+                  <a:off x="4012656" y="3278139"/>
+                  <a:ext cx="1811207" cy="605627"/>
+                </a:xfrm>
+                <a:prstGeom prst="roundRect">
+                  <a:avLst>
+                    <a:gd name="adj" fmla="val 22958"/>
+                  </a:avLst>
+                </a:prstGeom>
+                <a:solidFill>
+                  <a:schemeClr val="accent5">
+                    <a:lumMod val="40000"/>
+                    <a:lumOff val="60000"/>
+                  </a:schemeClr>
+                </a:solidFill>
+                <a:ln>
+                  <a:noFill/>
+                </a:ln>
+              </p:spPr>
+              <p:style>
+                <a:lnRef idx="2">
+                  <a:schemeClr val="accent1">
+                    <a:shade val="50000"/>
+                  </a:schemeClr>
+                </a:lnRef>
+                <a:fillRef idx="1">
+                  <a:schemeClr val="accent1"/>
+                </a:fillRef>
+                <a:effectRef idx="0">
+                  <a:schemeClr val="accent1"/>
+                </a:effectRef>
+                <a:fontRef idx="minor">
+                  <a:schemeClr val="lt1"/>
+                </a:fontRef>
+              </p:style>
+              <p:txBody>
+                <a:bodyPr rtlCol="0" anchor="ctr"/>
+                <a:lstStyle/>
+                <a:p>
+                  <a:pPr algn="ctr"/>
+                  <a:endParaRPr lang="en-US"/>
+                </a:p>
+              </p:txBody>
+            </p:sp>
+            <p:sp>
+              <p:nvSpPr>
+                <p:cNvPr id="54" name="Hình chữ nhật: Góc Tròn 53">
+                  <a:extLst>
+                    <a:ext uri="{FF2B5EF4-FFF2-40B4-BE49-F238E27FC236}">
+                      <a16:creationId xmlns:a16="http://schemas.microsoft.com/office/drawing/2014/main" id="{BB689280-4277-43B2-B0D9-8595948E9747}"/>
+                    </a:ext>
+                  </a:extLst>
+                </p:cNvPr>
+                <p:cNvSpPr/>
+                <p:nvPr/>
+              </p:nvSpPr>
+              <p:spPr>
+                <a:xfrm>
+                  <a:off x="5899052" y="3275842"/>
+                  <a:ext cx="1811207" cy="605627"/>
+                </a:xfrm>
+                <a:prstGeom prst="roundRect">
+                  <a:avLst>
+                    <a:gd name="adj" fmla="val 22958"/>
+                  </a:avLst>
+                </a:prstGeom>
+                <a:solidFill>
+                  <a:schemeClr val="accent5">
+                    <a:lumMod val="40000"/>
+                    <a:lumOff val="60000"/>
+                  </a:schemeClr>
+                </a:solidFill>
+                <a:ln>
+                  <a:noFill/>
+                </a:ln>
+              </p:spPr>
+              <p:style>
+                <a:lnRef idx="2">
+                  <a:schemeClr val="accent1">
+                    <a:shade val="50000"/>
+                  </a:schemeClr>
+                </a:lnRef>
+                <a:fillRef idx="1">
+                  <a:schemeClr val="accent1"/>
+                </a:fillRef>
+                <a:effectRef idx="0">
+                  <a:schemeClr val="accent1"/>
+                </a:effectRef>
+                <a:fontRef idx="minor">
+                  <a:schemeClr val="lt1"/>
+                </a:fontRef>
+              </p:style>
+              <p:txBody>
+                <a:bodyPr rtlCol="0" anchor="ctr"/>
+                <a:lstStyle/>
+                <a:p>
+                  <a:pPr algn="ctr"/>
+                  <a:endParaRPr lang="en-US"/>
+                </a:p>
+              </p:txBody>
+            </p:sp>
+            <p:pic>
+              <p:nvPicPr>
+                <p:cNvPr id="17" name="Hình ảnh 16" descr="Ảnh có chứa vẽ&#10;&#10;Mô tả được tạo tự động">
+                  <a:extLst>
+                    <a:ext uri="{FF2B5EF4-FFF2-40B4-BE49-F238E27FC236}">
+                      <a16:creationId xmlns:a16="http://schemas.microsoft.com/office/drawing/2014/main" id="{CB665B1D-F876-48A8-96B7-DAE3BC205AE8}"/>
+                    </a:ext>
+                  </a:extLst>
+                </p:cNvPr>
+                <p:cNvPicPr>
+                  <a:picLocks noChangeAspect="1"/>
+                </p:cNvPicPr>
+                <p:nvPr/>
+              </p:nvPicPr>
+              <p:blipFill>
+                <a:blip r:embed="rId11">
+                  <a:extLst>
+                    <a:ext uri="{28A0092B-C50C-407E-A947-70E740481C1C}">
+                      <a14:useLocalDpi xmlns:a14="http://schemas.microsoft.com/office/drawing/2010/main" val="0"/>
+                    </a:ext>
+                  </a:extLst>
+                </a:blip>
+                <a:stretch>
+                  <a:fillRect/>
+                </a:stretch>
+              </p:blipFill>
+              <p:spPr>
+                <a:xfrm>
+                  <a:off x="4032007" y="3377252"/>
+                  <a:ext cx="407401" cy="407401"/>
+                </a:xfrm>
+                <a:prstGeom prst="rect">
+                  <a:avLst/>
+                </a:prstGeom>
+              </p:spPr>
+            </p:pic>
+            <p:pic>
+              <p:nvPicPr>
+                <p:cNvPr id="14" name="Hình ảnh 13" descr="Ảnh có chứa đồng hồ&#10;&#10;Mô tả được tạo tự động">
+                  <a:extLst>
+                    <a:ext uri="{FF2B5EF4-FFF2-40B4-BE49-F238E27FC236}">
+                      <a16:creationId xmlns:a16="http://schemas.microsoft.com/office/drawing/2014/main" id="{00F701F7-879E-492D-9B07-B4F80EF15CE4}"/>
+                    </a:ext>
+                  </a:extLst>
+                </p:cNvPr>
+                <p:cNvPicPr>
+                  <a:picLocks noChangeAspect="1"/>
+                </p:cNvPicPr>
+                <p:nvPr/>
+              </p:nvPicPr>
+              <p:blipFill>
+                <a:blip r:embed="rId12">
+                  <a:extLst>
+                    <a:ext uri="{28A0092B-C50C-407E-A947-70E740481C1C}">
+                      <a14:useLocalDpi xmlns:a14="http://schemas.microsoft.com/office/drawing/2010/main" val="0"/>
+                    </a:ext>
+                  </a:extLst>
+                </a:blip>
+                <a:stretch>
+                  <a:fillRect/>
+                </a:stretch>
+              </p:blipFill>
+              <p:spPr>
+                <a:xfrm>
+                  <a:off x="5904594" y="3366697"/>
+                  <a:ext cx="382812" cy="382812"/>
+                </a:xfrm>
+                <a:prstGeom prst="rect">
+                  <a:avLst/>
+                </a:prstGeom>
+              </p:spPr>
+            </p:pic>
+            <p:sp>
+              <p:nvSpPr>
+                <p:cNvPr id="20" name="Hình chữ nhật 19">
+                  <a:extLst>
+                    <a:ext uri="{FF2B5EF4-FFF2-40B4-BE49-F238E27FC236}">
+                      <a16:creationId xmlns:a16="http://schemas.microsoft.com/office/drawing/2014/main" id="{D28464DB-EE5A-43C2-9545-345DF418F837}"/>
+                    </a:ext>
+                  </a:extLst>
+                </p:cNvPr>
+                <p:cNvSpPr/>
+                <p:nvPr/>
+              </p:nvSpPr>
+              <p:spPr>
+                <a:xfrm>
+                  <a:off x="4360729" y="3285282"/>
+                  <a:ext cx="1452642" cy="292388"/>
+                </a:xfrm>
+                <a:prstGeom prst="rect">
+                  <a:avLst/>
+                </a:prstGeom>
+                <a:noFill/>
+              </p:spPr>
+              <p:txBody>
+                <a:bodyPr wrap="none" lIns="91440" tIns="45720" rIns="91440" bIns="45720">
+                  <a:spAutoFit/>
+                </a:bodyPr>
+                <a:lstStyle/>
+                <a:p>
+                  <a:pPr algn="ctr"/>
+                  <a:r>
+                    <a:rPr lang="en-US" sz="1300" b="0" cap="none" spc="0">
+                      <a:ln w="0"/>
+                      <a:solidFill>
+                        <a:schemeClr val="tx1"/>
+                      </a:solidFill>
+                      <a:effectLst>
+                        <a:outerShdw blurRad="38100" dist="19050" dir="2700000" algn="tl" rotWithShape="0">
+                          <a:schemeClr val="dk1">
+                            <a:alpha val="40000"/>
+                          </a:schemeClr>
+                        </a:outerShdw>
+                      </a:effectLst>
+                    </a:rPr>
+                    <a:t>Daily </a:t>
+                  </a:r>
+                  <a:r>
+                    <a:rPr lang="en-US" sz="1300">
+                      <a:ln w="0"/>
+                      <a:effectLst>
+                        <a:outerShdw blurRad="38100" dist="19050" dir="2700000" algn="tl" rotWithShape="0">
+                          <a:schemeClr val="dk1">
+                            <a:alpha val="40000"/>
+                          </a:schemeClr>
+                        </a:outerShdw>
+                      </a:effectLst>
+                    </a:rPr>
+                    <a:t>working time</a:t>
+                  </a:r>
+                  <a:endParaRPr lang="vi-VN" sz="1300" b="0" cap="none" spc="0">
+                    <a:ln w="0"/>
+                    <a:solidFill>
+                      <a:schemeClr val="tx1"/>
+                    </a:solidFill>
+                    <a:effectLst>
+                      <a:outerShdw blurRad="38100" dist="19050" dir="2700000" algn="tl" rotWithShape="0">
+                        <a:schemeClr val="dk1">
+                          <a:alpha val="40000"/>
+                        </a:schemeClr>
+                      </a:outerShdw>
+                    </a:effectLst>
+                  </a:endParaRPr>
+                </a:p>
+              </p:txBody>
+            </p:sp>
+            <p:sp>
+              <p:nvSpPr>
+                <p:cNvPr id="21" name="Hình chữ nhật 20">
+                  <a:extLst>
+                    <a:ext uri="{FF2B5EF4-FFF2-40B4-BE49-F238E27FC236}">
+                      <a16:creationId xmlns:a16="http://schemas.microsoft.com/office/drawing/2014/main" id="{8BD692D7-5DED-4083-B8C3-BBA0EE70750C}"/>
+                    </a:ext>
+                  </a:extLst>
+                </p:cNvPr>
+                <p:cNvSpPr/>
+                <p:nvPr/>
+              </p:nvSpPr>
+              <p:spPr>
+                <a:xfrm>
+                  <a:off x="4415750" y="3501526"/>
+                  <a:ext cx="1322798" cy="338554"/>
+                </a:xfrm>
+                <a:prstGeom prst="rect">
+                  <a:avLst/>
+                </a:prstGeom>
+                <a:noFill/>
+              </p:spPr>
+              <p:txBody>
+                <a:bodyPr wrap="none" lIns="91440" tIns="45720" rIns="91440" bIns="45720">
+                  <a:spAutoFit/>
+                </a:bodyPr>
+                <a:lstStyle/>
+                <a:p>
+                  <a:pPr algn="ctr"/>
+                  <a:r>
+                    <a:rPr lang="en-US" sz="1600" b="0" cap="none" spc="0">
+                      <a:ln w="0"/>
+                      <a:solidFill>
+                        <a:schemeClr val="bg1"/>
+                      </a:solidFill>
+                      <a:effectLst>
+                        <a:outerShdw blurRad="38100" dist="19050" dir="2700000" algn="tl" rotWithShape="0">
+                          <a:schemeClr val="dk1">
+                            <a:alpha val="40000"/>
+                          </a:schemeClr>
+                        </a:outerShdw>
+                      </a:effectLst>
+                    </a:rPr>
+                    <a:t>18:00 – 06:00</a:t>
+                  </a:r>
+                  <a:endParaRPr lang="vi-VN" sz="1600" b="0" cap="none" spc="0">
+                    <a:ln w="0"/>
+                    <a:solidFill>
+                      <a:schemeClr val="bg1"/>
+                    </a:solidFill>
+                    <a:effectLst>
+                      <a:outerShdw blurRad="38100" dist="19050" dir="2700000" algn="tl" rotWithShape="0">
+                        <a:schemeClr val="dk1">
+                          <a:alpha val="40000"/>
+                        </a:schemeClr>
+                      </a:outerShdw>
+                    </a:effectLst>
+                  </a:endParaRPr>
+                </a:p>
+              </p:txBody>
+            </p:sp>
+            <p:sp>
+              <p:nvSpPr>
+                <p:cNvPr id="55" name="Hình chữ nhật 54">
+                  <a:extLst>
+                    <a:ext uri="{FF2B5EF4-FFF2-40B4-BE49-F238E27FC236}">
+                      <a16:creationId xmlns:a16="http://schemas.microsoft.com/office/drawing/2014/main" id="{BA8130DC-5C67-4F6D-845D-14F3F95C5B8D}"/>
+                    </a:ext>
+                  </a:extLst>
+                </p:cNvPr>
+                <p:cNvSpPr/>
+                <p:nvPr/>
+              </p:nvSpPr>
+              <p:spPr>
+                <a:xfrm>
+                  <a:off x="6487390" y="3285282"/>
+                  <a:ext cx="910955" cy="292388"/>
+                </a:xfrm>
+                <a:prstGeom prst="rect">
+                  <a:avLst/>
+                </a:prstGeom>
+                <a:noFill/>
+              </p:spPr>
+              <p:txBody>
+                <a:bodyPr wrap="none" lIns="91440" tIns="45720" rIns="91440" bIns="45720">
+                  <a:spAutoFit/>
+                </a:bodyPr>
+                <a:lstStyle/>
+                <a:p>
+                  <a:pPr algn="ctr"/>
+                  <a:r>
+                    <a:rPr lang="en-US" sz="1300">
+                      <a:ln w="0"/>
+                      <a:effectLst>
+                        <a:outerShdw blurRad="38100" dist="19050" dir="2700000" algn="tl" rotWithShape="0">
+                          <a:schemeClr val="dk1">
+                            <a:alpha val="40000"/>
+                          </a:schemeClr>
+                        </a:outerShdw>
+                      </a:effectLst>
+                    </a:rPr>
+                    <a:t>Delay time</a:t>
+                  </a:r>
+                  <a:endParaRPr lang="vi-VN" sz="1300" b="0" cap="none" spc="0">
+                    <a:ln w="0"/>
+                    <a:solidFill>
+                      <a:schemeClr val="tx1"/>
+                    </a:solidFill>
+                    <a:effectLst>
+                      <a:outerShdw blurRad="38100" dist="19050" dir="2700000" algn="tl" rotWithShape="0">
+                        <a:schemeClr val="dk1">
+                          <a:alpha val="40000"/>
+                        </a:schemeClr>
+                      </a:outerShdw>
+                    </a:effectLst>
+                  </a:endParaRPr>
+                </a:p>
+              </p:txBody>
+            </p:sp>
+            <p:sp>
+              <p:nvSpPr>
+                <p:cNvPr id="56" name="Hình chữ nhật 55">
+                  <a:extLst>
+                    <a:ext uri="{FF2B5EF4-FFF2-40B4-BE49-F238E27FC236}">
+                      <a16:creationId xmlns:a16="http://schemas.microsoft.com/office/drawing/2014/main" id="{4AC85D75-B52E-4C7A-9921-4E992C3D33FB}"/>
+                    </a:ext>
+                  </a:extLst>
+                </p:cNvPr>
+                <p:cNvSpPr/>
+                <p:nvPr/>
+              </p:nvSpPr>
+              <p:spPr>
+                <a:xfrm>
+                  <a:off x="6344877" y="3502327"/>
+                  <a:ext cx="1223412" cy="338554"/>
+                </a:xfrm>
+                <a:prstGeom prst="rect">
+                  <a:avLst/>
+                </a:prstGeom>
+                <a:noFill/>
+              </p:spPr>
+              <p:txBody>
+                <a:bodyPr wrap="none" lIns="91440" tIns="45720" rIns="91440" bIns="45720">
+                  <a:spAutoFit/>
+                </a:bodyPr>
+                <a:lstStyle/>
+                <a:p>
+                  <a:pPr algn="ctr"/>
+                  <a:r>
+                    <a:rPr lang="en-US" sz="1600">
+                      <a:ln w="0"/>
+                      <a:solidFill>
+                        <a:schemeClr val="bg1"/>
+                      </a:solidFill>
+                      <a:effectLst>
+                        <a:outerShdw blurRad="38100" dist="19050" dir="2700000" algn="tl" rotWithShape="0">
+                          <a:schemeClr val="dk1">
+                            <a:alpha val="40000"/>
+                          </a:schemeClr>
+                        </a:outerShdw>
+                      </a:effectLst>
+                    </a:rPr>
+                    <a:t>2 min 30 sec</a:t>
+                  </a:r>
+                  <a:endParaRPr lang="vi-VN" sz="1600" b="0" cap="none" spc="0">
+                    <a:ln w="0"/>
+                    <a:solidFill>
+                      <a:schemeClr val="bg1"/>
+                    </a:solidFill>
+                    <a:effectLst>
+                      <a:outerShdw blurRad="38100" dist="19050" dir="2700000" algn="tl" rotWithShape="0">
+                        <a:schemeClr val="dk1">
+                          <a:alpha val="40000"/>
+                        </a:schemeClr>
+                      </a:outerShdw>
+                    </a:effectLst>
+                  </a:endParaRPr>
+                </a:p>
+              </p:txBody>
+            </p:sp>
+          </p:grpSp>
+        </p:grpSp>
+        <p:pic>
+          <p:nvPicPr>
+            <p:cNvPr id="41" name="Picture 8">
+              <a:extLst>
+                <a:ext uri="{FF2B5EF4-FFF2-40B4-BE49-F238E27FC236}">
+                  <a16:creationId xmlns:a16="http://schemas.microsoft.com/office/drawing/2014/main" id="{C6DA2A80-2C99-474A-AE16-171C51B0A4A1}"/>
+                </a:ext>
+              </a:extLst>
+            </p:cNvPr>
+            <p:cNvPicPr>
+              <a:picLocks noChangeAspect="1" noChangeArrowheads="1"/>
+            </p:cNvPicPr>
+            <p:nvPr/>
+          </p:nvPicPr>
+          <p:blipFill>
+            <a:blip r:embed="rId13">
+              <a:extLst>
+                <a:ext uri="{28A0092B-C50C-407E-A947-70E740481C1C}">
+                  <a14:useLocalDpi xmlns:a14="http://schemas.microsoft.com/office/drawing/2010/main" val="0"/>
+                </a:ext>
+              </a:extLst>
+            </a:blip>
+            <a:srcRect/>
+            <a:stretch/>
+          </p:blipFill>
+          <p:spPr bwMode="auto">
+            <a:xfrm>
+              <a:off x="5012395" y="937200"/>
+              <a:ext cx="254909" cy="254909"/>
+            </a:xfrm>
+            <a:prstGeom prst="rect">
+              <a:avLst/>
+            </a:prstGeom>
+            <a:noFill/>
+            <a:extLst>
+              <a:ext uri="{909E8E84-426E-40DD-AFC4-6F175D3DCCD1}">
+                <a14:hiddenFill xmlns:a14="http://schemas.microsoft.com/office/drawing/2010/main">
+                  <a:solidFill>
+                    <a:srgbClr val="FFFFFF"/>
+                  </a:solidFill>
+                </a14:hiddenFill>
+              </a:ext>
+            </a:extLst>
+          </p:spPr>
+        </p:pic>
+        <p:sp>
+          <p:nvSpPr>
+            <p:cNvPr id="42" name="Hình chữ nhật 41">
+              <a:extLst>
+                <a:ext uri="{FF2B5EF4-FFF2-40B4-BE49-F238E27FC236}">
+                  <a16:creationId xmlns:a16="http://schemas.microsoft.com/office/drawing/2014/main" id="{6A27AF9A-3AEC-492E-A047-4E5EFA90EB2C}"/>
+                </a:ext>
+              </a:extLst>
+            </p:cNvPr>
+            <p:cNvSpPr/>
+            <p:nvPr/>
+          </p:nvSpPr>
+          <p:spPr>
+            <a:xfrm>
+              <a:off x="5311047" y="816713"/>
+              <a:ext cx="1467581" cy="461665"/>
+            </a:xfrm>
+            <a:prstGeom prst="rect">
+              <a:avLst/>
+            </a:prstGeom>
+            <a:noFill/>
+          </p:spPr>
+          <p:txBody>
+            <a:bodyPr wrap="none" lIns="91440" tIns="45720" rIns="91440" bIns="45720">
+              <a:spAutoFit/>
+            </a:bodyPr>
+            <a:lstStyle/>
+            <a:p>
+              <a:pPr algn="ctr"/>
+              <a:r>
+                <a:rPr lang="en-US" sz="2400">
+                  <a:ln w="0"/>
+                  <a:solidFill>
+                    <a:srgbClr val="FF5B5B"/>
+                  </a:solidFill>
+                  <a:effectLst>
+                    <a:outerShdw blurRad="38100" dist="19050" dir="2700000" algn="tl" rotWithShape="0">
+                      <a:schemeClr val="dk1">
+                        <a:alpha val="40000"/>
+                      </a:schemeClr>
+                    </a:outerShdw>
+                  </a:effectLst>
+                </a:rPr>
+                <a:t>Light is off</a:t>
+              </a:r>
+              <a:endParaRPr lang="vi-VN" sz="2400" b="0" cap="none" spc="0">
+                <a:ln w="0"/>
+                <a:solidFill>
+                  <a:srgbClr val="FF5B5B"/>
+                </a:solidFill>
+                <a:effectLst>
+                  <a:outerShdw blurRad="38100" dist="19050" dir="2700000" algn="tl" rotWithShape="0">
+                    <a:schemeClr val="dk1">
+                      <a:alpha val="40000"/>
+                    </a:schemeClr>
+                  </a:outerShdw>
+                </a:effectLst>
+              </a:endParaRPr>
+            </a:p>
+          </p:txBody>
+        </p:sp>
+        <p:sp>
+          <p:nvSpPr>
+            <p:cNvPr id="45" name="Hình Bầu dục 44">
+              <a:extLst>
+                <a:ext uri="{FF2B5EF4-FFF2-40B4-BE49-F238E27FC236}">
+                  <a16:creationId xmlns:a16="http://schemas.microsoft.com/office/drawing/2014/main" id="{E7AC4576-6976-4CC0-8259-7996F0BF6F96}"/>
+                </a:ext>
+              </a:extLst>
+            </p:cNvPr>
+            <p:cNvSpPr/>
+            <p:nvPr/>
+          </p:nvSpPr>
+          <p:spPr>
+            <a:xfrm>
+              <a:off x="4080700" y="4809531"/>
+              <a:ext cx="134985" cy="134985"/>
+            </a:xfrm>
+            <a:prstGeom prst="ellipse">
+              <a:avLst/>
+            </a:prstGeom>
+            <a:solidFill>
+              <a:srgbClr val="4A6DAD"/>
+            </a:solidFill>
+            <a:ln w="28575">
+              <a:solidFill>
+                <a:schemeClr val="accent5">
+                  <a:lumMod val="40000"/>
+                  <a:lumOff val="60000"/>
+                </a:schemeClr>
+              </a:solidFill>
+            </a:ln>
+          </p:spPr>
+          <p:style>
+            <a:lnRef idx="2">
+              <a:schemeClr val="accent1">
+                <a:shade val="50000"/>
+              </a:schemeClr>
+            </a:lnRef>
+            <a:fillRef idx="1">
+              <a:schemeClr val="accent1"/>
+            </a:fillRef>
+            <a:effectRef idx="0">
+              <a:schemeClr val="accent1"/>
+            </a:effectRef>
+            <a:fontRef idx="minor">
+              <a:schemeClr val="lt1"/>
+            </a:fontRef>
+          </p:style>
+          <p:txBody>
+            <a:bodyPr rtlCol="0" anchor="ctr"/>
+            <a:lstStyle/>
+            <a:p>
+              <a:pPr algn="ctr"/>
+              <a:endParaRPr lang="en-US"/>
+            </a:p>
+          </p:txBody>
+        </p:sp>
+        <p:sp>
+          <p:nvSpPr>
+            <p:cNvPr id="47" name="Hình chữ nhật 46">
+              <a:extLst>
+                <a:ext uri="{FF2B5EF4-FFF2-40B4-BE49-F238E27FC236}">
+                  <a16:creationId xmlns:a16="http://schemas.microsoft.com/office/drawing/2014/main" id="{0549FEFC-51DA-47D9-BD36-6A631F16C207}"/>
+                </a:ext>
+              </a:extLst>
+            </p:cNvPr>
+            <p:cNvSpPr/>
+            <p:nvPr/>
+          </p:nvSpPr>
+          <p:spPr>
+            <a:xfrm>
+              <a:off x="4274501" y="4652629"/>
+              <a:ext cx="1282723" cy="400110"/>
+            </a:xfrm>
+            <a:prstGeom prst="rect">
+              <a:avLst/>
+            </a:prstGeom>
+            <a:noFill/>
+          </p:spPr>
+          <p:txBody>
+            <a:bodyPr wrap="none" lIns="91440" tIns="45720" rIns="91440" bIns="45720">
+              <a:spAutoFit/>
+            </a:bodyPr>
+            <a:lstStyle/>
+            <a:p>
+              <a:pPr algn="ctr"/>
+              <a:r>
+                <a:rPr lang="en-US" sz="2000" b="1">
+                  <a:ln w="0"/>
+                  <a:solidFill>
+                    <a:srgbClr val="4A6DAD"/>
+                  </a:solidFill>
+                </a:rPr>
+                <a:t>Light is off</a:t>
+              </a:r>
+              <a:endParaRPr lang="vi-VN" sz="2000" b="1" cap="none" spc="0">
+                <a:ln w="0"/>
+                <a:solidFill>
+                  <a:srgbClr val="4A6DAD"/>
+                </a:solidFill>
+              </a:endParaRPr>
+            </a:p>
+          </p:txBody>
+        </p:sp>
+      </p:grpSp>
+    </p:spTree>
+    <p:extLst>
+      <p:ext uri="{BB962C8B-B14F-4D97-AF65-F5344CB8AC3E}">
+        <p14:creationId xmlns:p14="http://schemas.microsoft.com/office/powerpoint/2010/main" val="1927763203"/>
+      </p:ext>
+    </p:extLst>
+  </p:cSld>
+  <p:clrMapOvr>
+    <a:masterClrMapping/>
+  </p:clrMapOvr>
+</p:sld>
+</file>
+
+<file path=ppt/slides/slide13.xml><?xml version="1.0" encoding="utf-8"?>
+<p:sld xmlns:a="http://schemas.openxmlformats.org/drawingml/2006/main" xmlns:r="http://schemas.openxmlformats.org/officeDocument/2006/relationships" xmlns:p="http://schemas.openxmlformats.org/presentationml/2006/main">
+  <p:cSld>
+    <p:spTree>
+      <p:nvGrpSpPr>
+        <p:cNvPr id="1" name=""/>
+        <p:cNvGrpSpPr/>
+        <p:nvPr/>
+      </p:nvGrpSpPr>
+      <p:grpSpPr>
+        <a:xfrm>
+          <a:off x="0" y="0"/>
+          <a:ext cx="0" cy="0"/>
+          <a:chOff x="0" y="0"/>
+          <a:chExt cx="0" cy="0"/>
+        </a:xfrm>
+      </p:grpSpPr>
+    </p:spTree>
+    <p:extLst>
+      <p:ext uri="{BB962C8B-B14F-4D97-AF65-F5344CB8AC3E}">
+        <p14:creationId xmlns:p14="http://schemas.microsoft.com/office/powerpoint/2010/main" val="3110053730"/>
+      </p:ext>
+    </p:extLst>
+  </p:cSld>
+  <p:clrMapOvr>
+    <a:masterClrMapping/>
+  </p:clrMapOvr>
+</p:sld>
+</file>
+
+<file path=ppt/slides/slide14.xml><?xml version="1.0" encoding="utf-8"?>
+<p:sld xmlns:a="http://schemas.openxmlformats.org/drawingml/2006/main" xmlns:r="http://schemas.openxmlformats.org/officeDocument/2006/relationships" xmlns:p="http://schemas.openxmlformats.org/presentationml/2006/main">
+  <p:cSld>
+    <p:spTree>
+      <p:nvGrpSpPr>
+        <p:cNvPr id="1" name=""/>
+        <p:cNvGrpSpPr/>
+        <p:nvPr/>
+      </p:nvGrpSpPr>
+      <p:grpSpPr>
+        <a:xfrm>
+          <a:off x="0" y="0"/>
+          <a:ext cx="0" cy="0"/>
+          <a:chOff x="0" y="0"/>
+          <a:chExt cx="0" cy="0"/>
+        </a:xfrm>
+      </p:grpSpPr>
       <p:pic>
         <p:nvPicPr>
           <p:cNvPr id="4" name="Picture 2">
@@ -4527,7 +11387,7 @@
 </p:sld>
 </file>
 
-<file path=ppt/slides/slide11.xml><?xml version="1.0" encoding="utf-8"?>
+<file path=ppt/slides/slide15.xml><?xml version="1.0" encoding="utf-8"?>
 <p:sld xmlns:a="http://schemas.openxmlformats.org/drawingml/2006/main" xmlns:r="http://schemas.openxmlformats.org/officeDocument/2006/relationships" xmlns:p="http://schemas.openxmlformats.org/presentationml/2006/main">
   <p:cSld>
     <p:spTree>
@@ -4607,7 +11467,7 @@
 </p:sld>
 </file>
 
-<file path=ppt/slides/slide12.xml><?xml version="1.0" encoding="utf-8"?>
+<file path=ppt/slides/slide16.xml><?xml version="1.0" encoding="utf-8"?>
 <p:sld xmlns:a="http://schemas.openxmlformats.org/drawingml/2006/main" xmlns:r="http://schemas.openxmlformats.org/officeDocument/2006/relationships" xmlns:p="http://schemas.openxmlformats.org/presentationml/2006/main">
   <p:cSld>
     <p:spTree>
@@ -4980,7 +11840,7 @@
 </p:sld>
 </file>
 
-<file path=ppt/slides/slide13.xml><?xml version="1.0" encoding="utf-8"?>
+<file path=ppt/slides/slide17.xml><?xml version="1.0" encoding="utf-8"?>
 <p:sld xmlns:a="http://schemas.openxmlformats.org/drawingml/2006/main" xmlns:r="http://schemas.openxmlformats.org/officeDocument/2006/relationships" xmlns:p="http://schemas.openxmlformats.org/presentationml/2006/main">
   <p:cSld>
     <p:spTree>
@@ -6436,7 +13296,7 @@
           </p:blipFill>
           <p:spPr bwMode="auto">
             <a:xfrm>
-              <a:off x="5051831" y="770621"/>
+              <a:off x="4857864" y="770621"/>
               <a:ext cx="254909" cy="254909"/>
             </a:xfrm>
             <a:prstGeom prst="rect">
@@ -6468,8 +13328,8 @@
           </p:nvSpPr>
           <p:spPr>
             <a:xfrm>
-              <a:off x="5307166" y="650562"/>
-              <a:ext cx="1388521" cy="461665"/>
+              <a:off x="5081145" y="650562"/>
+              <a:ext cx="1840568" cy="461665"/>
             </a:xfrm>
             <a:prstGeom prst="rect">
               <a:avLst/>
@@ -6484,22 +13344,6 @@
             <a:p>
               <a:pPr algn="ctr"/>
               <a:r>
-                <a:rPr lang="en-US" sz="2400" b="0" cap="none" spc="0">
-                  <a:ln w="0"/>
-                  <a:solidFill>
-                    <a:srgbClr val="92D050"/>
-                  </a:solidFill>
-                  <a:effectLst>
-                    <a:outerShdw blurRad="38100" dist="19050" dir="2700000" algn="tl" rotWithShape="0">
-                      <a:schemeClr val="dk1">
-                        <a:alpha val="40000"/>
-                      </a:schemeClr>
-                    </a:outerShdw>
-                  </a:effectLst>
-                </a:rPr>
-                <a:t>C</a:t>
-              </a:r>
-              <a:r>
                 <a:rPr lang="en-US" sz="2400">
                   <a:ln w="0"/>
                   <a:solidFill>
@@ -6513,7 +13357,7 @@
                     </a:outerShdw>
                   </a:effectLst>
                 </a:rPr>
-                <a:t>ửa đóng</a:t>
+                <a:t>Cảnh báo bật</a:t>
               </a:r>
               <a:endParaRPr lang="vi-VN" sz="2400" b="0" cap="none" spc="0">
                 <a:ln w="0"/>
@@ -8233,7 +15077,7 @@
           </p:blipFill>
           <p:spPr bwMode="auto">
             <a:xfrm>
-              <a:off x="4766796" y="796375"/>
+              <a:off x="5016180" y="796375"/>
               <a:ext cx="254909" cy="254909"/>
             </a:xfrm>
             <a:prstGeom prst="rect">
@@ -8265,8 +15109,8 @@
           </p:nvSpPr>
           <p:spPr>
             <a:xfrm>
-              <a:off x="5051831" y="674600"/>
-              <a:ext cx="1931940" cy="461665"/>
+              <a:off x="5293084" y="674600"/>
+              <a:ext cx="1449436" cy="461665"/>
             </a:xfrm>
             <a:prstGeom prst="rect">
               <a:avLst/>
@@ -8294,7 +15138,7 @@
                     </a:outerShdw>
                   </a:effectLst>
                 </a:rPr>
-                <a:t>Door is closed</a:t>
+                <a:t>Alert is on</a:t>
               </a:r>
               <a:endParaRPr lang="vi-VN" sz="2400" b="0" cap="none" spc="0">
                 <a:ln w="0"/>
@@ -9823,7 +16667,7 @@
           </p:blipFill>
           <p:spPr bwMode="auto">
             <a:xfrm>
-              <a:off x="5051831" y="770621"/>
+              <a:off x="4802446" y="770621"/>
               <a:ext cx="254909" cy="254909"/>
             </a:xfrm>
             <a:prstGeom prst="rect">
@@ -9855,8 +16699,8 @@
           </p:nvSpPr>
           <p:spPr>
             <a:xfrm>
-              <a:off x="5331153" y="650134"/>
-              <a:ext cx="1173719" cy="461665"/>
+              <a:off x="5027384" y="650134"/>
+              <a:ext cx="1781258" cy="461665"/>
             </a:xfrm>
             <a:prstGeom prst="rect">
               <a:avLst/>
@@ -9884,23 +16728,7 @@
                     </a:outerShdw>
                   </a:effectLst>
                 </a:rPr>
-                <a:t>C</a:t>
-              </a:r>
-              <a:r>
-                <a:rPr lang="en-US" sz="2400">
-                  <a:ln w="0"/>
-                  <a:solidFill>
-                    <a:srgbClr val="FF5B5B"/>
-                  </a:solidFill>
-                  <a:effectLst>
-                    <a:outerShdw blurRad="38100" dist="19050" dir="2700000" algn="tl" rotWithShape="0">
-                      <a:schemeClr val="dk1">
-                        <a:alpha val="40000"/>
-                      </a:schemeClr>
-                    </a:outerShdw>
-                  </a:effectLst>
-                </a:rPr>
-                <a:t>ửa mở</a:t>
+                <a:t>Cảnh báo tắt</a:t>
               </a:r>
               <a:endParaRPr lang="vi-VN" sz="2400" b="0" cap="none" spc="0">
                 <a:ln w="0"/>
@@ -11522,7 +18350,7 @@
           </p:blipFill>
           <p:spPr bwMode="auto">
             <a:xfrm>
-              <a:off x="4733170" y="798331"/>
+              <a:off x="5051829" y="798331"/>
               <a:ext cx="254909" cy="254909"/>
             </a:xfrm>
             <a:prstGeom prst="rect">
@@ -11554,8 +18382,8 @@
           </p:nvSpPr>
           <p:spPr>
             <a:xfrm>
-              <a:off x="5024121" y="665708"/>
-              <a:ext cx="2089034" cy="461665"/>
+              <a:off x="5330296" y="665708"/>
+              <a:ext cx="1476687" cy="461665"/>
             </a:xfrm>
             <a:prstGeom prst="rect">
               <a:avLst/>
@@ -11583,7 +18411,7 @@
                     </a:outerShdw>
                   </a:effectLst>
                 </a:rPr>
-                <a:t>Door is opened</a:t>
+                <a:t>Alert is off</a:t>
               </a:r>
               <a:endParaRPr lang="vi-VN" sz="2400" b="0" cap="none" spc="0">
                 <a:ln w="0"/>
@@ -16656,61 +23484,1905 @@
           <a:chExt cx="0" cy="0"/>
         </a:xfrm>
       </p:grpSpPr>
-      <p:pic>
-        <p:nvPicPr>
-          <p:cNvPr id="4" name="Hình ảnh 3" descr="Ảnh có chứa trong nhà, máy tính xách tay, bàn, phòng&#10;&#10;Mô tả được tạo tự động">
+      <p:grpSp>
+        <p:nvGrpSpPr>
+          <p:cNvPr id="2052" name="Nhóm 2051">
             <a:extLst>
               <a:ext uri="{FF2B5EF4-FFF2-40B4-BE49-F238E27FC236}">
-                <a16:creationId xmlns:a16="http://schemas.microsoft.com/office/drawing/2014/main" id="{96DF97E3-A42B-4B0C-859E-11A2AE6F01D5}"/>
+                <a16:creationId xmlns:a16="http://schemas.microsoft.com/office/drawing/2014/main" id="{34FC39A2-CF35-47D0-B2BF-B7389A51A8AF}"/>
               </a:ext>
             </a:extLst>
           </p:cNvPr>
-          <p:cNvPicPr>
-            <a:picLocks noChangeAspect="1"/>
-          </p:cNvPicPr>
+          <p:cNvGrpSpPr/>
           <p:nvPr/>
-        </p:nvPicPr>
-        <p:blipFill>
-          <a:blip r:embed="rId2">
-            <a:alphaModFix amt="60000"/>
+        </p:nvGrpSpPr>
+        <p:grpSpPr>
+          <a:xfrm>
+            <a:off x="3874865" y="0"/>
+            <a:ext cx="3982867" cy="6872024"/>
+            <a:chOff x="3874865" y="0"/>
+            <a:chExt cx="3982867" cy="6872024"/>
+          </a:xfrm>
+        </p:grpSpPr>
+        <p:sp>
+          <p:nvSpPr>
+            <p:cNvPr id="30" name="Hình chữ nhật 29">
+              <a:extLst>
+                <a:ext uri="{FF2B5EF4-FFF2-40B4-BE49-F238E27FC236}">
+                  <a16:creationId xmlns:a16="http://schemas.microsoft.com/office/drawing/2014/main" id="{CF1A8CCF-2271-4B74-91CC-240ACCC2D46C}"/>
+                </a:ext>
+              </a:extLst>
+            </p:cNvPr>
+            <p:cNvSpPr/>
+            <p:nvPr/>
+          </p:nvSpPr>
+          <p:spPr>
+            <a:xfrm>
+              <a:off x="3934408" y="3840363"/>
+              <a:ext cx="3857624" cy="3017637"/>
+            </a:xfrm>
+            <a:prstGeom prst="rect">
+              <a:avLst/>
+            </a:prstGeom>
+            <a:solidFill>
+              <a:schemeClr val="bg1"/>
+            </a:solidFill>
+            <a:ln>
+              <a:noFill/>
+            </a:ln>
+          </p:spPr>
+          <p:style>
+            <a:lnRef idx="2">
+              <a:schemeClr val="accent1">
+                <a:shade val="50000"/>
+              </a:schemeClr>
+            </a:lnRef>
+            <a:fillRef idx="1">
+              <a:schemeClr val="accent1"/>
+            </a:fillRef>
+            <a:effectRef idx="0">
+              <a:schemeClr val="accent1"/>
+            </a:effectRef>
+            <a:fontRef idx="minor">
+              <a:schemeClr val="lt1"/>
+            </a:fontRef>
+          </p:style>
+          <p:txBody>
+            <a:bodyPr rtlCol="0" anchor="ctr"/>
+            <a:lstStyle/>
+            <a:p>
+              <a:pPr algn="ctr"/>
+              <a:endParaRPr lang="en-US"/>
+            </a:p>
+          </p:txBody>
+        </p:sp>
+        <p:sp>
+          <p:nvSpPr>
+            <p:cNvPr id="26" name="Hình chữ nhật 25">
+              <a:extLst>
+                <a:ext uri="{FF2B5EF4-FFF2-40B4-BE49-F238E27FC236}">
+                  <a16:creationId xmlns:a16="http://schemas.microsoft.com/office/drawing/2014/main" id="{39A6061F-C2B1-49F7-B960-E326229C9DBA}"/>
+                </a:ext>
+              </a:extLst>
+            </p:cNvPr>
+            <p:cNvSpPr/>
+            <p:nvPr/>
+          </p:nvSpPr>
+          <p:spPr>
+            <a:xfrm>
+              <a:off x="3934408" y="207818"/>
+              <a:ext cx="3857625" cy="487192"/>
+            </a:xfrm>
+            <a:prstGeom prst="rect">
+              <a:avLst/>
+            </a:prstGeom>
+            <a:solidFill>
+              <a:schemeClr val="bg1"/>
+            </a:solidFill>
+            <a:ln>
+              <a:noFill/>
+            </a:ln>
+          </p:spPr>
+          <p:style>
+            <a:lnRef idx="2">
+              <a:schemeClr val="accent1">
+                <a:shade val="50000"/>
+              </a:schemeClr>
+            </a:lnRef>
+            <a:fillRef idx="1">
+              <a:schemeClr val="accent1"/>
+            </a:fillRef>
+            <a:effectRef idx="0">
+              <a:schemeClr val="accent1"/>
+            </a:effectRef>
+            <a:fontRef idx="minor">
+              <a:schemeClr val="lt1"/>
+            </a:fontRef>
+          </p:style>
+          <p:txBody>
+            <a:bodyPr rtlCol="0" anchor="ctr"/>
+            <a:lstStyle/>
+            <a:p>
+              <a:pPr algn="ctr"/>
+              <a:endParaRPr lang="en-US"/>
+            </a:p>
+          </p:txBody>
+        </p:sp>
+        <p:pic>
+          <p:nvPicPr>
+            <p:cNvPr id="19" name="Hình ảnh 18">
+              <a:extLst>
+                <a:ext uri="{FF2B5EF4-FFF2-40B4-BE49-F238E27FC236}">
+                  <a16:creationId xmlns:a16="http://schemas.microsoft.com/office/drawing/2014/main" id="{D536F1E0-8923-4B32-8AA6-B0CBDB684E85}"/>
+                </a:ext>
+              </a:extLst>
+            </p:cNvPr>
+            <p:cNvPicPr>
+              <a:picLocks noChangeAspect="1"/>
+            </p:cNvPicPr>
+            <p:nvPr/>
+          </p:nvPicPr>
+          <p:blipFill>
+            <a:blip r:embed="rId2">
+              <a:extLst>
+                <a:ext uri="{28A0092B-C50C-407E-A947-70E740481C1C}">
+                  <a14:useLocalDpi xmlns:a14="http://schemas.microsoft.com/office/drawing/2010/main" val="0"/>
+                </a:ext>
+              </a:extLst>
+            </a:blip>
+            <a:srcRect/>
+            <a:stretch/>
+          </p:blipFill>
+          <p:spPr>
+            <a:xfrm>
+              <a:off x="3939377" y="678126"/>
+              <a:ext cx="3847685" cy="2563502"/>
+            </a:xfrm>
+            <a:prstGeom prst="rect">
+              <a:avLst/>
+            </a:prstGeom>
+            <a:effectLst>
+              <a:glow>
+                <a:schemeClr val="accent1"/>
+              </a:glow>
+            </a:effectLst>
+          </p:spPr>
+        </p:pic>
+        <p:pic>
+          <p:nvPicPr>
+            <p:cNvPr id="4" name="Picture 2" descr="back logo icon – Free Icons Download">
+              <a:extLst>
+                <a:ext uri="{FF2B5EF4-FFF2-40B4-BE49-F238E27FC236}">
+                  <a16:creationId xmlns:a16="http://schemas.microsoft.com/office/drawing/2014/main" id="{05DDC231-7BF3-48E0-B1C5-F632DB98FF5A}"/>
+                </a:ext>
+              </a:extLst>
+            </p:cNvPr>
+            <p:cNvPicPr>
+              <a:picLocks noChangeAspect="1" noChangeArrowheads="1"/>
+            </p:cNvPicPr>
+            <p:nvPr/>
+          </p:nvPicPr>
+          <p:blipFill>
+            <a:blip r:embed="rId3">
+              <a:duotone>
+                <a:schemeClr val="accent1">
+                  <a:shade val="45000"/>
+                  <a:satMod val="135000"/>
+                </a:schemeClr>
+                <a:prstClr val="white"/>
+              </a:duotone>
+              <a:extLst>
+                <a:ext uri="{28A0092B-C50C-407E-A947-70E740481C1C}">
+                  <a14:useLocalDpi xmlns:a14="http://schemas.microsoft.com/office/drawing/2010/main" val="0"/>
+                </a:ext>
+              </a:extLst>
+            </a:blip>
+            <a:srcRect/>
+            <a:stretch>
+              <a:fillRect/>
+            </a:stretch>
+          </p:blipFill>
+          <p:spPr bwMode="auto">
+            <a:xfrm>
+              <a:off x="3943933" y="206907"/>
+              <a:ext cx="411903" cy="411903"/>
+            </a:xfrm>
+            <a:prstGeom prst="rect">
+              <a:avLst/>
+            </a:prstGeom>
+            <a:noFill/>
             <a:extLst>
-              <a:ext uri="{BEBA8EAE-BF5A-486C-A8C5-ECC9F3942E4B}">
-                <a14:imgProps xmlns:a14="http://schemas.microsoft.com/office/drawing/2010/main">
-                  <a14:imgLayer r:embed="rId3">
-                    <a14:imgEffect>
-                      <a14:brightnessContrast bright="20000" contrast="20000"/>
-                    </a14:imgEffect>
-                  </a14:imgLayer>
-                </a14:imgProps>
-              </a:ext>
-              <a:ext uri="{28A0092B-C50C-407E-A947-70E740481C1C}">
-                <a14:useLocalDpi xmlns:a14="http://schemas.microsoft.com/office/drawing/2010/main" val="0"/>
+              <a:ext uri="{909E8E84-426E-40DD-AFC4-6F175D3DCCD1}">
+                <a14:hiddenFill xmlns:a14="http://schemas.microsoft.com/office/drawing/2010/main">
+                  <a:solidFill>
+                    <a:srgbClr val="FFFFFF"/>
+                  </a:solidFill>
+                </a14:hiddenFill>
               </a:ext>
             </a:extLst>
-          </a:blip>
-          <a:stretch>
-            <a:fillRect/>
-          </a:stretch>
-        </p:blipFill>
-        <p:spPr>
-          <a:xfrm>
-            <a:off x="3934408" y="678126"/>
-            <a:ext cx="3857625" cy="2563502"/>
-          </a:xfrm>
-          <a:prstGeom prst="rect">
-            <a:avLst/>
-          </a:prstGeom>
-          <a:effectLst>
-            <a:glow>
+          </p:spPr>
+        </p:pic>
+        <p:pic>
+          <p:nvPicPr>
+            <p:cNvPr id="2056" name="Picture 8" descr="Green dot clipart 3 » Clipart Station">
+              <a:extLst>
+                <a:ext uri="{FF2B5EF4-FFF2-40B4-BE49-F238E27FC236}">
+                  <a16:creationId xmlns:a16="http://schemas.microsoft.com/office/drawing/2014/main" id="{CE792C43-466B-4270-BACF-99EDFDA3A818}"/>
+                </a:ext>
+              </a:extLst>
+            </p:cNvPr>
+            <p:cNvPicPr>
+              <a:picLocks noChangeAspect="1" noChangeArrowheads="1"/>
+            </p:cNvPicPr>
+            <p:nvPr/>
+          </p:nvPicPr>
+          <p:blipFill>
+            <a:blip r:embed="rId4">
+              <a:extLst>
+                <a:ext uri="{28A0092B-C50C-407E-A947-70E740481C1C}">
+                  <a14:useLocalDpi xmlns:a14="http://schemas.microsoft.com/office/drawing/2010/main" val="0"/>
+                </a:ext>
+              </a:extLst>
+            </a:blip>
+            <a:srcRect/>
+            <a:stretch>
+              <a:fillRect/>
+            </a:stretch>
+          </p:blipFill>
+          <p:spPr bwMode="auto">
+            <a:xfrm>
+              <a:off x="4760881" y="909168"/>
+              <a:ext cx="254909" cy="254909"/>
+            </a:xfrm>
+            <a:prstGeom prst="rect">
+              <a:avLst/>
+            </a:prstGeom>
+            <a:noFill/>
+            <a:extLst>
+              <a:ext uri="{909E8E84-426E-40DD-AFC4-6F175D3DCCD1}">
+                <a14:hiddenFill xmlns:a14="http://schemas.microsoft.com/office/drawing/2010/main">
+                  <a:solidFill>
+                    <a:srgbClr val="FFFFFF"/>
+                  </a:solidFill>
+                </a14:hiddenFill>
+              </a:ext>
+            </a:extLst>
+          </p:spPr>
+        </p:pic>
+        <p:sp>
+          <p:nvSpPr>
+            <p:cNvPr id="15" name="Hình chữ nhật 14">
+              <a:extLst>
+                <a:ext uri="{FF2B5EF4-FFF2-40B4-BE49-F238E27FC236}">
+                  <a16:creationId xmlns:a16="http://schemas.microsoft.com/office/drawing/2014/main" id="{5708EB74-6C80-4141-A217-1D5DDDE0F68B}"/>
+                </a:ext>
+              </a:extLst>
+            </p:cNvPr>
+            <p:cNvSpPr/>
+            <p:nvPr/>
+          </p:nvSpPr>
+          <p:spPr>
+            <a:xfrm>
+              <a:off x="5068324" y="789109"/>
+              <a:ext cx="1866217" cy="461665"/>
+            </a:xfrm>
+            <a:prstGeom prst="rect">
+              <a:avLst/>
+            </a:prstGeom>
+            <a:noFill/>
+          </p:spPr>
+          <p:txBody>
+            <a:bodyPr wrap="none" lIns="91440" tIns="45720" rIns="91440" bIns="45720">
+              <a:spAutoFit/>
+            </a:bodyPr>
+            <a:lstStyle/>
+            <a:p>
+              <a:pPr algn="ctr"/>
+              <a:r>
+                <a:rPr lang="en-US" sz="2400" b="0" cap="none" spc="0">
+                  <a:ln w="0"/>
+                  <a:solidFill>
+                    <a:srgbClr val="92D050"/>
+                  </a:solidFill>
+                  <a:effectLst>
+                    <a:outerShdw blurRad="38100" dist="19050" dir="2700000" algn="tl" rotWithShape="0">
+                      <a:schemeClr val="dk1">
+                        <a:alpha val="40000"/>
+                      </a:schemeClr>
+                    </a:outerShdw>
+                  </a:effectLst>
+                </a:rPr>
+                <a:t>Đèn đang bật</a:t>
+              </a:r>
+              <a:endParaRPr lang="vi-VN" sz="2400" b="0" cap="none" spc="0">
+                <a:ln w="0"/>
+                <a:solidFill>
+                  <a:srgbClr val="92D050"/>
+                </a:solidFill>
+                <a:effectLst>
+                  <a:outerShdw blurRad="38100" dist="19050" dir="2700000" algn="tl" rotWithShape="0">
+                    <a:schemeClr val="dk1">
+                      <a:alpha val="40000"/>
+                    </a:schemeClr>
+                  </a:outerShdw>
+                </a:effectLst>
+              </a:endParaRPr>
+            </a:p>
+          </p:txBody>
+        </p:sp>
+        <p:pic>
+          <p:nvPicPr>
+            <p:cNvPr id="22" name="Hình ảnh 21" descr="Ảnh có chứa sáng, máy tính&#10;&#10;Mô tả được tạo tự động">
+              <a:extLst>
+                <a:ext uri="{FF2B5EF4-FFF2-40B4-BE49-F238E27FC236}">
+                  <a16:creationId xmlns:a16="http://schemas.microsoft.com/office/drawing/2014/main" id="{F3E69F79-B5DC-4185-99EC-DA705B7EAA2F}"/>
+                </a:ext>
+              </a:extLst>
+            </p:cNvPr>
+            <p:cNvPicPr>
+              <a:picLocks noChangeAspect="1"/>
+            </p:cNvPicPr>
+            <p:nvPr/>
+          </p:nvPicPr>
+          <p:blipFill rotWithShape="1">
+            <a:blip r:embed="rId5">
+              <a:extLst>
+                <a:ext uri="{28A0092B-C50C-407E-A947-70E740481C1C}">
+                  <a14:useLocalDpi xmlns:a14="http://schemas.microsoft.com/office/drawing/2010/main" val="0"/>
+                </a:ext>
+              </a:extLst>
+            </a:blip>
+            <a:srcRect l="43657" t="-1" r="44756" b="5189"/>
+            <a:stretch/>
+          </p:blipFill>
+          <p:spPr>
+            <a:xfrm>
+              <a:off x="7562786" y="4429393"/>
+              <a:ext cx="294946" cy="2442631"/>
+            </a:xfrm>
+            <a:prstGeom prst="rect">
+              <a:avLst/>
+            </a:prstGeom>
+          </p:spPr>
+        </p:pic>
+        <p:pic>
+          <p:nvPicPr>
+            <p:cNvPr id="33" name="Hình ảnh 32">
+              <a:extLst>
+                <a:ext uri="{FF2B5EF4-FFF2-40B4-BE49-F238E27FC236}">
+                  <a16:creationId xmlns:a16="http://schemas.microsoft.com/office/drawing/2014/main" id="{3776CF40-B7E1-4720-8E11-32B3D72EB231}"/>
+                </a:ext>
+              </a:extLst>
+            </p:cNvPr>
+            <p:cNvPicPr>
+              <a:picLocks noChangeAspect="1"/>
+            </p:cNvPicPr>
+            <p:nvPr/>
+          </p:nvPicPr>
+          <p:blipFill rotWithShape="1">
+            <a:blip r:embed="rId6">
+              <a:extLst>
+                <a:ext uri="{28A0092B-C50C-407E-A947-70E740481C1C}">
+                  <a14:useLocalDpi xmlns:a14="http://schemas.microsoft.com/office/drawing/2010/main" val="0"/>
+                </a:ext>
+              </a:extLst>
+            </a:blip>
+            <a:srcRect b="96970"/>
+            <a:stretch/>
+          </p:blipFill>
+          <p:spPr>
+            <a:xfrm>
+              <a:off x="3934408" y="0"/>
+              <a:ext cx="3857625" cy="207818"/>
+            </a:xfrm>
+            <a:prstGeom prst="rect">
+              <a:avLst/>
+            </a:prstGeom>
+          </p:spPr>
+        </p:pic>
+        <p:pic>
+          <p:nvPicPr>
+            <p:cNvPr id="2062" name="Picture 14" descr="Settings Launcher cho Android - Tải về APK">
+              <a:extLst>
+                <a:ext uri="{FF2B5EF4-FFF2-40B4-BE49-F238E27FC236}">
+                  <a16:creationId xmlns:a16="http://schemas.microsoft.com/office/drawing/2014/main" id="{CF18903F-7A31-4DBC-B471-8FED8D114D23}"/>
+                </a:ext>
+              </a:extLst>
+            </p:cNvPr>
+            <p:cNvPicPr>
+              <a:picLocks noChangeAspect="1" noChangeArrowheads="1"/>
+            </p:cNvPicPr>
+            <p:nvPr/>
+          </p:nvPicPr>
+          <p:blipFill>
+            <a:blip r:embed="rId7">
+              <a:extLst>
+                <a:ext uri="{BEBA8EAE-BF5A-486C-A8C5-ECC9F3942E4B}">
+                  <a14:imgProps xmlns:a14="http://schemas.microsoft.com/office/drawing/2010/main">
+                    <a14:imgLayer r:embed="rId8">
+                      <a14:imgEffect>
+                        <a14:saturation sat="66000"/>
+                      </a14:imgEffect>
+                    </a14:imgLayer>
+                  </a14:imgProps>
+                </a:ext>
+                <a:ext uri="{28A0092B-C50C-407E-A947-70E740481C1C}">
+                  <a14:useLocalDpi xmlns:a14="http://schemas.microsoft.com/office/drawing/2010/main" val="0"/>
+                </a:ext>
+              </a:extLst>
+            </a:blip>
+            <a:srcRect/>
+            <a:stretch>
+              <a:fillRect/>
+            </a:stretch>
+          </p:blipFill>
+          <p:spPr bwMode="auto">
+            <a:xfrm>
+              <a:off x="7358265" y="206580"/>
+              <a:ext cx="411903" cy="411903"/>
+            </a:xfrm>
+            <a:prstGeom prst="rect">
+              <a:avLst/>
+            </a:prstGeom>
+            <a:noFill/>
+            <a:extLst>
+              <a:ext uri="{909E8E84-426E-40DD-AFC4-6F175D3DCCD1}">
+                <a14:hiddenFill xmlns:a14="http://schemas.microsoft.com/office/drawing/2010/main">
+                  <a:solidFill>
+                    <a:srgbClr val="FFFFFF"/>
+                  </a:solidFill>
+                </a14:hiddenFill>
+              </a:ext>
+            </a:extLst>
+          </p:spPr>
+        </p:pic>
+        <p:sp>
+          <p:nvSpPr>
+            <p:cNvPr id="27" name="Hình chữ nhật 26">
+              <a:extLst>
+                <a:ext uri="{FF2B5EF4-FFF2-40B4-BE49-F238E27FC236}">
+                  <a16:creationId xmlns:a16="http://schemas.microsoft.com/office/drawing/2014/main" id="{5E8E5B42-975F-4B70-B76B-256E16434566}"/>
+                </a:ext>
+              </a:extLst>
+            </p:cNvPr>
+            <p:cNvSpPr/>
+            <p:nvPr/>
+          </p:nvSpPr>
+          <p:spPr>
+            <a:xfrm>
+              <a:off x="5204936" y="197867"/>
+              <a:ext cx="1335622" cy="400110"/>
+            </a:xfrm>
+            <a:prstGeom prst="rect">
+              <a:avLst/>
+            </a:prstGeom>
+            <a:noFill/>
+          </p:spPr>
+          <p:txBody>
+            <a:bodyPr wrap="none" lIns="91440" tIns="45720" rIns="91440" bIns="45720">
+              <a:spAutoFit/>
+            </a:bodyPr>
+            <a:lstStyle/>
+            <a:p>
+              <a:pPr algn="ctr"/>
+              <a:r>
+                <a:rPr lang="en-US" sz="2000" b="1" cap="none" spc="0">
+                  <a:ln w="0"/>
+                  <a:solidFill>
+                    <a:schemeClr val="tx1"/>
+                  </a:solidFill>
+                  <a:effectLst>
+                    <a:outerShdw blurRad="38100" dist="19050" dir="2700000" algn="tl" rotWithShape="0">
+                      <a:schemeClr val="dk1">
+                        <a:alpha val="40000"/>
+                      </a:schemeClr>
+                    </a:outerShdw>
+                  </a:effectLst>
+                </a:rPr>
+                <a:t>Phòng tắm</a:t>
+              </a:r>
+              <a:endParaRPr lang="vi-VN" sz="2000" b="1" cap="none" spc="0">
+                <a:ln w="0"/>
+                <a:solidFill>
+                  <a:schemeClr val="tx1"/>
+                </a:solidFill>
+                <a:effectLst>
+                  <a:outerShdw blurRad="38100" dist="19050" dir="2700000" algn="tl" rotWithShape="0">
+                    <a:schemeClr val="dk1">
+                      <a:alpha val="40000"/>
+                    </a:schemeClr>
+                  </a:outerShdw>
+                </a:effectLst>
+              </a:endParaRPr>
+            </a:p>
+          </p:txBody>
+        </p:sp>
+        <p:sp>
+          <p:nvSpPr>
+            <p:cNvPr id="28" name="Hình chữ nhật 27">
+              <a:extLst>
+                <a:ext uri="{FF2B5EF4-FFF2-40B4-BE49-F238E27FC236}">
+                  <a16:creationId xmlns:a16="http://schemas.microsoft.com/office/drawing/2014/main" id="{EAFB982E-13BC-46B6-B4CC-5B486EF97A8D}"/>
+                </a:ext>
+              </a:extLst>
+            </p:cNvPr>
+            <p:cNvSpPr/>
+            <p:nvPr/>
+          </p:nvSpPr>
+          <p:spPr>
+            <a:xfrm>
+              <a:off x="3934408" y="3935365"/>
+              <a:ext cx="3857624" cy="644449"/>
+            </a:xfrm>
+            <a:prstGeom prst="rect">
+              <a:avLst/>
+            </a:prstGeom>
+            <a:solidFill>
+              <a:schemeClr val="bg1">
+                <a:lumMod val="95000"/>
+              </a:schemeClr>
+            </a:solidFill>
+            <a:ln>
+              <a:noFill/>
+            </a:ln>
+          </p:spPr>
+          <p:style>
+            <a:lnRef idx="2">
+              <a:schemeClr val="accent1">
+                <a:shade val="50000"/>
+              </a:schemeClr>
+            </a:lnRef>
+            <a:fillRef idx="1">
               <a:schemeClr val="accent1"/>
-            </a:glow>
-          </a:effectLst>
-        </p:spPr>
-      </p:pic>
+            </a:fillRef>
+            <a:effectRef idx="0">
+              <a:schemeClr val="accent1"/>
+            </a:effectRef>
+            <a:fontRef idx="minor">
+              <a:schemeClr val="lt1"/>
+            </a:fontRef>
+          </p:style>
+          <p:txBody>
+            <a:bodyPr rtlCol="0" anchor="ctr"/>
+            <a:lstStyle/>
+            <a:p>
+              <a:pPr algn="ctr"/>
+              <a:endParaRPr lang="en-US"/>
+            </a:p>
+          </p:txBody>
+        </p:sp>
+        <p:pic>
+          <p:nvPicPr>
+            <p:cNvPr id="29" name="Picture 8">
+              <a:extLst>
+                <a:ext uri="{FF2B5EF4-FFF2-40B4-BE49-F238E27FC236}">
+                  <a16:creationId xmlns:a16="http://schemas.microsoft.com/office/drawing/2014/main" id="{55E1C3C1-6A26-4ABC-BD58-45C452B8062B}"/>
+                </a:ext>
+              </a:extLst>
+            </p:cNvPr>
+            <p:cNvPicPr>
+              <a:picLocks noChangeAspect="1" noChangeArrowheads="1"/>
+            </p:cNvPicPr>
+            <p:nvPr/>
+          </p:nvPicPr>
+          <p:blipFill rotWithShape="1">
+            <a:blip r:embed="rId9">
+              <a:extLst>
+                <a:ext uri="{28A0092B-C50C-407E-A947-70E740481C1C}">
+                  <a14:useLocalDpi xmlns:a14="http://schemas.microsoft.com/office/drawing/2010/main" val="0"/>
+                </a:ext>
+              </a:extLst>
+            </a:blip>
+            <a:srcRect b="42555"/>
+            <a:stretch/>
+          </p:blipFill>
+          <p:spPr bwMode="auto">
+            <a:xfrm>
+              <a:off x="3874865" y="3977735"/>
+              <a:ext cx="861185" cy="497154"/>
+            </a:xfrm>
+            <a:prstGeom prst="rect">
+              <a:avLst/>
+            </a:prstGeom>
+            <a:noFill/>
+            <a:extLst>
+              <a:ext uri="{909E8E84-426E-40DD-AFC4-6F175D3DCCD1}">
+                <a14:hiddenFill xmlns:a14="http://schemas.microsoft.com/office/drawing/2010/main">
+                  <a:solidFill>
+                    <a:srgbClr val="FFFFFF"/>
+                  </a:solidFill>
+                </a14:hiddenFill>
+              </a:ext>
+            </a:extLst>
+          </p:spPr>
+        </p:pic>
+        <p:sp>
+          <p:nvSpPr>
+            <p:cNvPr id="23" name="Hình chữ nhật 22">
+              <a:extLst>
+                <a:ext uri="{FF2B5EF4-FFF2-40B4-BE49-F238E27FC236}">
+                  <a16:creationId xmlns:a16="http://schemas.microsoft.com/office/drawing/2014/main" id="{5E7296C0-CDD4-42AF-88DF-CD3B9B4F7E23}"/>
+                </a:ext>
+              </a:extLst>
+            </p:cNvPr>
+            <p:cNvSpPr/>
+            <p:nvPr/>
+          </p:nvSpPr>
+          <p:spPr>
+            <a:xfrm>
+              <a:off x="4982098" y="4034062"/>
+              <a:ext cx="1712328" cy="400110"/>
+            </a:xfrm>
+            <a:prstGeom prst="rect">
+              <a:avLst/>
+            </a:prstGeom>
+            <a:noFill/>
+          </p:spPr>
+          <p:txBody>
+            <a:bodyPr wrap="none" lIns="91440" tIns="45720" rIns="91440" bIns="45720">
+              <a:spAutoFit/>
+            </a:bodyPr>
+            <a:lstStyle/>
+            <a:p>
+              <a:pPr algn="ctr"/>
+              <a:r>
+                <a:rPr lang="en-US" sz="2000" b="0" cap="none" spc="0">
+                  <a:ln w="0"/>
+                  <a:solidFill>
+                    <a:schemeClr val="tx1"/>
+                  </a:solidFill>
+                  <a:effectLst>
+                    <a:outerShdw blurRad="38100" dist="19050" dir="2700000" algn="tl" rotWithShape="0">
+                      <a:schemeClr val="dk1">
+                        <a:alpha val="40000"/>
+                      </a:schemeClr>
+                    </a:outerShdw>
+                  </a:effectLst>
+                </a:rPr>
+                <a:t>Lịch s</a:t>
+              </a:r>
+              <a:r>
+                <a:rPr lang="en-US" sz="2000">
+                  <a:ln w="0"/>
+                  <a:effectLst>
+                    <a:outerShdw blurRad="38100" dist="19050" dir="2700000" algn="tl" rotWithShape="0">
+                      <a:schemeClr val="dk1">
+                        <a:alpha val="40000"/>
+                      </a:schemeClr>
+                    </a:outerShdw>
+                  </a:effectLst>
+                </a:rPr>
+                <a:t>ử thiết bị</a:t>
+              </a:r>
+              <a:endParaRPr lang="vi-VN" sz="2000" b="0" cap="none" spc="0">
+                <a:ln w="0"/>
+                <a:solidFill>
+                  <a:schemeClr val="tx1"/>
+                </a:solidFill>
+                <a:effectLst>
+                  <a:outerShdw blurRad="38100" dist="19050" dir="2700000" algn="tl" rotWithShape="0">
+                    <a:schemeClr val="dk1">
+                      <a:alpha val="40000"/>
+                    </a:schemeClr>
+                  </a:outerShdw>
+                </a:effectLst>
+              </a:endParaRPr>
+            </a:p>
+          </p:txBody>
+        </p:sp>
+        <p:grpSp>
+          <p:nvGrpSpPr>
+            <p:cNvPr id="6" name="Nhóm 5">
+              <a:extLst>
+                <a:ext uri="{FF2B5EF4-FFF2-40B4-BE49-F238E27FC236}">
+                  <a16:creationId xmlns:a16="http://schemas.microsoft.com/office/drawing/2014/main" id="{9E50485D-5A03-44B9-95B7-765E32372E9D}"/>
+                </a:ext>
+              </a:extLst>
+            </p:cNvPr>
+            <p:cNvGrpSpPr/>
+            <p:nvPr/>
+          </p:nvGrpSpPr>
+          <p:grpSpPr>
+            <a:xfrm>
+              <a:off x="7158086" y="3979292"/>
+              <a:ext cx="484035" cy="484035"/>
+              <a:chOff x="4717473" y="1330037"/>
+              <a:chExt cx="796636" cy="796636"/>
+            </a:xfrm>
+          </p:grpSpPr>
+          <p:pic>
+            <p:nvPicPr>
+              <p:cNvPr id="2050" name="Picture 2" descr="Dot Three Transparent &amp; PNG Clipart Free Download - YWD">
+                <a:extLst>
+                  <a:ext uri="{FF2B5EF4-FFF2-40B4-BE49-F238E27FC236}">
+                    <a16:creationId xmlns:a16="http://schemas.microsoft.com/office/drawing/2014/main" id="{8DE5E8EE-DB00-4BB2-8A12-B5CC7B1B1CDE}"/>
+                  </a:ext>
+                </a:extLst>
+              </p:cNvPr>
+              <p:cNvPicPr>
+                <a:picLocks noChangeAspect="1" noChangeArrowheads="1"/>
+              </p:cNvPicPr>
+              <p:nvPr/>
+            </p:nvPicPr>
+            <p:blipFill>
+              <a:blip r:embed="rId10">
+                <a:duotone>
+                  <a:schemeClr val="accent5">
+                    <a:shade val="45000"/>
+                    <a:satMod val="135000"/>
+                  </a:schemeClr>
+                  <a:prstClr val="white"/>
+                </a:duotone>
+                <a:extLst>
+                  <a:ext uri="{28A0092B-C50C-407E-A947-70E740481C1C}">
+                    <a14:useLocalDpi xmlns:a14="http://schemas.microsoft.com/office/drawing/2010/main" val="0"/>
+                  </a:ext>
+                </a:extLst>
+              </a:blip>
+              <a:srcRect/>
+              <a:stretch>
+                <a:fillRect/>
+              </a:stretch>
+            </p:blipFill>
+            <p:spPr bwMode="auto">
+              <a:xfrm>
+                <a:off x="4717473" y="1330037"/>
+                <a:ext cx="796636" cy="796636"/>
+              </a:xfrm>
+              <a:prstGeom prst="rect">
+                <a:avLst/>
+              </a:prstGeom>
+              <a:noFill/>
+              <a:extLst>
+                <a:ext uri="{909E8E84-426E-40DD-AFC4-6F175D3DCCD1}">
+                  <a14:hiddenFill xmlns:a14="http://schemas.microsoft.com/office/drawing/2010/main">
+                    <a:solidFill>
+                      <a:srgbClr val="FFFFFF"/>
+                    </a:solidFill>
+                  </a14:hiddenFill>
+                </a:ext>
+              </a:extLst>
+            </p:spPr>
+          </p:pic>
+          <p:sp>
+            <p:nvSpPr>
+              <p:cNvPr id="5" name="Hình Bầu dục 4">
+                <a:extLst>
+                  <a:ext uri="{FF2B5EF4-FFF2-40B4-BE49-F238E27FC236}">
+                    <a16:creationId xmlns:a16="http://schemas.microsoft.com/office/drawing/2014/main" id="{4766FB7C-754A-4BC4-AFBA-39DE76CD8EA0}"/>
+                  </a:ext>
+                </a:extLst>
+              </p:cNvPr>
+              <p:cNvSpPr/>
+              <p:nvPr/>
+            </p:nvSpPr>
+            <p:spPr>
+              <a:xfrm>
+                <a:off x="4828310" y="1440874"/>
+                <a:ext cx="574964" cy="574964"/>
+              </a:xfrm>
+              <a:prstGeom prst="ellipse">
+                <a:avLst/>
+              </a:prstGeom>
+              <a:noFill/>
+              <a:ln w="38100">
+                <a:solidFill>
+                  <a:srgbClr val="4A6DAD"/>
+                </a:solidFill>
+              </a:ln>
+            </p:spPr>
+            <p:style>
+              <a:lnRef idx="2">
+                <a:schemeClr val="accent1">
+                  <a:shade val="50000"/>
+                </a:schemeClr>
+              </a:lnRef>
+              <a:fillRef idx="1">
+                <a:schemeClr val="accent1"/>
+              </a:fillRef>
+              <a:effectRef idx="0">
+                <a:schemeClr val="accent1"/>
+              </a:effectRef>
+              <a:fontRef idx="minor">
+                <a:schemeClr val="lt1"/>
+              </a:fontRef>
+            </p:style>
+            <p:txBody>
+              <a:bodyPr rtlCol="0" anchor="ctr"/>
+              <a:lstStyle/>
+              <a:p>
+                <a:pPr algn="ctr"/>
+                <a:endParaRPr lang="en-US"/>
+              </a:p>
+            </p:txBody>
+          </p:sp>
+        </p:grpSp>
+        <p:sp>
+          <p:nvSpPr>
+            <p:cNvPr id="31" name="Hình chữ nhật 30">
+              <a:extLst>
+                <a:ext uri="{FF2B5EF4-FFF2-40B4-BE49-F238E27FC236}">
+                  <a16:creationId xmlns:a16="http://schemas.microsoft.com/office/drawing/2014/main" id="{1D07285E-F759-4161-B833-16C098ABE802}"/>
+                </a:ext>
+              </a:extLst>
+            </p:cNvPr>
+            <p:cNvSpPr/>
+            <p:nvPr/>
+          </p:nvSpPr>
+          <p:spPr>
+            <a:xfrm>
+              <a:off x="4318159" y="5696766"/>
+              <a:ext cx="1479892" cy="307777"/>
+            </a:xfrm>
+            <a:prstGeom prst="rect">
+              <a:avLst/>
+            </a:prstGeom>
+            <a:noFill/>
+          </p:spPr>
+          <p:txBody>
+            <a:bodyPr wrap="none" lIns="91440" tIns="45720" rIns="91440" bIns="45720">
+              <a:spAutoFit/>
+            </a:bodyPr>
+            <a:lstStyle/>
+            <a:p>
+              <a:pPr algn="ctr"/>
+              <a:r>
+                <a:rPr lang="en-US" sz="1400" b="1">
+                  <a:ln w="0"/>
+                  <a:solidFill>
+                    <a:schemeClr val="bg1">
+                      <a:lumMod val="65000"/>
+                    </a:schemeClr>
+                  </a:solidFill>
+                </a:rPr>
+                <a:t>2</a:t>
+              </a:r>
+              <a:r>
+                <a:rPr lang="en-US" sz="1400" b="1" cap="none" spc="0">
+                  <a:ln w="0"/>
+                  <a:solidFill>
+                    <a:schemeClr val="bg1">
+                      <a:lumMod val="65000"/>
+                    </a:schemeClr>
+                  </a:solidFill>
+                  <a:effectLst/>
+                </a:rPr>
+                <a:t>2:15 </a:t>
+              </a:r>
+              <a:r>
+                <a:rPr lang="en-US" sz="1400" b="1">
+                  <a:ln w="0"/>
+                  <a:solidFill>
+                    <a:schemeClr val="bg1">
+                      <a:lumMod val="65000"/>
+                    </a:schemeClr>
+                  </a:solidFill>
+                </a:rPr>
+                <a:t>12</a:t>
+              </a:r>
+              <a:r>
+                <a:rPr lang="en-US" sz="1400" b="1" cap="none" spc="0">
+                  <a:ln w="0"/>
+                  <a:solidFill>
+                    <a:schemeClr val="bg1">
+                      <a:lumMod val="65000"/>
+                    </a:schemeClr>
+                  </a:solidFill>
+                  <a:effectLst/>
+                </a:rPr>
+                <a:t>-04-2020</a:t>
+              </a:r>
+              <a:endParaRPr lang="vi-VN" sz="1400" b="1" cap="none" spc="0">
+                <a:ln w="0"/>
+                <a:solidFill>
+                  <a:schemeClr val="bg1">
+                    <a:lumMod val="65000"/>
+                  </a:schemeClr>
+                </a:solidFill>
+                <a:effectLst/>
+              </a:endParaRPr>
+            </a:p>
+          </p:txBody>
+        </p:sp>
+        <p:sp>
+          <p:nvSpPr>
+            <p:cNvPr id="44" name="Hình chữ nhật 43">
+              <a:extLst>
+                <a:ext uri="{FF2B5EF4-FFF2-40B4-BE49-F238E27FC236}">
+                  <a16:creationId xmlns:a16="http://schemas.microsoft.com/office/drawing/2014/main" id="{0079D9E8-29E0-41ED-BC04-AEFBD95ECB07}"/>
+                </a:ext>
+              </a:extLst>
+            </p:cNvPr>
+            <p:cNvSpPr/>
+            <p:nvPr/>
+          </p:nvSpPr>
+          <p:spPr>
+            <a:xfrm>
+              <a:off x="4305456" y="5000666"/>
+              <a:ext cx="1479892" cy="307777"/>
+            </a:xfrm>
+            <a:prstGeom prst="rect">
+              <a:avLst/>
+            </a:prstGeom>
+            <a:noFill/>
+          </p:spPr>
+          <p:txBody>
+            <a:bodyPr wrap="none" lIns="91440" tIns="45720" rIns="91440" bIns="45720">
+              <a:spAutoFit/>
+            </a:bodyPr>
+            <a:lstStyle/>
+            <a:p>
+              <a:pPr algn="ctr"/>
+              <a:r>
+                <a:rPr lang="en-US" sz="1400" b="1">
+                  <a:ln w="0"/>
+                  <a:solidFill>
+                    <a:schemeClr val="bg1">
+                      <a:lumMod val="65000"/>
+                    </a:schemeClr>
+                  </a:solidFill>
+                </a:rPr>
+                <a:t>22</a:t>
+              </a:r>
+              <a:r>
+                <a:rPr lang="en-US" sz="1400" b="1" cap="none" spc="0">
+                  <a:ln w="0"/>
+                  <a:solidFill>
+                    <a:schemeClr val="bg1">
+                      <a:lumMod val="65000"/>
+                    </a:schemeClr>
+                  </a:solidFill>
+                  <a:effectLst/>
+                </a:rPr>
+                <a:t>:53 12-04-2020</a:t>
+              </a:r>
+              <a:endParaRPr lang="vi-VN" sz="1400" b="1" cap="none" spc="0">
+                <a:ln w="0"/>
+                <a:solidFill>
+                  <a:schemeClr val="bg1">
+                    <a:lumMod val="65000"/>
+                  </a:schemeClr>
+                </a:solidFill>
+                <a:effectLst/>
+              </a:endParaRPr>
+            </a:p>
+          </p:txBody>
+        </p:sp>
+        <p:sp>
+          <p:nvSpPr>
+            <p:cNvPr id="46" name="Hình Bầu dục 45">
+              <a:extLst>
+                <a:ext uri="{FF2B5EF4-FFF2-40B4-BE49-F238E27FC236}">
+                  <a16:creationId xmlns:a16="http://schemas.microsoft.com/office/drawing/2014/main" id="{ECF99418-DDB3-49F5-8970-60A9B49BA324}"/>
+                </a:ext>
+              </a:extLst>
+            </p:cNvPr>
+            <p:cNvSpPr/>
+            <p:nvPr/>
+          </p:nvSpPr>
+          <p:spPr>
+            <a:xfrm>
+              <a:off x="4080700" y="4809531"/>
+              <a:ext cx="134985" cy="134985"/>
+            </a:xfrm>
+            <a:prstGeom prst="ellipse">
+              <a:avLst/>
+            </a:prstGeom>
+            <a:solidFill>
+              <a:srgbClr val="92D050"/>
+            </a:solidFill>
+            <a:ln w="28575">
+              <a:solidFill>
+                <a:schemeClr val="accent6">
+                  <a:lumMod val="40000"/>
+                  <a:lumOff val="60000"/>
+                </a:schemeClr>
+              </a:solidFill>
+            </a:ln>
+          </p:spPr>
+          <p:style>
+            <a:lnRef idx="2">
+              <a:schemeClr val="accent1">
+                <a:shade val="50000"/>
+              </a:schemeClr>
+            </a:lnRef>
+            <a:fillRef idx="1">
+              <a:schemeClr val="accent1"/>
+            </a:fillRef>
+            <a:effectRef idx="0">
+              <a:schemeClr val="accent1"/>
+            </a:effectRef>
+            <a:fontRef idx="minor">
+              <a:schemeClr val="lt1"/>
+            </a:fontRef>
+          </p:style>
+          <p:txBody>
+            <a:bodyPr rtlCol="0" anchor="ctr"/>
+            <a:lstStyle/>
+            <a:p>
+              <a:pPr algn="ctr"/>
+              <a:endParaRPr lang="en-US"/>
+            </a:p>
+          </p:txBody>
+        </p:sp>
+        <p:sp>
+          <p:nvSpPr>
+            <p:cNvPr id="2049" name="Hình chữ nhật 2048">
+              <a:extLst>
+                <a:ext uri="{FF2B5EF4-FFF2-40B4-BE49-F238E27FC236}">
+                  <a16:creationId xmlns:a16="http://schemas.microsoft.com/office/drawing/2014/main" id="{591A6EF7-6CB0-4B91-8E11-154F4705B37D}"/>
+                </a:ext>
+              </a:extLst>
+            </p:cNvPr>
+            <p:cNvSpPr/>
+            <p:nvPr/>
+          </p:nvSpPr>
+          <p:spPr>
+            <a:xfrm>
+              <a:off x="4272458" y="5380172"/>
+              <a:ext cx="962123" cy="400110"/>
+            </a:xfrm>
+            <a:prstGeom prst="rect">
+              <a:avLst/>
+            </a:prstGeom>
+            <a:noFill/>
+          </p:spPr>
+          <p:txBody>
+            <a:bodyPr wrap="none" lIns="91440" tIns="45720" rIns="91440" bIns="45720">
+              <a:spAutoFit/>
+            </a:bodyPr>
+            <a:lstStyle/>
+            <a:p>
+              <a:pPr algn="ctr"/>
+              <a:r>
+                <a:rPr lang="en-US" sz="2000">
+                  <a:ln w="0"/>
+                  <a:solidFill>
+                    <a:srgbClr val="4A6DAD"/>
+                  </a:solidFill>
+                </a:rPr>
+                <a:t>Đèn tắt</a:t>
+              </a:r>
+              <a:endParaRPr lang="vi-VN" sz="2000" cap="none" spc="0">
+                <a:ln w="0"/>
+                <a:solidFill>
+                  <a:srgbClr val="4A6DAD"/>
+                </a:solidFill>
+              </a:endParaRPr>
+            </a:p>
+          </p:txBody>
+        </p:sp>
+        <p:sp>
+          <p:nvSpPr>
+            <p:cNvPr id="50" name="Hình chữ nhật 49">
+              <a:extLst>
+                <a:ext uri="{FF2B5EF4-FFF2-40B4-BE49-F238E27FC236}">
+                  <a16:creationId xmlns:a16="http://schemas.microsoft.com/office/drawing/2014/main" id="{25FE35B3-A44F-4EEB-A0C0-F5D0FDD8DAE4}"/>
+                </a:ext>
+              </a:extLst>
+            </p:cNvPr>
+            <p:cNvSpPr/>
+            <p:nvPr/>
+          </p:nvSpPr>
+          <p:spPr>
+            <a:xfrm>
+              <a:off x="4272072" y="4652601"/>
+              <a:ext cx="1614545" cy="400110"/>
+            </a:xfrm>
+            <a:prstGeom prst="rect">
+              <a:avLst/>
+            </a:prstGeom>
+            <a:noFill/>
+          </p:spPr>
+          <p:txBody>
+            <a:bodyPr wrap="none" lIns="91440" tIns="45720" rIns="91440" bIns="45720">
+              <a:spAutoFit/>
+            </a:bodyPr>
+            <a:lstStyle/>
+            <a:p>
+              <a:pPr algn="ctr"/>
+              <a:r>
+                <a:rPr lang="en-US" sz="2000" b="1">
+                  <a:ln w="0"/>
+                  <a:solidFill>
+                    <a:srgbClr val="92D050"/>
+                  </a:solidFill>
+                </a:rPr>
+                <a:t>Đèn đang bật</a:t>
+              </a:r>
+              <a:endParaRPr lang="vi-VN" sz="2000" b="1" cap="none" spc="0">
+                <a:ln w="0"/>
+                <a:solidFill>
+                  <a:srgbClr val="92D050"/>
+                </a:solidFill>
+              </a:endParaRPr>
+            </a:p>
+          </p:txBody>
+        </p:sp>
+        <p:sp>
+          <p:nvSpPr>
+            <p:cNvPr id="51" name="Hình chữ nhật 50">
+              <a:extLst>
+                <a:ext uri="{FF2B5EF4-FFF2-40B4-BE49-F238E27FC236}">
+                  <a16:creationId xmlns:a16="http://schemas.microsoft.com/office/drawing/2014/main" id="{4A64D32E-9FCE-409A-94AF-DAAC5CD4A70E}"/>
+                </a:ext>
+              </a:extLst>
+            </p:cNvPr>
+            <p:cNvSpPr/>
+            <p:nvPr/>
+          </p:nvSpPr>
+          <p:spPr>
+            <a:xfrm>
+              <a:off x="4318155" y="6355601"/>
+              <a:ext cx="1479892" cy="307777"/>
+            </a:xfrm>
+            <a:prstGeom prst="rect">
+              <a:avLst/>
+            </a:prstGeom>
+            <a:noFill/>
+          </p:spPr>
+          <p:txBody>
+            <a:bodyPr wrap="none" lIns="91440" tIns="45720" rIns="91440" bIns="45720">
+              <a:spAutoFit/>
+            </a:bodyPr>
+            <a:lstStyle/>
+            <a:p>
+              <a:pPr algn="ctr"/>
+              <a:r>
+                <a:rPr lang="en-US" sz="1400" b="1" cap="none" spc="0">
+                  <a:ln w="0"/>
+                  <a:solidFill>
+                    <a:schemeClr val="bg1">
+                      <a:lumMod val="65000"/>
+                    </a:schemeClr>
+                  </a:solidFill>
+                  <a:effectLst/>
+                </a:rPr>
+                <a:t>21:40 12-04-2020</a:t>
+              </a:r>
+              <a:endParaRPr lang="vi-VN" sz="1400" b="1" cap="none" spc="0">
+                <a:ln w="0"/>
+                <a:solidFill>
+                  <a:schemeClr val="bg1">
+                    <a:lumMod val="65000"/>
+                  </a:schemeClr>
+                </a:solidFill>
+                <a:effectLst/>
+              </a:endParaRPr>
+            </a:p>
+          </p:txBody>
+        </p:sp>
+        <p:sp>
+          <p:nvSpPr>
+            <p:cNvPr id="52" name="Hình Bầu dục 51">
+              <a:extLst>
+                <a:ext uri="{FF2B5EF4-FFF2-40B4-BE49-F238E27FC236}">
+                  <a16:creationId xmlns:a16="http://schemas.microsoft.com/office/drawing/2014/main" id="{1D7D98E3-B86C-46DC-9B17-B4FEC8283782}"/>
+                </a:ext>
+              </a:extLst>
+            </p:cNvPr>
+            <p:cNvSpPr/>
+            <p:nvPr/>
+          </p:nvSpPr>
+          <p:spPr>
+            <a:xfrm>
+              <a:off x="4108403" y="6200845"/>
+              <a:ext cx="79580" cy="79580"/>
+            </a:xfrm>
+            <a:prstGeom prst="ellipse">
+              <a:avLst/>
+            </a:prstGeom>
+            <a:solidFill>
+              <a:srgbClr val="92D050"/>
+            </a:solidFill>
+            <a:ln>
+              <a:solidFill>
+                <a:schemeClr val="tx1"/>
+              </a:solidFill>
+            </a:ln>
+          </p:spPr>
+          <p:style>
+            <a:lnRef idx="2">
+              <a:schemeClr val="accent1">
+                <a:shade val="50000"/>
+              </a:schemeClr>
+            </a:lnRef>
+            <a:fillRef idx="1">
+              <a:schemeClr val="accent1"/>
+            </a:fillRef>
+            <a:effectRef idx="0">
+              <a:schemeClr val="accent1"/>
+            </a:effectRef>
+            <a:fontRef idx="minor">
+              <a:schemeClr val="lt1"/>
+            </a:fontRef>
+          </p:style>
+          <p:txBody>
+            <a:bodyPr rtlCol="0" anchor="ctr"/>
+            <a:lstStyle/>
+            <a:p>
+              <a:pPr algn="ctr"/>
+              <a:endParaRPr lang="en-US"/>
+            </a:p>
+          </p:txBody>
+        </p:sp>
+        <p:sp>
+          <p:nvSpPr>
+            <p:cNvPr id="53" name="Hình chữ nhật 52">
+              <a:extLst>
+                <a:ext uri="{FF2B5EF4-FFF2-40B4-BE49-F238E27FC236}">
+                  <a16:creationId xmlns:a16="http://schemas.microsoft.com/office/drawing/2014/main" id="{579ED3DF-44AD-462E-97E3-3307E55D2700}"/>
+                </a:ext>
+              </a:extLst>
+            </p:cNvPr>
+            <p:cNvSpPr/>
+            <p:nvPr/>
+          </p:nvSpPr>
+          <p:spPr>
+            <a:xfrm>
+              <a:off x="4271507" y="6039007"/>
+              <a:ext cx="1007840" cy="400110"/>
+            </a:xfrm>
+            <a:prstGeom prst="rect">
+              <a:avLst/>
+            </a:prstGeom>
+            <a:noFill/>
+          </p:spPr>
+          <p:txBody>
+            <a:bodyPr wrap="none" lIns="91440" tIns="45720" rIns="91440" bIns="45720">
+              <a:spAutoFit/>
+            </a:bodyPr>
+            <a:lstStyle/>
+            <a:p>
+              <a:pPr algn="ctr"/>
+              <a:r>
+                <a:rPr lang="en-US" sz="2000">
+                  <a:ln w="0"/>
+                  <a:solidFill>
+                    <a:srgbClr val="92D050"/>
+                  </a:solidFill>
+                </a:rPr>
+                <a:t>Đèn bật</a:t>
+              </a:r>
+              <a:endParaRPr lang="vi-VN" sz="2000" cap="none" spc="0">
+                <a:ln w="0"/>
+                <a:solidFill>
+                  <a:srgbClr val="92D050"/>
+                </a:solidFill>
+              </a:endParaRPr>
+            </a:p>
+          </p:txBody>
+        </p:sp>
+        <p:cxnSp>
+          <p:nvCxnSpPr>
+            <p:cNvPr id="2053" name="Đường nối Thẳng 2052">
+              <a:extLst>
+                <a:ext uri="{FF2B5EF4-FFF2-40B4-BE49-F238E27FC236}">
+                  <a16:creationId xmlns:a16="http://schemas.microsoft.com/office/drawing/2014/main" id="{BF353BC5-AB6C-4CF7-A940-0F261A2EC0DA}"/>
+                </a:ext>
+              </a:extLst>
+            </p:cNvPr>
+            <p:cNvCxnSpPr>
+              <a:cxnSpLocks/>
+              <a:stCxn id="52" idx="0"/>
+              <a:endCxn id="46" idx="4"/>
+            </p:cNvCxnSpPr>
+            <p:nvPr/>
+          </p:nvCxnSpPr>
+          <p:spPr>
+            <a:xfrm flipV="1">
+              <a:off x="4148193" y="4944516"/>
+              <a:ext cx="0" cy="1256329"/>
+            </a:xfrm>
+            <a:prstGeom prst="line">
+              <a:avLst/>
+            </a:prstGeom>
+            <a:ln w="19050">
+              <a:solidFill>
+                <a:schemeClr val="bg1">
+                  <a:lumMod val="65000"/>
+                </a:schemeClr>
+              </a:solidFill>
+            </a:ln>
+          </p:spPr>
+          <p:style>
+            <a:lnRef idx="1">
+              <a:schemeClr val="accent1"/>
+            </a:lnRef>
+            <a:fillRef idx="0">
+              <a:schemeClr val="accent1"/>
+            </a:fillRef>
+            <a:effectRef idx="0">
+              <a:schemeClr val="accent1"/>
+            </a:effectRef>
+            <a:fontRef idx="minor">
+              <a:schemeClr val="tx1"/>
+            </a:fontRef>
+          </p:style>
+        </p:cxnSp>
+        <p:sp>
+          <p:nvSpPr>
+            <p:cNvPr id="2048" name="Hình Bầu dục 2047">
+              <a:extLst>
+                <a:ext uri="{FF2B5EF4-FFF2-40B4-BE49-F238E27FC236}">
+                  <a16:creationId xmlns:a16="http://schemas.microsoft.com/office/drawing/2014/main" id="{5ECBA549-99D1-4E4E-A356-4A3296B2ADB8}"/>
+                </a:ext>
+              </a:extLst>
+            </p:cNvPr>
+            <p:cNvSpPr/>
+            <p:nvPr/>
+          </p:nvSpPr>
+          <p:spPr>
+            <a:xfrm>
+              <a:off x="4108403" y="5542010"/>
+              <a:ext cx="79580" cy="79580"/>
+            </a:xfrm>
+            <a:prstGeom prst="ellipse">
+              <a:avLst/>
+            </a:prstGeom>
+            <a:ln>
+              <a:solidFill>
+                <a:schemeClr val="tx1"/>
+              </a:solidFill>
+            </a:ln>
+          </p:spPr>
+          <p:style>
+            <a:lnRef idx="2">
+              <a:schemeClr val="accent1">
+                <a:shade val="50000"/>
+              </a:schemeClr>
+            </a:lnRef>
+            <a:fillRef idx="1">
+              <a:schemeClr val="accent1"/>
+            </a:fillRef>
+            <a:effectRef idx="0">
+              <a:schemeClr val="accent1"/>
+            </a:effectRef>
+            <a:fontRef idx="minor">
+              <a:schemeClr val="lt1"/>
+            </a:fontRef>
+          </p:style>
+          <p:txBody>
+            <a:bodyPr rtlCol="0" anchor="ctr"/>
+            <a:lstStyle/>
+            <a:p>
+              <a:pPr algn="ctr"/>
+              <a:endParaRPr lang="en-US"/>
+            </a:p>
+          </p:txBody>
+        </p:sp>
+        <p:pic>
+          <p:nvPicPr>
+            <p:cNvPr id="3" name="Hình ảnh 2" descr="Ảnh có chứa trắng, đang ngồi, thiết bị, bàn&#10;&#10;Mô tả được tạo tự động">
+              <a:extLst>
+                <a:ext uri="{FF2B5EF4-FFF2-40B4-BE49-F238E27FC236}">
+                  <a16:creationId xmlns:a16="http://schemas.microsoft.com/office/drawing/2014/main" id="{0053AF1A-4EDA-4BEB-B370-BD7196364029}"/>
+                </a:ext>
+              </a:extLst>
+            </p:cNvPr>
+            <p:cNvPicPr>
+              <a:picLocks noChangeAspect="1"/>
+            </p:cNvPicPr>
+            <p:nvPr/>
+          </p:nvPicPr>
+          <p:blipFill rotWithShape="1">
+            <a:blip r:embed="rId11">
+              <a:extLst>
+                <a:ext uri="{28A0092B-C50C-407E-A947-70E740481C1C}">
+                  <a14:useLocalDpi xmlns:a14="http://schemas.microsoft.com/office/drawing/2010/main" val="0"/>
+                </a:ext>
+              </a:extLst>
+            </a:blip>
+            <a:srcRect t="23684" b="26090"/>
+            <a:stretch/>
+          </p:blipFill>
+          <p:spPr>
+            <a:xfrm>
+              <a:off x="4755641" y="1424135"/>
+              <a:ext cx="2234211" cy="1122146"/>
+            </a:xfrm>
+            <a:prstGeom prst="rect">
+              <a:avLst/>
+            </a:prstGeom>
+          </p:spPr>
+        </p:pic>
+        <p:sp>
+          <p:nvSpPr>
+            <p:cNvPr id="10" name="Hình chữ nhật 9">
+              <a:extLst>
+                <a:ext uri="{FF2B5EF4-FFF2-40B4-BE49-F238E27FC236}">
+                  <a16:creationId xmlns:a16="http://schemas.microsoft.com/office/drawing/2014/main" id="{09C931F0-1F3C-4400-97C8-ABB2F3B21358}"/>
+                </a:ext>
+              </a:extLst>
+            </p:cNvPr>
+            <p:cNvSpPr/>
+            <p:nvPr/>
+          </p:nvSpPr>
+          <p:spPr>
+            <a:xfrm>
+              <a:off x="3939376" y="3241628"/>
+              <a:ext cx="3847685" cy="690826"/>
+            </a:xfrm>
+            <a:prstGeom prst="rect">
+              <a:avLst/>
+            </a:prstGeom>
+            <a:solidFill>
+              <a:srgbClr val="E4EEF8"/>
+            </a:solidFill>
+            <a:ln>
+              <a:noFill/>
+            </a:ln>
+          </p:spPr>
+          <p:style>
+            <a:lnRef idx="2">
+              <a:schemeClr val="accent1">
+                <a:shade val="50000"/>
+              </a:schemeClr>
+            </a:lnRef>
+            <a:fillRef idx="1">
+              <a:schemeClr val="accent1"/>
+            </a:fillRef>
+            <a:effectRef idx="0">
+              <a:schemeClr val="accent1"/>
+            </a:effectRef>
+            <a:fontRef idx="minor">
+              <a:schemeClr val="lt1"/>
+            </a:fontRef>
+          </p:style>
+          <p:txBody>
+            <a:bodyPr rtlCol="0" anchor="ctr"/>
+            <a:lstStyle/>
+            <a:p>
+              <a:pPr algn="ctr"/>
+              <a:endParaRPr lang="en-US"/>
+            </a:p>
+          </p:txBody>
+        </p:sp>
+        <p:sp>
+          <p:nvSpPr>
+            <p:cNvPr id="18" name="Hình chữ nhật: Góc Tròn 17">
+              <a:extLst>
+                <a:ext uri="{FF2B5EF4-FFF2-40B4-BE49-F238E27FC236}">
+                  <a16:creationId xmlns:a16="http://schemas.microsoft.com/office/drawing/2014/main" id="{0CA77F58-B306-47FF-BE38-FC28E785AD76}"/>
+                </a:ext>
+              </a:extLst>
+            </p:cNvPr>
+            <p:cNvSpPr/>
+            <p:nvPr/>
+          </p:nvSpPr>
+          <p:spPr>
+            <a:xfrm>
+              <a:off x="4012656" y="3287665"/>
+              <a:ext cx="1811207" cy="605627"/>
+            </a:xfrm>
+            <a:prstGeom prst="roundRect">
+              <a:avLst>
+                <a:gd name="adj" fmla="val 22958"/>
+              </a:avLst>
+            </a:prstGeom>
+            <a:solidFill>
+              <a:schemeClr val="accent5">
+                <a:lumMod val="40000"/>
+                <a:lumOff val="60000"/>
+              </a:schemeClr>
+            </a:solidFill>
+            <a:ln>
+              <a:noFill/>
+            </a:ln>
+          </p:spPr>
+          <p:style>
+            <a:lnRef idx="2">
+              <a:schemeClr val="accent1">
+                <a:shade val="50000"/>
+              </a:schemeClr>
+            </a:lnRef>
+            <a:fillRef idx="1">
+              <a:schemeClr val="accent1"/>
+            </a:fillRef>
+            <a:effectRef idx="0">
+              <a:schemeClr val="accent1"/>
+            </a:effectRef>
+            <a:fontRef idx="minor">
+              <a:schemeClr val="lt1"/>
+            </a:fontRef>
+          </p:style>
+          <p:txBody>
+            <a:bodyPr rtlCol="0" anchor="ctr"/>
+            <a:lstStyle/>
+            <a:p>
+              <a:pPr algn="ctr"/>
+              <a:endParaRPr lang="en-US"/>
+            </a:p>
+          </p:txBody>
+        </p:sp>
+        <p:sp>
+          <p:nvSpPr>
+            <p:cNvPr id="54" name="Hình chữ nhật: Góc Tròn 53">
+              <a:extLst>
+                <a:ext uri="{FF2B5EF4-FFF2-40B4-BE49-F238E27FC236}">
+                  <a16:creationId xmlns:a16="http://schemas.microsoft.com/office/drawing/2014/main" id="{BB689280-4277-43B2-B0D9-8595948E9747}"/>
+                </a:ext>
+              </a:extLst>
+            </p:cNvPr>
+            <p:cNvSpPr/>
+            <p:nvPr/>
+          </p:nvSpPr>
+          <p:spPr>
+            <a:xfrm>
+              <a:off x="5899052" y="3285368"/>
+              <a:ext cx="1811207" cy="605627"/>
+            </a:xfrm>
+            <a:prstGeom prst="roundRect">
+              <a:avLst>
+                <a:gd name="adj" fmla="val 22958"/>
+              </a:avLst>
+            </a:prstGeom>
+            <a:solidFill>
+              <a:schemeClr val="accent5">
+                <a:lumMod val="40000"/>
+                <a:lumOff val="60000"/>
+              </a:schemeClr>
+            </a:solidFill>
+            <a:ln>
+              <a:noFill/>
+            </a:ln>
+          </p:spPr>
+          <p:style>
+            <a:lnRef idx="2">
+              <a:schemeClr val="accent1">
+                <a:shade val="50000"/>
+              </a:schemeClr>
+            </a:lnRef>
+            <a:fillRef idx="1">
+              <a:schemeClr val="accent1"/>
+            </a:fillRef>
+            <a:effectRef idx="0">
+              <a:schemeClr val="accent1"/>
+            </a:effectRef>
+            <a:fontRef idx="minor">
+              <a:schemeClr val="lt1"/>
+            </a:fontRef>
+          </p:style>
+          <p:txBody>
+            <a:bodyPr rtlCol="0" anchor="ctr"/>
+            <a:lstStyle/>
+            <a:p>
+              <a:pPr algn="ctr"/>
+              <a:endParaRPr lang="en-US"/>
+            </a:p>
+          </p:txBody>
+        </p:sp>
+        <p:pic>
+          <p:nvPicPr>
+            <p:cNvPr id="17" name="Hình ảnh 16" descr="Ảnh có chứa vẽ&#10;&#10;Mô tả được tạo tự động">
+              <a:extLst>
+                <a:ext uri="{FF2B5EF4-FFF2-40B4-BE49-F238E27FC236}">
+                  <a16:creationId xmlns:a16="http://schemas.microsoft.com/office/drawing/2014/main" id="{CB665B1D-F876-48A8-96B7-DAE3BC205AE8}"/>
+                </a:ext>
+              </a:extLst>
+            </p:cNvPr>
+            <p:cNvPicPr>
+              <a:picLocks noChangeAspect="1"/>
+            </p:cNvPicPr>
+            <p:nvPr/>
+          </p:nvPicPr>
+          <p:blipFill>
+            <a:blip r:embed="rId12">
+              <a:extLst>
+                <a:ext uri="{28A0092B-C50C-407E-A947-70E740481C1C}">
+                  <a14:useLocalDpi xmlns:a14="http://schemas.microsoft.com/office/drawing/2010/main" val="0"/>
+                </a:ext>
+              </a:extLst>
+            </a:blip>
+            <a:stretch>
+              <a:fillRect/>
+            </a:stretch>
+          </p:blipFill>
+          <p:spPr>
+            <a:xfrm>
+              <a:off x="4032007" y="3386778"/>
+              <a:ext cx="407401" cy="407401"/>
+            </a:xfrm>
+            <a:prstGeom prst="rect">
+              <a:avLst/>
+            </a:prstGeom>
+          </p:spPr>
+        </p:pic>
+        <p:pic>
+          <p:nvPicPr>
+            <p:cNvPr id="14" name="Hình ảnh 13" descr="Ảnh có chứa đồng hồ&#10;&#10;Mô tả được tạo tự động">
+              <a:extLst>
+                <a:ext uri="{FF2B5EF4-FFF2-40B4-BE49-F238E27FC236}">
+                  <a16:creationId xmlns:a16="http://schemas.microsoft.com/office/drawing/2014/main" id="{00F701F7-879E-492D-9B07-B4F80EF15CE4}"/>
+                </a:ext>
+              </a:extLst>
+            </p:cNvPr>
+            <p:cNvPicPr>
+              <a:picLocks noChangeAspect="1"/>
+            </p:cNvPicPr>
+            <p:nvPr/>
+          </p:nvPicPr>
+          <p:blipFill>
+            <a:blip r:embed="rId13">
+              <a:extLst>
+                <a:ext uri="{28A0092B-C50C-407E-A947-70E740481C1C}">
+                  <a14:useLocalDpi xmlns:a14="http://schemas.microsoft.com/office/drawing/2010/main" val="0"/>
+                </a:ext>
+              </a:extLst>
+            </a:blip>
+            <a:stretch>
+              <a:fillRect/>
+            </a:stretch>
+          </p:blipFill>
+          <p:spPr>
+            <a:xfrm>
+              <a:off x="5904594" y="3376223"/>
+              <a:ext cx="382812" cy="382812"/>
+            </a:xfrm>
+            <a:prstGeom prst="rect">
+              <a:avLst/>
+            </a:prstGeom>
+          </p:spPr>
+        </p:pic>
+        <p:sp>
+          <p:nvSpPr>
+            <p:cNvPr id="20" name="Hình chữ nhật 19">
+              <a:extLst>
+                <a:ext uri="{FF2B5EF4-FFF2-40B4-BE49-F238E27FC236}">
+                  <a16:creationId xmlns:a16="http://schemas.microsoft.com/office/drawing/2014/main" id="{D28464DB-EE5A-43C2-9545-345DF418F837}"/>
+                </a:ext>
+              </a:extLst>
+            </p:cNvPr>
+            <p:cNvSpPr/>
+            <p:nvPr/>
+          </p:nvSpPr>
+          <p:spPr>
+            <a:xfrm>
+              <a:off x="4312636" y="3294808"/>
+              <a:ext cx="1548822" cy="292388"/>
+            </a:xfrm>
+            <a:prstGeom prst="rect">
+              <a:avLst/>
+            </a:prstGeom>
+            <a:noFill/>
+          </p:spPr>
+          <p:txBody>
+            <a:bodyPr wrap="none" lIns="91440" tIns="45720" rIns="91440" bIns="45720">
+              <a:spAutoFit/>
+            </a:bodyPr>
+            <a:lstStyle/>
+            <a:p>
+              <a:pPr algn="ctr"/>
+              <a:r>
+                <a:rPr lang="en-US" sz="1300" b="0" cap="none" spc="0">
+                  <a:ln w="0"/>
+                  <a:solidFill>
+                    <a:schemeClr val="tx1"/>
+                  </a:solidFill>
+                  <a:effectLst>
+                    <a:outerShdw blurRad="38100" dist="19050" dir="2700000" algn="tl" rotWithShape="0">
+                      <a:schemeClr val="dk1">
+                        <a:alpha val="40000"/>
+                      </a:schemeClr>
+                    </a:outerShdw>
+                  </a:effectLst>
+                </a:rPr>
+                <a:t>Th</a:t>
+              </a:r>
+              <a:r>
+                <a:rPr lang="en-US" sz="1300">
+                  <a:ln w="0"/>
+                  <a:effectLst>
+                    <a:outerShdw blurRad="38100" dist="19050" dir="2700000" algn="tl" rotWithShape="0">
+                      <a:schemeClr val="dk1">
+                        <a:alpha val="40000"/>
+                      </a:schemeClr>
+                    </a:outerShdw>
+                  </a:effectLst>
+                </a:rPr>
+                <a:t>ời gian hoạt động</a:t>
+              </a:r>
+              <a:endParaRPr lang="vi-VN" sz="1300" b="0" cap="none" spc="0">
+                <a:ln w="0"/>
+                <a:solidFill>
+                  <a:schemeClr val="tx1"/>
+                </a:solidFill>
+                <a:effectLst>
+                  <a:outerShdw blurRad="38100" dist="19050" dir="2700000" algn="tl" rotWithShape="0">
+                    <a:schemeClr val="dk1">
+                      <a:alpha val="40000"/>
+                    </a:schemeClr>
+                  </a:outerShdw>
+                </a:effectLst>
+              </a:endParaRPr>
+            </a:p>
+          </p:txBody>
+        </p:sp>
+        <p:sp>
+          <p:nvSpPr>
+            <p:cNvPr id="21" name="Hình chữ nhật 20">
+              <a:extLst>
+                <a:ext uri="{FF2B5EF4-FFF2-40B4-BE49-F238E27FC236}">
+                  <a16:creationId xmlns:a16="http://schemas.microsoft.com/office/drawing/2014/main" id="{8BD692D7-5DED-4083-B8C3-BBA0EE70750C}"/>
+                </a:ext>
+              </a:extLst>
+            </p:cNvPr>
+            <p:cNvSpPr/>
+            <p:nvPr/>
+          </p:nvSpPr>
+          <p:spPr>
+            <a:xfrm>
+              <a:off x="4415750" y="3511052"/>
+              <a:ext cx="1322798" cy="338554"/>
+            </a:xfrm>
+            <a:prstGeom prst="rect">
+              <a:avLst/>
+            </a:prstGeom>
+            <a:noFill/>
+          </p:spPr>
+          <p:txBody>
+            <a:bodyPr wrap="none" lIns="91440" tIns="45720" rIns="91440" bIns="45720">
+              <a:spAutoFit/>
+            </a:bodyPr>
+            <a:lstStyle/>
+            <a:p>
+              <a:pPr algn="ctr"/>
+              <a:r>
+                <a:rPr lang="en-US" sz="1600" b="0" cap="none" spc="0">
+                  <a:ln w="0"/>
+                  <a:solidFill>
+                    <a:schemeClr val="bg1"/>
+                  </a:solidFill>
+                  <a:effectLst>
+                    <a:outerShdw blurRad="38100" dist="19050" dir="2700000" algn="tl" rotWithShape="0">
+                      <a:schemeClr val="dk1">
+                        <a:alpha val="40000"/>
+                      </a:schemeClr>
+                    </a:outerShdw>
+                  </a:effectLst>
+                </a:rPr>
+                <a:t>18:00 – 06:00</a:t>
+              </a:r>
+              <a:endParaRPr lang="vi-VN" sz="1600" b="0" cap="none" spc="0">
+                <a:ln w="0"/>
+                <a:solidFill>
+                  <a:schemeClr val="bg1"/>
+                </a:solidFill>
+                <a:effectLst>
+                  <a:outerShdw blurRad="38100" dist="19050" dir="2700000" algn="tl" rotWithShape="0">
+                    <a:schemeClr val="dk1">
+                      <a:alpha val="40000"/>
+                    </a:schemeClr>
+                  </a:outerShdw>
+                </a:effectLst>
+              </a:endParaRPr>
+            </a:p>
+          </p:txBody>
+        </p:sp>
+        <p:sp>
+          <p:nvSpPr>
+            <p:cNvPr id="55" name="Hình chữ nhật 54">
+              <a:extLst>
+                <a:ext uri="{FF2B5EF4-FFF2-40B4-BE49-F238E27FC236}">
+                  <a16:creationId xmlns:a16="http://schemas.microsoft.com/office/drawing/2014/main" id="{BA8130DC-5C67-4F6D-845D-14F3F95C5B8D}"/>
+                </a:ext>
+              </a:extLst>
+            </p:cNvPr>
+            <p:cNvSpPr/>
+            <p:nvPr/>
+          </p:nvSpPr>
+          <p:spPr>
+            <a:xfrm>
+              <a:off x="6375179" y="3294808"/>
+              <a:ext cx="1135375" cy="292388"/>
+            </a:xfrm>
+            <a:prstGeom prst="rect">
+              <a:avLst/>
+            </a:prstGeom>
+            <a:noFill/>
+          </p:spPr>
+          <p:txBody>
+            <a:bodyPr wrap="none" lIns="91440" tIns="45720" rIns="91440" bIns="45720">
+              <a:spAutoFit/>
+            </a:bodyPr>
+            <a:lstStyle/>
+            <a:p>
+              <a:pPr algn="ctr"/>
+              <a:r>
+                <a:rPr lang="en-US" sz="1300">
+                  <a:ln w="0"/>
+                  <a:effectLst>
+                    <a:outerShdw blurRad="38100" dist="19050" dir="2700000" algn="tl" rotWithShape="0">
+                      <a:schemeClr val="dk1">
+                        <a:alpha val="40000"/>
+                      </a:schemeClr>
+                    </a:outerShdw>
+                  </a:effectLst>
+                </a:rPr>
+                <a:t>Độ trễ thiết bị</a:t>
+              </a:r>
+              <a:endParaRPr lang="vi-VN" sz="1300" b="0" cap="none" spc="0">
+                <a:ln w="0"/>
+                <a:solidFill>
+                  <a:schemeClr val="tx1"/>
+                </a:solidFill>
+                <a:effectLst>
+                  <a:outerShdw blurRad="38100" dist="19050" dir="2700000" algn="tl" rotWithShape="0">
+                    <a:schemeClr val="dk1">
+                      <a:alpha val="40000"/>
+                    </a:schemeClr>
+                  </a:outerShdw>
+                </a:effectLst>
+              </a:endParaRPr>
+            </a:p>
+          </p:txBody>
+        </p:sp>
+        <p:sp>
+          <p:nvSpPr>
+            <p:cNvPr id="56" name="Hình chữ nhật 55">
+              <a:extLst>
+                <a:ext uri="{FF2B5EF4-FFF2-40B4-BE49-F238E27FC236}">
+                  <a16:creationId xmlns:a16="http://schemas.microsoft.com/office/drawing/2014/main" id="{4AC85D75-B52E-4C7A-9921-4E992C3D33FB}"/>
+                </a:ext>
+              </a:extLst>
+            </p:cNvPr>
+            <p:cNvSpPr/>
+            <p:nvPr/>
+          </p:nvSpPr>
+          <p:spPr>
+            <a:xfrm>
+              <a:off x="6275950" y="3511853"/>
+              <a:ext cx="1361271" cy="338554"/>
+            </a:xfrm>
+            <a:prstGeom prst="rect">
+              <a:avLst/>
+            </a:prstGeom>
+            <a:noFill/>
+          </p:spPr>
+          <p:txBody>
+            <a:bodyPr wrap="none" lIns="91440" tIns="45720" rIns="91440" bIns="45720">
+              <a:spAutoFit/>
+            </a:bodyPr>
+            <a:lstStyle/>
+            <a:p>
+              <a:pPr algn="ctr"/>
+              <a:r>
+                <a:rPr lang="en-US" sz="1600">
+                  <a:ln w="0"/>
+                  <a:solidFill>
+                    <a:schemeClr val="bg1"/>
+                  </a:solidFill>
+                  <a:effectLst>
+                    <a:outerShdw blurRad="38100" dist="19050" dir="2700000" algn="tl" rotWithShape="0">
+                      <a:schemeClr val="dk1">
+                        <a:alpha val="40000"/>
+                      </a:schemeClr>
+                    </a:outerShdw>
+                  </a:effectLst>
+                </a:rPr>
+                <a:t>2 phút 30 giây</a:t>
+              </a:r>
+              <a:endParaRPr lang="vi-VN" sz="1600" b="0" cap="none" spc="0">
+                <a:ln w="0"/>
+                <a:solidFill>
+                  <a:schemeClr val="bg1"/>
+                </a:solidFill>
+                <a:effectLst>
+                  <a:outerShdw blurRad="38100" dist="19050" dir="2700000" algn="tl" rotWithShape="0">
+                    <a:schemeClr val="dk1">
+                      <a:alpha val="40000"/>
+                    </a:schemeClr>
+                  </a:outerShdw>
+                </a:effectLst>
+              </a:endParaRPr>
+            </a:p>
+          </p:txBody>
+        </p:sp>
+      </p:grpSp>
     </p:spTree>
     <p:extLst>
       <p:ext uri="{BB962C8B-B14F-4D97-AF65-F5344CB8AC3E}">
-        <p14:creationId xmlns:p14="http://schemas.microsoft.com/office/powerpoint/2010/main" val="3110053730"/>
+        <p14:creationId xmlns:p14="http://schemas.microsoft.com/office/powerpoint/2010/main" val="1516989883"/>
       </p:ext>
     </p:extLst>
   </p:cSld>
